--- a/Dokumentation/Praesentation/Praesentation.pptx
+++ b/Dokumentation/Praesentation/Praesentation.pptx
@@ -5,12 +5,25 @@
     <p:sldMasterId id="2147483648" r:id="rId1"/>
   </p:sldMasterIdLst>
   <p:notesMasterIdLst>
-    <p:notesMasterId r:id="rId5"/>
+    <p:notesMasterId r:id="rId18"/>
   </p:notesMasterIdLst>
   <p:sldIdLst>
     <p:sldId id="256" r:id="rId2"/>
     <p:sldId id="257" r:id="rId3"/>
     <p:sldId id="258" r:id="rId4"/>
+    <p:sldId id="259" r:id="rId5"/>
+    <p:sldId id="261" r:id="rId6"/>
+    <p:sldId id="260" r:id="rId7"/>
+    <p:sldId id="262" r:id="rId8"/>
+    <p:sldId id="263" r:id="rId9"/>
+    <p:sldId id="264" r:id="rId10"/>
+    <p:sldId id="265" r:id="rId11"/>
+    <p:sldId id="266" r:id="rId12"/>
+    <p:sldId id="267" r:id="rId13"/>
+    <p:sldId id="268" r:id="rId14"/>
+    <p:sldId id="269" r:id="rId15"/>
+    <p:sldId id="270" r:id="rId16"/>
+    <p:sldId id="271" r:id="rId17"/>
   </p:sldIdLst>
   <p:sldSz cx="9144000" cy="6858000" type="screen4x3"/>
   <p:notesSz cx="6858000" cy="9144000"/>
@@ -194,7 +207,7 @@
           <a:p>
             <a:fld id="{AD8B85D8-A08F-474B-850C-6EBE1C4997FF}" type="datetimeFigureOut">
               <a:rPr lang="de-DE" smtClean="0"/>
-              <a:t>03.05.2013</a:t>
+              <a:t>16.05.2013</a:t>
             </a:fld>
             <a:endParaRPr lang="de-DE"/>
           </a:p>
@@ -643,7 +656,7 @@
           <a:p>
             <a:fld id="{2262EDCC-AC18-44F8-82D6-389A1A2ACCA2}" type="datetime1">
               <a:rPr lang="de-DE" smtClean="0"/>
-              <a:t>03.05.2013</a:t>
+              <a:t>16.05.2013</a:t>
             </a:fld>
             <a:endParaRPr lang="de-DE"/>
           </a:p>
@@ -815,7 +828,7 @@
           <a:p>
             <a:fld id="{CB217951-9D3E-47DC-B260-5DE836C303CA}" type="datetime1">
               <a:rPr lang="de-DE" smtClean="0"/>
-              <a:t>03.05.2013</a:t>
+              <a:t>16.05.2013</a:t>
             </a:fld>
             <a:endParaRPr lang="de-DE"/>
           </a:p>
@@ -990,7 +1003,7 @@
           <a:p>
             <a:fld id="{EEC388B6-8733-410D-8F87-E4ED4C6F4DA7}" type="datetime1">
               <a:rPr lang="de-DE" smtClean="0"/>
-              <a:t>03.05.2013</a:t>
+              <a:t>16.05.2013</a:t>
             </a:fld>
             <a:endParaRPr lang="de-DE"/>
           </a:p>
@@ -1075,7 +1088,7 @@
         </p:nvSpPr>
         <p:spPr>
           <a:xfrm>
-            <a:off x="457200" y="908720"/>
+            <a:off x="457200" y="764704"/>
             <a:ext cx="8229600" cy="936104"/>
           </a:xfrm>
         </p:spPr>
@@ -1109,7 +1122,7 @@
         </p:nvSpPr>
         <p:spPr>
           <a:xfrm>
-            <a:off x="457200" y="1988840"/>
+            <a:off x="457200" y="1844824"/>
             <a:ext cx="8229600" cy="4137323"/>
           </a:xfrm>
         </p:spPr>
@@ -1175,7 +1188,7 @@
           <a:p>
             <a:fld id="{93F45587-BEEE-4D54-90A9-A458946DA07D}" type="datetime1">
               <a:rPr lang="de-DE" smtClean="0"/>
-              <a:t>03.05.2013</a:t>
+              <a:t>16.05.2013</a:t>
             </a:fld>
             <a:endParaRPr lang="de-DE" dirty="0"/>
           </a:p>
@@ -1591,7 +1604,7 @@
           <a:p>
             <a:fld id="{37179F3E-53BB-4A1E-B9D8-AF3519983CCC}" type="datetime1">
               <a:rPr lang="de-DE" smtClean="0"/>
-              <a:t>03.05.2013</a:t>
+              <a:t>16.05.2013</a:t>
             </a:fld>
             <a:endParaRPr lang="de-DE" dirty="0"/>
           </a:p>
@@ -1886,7 +1899,7 @@
           <a:p>
             <a:fld id="{1A16814E-E00D-42D7-88BB-0C21ED97C26C}" type="datetime1">
               <a:rPr lang="de-DE" smtClean="0"/>
-              <a:t>03.05.2013</a:t>
+              <a:t>16.05.2013</a:t>
             </a:fld>
             <a:endParaRPr lang="de-DE"/>
           </a:p>
@@ -2303,7 +2316,7 @@
           <a:p>
             <a:fld id="{A7846212-3F43-49B0-9322-E3121984D0F5}" type="datetime1">
               <a:rPr lang="de-DE" smtClean="0"/>
-              <a:t>03.05.2013</a:t>
+              <a:t>16.05.2013</a:t>
             </a:fld>
             <a:endParaRPr lang="de-DE"/>
           </a:p>
@@ -2416,7 +2429,7 @@
           <a:p>
             <a:fld id="{33759B05-CA0A-42AB-AAD6-72142BAED1B5}" type="datetime1">
               <a:rPr lang="de-DE" smtClean="0"/>
-              <a:t>03.05.2013</a:t>
+              <a:t>16.05.2013</a:t>
             </a:fld>
             <a:endParaRPr lang="de-DE"/>
           </a:p>
@@ -2506,7 +2519,7 @@
           <a:p>
             <a:fld id="{3FC932FF-2A97-4EAE-B1FA-B102CC0C0A9E}" type="datetime1">
               <a:rPr lang="de-DE" smtClean="0"/>
-              <a:t>03.05.2013</a:t>
+              <a:t>16.05.2013</a:t>
             </a:fld>
             <a:endParaRPr lang="de-DE"/>
           </a:p>
@@ -2778,7 +2791,7 @@
           <a:p>
             <a:fld id="{1E2F9022-582B-4DAF-B74E-56B6795EA56A}" type="datetime1">
               <a:rPr lang="de-DE" smtClean="0"/>
-              <a:t>03.05.2013</a:t>
+              <a:t>16.05.2013</a:t>
             </a:fld>
             <a:endParaRPr lang="de-DE"/>
           </a:p>
@@ -3026,7 +3039,7 @@
           <a:p>
             <a:fld id="{8A551492-2435-4E67-B69C-BFD679A649D4}" type="datetime1">
               <a:rPr lang="de-DE" smtClean="0"/>
-              <a:t>03.05.2013</a:t>
+              <a:t>16.05.2013</a:t>
             </a:fld>
             <a:endParaRPr lang="de-DE"/>
           </a:p>
@@ -3234,7 +3247,7 @@
           <a:p>
             <a:fld id="{017F8D79-42BA-469E-A555-C90750336C1F}" type="datetime1">
               <a:rPr lang="de-DE" smtClean="0"/>
-              <a:t>03.05.2013</a:t>
+              <a:t>16.05.2013</a:t>
             </a:fld>
             <a:endParaRPr lang="de-DE"/>
           </a:p>
@@ -3670,6 +3683,2194 @@
 </p:sld>
 </file>
 
+<file path=ppt/slides/slide10.xml><?xml version="1.0" encoding="utf-8"?>
+<p:sld xmlns:a="http://schemas.openxmlformats.org/drawingml/2006/main" xmlns:r="http://schemas.openxmlformats.org/officeDocument/2006/relationships" xmlns:p="http://schemas.openxmlformats.org/presentationml/2006/main">
+  <p:cSld>
+    <p:spTree>
+      <p:nvGrpSpPr>
+        <p:cNvPr id="1" name=""/>
+        <p:cNvGrpSpPr/>
+        <p:nvPr/>
+      </p:nvGrpSpPr>
+      <p:grpSpPr>
+        <a:xfrm>
+          <a:off x="0" y="0"/>
+          <a:ext cx="0" cy="0"/>
+          <a:chOff x="0" y="0"/>
+          <a:chExt cx="0" cy="0"/>
+        </a:xfrm>
+      </p:grpSpPr>
+      <p:sp>
+        <p:nvSpPr>
+          <p:cNvPr id="2" name="Titel 1"/>
+          <p:cNvSpPr>
+            <a:spLocks noGrp="1"/>
+          </p:cNvSpPr>
+          <p:nvPr>
+            <p:ph type="title"/>
+          </p:nvPr>
+        </p:nvSpPr>
+        <p:spPr>
+          <a:xfrm>
+            <a:off x="446856" y="836712"/>
+            <a:ext cx="8229600" cy="936104"/>
+          </a:xfrm>
+        </p:spPr>
+        <p:txBody>
+          <a:bodyPr/>
+          <a:lstStyle/>
+          <a:p>
+            <a:r>
+              <a:rPr lang="de-DE" dirty="0" smtClean="0"/>
+              <a:t>Aufgabe: Die View</a:t>
+            </a:r>
+            <a:endParaRPr lang="de-DE" dirty="0"/>
+          </a:p>
+        </p:txBody>
+      </p:sp>
+      <p:sp>
+        <p:nvSpPr>
+          <p:cNvPr id="3" name="Inhaltsplatzhalter 2"/>
+          <p:cNvSpPr>
+            <a:spLocks noGrp="1"/>
+          </p:cNvSpPr>
+          <p:nvPr>
+            <p:ph idx="1"/>
+          </p:nvPr>
+        </p:nvSpPr>
+        <p:spPr>
+          <a:xfrm>
+            <a:off x="2267744" y="1916832"/>
+            <a:ext cx="4824536" cy="648072"/>
+          </a:xfrm>
+        </p:spPr>
+        <p:txBody>
+          <a:bodyPr/>
+          <a:lstStyle/>
+          <a:p>
+            <a:pPr marL="0" indent="0">
+              <a:buNone/>
+            </a:pPr>
+            <a:r>
+              <a:rPr lang="de-DE" dirty="0" smtClean="0"/>
+              <a:t>Was ist eine passive View?</a:t>
+            </a:r>
+            <a:endParaRPr lang="de-DE" dirty="0"/>
+          </a:p>
+        </p:txBody>
+      </p:sp>
+      <p:sp>
+        <p:nvSpPr>
+          <p:cNvPr id="4" name="Datumsplatzhalter 3"/>
+          <p:cNvSpPr>
+            <a:spLocks noGrp="1"/>
+          </p:cNvSpPr>
+          <p:nvPr>
+            <p:ph type="dt" sz="half" idx="10"/>
+          </p:nvPr>
+        </p:nvSpPr>
+        <p:spPr/>
+        <p:txBody>
+          <a:bodyPr/>
+          <a:lstStyle/>
+          <a:p>
+            <a:fld id="{93F45587-BEEE-4D54-90A9-A458946DA07D}" type="datetime1">
+              <a:rPr lang="de-DE" smtClean="0"/>
+              <a:t>16.05.2013</a:t>
+            </a:fld>
+            <a:endParaRPr lang="de-DE" dirty="0"/>
+          </a:p>
+        </p:txBody>
+      </p:sp>
+      <p:sp>
+        <p:nvSpPr>
+          <p:cNvPr id="5" name="Foliennummernplatzhalter 4"/>
+          <p:cNvSpPr>
+            <a:spLocks noGrp="1"/>
+          </p:cNvSpPr>
+          <p:nvPr>
+            <p:ph type="sldNum" sz="quarter" idx="12"/>
+          </p:nvPr>
+        </p:nvSpPr>
+        <p:spPr/>
+        <p:txBody>
+          <a:bodyPr/>
+          <a:lstStyle/>
+          <a:p>
+            <a:fld id="{6C6AE60A-B69C-4790-82F7-3882EDF23186}" type="slidenum">
+              <a:rPr lang="de-DE" smtClean="0"/>
+              <a:pPr/>
+              <a:t>10</a:t>
+            </a:fld>
+            <a:endParaRPr lang="de-DE" dirty="0"/>
+          </a:p>
+        </p:txBody>
+      </p:sp>
+      <p:sp>
+        <p:nvSpPr>
+          <p:cNvPr id="6" name="Pfeil nach oben 5"/>
+          <p:cNvSpPr/>
+          <p:nvPr/>
+        </p:nvSpPr>
+        <p:spPr>
+          <a:xfrm rot="10800000">
+            <a:off x="4252704" y="2708920"/>
+            <a:ext cx="484632" cy="618368"/>
+          </a:xfrm>
+          <a:prstGeom prst="upArrow">
+            <a:avLst/>
+          </a:prstGeom>
+        </p:spPr>
+        <p:style>
+          <a:lnRef idx="2">
+            <a:schemeClr val="accent1">
+              <a:shade val="50000"/>
+            </a:schemeClr>
+          </a:lnRef>
+          <a:fillRef idx="1">
+            <a:schemeClr val="accent1"/>
+          </a:fillRef>
+          <a:effectRef idx="0">
+            <a:schemeClr val="accent1"/>
+          </a:effectRef>
+          <a:fontRef idx="minor">
+            <a:schemeClr val="lt1"/>
+          </a:fontRef>
+        </p:style>
+        <p:txBody>
+          <a:bodyPr rtlCol="0" anchor="ctr"/>
+          <a:lstStyle/>
+          <a:p>
+            <a:pPr algn="ctr"/>
+            <a:endParaRPr lang="de-DE"/>
+          </a:p>
+        </p:txBody>
+      </p:sp>
+      <p:sp>
+        <p:nvSpPr>
+          <p:cNvPr id="7" name="Textfeld 6"/>
+          <p:cNvSpPr txBox="1"/>
+          <p:nvPr/>
+        </p:nvSpPr>
+        <p:spPr>
+          <a:xfrm>
+            <a:off x="179512" y="3573016"/>
+            <a:ext cx="8820472" cy="584775"/>
+          </a:xfrm>
+          <a:prstGeom prst="rect">
+            <a:avLst/>
+          </a:prstGeom>
+          <a:solidFill>
+            <a:schemeClr val="accent6">
+              <a:lumMod val="60000"/>
+              <a:lumOff val="40000"/>
+            </a:schemeClr>
+          </a:solidFill>
+        </p:spPr>
+        <p:txBody>
+          <a:bodyPr wrap="square" rtlCol="0">
+            <a:spAutoFit/>
+          </a:bodyPr>
+          <a:lstStyle/>
+          <a:p>
+            <a:pPr algn="ctr"/>
+            <a:r>
+              <a:rPr lang="de-DE" sz="3200" dirty="0" smtClean="0"/>
+              <a:t>Reduzierung der Programmlogik auf ein Minimum</a:t>
+            </a:r>
+          </a:p>
+        </p:txBody>
+      </p:sp>
+      <p:sp>
+        <p:nvSpPr>
+          <p:cNvPr id="8" name="Kreuz 7"/>
+          <p:cNvSpPr/>
+          <p:nvPr/>
+        </p:nvSpPr>
+        <p:spPr>
+          <a:xfrm>
+            <a:off x="4283968" y="4293096"/>
+            <a:ext cx="504056" cy="576064"/>
+          </a:xfrm>
+          <a:prstGeom prst="plus">
+            <a:avLst>
+              <a:gd name="adj" fmla="val 32045"/>
+            </a:avLst>
+          </a:prstGeom>
+        </p:spPr>
+        <p:style>
+          <a:lnRef idx="2">
+            <a:schemeClr val="accent1">
+              <a:shade val="50000"/>
+            </a:schemeClr>
+          </a:lnRef>
+          <a:fillRef idx="1">
+            <a:schemeClr val="accent1"/>
+          </a:fillRef>
+          <a:effectRef idx="0">
+            <a:schemeClr val="accent1"/>
+          </a:effectRef>
+          <a:fontRef idx="minor">
+            <a:schemeClr val="lt1"/>
+          </a:fontRef>
+        </p:style>
+        <p:txBody>
+          <a:bodyPr rtlCol="0" anchor="ctr"/>
+          <a:lstStyle/>
+          <a:p>
+            <a:pPr algn="ctr"/>
+            <a:endParaRPr lang="de-DE"/>
+          </a:p>
+        </p:txBody>
+      </p:sp>
+      <p:sp>
+        <p:nvSpPr>
+          <p:cNvPr id="9" name="Rechteck 8"/>
+          <p:cNvSpPr/>
+          <p:nvPr/>
+        </p:nvSpPr>
+        <p:spPr>
+          <a:xfrm>
+            <a:off x="395536" y="5085184"/>
+            <a:ext cx="8424936" cy="1077218"/>
+          </a:xfrm>
+          <a:prstGeom prst="rect">
+            <a:avLst/>
+          </a:prstGeom>
+          <a:solidFill>
+            <a:schemeClr val="accent6">
+              <a:lumMod val="60000"/>
+              <a:lumOff val="40000"/>
+            </a:schemeClr>
+          </a:solidFill>
+        </p:spPr>
+        <p:txBody>
+          <a:bodyPr wrap="square">
+            <a:spAutoFit/>
+          </a:bodyPr>
+          <a:lstStyle/>
+          <a:p>
+            <a:pPr algn="ctr"/>
+            <a:r>
+              <a:rPr lang="de-DE" sz="3200" dirty="0"/>
+              <a:t>Handler der GUI-Elemente werden in die View ausgelagert</a:t>
+            </a:r>
+            <a:endParaRPr lang="de-DE" sz="3200" dirty="0"/>
+          </a:p>
+        </p:txBody>
+      </p:sp>
+    </p:spTree>
+    <p:extLst>
+      <p:ext uri="{BB962C8B-B14F-4D97-AF65-F5344CB8AC3E}">
+        <p14:creationId xmlns:p14="http://schemas.microsoft.com/office/powerpoint/2010/main" val="368043059"/>
+      </p:ext>
+    </p:extLst>
+  </p:cSld>
+  <p:clrMapOvr>
+    <a:masterClrMapping/>
+  </p:clrMapOvr>
+  <p:timing>
+    <p:tnLst>
+      <p:par>
+        <p:cTn id="1" dur="indefinite" restart="never" nodeType="tmRoot"/>
+      </p:par>
+    </p:tnLst>
+  </p:timing>
+</p:sld>
+</file>
+
+<file path=ppt/slides/slide11.xml><?xml version="1.0" encoding="utf-8"?>
+<p:sld xmlns:a="http://schemas.openxmlformats.org/drawingml/2006/main" xmlns:r="http://schemas.openxmlformats.org/officeDocument/2006/relationships" xmlns:p="http://schemas.openxmlformats.org/presentationml/2006/main">
+  <p:cSld>
+    <p:spTree>
+      <p:nvGrpSpPr>
+        <p:cNvPr id="1" name=""/>
+        <p:cNvGrpSpPr/>
+        <p:nvPr/>
+      </p:nvGrpSpPr>
+      <p:grpSpPr>
+        <a:xfrm>
+          <a:off x="0" y="0"/>
+          <a:ext cx="0" cy="0"/>
+          <a:chOff x="0" y="0"/>
+          <a:chExt cx="0" cy="0"/>
+        </a:xfrm>
+      </p:grpSpPr>
+      <p:sp>
+        <p:nvSpPr>
+          <p:cNvPr id="2" name="Titel 1"/>
+          <p:cNvSpPr>
+            <a:spLocks noGrp="1"/>
+          </p:cNvSpPr>
+          <p:nvPr>
+            <p:ph type="title"/>
+          </p:nvPr>
+        </p:nvSpPr>
+        <p:spPr/>
+        <p:txBody>
+          <a:bodyPr/>
+          <a:lstStyle/>
+          <a:p>
+            <a:r>
+              <a:rPr lang="de-DE" dirty="0" smtClean="0"/>
+              <a:t>Möglicher MVP-Aufbau</a:t>
+            </a:r>
+            <a:endParaRPr lang="de-DE" dirty="0"/>
+          </a:p>
+        </p:txBody>
+      </p:sp>
+      <p:sp>
+        <p:nvSpPr>
+          <p:cNvPr id="4" name="Datumsplatzhalter 3"/>
+          <p:cNvSpPr>
+            <a:spLocks noGrp="1"/>
+          </p:cNvSpPr>
+          <p:nvPr>
+            <p:ph type="dt" sz="half" idx="10"/>
+          </p:nvPr>
+        </p:nvSpPr>
+        <p:spPr/>
+        <p:txBody>
+          <a:bodyPr/>
+          <a:lstStyle/>
+          <a:p>
+            <a:fld id="{93F45587-BEEE-4D54-90A9-A458946DA07D}" type="datetime1">
+              <a:rPr lang="de-DE" smtClean="0"/>
+              <a:t>16.05.2013</a:t>
+            </a:fld>
+            <a:endParaRPr lang="de-DE" dirty="0"/>
+          </a:p>
+        </p:txBody>
+      </p:sp>
+      <p:sp>
+        <p:nvSpPr>
+          <p:cNvPr id="5" name="Foliennummernplatzhalter 4"/>
+          <p:cNvSpPr>
+            <a:spLocks noGrp="1"/>
+          </p:cNvSpPr>
+          <p:nvPr>
+            <p:ph type="sldNum" sz="quarter" idx="12"/>
+          </p:nvPr>
+        </p:nvSpPr>
+        <p:spPr/>
+        <p:txBody>
+          <a:bodyPr/>
+          <a:lstStyle/>
+          <a:p>
+            <a:fld id="{6C6AE60A-B69C-4790-82F7-3882EDF23186}" type="slidenum">
+              <a:rPr lang="de-DE" smtClean="0"/>
+              <a:pPr/>
+              <a:t>11</a:t>
+            </a:fld>
+            <a:endParaRPr lang="de-DE" dirty="0"/>
+          </a:p>
+        </p:txBody>
+      </p:sp>
+      <p:pic>
+        <p:nvPicPr>
+          <p:cNvPr id="2050" name="Picture 2" descr="C:\Design-Pattern-MVC\ausarbeitung_latex\figure\MVP\MVP_classDiagramm_Example.png"/>
+          <p:cNvPicPr>
+            <a:picLocks noChangeAspect="1" noChangeArrowheads="1"/>
+          </p:cNvPicPr>
+          <p:nvPr/>
+        </p:nvPicPr>
+        <p:blipFill>
+          <a:blip r:embed="rId2">
+            <a:extLst>
+              <a:ext uri="{28A0092B-C50C-407E-A947-70E740481C1C}">
+                <a14:useLocalDpi xmlns:a14="http://schemas.microsoft.com/office/drawing/2010/main" val="0"/>
+              </a:ext>
+            </a:extLst>
+          </a:blip>
+          <a:srcRect/>
+          <a:stretch>
+            <a:fillRect/>
+          </a:stretch>
+        </p:blipFill>
+        <p:spPr bwMode="auto">
+          <a:xfrm>
+            <a:off x="2267744" y="1556792"/>
+            <a:ext cx="3960440" cy="5062749"/>
+          </a:xfrm>
+          <a:prstGeom prst="rect">
+            <a:avLst/>
+          </a:prstGeom>
+          <a:noFill/>
+          <a:extLst>
+            <a:ext uri="{909E8E84-426E-40DD-AFC4-6F175D3DCCD1}">
+              <a14:hiddenFill xmlns:a14="http://schemas.microsoft.com/office/drawing/2010/main">
+                <a:solidFill>
+                  <a:srgbClr val="FFFFFF"/>
+                </a:solidFill>
+              </a14:hiddenFill>
+            </a:ext>
+          </a:extLst>
+        </p:spPr>
+      </p:pic>
+    </p:spTree>
+    <p:extLst>
+      <p:ext uri="{BB962C8B-B14F-4D97-AF65-F5344CB8AC3E}">
+        <p14:creationId xmlns:p14="http://schemas.microsoft.com/office/powerpoint/2010/main" val="2661548110"/>
+      </p:ext>
+    </p:extLst>
+  </p:cSld>
+  <p:clrMapOvr>
+    <a:masterClrMapping/>
+  </p:clrMapOvr>
+  <p:timing>
+    <p:tnLst>
+      <p:par>
+        <p:cTn id="1" dur="indefinite" restart="never" nodeType="tmRoot"/>
+      </p:par>
+    </p:tnLst>
+  </p:timing>
+</p:sld>
+</file>
+
+<file path=ppt/slides/slide12.xml><?xml version="1.0" encoding="utf-8"?>
+<p:sld xmlns:a="http://schemas.openxmlformats.org/drawingml/2006/main" xmlns:r="http://schemas.openxmlformats.org/officeDocument/2006/relationships" xmlns:p="http://schemas.openxmlformats.org/presentationml/2006/main">
+  <p:cSld>
+    <p:spTree>
+      <p:nvGrpSpPr>
+        <p:cNvPr id="1" name=""/>
+        <p:cNvGrpSpPr/>
+        <p:nvPr/>
+      </p:nvGrpSpPr>
+      <p:grpSpPr>
+        <a:xfrm>
+          <a:off x="0" y="0"/>
+          <a:ext cx="0" cy="0"/>
+          <a:chOff x="0" y="0"/>
+          <a:chExt cx="0" cy="0"/>
+        </a:xfrm>
+      </p:grpSpPr>
+      <p:sp>
+        <p:nvSpPr>
+          <p:cNvPr id="2" name="Titel 1"/>
+          <p:cNvSpPr>
+            <a:spLocks noGrp="1"/>
+          </p:cNvSpPr>
+          <p:nvPr>
+            <p:ph type="title"/>
+          </p:nvPr>
+        </p:nvSpPr>
+        <p:spPr/>
+        <p:txBody>
+          <a:bodyPr/>
+          <a:lstStyle/>
+          <a:p>
+            <a:r>
+              <a:rPr lang="de-DE" dirty="0"/>
+              <a:t>k</a:t>
+            </a:r>
+            <a:r>
+              <a:rPr lang="de-DE" dirty="0" smtClean="0"/>
+              <a:t>onkrete Problemstellung</a:t>
+            </a:r>
+            <a:endParaRPr lang="de-DE" dirty="0"/>
+          </a:p>
+        </p:txBody>
+      </p:sp>
+      <p:sp>
+        <p:nvSpPr>
+          <p:cNvPr id="3" name="Inhaltsplatzhalter 2"/>
+          <p:cNvSpPr>
+            <a:spLocks noGrp="1"/>
+          </p:cNvSpPr>
+          <p:nvPr>
+            <p:ph idx="1"/>
+          </p:nvPr>
+        </p:nvSpPr>
+        <p:spPr/>
+        <p:txBody>
+          <a:bodyPr/>
+          <a:lstStyle/>
+          <a:p>
+            <a:pPr marL="0" indent="0">
+              <a:buNone/>
+            </a:pPr>
+            <a:endParaRPr lang="de-DE" dirty="0"/>
+          </a:p>
+        </p:txBody>
+      </p:sp>
+      <p:sp>
+        <p:nvSpPr>
+          <p:cNvPr id="4" name="Datumsplatzhalter 3"/>
+          <p:cNvSpPr>
+            <a:spLocks noGrp="1"/>
+          </p:cNvSpPr>
+          <p:nvPr>
+            <p:ph type="dt" sz="half" idx="10"/>
+          </p:nvPr>
+        </p:nvSpPr>
+        <p:spPr/>
+        <p:txBody>
+          <a:bodyPr/>
+          <a:lstStyle/>
+          <a:p>
+            <a:fld id="{93F45587-BEEE-4D54-90A9-A458946DA07D}" type="datetime1">
+              <a:rPr lang="de-DE" smtClean="0"/>
+              <a:t>16.05.2013</a:t>
+            </a:fld>
+            <a:endParaRPr lang="de-DE" dirty="0"/>
+          </a:p>
+        </p:txBody>
+      </p:sp>
+      <p:sp>
+        <p:nvSpPr>
+          <p:cNvPr id="5" name="Foliennummernplatzhalter 4"/>
+          <p:cNvSpPr>
+            <a:spLocks noGrp="1"/>
+          </p:cNvSpPr>
+          <p:nvPr>
+            <p:ph type="sldNum" sz="quarter" idx="12"/>
+          </p:nvPr>
+        </p:nvSpPr>
+        <p:spPr/>
+        <p:txBody>
+          <a:bodyPr/>
+          <a:lstStyle/>
+          <a:p>
+            <a:fld id="{6C6AE60A-B69C-4790-82F7-3882EDF23186}" type="slidenum">
+              <a:rPr lang="de-DE" smtClean="0"/>
+              <a:pPr/>
+              <a:t>12</a:t>
+            </a:fld>
+            <a:endParaRPr lang="de-DE" dirty="0"/>
+          </a:p>
+        </p:txBody>
+      </p:sp>
+    </p:spTree>
+    <p:extLst>
+      <p:ext uri="{BB962C8B-B14F-4D97-AF65-F5344CB8AC3E}">
+        <p14:creationId xmlns:p14="http://schemas.microsoft.com/office/powerpoint/2010/main" val="4134452096"/>
+      </p:ext>
+    </p:extLst>
+  </p:cSld>
+  <p:clrMapOvr>
+    <a:masterClrMapping/>
+  </p:clrMapOvr>
+  <p:timing>
+    <p:tnLst>
+      <p:par>
+        <p:cTn id="1" dur="indefinite" restart="never" nodeType="tmRoot"/>
+      </p:par>
+    </p:tnLst>
+  </p:timing>
+</p:sld>
+</file>
+
+<file path=ppt/slides/slide13.xml><?xml version="1.0" encoding="utf-8"?>
+<p:sld xmlns:a="http://schemas.openxmlformats.org/drawingml/2006/main" xmlns:r="http://schemas.openxmlformats.org/officeDocument/2006/relationships" xmlns:p="http://schemas.openxmlformats.org/presentationml/2006/main">
+  <p:cSld>
+    <p:spTree>
+      <p:nvGrpSpPr>
+        <p:cNvPr id="1" name=""/>
+        <p:cNvGrpSpPr/>
+        <p:nvPr/>
+      </p:nvGrpSpPr>
+      <p:grpSpPr>
+        <a:xfrm>
+          <a:off x="0" y="0"/>
+          <a:ext cx="0" cy="0"/>
+          <a:chOff x="0" y="0"/>
+          <a:chExt cx="0" cy="0"/>
+        </a:xfrm>
+      </p:grpSpPr>
+      <p:sp>
+        <p:nvSpPr>
+          <p:cNvPr id="2" name="Titel 1"/>
+          <p:cNvSpPr>
+            <a:spLocks noGrp="1"/>
+          </p:cNvSpPr>
+          <p:nvPr>
+            <p:ph type="title"/>
+          </p:nvPr>
+        </p:nvSpPr>
+        <p:spPr/>
+        <p:txBody>
+          <a:bodyPr/>
+          <a:lstStyle/>
+          <a:p>
+            <a:r>
+              <a:rPr lang="de-DE" dirty="0" smtClean="0"/>
+              <a:t>Vorteile</a:t>
+            </a:r>
+            <a:endParaRPr lang="de-DE" dirty="0"/>
+          </a:p>
+        </p:txBody>
+      </p:sp>
+      <p:sp>
+        <p:nvSpPr>
+          <p:cNvPr id="3" name="Inhaltsplatzhalter 2"/>
+          <p:cNvSpPr>
+            <a:spLocks noGrp="1"/>
+          </p:cNvSpPr>
+          <p:nvPr>
+            <p:ph idx="1"/>
+          </p:nvPr>
+        </p:nvSpPr>
+        <p:spPr/>
+        <p:txBody>
+          <a:bodyPr/>
+          <a:lstStyle/>
+          <a:p>
+            <a:r>
+              <a:rPr lang="de-DE" dirty="0" err="1" smtClean="0"/>
+              <a:t>Komponten</a:t>
+            </a:r>
+            <a:r>
+              <a:rPr lang="de-DE" dirty="0" smtClean="0"/>
+              <a:t>/Module sind austauschbar</a:t>
+            </a:r>
+          </a:p>
+          <a:p>
+            <a:r>
+              <a:rPr lang="de-DE" dirty="0" smtClean="0"/>
+              <a:t>Testen der Anwendung vereinfacht ( bessere Wartbarkeit)</a:t>
+            </a:r>
+          </a:p>
+          <a:p>
+            <a:r>
+              <a:rPr lang="de-DE" dirty="0" smtClean="0"/>
+              <a:t>Einfach erweiterbar</a:t>
+            </a:r>
+          </a:p>
+          <a:p>
+            <a:r>
+              <a:rPr lang="de-DE" dirty="0" smtClean="0"/>
+              <a:t>Klare Aufgabenteilung der Komponenten </a:t>
+            </a:r>
+          </a:p>
+          <a:p>
+            <a:pPr marL="0" indent="0">
+              <a:buNone/>
+            </a:pPr>
+            <a:endParaRPr lang="de-DE" dirty="0"/>
+          </a:p>
+        </p:txBody>
+      </p:sp>
+      <p:sp>
+        <p:nvSpPr>
+          <p:cNvPr id="4" name="Datumsplatzhalter 3"/>
+          <p:cNvSpPr>
+            <a:spLocks noGrp="1"/>
+          </p:cNvSpPr>
+          <p:nvPr>
+            <p:ph type="dt" sz="half" idx="10"/>
+          </p:nvPr>
+        </p:nvSpPr>
+        <p:spPr/>
+        <p:txBody>
+          <a:bodyPr/>
+          <a:lstStyle/>
+          <a:p>
+            <a:fld id="{93F45587-BEEE-4D54-90A9-A458946DA07D}" type="datetime1">
+              <a:rPr lang="de-DE" smtClean="0"/>
+              <a:t>16.05.2013</a:t>
+            </a:fld>
+            <a:endParaRPr lang="de-DE" dirty="0"/>
+          </a:p>
+        </p:txBody>
+      </p:sp>
+      <p:sp>
+        <p:nvSpPr>
+          <p:cNvPr id="5" name="Foliennummernplatzhalter 4"/>
+          <p:cNvSpPr>
+            <a:spLocks noGrp="1"/>
+          </p:cNvSpPr>
+          <p:nvPr>
+            <p:ph type="sldNum" sz="quarter" idx="12"/>
+          </p:nvPr>
+        </p:nvSpPr>
+        <p:spPr/>
+        <p:txBody>
+          <a:bodyPr/>
+          <a:lstStyle/>
+          <a:p>
+            <a:fld id="{6C6AE60A-B69C-4790-82F7-3882EDF23186}" type="slidenum">
+              <a:rPr lang="de-DE" smtClean="0"/>
+              <a:pPr/>
+              <a:t>13</a:t>
+            </a:fld>
+            <a:endParaRPr lang="de-DE" dirty="0"/>
+          </a:p>
+        </p:txBody>
+      </p:sp>
+    </p:spTree>
+    <p:extLst>
+      <p:ext uri="{BB962C8B-B14F-4D97-AF65-F5344CB8AC3E}">
+        <p14:creationId xmlns:p14="http://schemas.microsoft.com/office/powerpoint/2010/main" val="294730918"/>
+      </p:ext>
+    </p:extLst>
+  </p:cSld>
+  <p:clrMapOvr>
+    <a:masterClrMapping/>
+  </p:clrMapOvr>
+  <p:timing>
+    <p:tnLst>
+      <p:par>
+        <p:cTn id="1" dur="indefinite" restart="never" nodeType="tmRoot"/>
+      </p:par>
+    </p:tnLst>
+  </p:timing>
+</p:sld>
+</file>
+
+<file path=ppt/slides/slide14.xml><?xml version="1.0" encoding="utf-8"?>
+<p:sld xmlns:a="http://schemas.openxmlformats.org/drawingml/2006/main" xmlns:r="http://schemas.openxmlformats.org/officeDocument/2006/relationships" xmlns:p="http://schemas.openxmlformats.org/presentationml/2006/main">
+  <p:cSld>
+    <p:spTree>
+      <p:nvGrpSpPr>
+        <p:cNvPr id="1" name=""/>
+        <p:cNvGrpSpPr/>
+        <p:nvPr/>
+      </p:nvGrpSpPr>
+      <p:grpSpPr>
+        <a:xfrm>
+          <a:off x="0" y="0"/>
+          <a:ext cx="0" cy="0"/>
+          <a:chOff x="0" y="0"/>
+          <a:chExt cx="0" cy="0"/>
+        </a:xfrm>
+      </p:grpSpPr>
+      <p:sp>
+        <p:nvSpPr>
+          <p:cNvPr id="2" name="Titel 1"/>
+          <p:cNvSpPr>
+            <a:spLocks noGrp="1"/>
+          </p:cNvSpPr>
+          <p:nvPr>
+            <p:ph type="title"/>
+          </p:nvPr>
+        </p:nvSpPr>
+        <p:spPr/>
+        <p:txBody>
+          <a:bodyPr/>
+          <a:lstStyle/>
+          <a:p>
+            <a:r>
+              <a:rPr lang="de-DE" dirty="0" smtClean="0"/>
+              <a:t>Nachteile</a:t>
+            </a:r>
+            <a:endParaRPr lang="de-DE" dirty="0"/>
+          </a:p>
+        </p:txBody>
+      </p:sp>
+      <p:sp>
+        <p:nvSpPr>
+          <p:cNvPr id="3" name="Inhaltsplatzhalter 2"/>
+          <p:cNvSpPr>
+            <a:spLocks noGrp="1"/>
+          </p:cNvSpPr>
+          <p:nvPr>
+            <p:ph idx="1"/>
+          </p:nvPr>
+        </p:nvSpPr>
+        <p:spPr>
+          <a:xfrm>
+            <a:off x="457200" y="1844825"/>
+            <a:ext cx="8229600" cy="2016224"/>
+          </a:xfrm>
+        </p:spPr>
+        <p:txBody>
+          <a:bodyPr/>
+          <a:lstStyle/>
+          <a:p>
+            <a:r>
+              <a:rPr lang="de-DE" dirty="0" smtClean="0"/>
+              <a:t>Hoher Designaufwand</a:t>
+            </a:r>
+          </a:p>
+          <a:p>
+            <a:r>
+              <a:rPr lang="de-DE" dirty="0" smtClean="0"/>
+              <a:t>Nicht auf jedes Szenario anwendbar</a:t>
+            </a:r>
+          </a:p>
+          <a:p>
+            <a:r>
+              <a:rPr lang="de-DE" dirty="0" smtClean="0"/>
+              <a:t>Je nach Implementierungsart:</a:t>
+            </a:r>
+          </a:p>
+          <a:p>
+            <a:endParaRPr lang="de-DE" dirty="0"/>
+          </a:p>
+          <a:p>
+            <a:endParaRPr lang="de-DE" dirty="0" smtClean="0"/>
+          </a:p>
+          <a:p>
+            <a:pPr marL="0" indent="0">
+              <a:buNone/>
+            </a:pPr>
+            <a:endParaRPr lang="de-DE" dirty="0"/>
+          </a:p>
+        </p:txBody>
+      </p:sp>
+      <p:sp>
+        <p:nvSpPr>
+          <p:cNvPr id="4" name="Datumsplatzhalter 3"/>
+          <p:cNvSpPr>
+            <a:spLocks noGrp="1"/>
+          </p:cNvSpPr>
+          <p:nvPr>
+            <p:ph type="dt" sz="half" idx="10"/>
+          </p:nvPr>
+        </p:nvSpPr>
+        <p:spPr/>
+        <p:txBody>
+          <a:bodyPr/>
+          <a:lstStyle/>
+          <a:p>
+            <a:fld id="{93F45587-BEEE-4D54-90A9-A458946DA07D}" type="datetime1">
+              <a:rPr lang="de-DE" smtClean="0"/>
+              <a:t>16.05.2013</a:t>
+            </a:fld>
+            <a:endParaRPr lang="de-DE" dirty="0"/>
+          </a:p>
+        </p:txBody>
+      </p:sp>
+      <p:sp>
+        <p:nvSpPr>
+          <p:cNvPr id="5" name="Foliennummernplatzhalter 4"/>
+          <p:cNvSpPr>
+            <a:spLocks noGrp="1"/>
+          </p:cNvSpPr>
+          <p:nvPr>
+            <p:ph type="sldNum" sz="quarter" idx="12"/>
+          </p:nvPr>
+        </p:nvSpPr>
+        <p:spPr/>
+        <p:txBody>
+          <a:bodyPr/>
+          <a:lstStyle/>
+          <a:p>
+            <a:fld id="{6C6AE60A-B69C-4790-82F7-3882EDF23186}" type="slidenum">
+              <a:rPr lang="de-DE" smtClean="0"/>
+              <a:pPr/>
+              <a:t>14</a:t>
+            </a:fld>
+            <a:endParaRPr lang="de-DE" dirty="0"/>
+          </a:p>
+        </p:txBody>
+      </p:sp>
+      <p:sp>
+        <p:nvSpPr>
+          <p:cNvPr id="7" name="Textfeld 6"/>
+          <p:cNvSpPr txBox="1"/>
+          <p:nvPr/>
+        </p:nvSpPr>
+        <p:spPr>
+          <a:xfrm>
+            <a:off x="2051720" y="5267345"/>
+            <a:ext cx="4814523" cy="584775"/>
+          </a:xfrm>
+          <a:prstGeom prst="rect">
+            <a:avLst/>
+          </a:prstGeom>
+          <a:solidFill>
+            <a:schemeClr val="accent6">
+              <a:lumMod val="60000"/>
+              <a:lumOff val="40000"/>
+            </a:schemeClr>
+          </a:solidFill>
+        </p:spPr>
+        <p:txBody>
+          <a:bodyPr wrap="none" rtlCol="0">
+            <a:spAutoFit/>
+          </a:bodyPr>
+          <a:lstStyle/>
+          <a:p>
+            <a:r>
+              <a:rPr lang="de-DE" sz="3200" dirty="0"/>
+              <a:t>höherer </a:t>
+            </a:r>
+            <a:r>
+              <a:rPr lang="de-DE" sz="3200" dirty="0" err="1" smtClean="0"/>
+              <a:t>Resourcenaufwand</a:t>
+            </a:r>
+            <a:endParaRPr lang="de-DE" sz="3200" dirty="0"/>
+          </a:p>
+        </p:txBody>
+      </p:sp>
+      <p:sp>
+        <p:nvSpPr>
+          <p:cNvPr id="8" name="Pfeil nach unten 7"/>
+          <p:cNvSpPr/>
+          <p:nvPr/>
+        </p:nvSpPr>
+        <p:spPr>
+          <a:xfrm>
+            <a:off x="4139952" y="3789040"/>
+            <a:ext cx="864096" cy="1224136"/>
+          </a:xfrm>
+          <a:prstGeom prst="downArrow">
+            <a:avLst/>
+          </a:prstGeom>
+        </p:spPr>
+        <p:style>
+          <a:lnRef idx="2">
+            <a:schemeClr val="accent1">
+              <a:shade val="50000"/>
+            </a:schemeClr>
+          </a:lnRef>
+          <a:fillRef idx="1">
+            <a:schemeClr val="accent1"/>
+          </a:fillRef>
+          <a:effectRef idx="0">
+            <a:schemeClr val="accent1"/>
+          </a:effectRef>
+          <a:fontRef idx="minor">
+            <a:schemeClr val="lt1"/>
+          </a:fontRef>
+        </p:style>
+        <p:txBody>
+          <a:bodyPr rtlCol="0" anchor="ctr"/>
+          <a:lstStyle/>
+          <a:p>
+            <a:pPr algn="ctr"/>
+            <a:endParaRPr lang="de-DE"/>
+          </a:p>
+        </p:txBody>
+      </p:sp>
+    </p:spTree>
+    <p:extLst>
+      <p:ext uri="{BB962C8B-B14F-4D97-AF65-F5344CB8AC3E}">
+        <p14:creationId xmlns:p14="http://schemas.microsoft.com/office/powerpoint/2010/main" val="4177885348"/>
+      </p:ext>
+    </p:extLst>
+  </p:cSld>
+  <p:clrMapOvr>
+    <a:masterClrMapping/>
+  </p:clrMapOvr>
+  <p:timing>
+    <p:tnLst>
+      <p:par>
+        <p:cTn id="1" dur="indefinite" restart="never" nodeType="tmRoot"/>
+      </p:par>
+    </p:tnLst>
+  </p:timing>
+</p:sld>
+</file>
+
+<file path=ppt/slides/slide15.xml><?xml version="1.0" encoding="utf-8"?>
+<p:sld xmlns:a="http://schemas.openxmlformats.org/drawingml/2006/main" xmlns:r="http://schemas.openxmlformats.org/officeDocument/2006/relationships" xmlns:p="http://schemas.openxmlformats.org/presentationml/2006/main">
+  <p:cSld>
+    <p:spTree>
+      <p:nvGrpSpPr>
+        <p:cNvPr id="1" name=""/>
+        <p:cNvGrpSpPr/>
+        <p:nvPr/>
+      </p:nvGrpSpPr>
+      <p:grpSpPr>
+        <a:xfrm>
+          <a:off x="0" y="0"/>
+          <a:ext cx="0" cy="0"/>
+          <a:chOff x="0" y="0"/>
+          <a:chExt cx="0" cy="0"/>
+        </a:xfrm>
+      </p:grpSpPr>
+      <p:sp>
+        <p:nvSpPr>
+          <p:cNvPr id="2" name="Titel 1"/>
+          <p:cNvSpPr>
+            <a:spLocks noGrp="1"/>
+          </p:cNvSpPr>
+          <p:nvPr>
+            <p:ph type="title"/>
+          </p:nvPr>
+        </p:nvSpPr>
+        <p:spPr/>
+        <p:txBody>
+          <a:bodyPr/>
+          <a:lstStyle/>
+          <a:p>
+            <a:r>
+              <a:rPr lang="de-DE" dirty="0" smtClean="0"/>
+              <a:t>(Subjektives) Fazit</a:t>
+            </a:r>
+            <a:endParaRPr lang="de-DE" dirty="0"/>
+          </a:p>
+        </p:txBody>
+      </p:sp>
+      <p:sp>
+        <p:nvSpPr>
+          <p:cNvPr id="4" name="Datumsplatzhalter 3"/>
+          <p:cNvSpPr>
+            <a:spLocks noGrp="1"/>
+          </p:cNvSpPr>
+          <p:nvPr>
+            <p:ph type="dt" sz="half" idx="10"/>
+          </p:nvPr>
+        </p:nvSpPr>
+        <p:spPr/>
+        <p:txBody>
+          <a:bodyPr/>
+          <a:lstStyle/>
+          <a:p>
+            <a:fld id="{93F45587-BEEE-4D54-90A9-A458946DA07D}" type="datetime1">
+              <a:rPr lang="de-DE" smtClean="0"/>
+              <a:t>16.05.2013</a:t>
+            </a:fld>
+            <a:endParaRPr lang="de-DE" dirty="0"/>
+          </a:p>
+        </p:txBody>
+      </p:sp>
+      <p:sp>
+        <p:nvSpPr>
+          <p:cNvPr id="5" name="Foliennummernplatzhalter 4"/>
+          <p:cNvSpPr>
+            <a:spLocks noGrp="1"/>
+          </p:cNvSpPr>
+          <p:nvPr>
+            <p:ph type="sldNum" sz="quarter" idx="12"/>
+          </p:nvPr>
+        </p:nvSpPr>
+        <p:spPr/>
+        <p:txBody>
+          <a:bodyPr/>
+          <a:lstStyle/>
+          <a:p>
+            <a:fld id="{6C6AE60A-B69C-4790-82F7-3882EDF23186}" type="slidenum">
+              <a:rPr lang="de-DE" smtClean="0"/>
+              <a:pPr/>
+              <a:t>15</a:t>
+            </a:fld>
+            <a:endParaRPr lang="de-DE" dirty="0"/>
+          </a:p>
+        </p:txBody>
+      </p:sp>
+      <p:sp>
+        <p:nvSpPr>
+          <p:cNvPr id="7" name="Inhaltsplatzhalter 2"/>
+          <p:cNvSpPr txBox="1">
+            <a:spLocks/>
+          </p:cNvSpPr>
+          <p:nvPr/>
+        </p:nvSpPr>
+        <p:spPr>
+          <a:xfrm>
+            <a:off x="529208" y="1700808"/>
+            <a:ext cx="3034680" cy="1152128"/>
+          </a:xfrm>
+          <a:prstGeom prst="rect">
+            <a:avLst/>
+          </a:prstGeom>
+          <a:solidFill>
+            <a:schemeClr val="accent6">
+              <a:lumMod val="60000"/>
+              <a:lumOff val="40000"/>
+            </a:schemeClr>
+          </a:solidFill>
+        </p:spPr>
+        <p:txBody>
+          <a:bodyPr vert="horz" lIns="91440" tIns="45720" rIns="91440" bIns="45720" rtlCol="0">
+            <a:normAutofit/>
+          </a:bodyPr>
+          <a:lstStyle>
+            <a:lvl1pPr marL="342900" indent="-342900" algn="l" defTabSz="914400" rtl="0" eaLnBrk="1" latinLnBrk="0" hangingPunct="1">
+              <a:spcBef>
+                <a:spcPct val="20000"/>
+              </a:spcBef>
+              <a:buFont typeface="Arial" pitchFamily="34" charset="0"/>
+              <a:buChar char="•"/>
+              <a:defRPr sz="3200" kern="1200">
+                <a:solidFill>
+                  <a:schemeClr val="tx1"/>
+                </a:solidFill>
+                <a:latin typeface="+mn-lt"/>
+                <a:ea typeface="+mn-ea"/>
+                <a:cs typeface="+mn-cs"/>
+              </a:defRPr>
+            </a:lvl1pPr>
+            <a:lvl2pPr marL="742950" indent="-285750" algn="l" defTabSz="914400" rtl="0" eaLnBrk="1" latinLnBrk="0" hangingPunct="1">
+              <a:spcBef>
+                <a:spcPct val="20000"/>
+              </a:spcBef>
+              <a:buFont typeface="Arial" pitchFamily="34" charset="0"/>
+              <a:buChar char="–"/>
+              <a:defRPr sz="2800" kern="1200">
+                <a:solidFill>
+                  <a:schemeClr val="tx1"/>
+                </a:solidFill>
+                <a:latin typeface="+mn-lt"/>
+                <a:ea typeface="+mn-ea"/>
+                <a:cs typeface="+mn-cs"/>
+              </a:defRPr>
+            </a:lvl2pPr>
+            <a:lvl3pPr marL="1143000" indent="-228600" algn="l" defTabSz="914400" rtl="0" eaLnBrk="1" latinLnBrk="0" hangingPunct="1">
+              <a:spcBef>
+                <a:spcPct val="20000"/>
+              </a:spcBef>
+              <a:buFont typeface="Arial" pitchFamily="34" charset="0"/>
+              <a:buChar char="•"/>
+              <a:defRPr sz="2400" kern="1200">
+                <a:solidFill>
+                  <a:schemeClr val="tx1"/>
+                </a:solidFill>
+                <a:latin typeface="+mn-lt"/>
+                <a:ea typeface="+mn-ea"/>
+                <a:cs typeface="+mn-cs"/>
+              </a:defRPr>
+            </a:lvl3pPr>
+            <a:lvl4pPr marL="1600200" indent="-228600" algn="l" defTabSz="914400" rtl="0" eaLnBrk="1" latinLnBrk="0" hangingPunct="1">
+              <a:spcBef>
+                <a:spcPct val="20000"/>
+              </a:spcBef>
+              <a:buFont typeface="Arial" pitchFamily="34" charset="0"/>
+              <a:buChar char="–"/>
+              <a:defRPr sz="2000" kern="1200">
+                <a:solidFill>
+                  <a:schemeClr val="tx1"/>
+                </a:solidFill>
+                <a:latin typeface="+mn-lt"/>
+                <a:ea typeface="+mn-ea"/>
+                <a:cs typeface="+mn-cs"/>
+              </a:defRPr>
+            </a:lvl4pPr>
+            <a:lvl5pPr marL="2057400" indent="-228600" algn="l" defTabSz="914400" rtl="0" eaLnBrk="1" latinLnBrk="0" hangingPunct="1">
+              <a:spcBef>
+                <a:spcPct val="20000"/>
+              </a:spcBef>
+              <a:buFont typeface="Arial" pitchFamily="34" charset="0"/>
+              <a:buChar char="»"/>
+              <a:defRPr sz="2000" kern="1200">
+                <a:solidFill>
+                  <a:schemeClr val="tx1"/>
+                </a:solidFill>
+                <a:latin typeface="+mn-lt"/>
+                <a:ea typeface="+mn-ea"/>
+                <a:cs typeface="+mn-cs"/>
+              </a:defRPr>
+            </a:lvl5pPr>
+            <a:lvl6pPr marL="2514600" indent="-228600" algn="l" defTabSz="914400" rtl="0" eaLnBrk="1" latinLnBrk="0" hangingPunct="1">
+              <a:spcBef>
+                <a:spcPct val="20000"/>
+              </a:spcBef>
+              <a:buFont typeface="Arial" pitchFamily="34" charset="0"/>
+              <a:buChar char="•"/>
+              <a:defRPr sz="2000" kern="1200">
+                <a:solidFill>
+                  <a:schemeClr val="tx1"/>
+                </a:solidFill>
+                <a:latin typeface="+mn-lt"/>
+                <a:ea typeface="+mn-ea"/>
+                <a:cs typeface="+mn-cs"/>
+              </a:defRPr>
+            </a:lvl6pPr>
+            <a:lvl7pPr marL="2971800" indent="-228600" algn="l" defTabSz="914400" rtl="0" eaLnBrk="1" latinLnBrk="0" hangingPunct="1">
+              <a:spcBef>
+                <a:spcPct val="20000"/>
+              </a:spcBef>
+              <a:buFont typeface="Arial" pitchFamily="34" charset="0"/>
+              <a:buChar char="•"/>
+              <a:defRPr sz="2000" kern="1200">
+                <a:solidFill>
+                  <a:schemeClr val="tx1"/>
+                </a:solidFill>
+                <a:latin typeface="+mn-lt"/>
+                <a:ea typeface="+mn-ea"/>
+                <a:cs typeface="+mn-cs"/>
+              </a:defRPr>
+            </a:lvl7pPr>
+            <a:lvl8pPr marL="3429000" indent="-228600" algn="l" defTabSz="914400" rtl="0" eaLnBrk="1" latinLnBrk="0" hangingPunct="1">
+              <a:spcBef>
+                <a:spcPct val="20000"/>
+              </a:spcBef>
+              <a:buFont typeface="Arial" pitchFamily="34" charset="0"/>
+              <a:buChar char="•"/>
+              <a:defRPr sz="2000" kern="1200">
+                <a:solidFill>
+                  <a:schemeClr val="tx1"/>
+                </a:solidFill>
+                <a:latin typeface="+mn-lt"/>
+                <a:ea typeface="+mn-ea"/>
+                <a:cs typeface="+mn-cs"/>
+              </a:defRPr>
+            </a:lvl8pPr>
+            <a:lvl9pPr marL="3886200" indent="-228600" algn="l" defTabSz="914400" rtl="0" eaLnBrk="1" latinLnBrk="0" hangingPunct="1">
+              <a:spcBef>
+                <a:spcPct val="20000"/>
+              </a:spcBef>
+              <a:buFont typeface="Arial" pitchFamily="34" charset="0"/>
+              <a:buChar char="•"/>
+              <a:defRPr sz="2000" kern="1200">
+                <a:solidFill>
+                  <a:schemeClr val="tx1"/>
+                </a:solidFill>
+                <a:latin typeface="+mn-lt"/>
+                <a:ea typeface="+mn-ea"/>
+                <a:cs typeface="+mn-cs"/>
+              </a:defRPr>
+            </a:lvl9pPr>
+          </a:lstStyle>
+          <a:p>
+            <a:pPr marL="0" indent="0" algn="ctr">
+              <a:buFont typeface="Arial" pitchFamily="34" charset="0"/>
+              <a:buNone/>
+            </a:pPr>
+            <a:r>
+              <a:rPr lang="de-DE" dirty="0" smtClean="0"/>
+              <a:t>kleine Anwendung</a:t>
+            </a:r>
+          </a:p>
+        </p:txBody>
+      </p:sp>
+      <p:sp>
+        <p:nvSpPr>
+          <p:cNvPr id="8" name="Pfeil nach links und rechts 7"/>
+          <p:cNvSpPr/>
+          <p:nvPr/>
+        </p:nvSpPr>
+        <p:spPr>
+          <a:xfrm>
+            <a:off x="3724193" y="1880828"/>
+            <a:ext cx="1800200" cy="792088"/>
+          </a:xfrm>
+          <a:prstGeom prst="leftRightArrow">
+            <a:avLst/>
+          </a:prstGeom>
+        </p:spPr>
+        <p:style>
+          <a:lnRef idx="2">
+            <a:schemeClr val="accent1">
+              <a:shade val="50000"/>
+            </a:schemeClr>
+          </a:lnRef>
+          <a:fillRef idx="1">
+            <a:schemeClr val="accent1"/>
+          </a:fillRef>
+          <a:effectRef idx="0">
+            <a:schemeClr val="accent1"/>
+          </a:effectRef>
+          <a:fontRef idx="minor">
+            <a:schemeClr val="lt1"/>
+          </a:fontRef>
+        </p:style>
+        <p:txBody>
+          <a:bodyPr rtlCol="0" anchor="ctr"/>
+          <a:lstStyle/>
+          <a:p>
+            <a:pPr algn="ctr"/>
+            <a:endParaRPr lang="de-DE"/>
+          </a:p>
+        </p:txBody>
+      </p:sp>
+      <p:sp>
+        <p:nvSpPr>
+          <p:cNvPr id="9" name="Inhaltsplatzhalter 2"/>
+          <p:cNvSpPr txBox="1">
+            <a:spLocks/>
+          </p:cNvSpPr>
+          <p:nvPr/>
+        </p:nvSpPr>
+        <p:spPr>
+          <a:xfrm>
+            <a:off x="5641776" y="1772816"/>
+            <a:ext cx="3034680" cy="1152128"/>
+          </a:xfrm>
+          <a:prstGeom prst="rect">
+            <a:avLst/>
+          </a:prstGeom>
+          <a:solidFill>
+            <a:schemeClr val="bg2"/>
+          </a:solidFill>
+        </p:spPr>
+        <p:txBody>
+          <a:bodyPr vert="horz" lIns="91440" tIns="45720" rIns="91440" bIns="45720" rtlCol="0">
+            <a:normAutofit lnSpcReduction="10000"/>
+          </a:bodyPr>
+          <a:lstStyle>
+            <a:lvl1pPr marL="342900" indent="-342900" algn="l" defTabSz="914400" rtl="0" eaLnBrk="1" latinLnBrk="0" hangingPunct="1">
+              <a:spcBef>
+                <a:spcPct val="20000"/>
+              </a:spcBef>
+              <a:buFont typeface="Arial" pitchFamily="34" charset="0"/>
+              <a:buChar char="•"/>
+              <a:defRPr sz="3200" kern="1200">
+                <a:solidFill>
+                  <a:schemeClr val="tx1"/>
+                </a:solidFill>
+                <a:latin typeface="+mn-lt"/>
+                <a:ea typeface="+mn-ea"/>
+                <a:cs typeface="+mn-cs"/>
+              </a:defRPr>
+            </a:lvl1pPr>
+            <a:lvl2pPr marL="742950" indent="-285750" algn="l" defTabSz="914400" rtl="0" eaLnBrk="1" latinLnBrk="0" hangingPunct="1">
+              <a:spcBef>
+                <a:spcPct val="20000"/>
+              </a:spcBef>
+              <a:buFont typeface="Arial" pitchFamily="34" charset="0"/>
+              <a:buChar char="–"/>
+              <a:defRPr sz="2800" kern="1200">
+                <a:solidFill>
+                  <a:schemeClr val="tx1"/>
+                </a:solidFill>
+                <a:latin typeface="+mn-lt"/>
+                <a:ea typeface="+mn-ea"/>
+                <a:cs typeface="+mn-cs"/>
+              </a:defRPr>
+            </a:lvl2pPr>
+            <a:lvl3pPr marL="1143000" indent="-228600" algn="l" defTabSz="914400" rtl="0" eaLnBrk="1" latinLnBrk="0" hangingPunct="1">
+              <a:spcBef>
+                <a:spcPct val="20000"/>
+              </a:spcBef>
+              <a:buFont typeface="Arial" pitchFamily="34" charset="0"/>
+              <a:buChar char="•"/>
+              <a:defRPr sz="2400" kern="1200">
+                <a:solidFill>
+                  <a:schemeClr val="tx1"/>
+                </a:solidFill>
+                <a:latin typeface="+mn-lt"/>
+                <a:ea typeface="+mn-ea"/>
+                <a:cs typeface="+mn-cs"/>
+              </a:defRPr>
+            </a:lvl3pPr>
+            <a:lvl4pPr marL="1600200" indent="-228600" algn="l" defTabSz="914400" rtl="0" eaLnBrk="1" latinLnBrk="0" hangingPunct="1">
+              <a:spcBef>
+                <a:spcPct val="20000"/>
+              </a:spcBef>
+              <a:buFont typeface="Arial" pitchFamily="34" charset="0"/>
+              <a:buChar char="–"/>
+              <a:defRPr sz="2000" kern="1200">
+                <a:solidFill>
+                  <a:schemeClr val="tx1"/>
+                </a:solidFill>
+                <a:latin typeface="+mn-lt"/>
+                <a:ea typeface="+mn-ea"/>
+                <a:cs typeface="+mn-cs"/>
+              </a:defRPr>
+            </a:lvl4pPr>
+            <a:lvl5pPr marL="2057400" indent="-228600" algn="l" defTabSz="914400" rtl="0" eaLnBrk="1" latinLnBrk="0" hangingPunct="1">
+              <a:spcBef>
+                <a:spcPct val="20000"/>
+              </a:spcBef>
+              <a:buFont typeface="Arial" pitchFamily="34" charset="0"/>
+              <a:buChar char="»"/>
+              <a:defRPr sz="2000" kern="1200">
+                <a:solidFill>
+                  <a:schemeClr val="tx1"/>
+                </a:solidFill>
+                <a:latin typeface="+mn-lt"/>
+                <a:ea typeface="+mn-ea"/>
+                <a:cs typeface="+mn-cs"/>
+              </a:defRPr>
+            </a:lvl5pPr>
+            <a:lvl6pPr marL="2514600" indent="-228600" algn="l" defTabSz="914400" rtl="0" eaLnBrk="1" latinLnBrk="0" hangingPunct="1">
+              <a:spcBef>
+                <a:spcPct val="20000"/>
+              </a:spcBef>
+              <a:buFont typeface="Arial" pitchFamily="34" charset="0"/>
+              <a:buChar char="•"/>
+              <a:defRPr sz="2000" kern="1200">
+                <a:solidFill>
+                  <a:schemeClr val="tx1"/>
+                </a:solidFill>
+                <a:latin typeface="+mn-lt"/>
+                <a:ea typeface="+mn-ea"/>
+                <a:cs typeface="+mn-cs"/>
+              </a:defRPr>
+            </a:lvl6pPr>
+            <a:lvl7pPr marL="2971800" indent="-228600" algn="l" defTabSz="914400" rtl="0" eaLnBrk="1" latinLnBrk="0" hangingPunct="1">
+              <a:spcBef>
+                <a:spcPct val="20000"/>
+              </a:spcBef>
+              <a:buFont typeface="Arial" pitchFamily="34" charset="0"/>
+              <a:buChar char="•"/>
+              <a:defRPr sz="2000" kern="1200">
+                <a:solidFill>
+                  <a:schemeClr val="tx1"/>
+                </a:solidFill>
+                <a:latin typeface="+mn-lt"/>
+                <a:ea typeface="+mn-ea"/>
+                <a:cs typeface="+mn-cs"/>
+              </a:defRPr>
+            </a:lvl7pPr>
+            <a:lvl8pPr marL="3429000" indent="-228600" algn="l" defTabSz="914400" rtl="0" eaLnBrk="1" latinLnBrk="0" hangingPunct="1">
+              <a:spcBef>
+                <a:spcPct val="20000"/>
+              </a:spcBef>
+              <a:buFont typeface="Arial" pitchFamily="34" charset="0"/>
+              <a:buChar char="•"/>
+              <a:defRPr sz="2000" kern="1200">
+                <a:solidFill>
+                  <a:schemeClr val="tx1"/>
+                </a:solidFill>
+                <a:latin typeface="+mn-lt"/>
+                <a:ea typeface="+mn-ea"/>
+                <a:cs typeface="+mn-cs"/>
+              </a:defRPr>
+            </a:lvl8pPr>
+            <a:lvl9pPr marL="3886200" indent="-228600" algn="l" defTabSz="914400" rtl="0" eaLnBrk="1" latinLnBrk="0" hangingPunct="1">
+              <a:spcBef>
+                <a:spcPct val="20000"/>
+              </a:spcBef>
+              <a:buFont typeface="Arial" pitchFamily="34" charset="0"/>
+              <a:buChar char="•"/>
+              <a:defRPr sz="2000" kern="1200">
+                <a:solidFill>
+                  <a:schemeClr val="tx1"/>
+                </a:solidFill>
+                <a:latin typeface="+mn-lt"/>
+                <a:ea typeface="+mn-ea"/>
+                <a:cs typeface="+mn-cs"/>
+              </a:defRPr>
+            </a:lvl9pPr>
+          </a:lstStyle>
+          <a:p>
+            <a:pPr marL="0" indent="0" algn="ctr">
+              <a:buFont typeface="Arial" pitchFamily="34" charset="0"/>
+              <a:buNone/>
+            </a:pPr>
+            <a:r>
+              <a:rPr lang="de-DE" dirty="0" smtClean="0"/>
+              <a:t>Bedingt </a:t>
+            </a:r>
+          </a:p>
+          <a:p>
+            <a:pPr marL="0" indent="0" algn="ctr">
+              <a:buFont typeface="Arial" pitchFamily="34" charset="0"/>
+              <a:buNone/>
+            </a:pPr>
+            <a:r>
+              <a:rPr lang="de-DE" dirty="0" smtClean="0"/>
+              <a:t>einsetzbar</a:t>
+            </a:r>
+          </a:p>
+        </p:txBody>
+      </p:sp>
+      <p:sp>
+        <p:nvSpPr>
+          <p:cNvPr id="11" name="Inhaltsplatzhalter 2"/>
+          <p:cNvSpPr txBox="1">
+            <a:spLocks/>
+          </p:cNvSpPr>
+          <p:nvPr/>
+        </p:nvSpPr>
+        <p:spPr>
+          <a:xfrm>
+            <a:off x="529208" y="2996952"/>
+            <a:ext cx="3034680" cy="1080120"/>
+          </a:xfrm>
+          <a:prstGeom prst="rect">
+            <a:avLst/>
+          </a:prstGeom>
+          <a:solidFill>
+            <a:schemeClr val="accent6">
+              <a:lumMod val="60000"/>
+              <a:lumOff val="40000"/>
+            </a:schemeClr>
+          </a:solidFill>
+        </p:spPr>
+        <p:txBody>
+          <a:bodyPr vert="horz" lIns="91440" tIns="45720" rIns="91440" bIns="45720" rtlCol="0">
+            <a:normAutofit/>
+          </a:bodyPr>
+          <a:lstStyle>
+            <a:lvl1pPr marL="342900" indent="-342900" algn="l" defTabSz="914400" rtl="0" eaLnBrk="1" latinLnBrk="0" hangingPunct="1">
+              <a:spcBef>
+                <a:spcPct val="20000"/>
+              </a:spcBef>
+              <a:buFont typeface="Arial" pitchFamily="34" charset="0"/>
+              <a:buChar char="•"/>
+              <a:defRPr sz="3200" kern="1200">
+                <a:solidFill>
+                  <a:schemeClr val="tx1"/>
+                </a:solidFill>
+                <a:latin typeface="+mn-lt"/>
+                <a:ea typeface="+mn-ea"/>
+                <a:cs typeface="+mn-cs"/>
+              </a:defRPr>
+            </a:lvl1pPr>
+            <a:lvl2pPr marL="742950" indent="-285750" algn="l" defTabSz="914400" rtl="0" eaLnBrk="1" latinLnBrk="0" hangingPunct="1">
+              <a:spcBef>
+                <a:spcPct val="20000"/>
+              </a:spcBef>
+              <a:buFont typeface="Arial" pitchFamily="34" charset="0"/>
+              <a:buChar char="–"/>
+              <a:defRPr sz="2800" kern="1200">
+                <a:solidFill>
+                  <a:schemeClr val="tx1"/>
+                </a:solidFill>
+                <a:latin typeface="+mn-lt"/>
+                <a:ea typeface="+mn-ea"/>
+                <a:cs typeface="+mn-cs"/>
+              </a:defRPr>
+            </a:lvl2pPr>
+            <a:lvl3pPr marL="1143000" indent="-228600" algn="l" defTabSz="914400" rtl="0" eaLnBrk="1" latinLnBrk="0" hangingPunct="1">
+              <a:spcBef>
+                <a:spcPct val="20000"/>
+              </a:spcBef>
+              <a:buFont typeface="Arial" pitchFamily="34" charset="0"/>
+              <a:buChar char="•"/>
+              <a:defRPr sz="2400" kern="1200">
+                <a:solidFill>
+                  <a:schemeClr val="tx1"/>
+                </a:solidFill>
+                <a:latin typeface="+mn-lt"/>
+                <a:ea typeface="+mn-ea"/>
+                <a:cs typeface="+mn-cs"/>
+              </a:defRPr>
+            </a:lvl3pPr>
+            <a:lvl4pPr marL="1600200" indent="-228600" algn="l" defTabSz="914400" rtl="0" eaLnBrk="1" latinLnBrk="0" hangingPunct="1">
+              <a:spcBef>
+                <a:spcPct val="20000"/>
+              </a:spcBef>
+              <a:buFont typeface="Arial" pitchFamily="34" charset="0"/>
+              <a:buChar char="–"/>
+              <a:defRPr sz="2000" kern="1200">
+                <a:solidFill>
+                  <a:schemeClr val="tx1"/>
+                </a:solidFill>
+                <a:latin typeface="+mn-lt"/>
+                <a:ea typeface="+mn-ea"/>
+                <a:cs typeface="+mn-cs"/>
+              </a:defRPr>
+            </a:lvl4pPr>
+            <a:lvl5pPr marL="2057400" indent="-228600" algn="l" defTabSz="914400" rtl="0" eaLnBrk="1" latinLnBrk="0" hangingPunct="1">
+              <a:spcBef>
+                <a:spcPct val="20000"/>
+              </a:spcBef>
+              <a:buFont typeface="Arial" pitchFamily="34" charset="0"/>
+              <a:buChar char="»"/>
+              <a:defRPr sz="2000" kern="1200">
+                <a:solidFill>
+                  <a:schemeClr val="tx1"/>
+                </a:solidFill>
+                <a:latin typeface="+mn-lt"/>
+                <a:ea typeface="+mn-ea"/>
+                <a:cs typeface="+mn-cs"/>
+              </a:defRPr>
+            </a:lvl5pPr>
+            <a:lvl6pPr marL="2514600" indent="-228600" algn="l" defTabSz="914400" rtl="0" eaLnBrk="1" latinLnBrk="0" hangingPunct="1">
+              <a:spcBef>
+                <a:spcPct val="20000"/>
+              </a:spcBef>
+              <a:buFont typeface="Arial" pitchFamily="34" charset="0"/>
+              <a:buChar char="•"/>
+              <a:defRPr sz="2000" kern="1200">
+                <a:solidFill>
+                  <a:schemeClr val="tx1"/>
+                </a:solidFill>
+                <a:latin typeface="+mn-lt"/>
+                <a:ea typeface="+mn-ea"/>
+                <a:cs typeface="+mn-cs"/>
+              </a:defRPr>
+            </a:lvl6pPr>
+            <a:lvl7pPr marL="2971800" indent="-228600" algn="l" defTabSz="914400" rtl="0" eaLnBrk="1" latinLnBrk="0" hangingPunct="1">
+              <a:spcBef>
+                <a:spcPct val="20000"/>
+              </a:spcBef>
+              <a:buFont typeface="Arial" pitchFamily="34" charset="0"/>
+              <a:buChar char="•"/>
+              <a:defRPr sz="2000" kern="1200">
+                <a:solidFill>
+                  <a:schemeClr val="tx1"/>
+                </a:solidFill>
+                <a:latin typeface="+mn-lt"/>
+                <a:ea typeface="+mn-ea"/>
+                <a:cs typeface="+mn-cs"/>
+              </a:defRPr>
+            </a:lvl7pPr>
+            <a:lvl8pPr marL="3429000" indent="-228600" algn="l" defTabSz="914400" rtl="0" eaLnBrk="1" latinLnBrk="0" hangingPunct="1">
+              <a:spcBef>
+                <a:spcPct val="20000"/>
+              </a:spcBef>
+              <a:buFont typeface="Arial" pitchFamily="34" charset="0"/>
+              <a:buChar char="•"/>
+              <a:defRPr sz="2000" kern="1200">
+                <a:solidFill>
+                  <a:schemeClr val="tx1"/>
+                </a:solidFill>
+                <a:latin typeface="+mn-lt"/>
+                <a:ea typeface="+mn-ea"/>
+                <a:cs typeface="+mn-cs"/>
+              </a:defRPr>
+            </a:lvl8pPr>
+            <a:lvl9pPr marL="3886200" indent="-228600" algn="l" defTabSz="914400" rtl="0" eaLnBrk="1" latinLnBrk="0" hangingPunct="1">
+              <a:spcBef>
+                <a:spcPct val="20000"/>
+              </a:spcBef>
+              <a:buFont typeface="Arial" pitchFamily="34" charset="0"/>
+              <a:buChar char="•"/>
+              <a:defRPr sz="2000" kern="1200">
+                <a:solidFill>
+                  <a:schemeClr val="tx1"/>
+                </a:solidFill>
+                <a:latin typeface="+mn-lt"/>
+                <a:ea typeface="+mn-ea"/>
+                <a:cs typeface="+mn-cs"/>
+              </a:defRPr>
+            </a:lvl9pPr>
+          </a:lstStyle>
+          <a:p>
+            <a:pPr marL="0" indent="0" algn="ctr">
+              <a:buFont typeface="Arial" pitchFamily="34" charset="0"/>
+              <a:buNone/>
+            </a:pPr>
+            <a:r>
+              <a:rPr lang="de-DE" dirty="0" smtClean="0"/>
+              <a:t>größere Anwendung</a:t>
+            </a:r>
+            <a:endParaRPr lang="de-DE" dirty="0"/>
+          </a:p>
+        </p:txBody>
+      </p:sp>
+      <p:sp>
+        <p:nvSpPr>
+          <p:cNvPr id="12" name="Pfeil nach links und rechts 11"/>
+          <p:cNvSpPr/>
+          <p:nvPr/>
+        </p:nvSpPr>
+        <p:spPr>
+          <a:xfrm>
+            <a:off x="3697560" y="3212976"/>
+            <a:ext cx="1800200" cy="792088"/>
+          </a:xfrm>
+          <a:prstGeom prst="leftRightArrow">
+            <a:avLst/>
+          </a:prstGeom>
+        </p:spPr>
+        <p:style>
+          <a:lnRef idx="2">
+            <a:schemeClr val="accent1">
+              <a:shade val="50000"/>
+            </a:schemeClr>
+          </a:lnRef>
+          <a:fillRef idx="1">
+            <a:schemeClr val="accent1"/>
+          </a:fillRef>
+          <a:effectRef idx="0">
+            <a:schemeClr val="accent1"/>
+          </a:effectRef>
+          <a:fontRef idx="minor">
+            <a:schemeClr val="lt1"/>
+          </a:fontRef>
+        </p:style>
+        <p:txBody>
+          <a:bodyPr rtlCol="0" anchor="ctr"/>
+          <a:lstStyle/>
+          <a:p>
+            <a:pPr algn="ctr"/>
+            <a:endParaRPr lang="de-DE"/>
+          </a:p>
+        </p:txBody>
+      </p:sp>
+      <p:sp>
+        <p:nvSpPr>
+          <p:cNvPr id="13" name="Inhaltsplatzhalter 2"/>
+          <p:cNvSpPr txBox="1">
+            <a:spLocks/>
+          </p:cNvSpPr>
+          <p:nvPr/>
+        </p:nvSpPr>
+        <p:spPr>
+          <a:xfrm>
+            <a:off x="5641776" y="3068960"/>
+            <a:ext cx="3034680" cy="1152128"/>
+          </a:xfrm>
+          <a:prstGeom prst="rect">
+            <a:avLst/>
+          </a:prstGeom>
+          <a:solidFill>
+            <a:schemeClr val="bg2"/>
+          </a:solidFill>
+        </p:spPr>
+        <p:txBody>
+          <a:bodyPr vert="horz" lIns="91440" tIns="45720" rIns="91440" bIns="45720" rtlCol="0">
+            <a:normAutofit lnSpcReduction="10000"/>
+          </a:bodyPr>
+          <a:lstStyle>
+            <a:lvl1pPr marL="342900" indent="-342900" algn="l" defTabSz="914400" rtl="0" eaLnBrk="1" latinLnBrk="0" hangingPunct="1">
+              <a:spcBef>
+                <a:spcPct val="20000"/>
+              </a:spcBef>
+              <a:buFont typeface="Arial" pitchFamily="34" charset="0"/>
+              <a:buChar char="•"/>
+              <a:defRPr sz="3200" kern="1200">
+                <a:solidFill>
+                  <a:schemeClr val="tx1"/>
+                </a:solidFill>
+                <a:latin typeface="+mn-lt"/>
+                <a:ea typeface="+mn-ea"/>
+                <a:cs typeface="+mn-cs"/>
+              </a:defRPr>
+            </a:lvl1pPr>
+            <a:lvl2pPr marL="742950" indent="-285750" algn="l" defTabSz="914400" rtl="0" eaLnBrk="1" latinLnBrk="0" hangingPunct="1">
+              <a:spcBef>
+                <a:spcPct val="20000"/>
+              </a:spcBef>
+              <a:buFont typeface="Arial" pitchFamily="34" charset="0"/>
+              <a:buChar char="–"/>
+              <a:defRPr sz="2800" kern="1200">
+                <a:solidFill>
+                  <a:schemeClr val="tx1"/>
+                </a:solidFill>
+                <a:latin typeface="+mn-lt"/>
+                <a:ea typeface="+mn-ea"/>
+                <a:cs typeface="+mn-cs"/>
+              </a:defRPr>
+            </a:lvl2pPr>
+            <a:lvl3pPr marL="1143000" indent="-228600" algn="l" defTabSz="914400" rtl="0" eaLnBrk="1" latinLnBrk="0" hangingPunct="1">
+              <a:spcBef>
+                <a:spcPct val="20000"/>
+              </a:spcBef>
+              <a:buFont typeface="Arial" pitchFamily="34" charset="0"/>
+              <a:buChar char="•"/>
+              <a:defRPr sz="2400" kern="1200">
+                <a:solidFill>
+                  <a:schemeClr val="tx1"/>
+                </a:solidFill>
+                <a:latin typeface="+mn-lt"/>
+                <a:ea typeface="+mn-ea"/>
+                <a:cs typeface="+mn-cs"/>
+              </a:defRPr>
+            </a:lvl3pPr>
+            <a:lvl4pPr marL="1600200" indent="-228600" algn="l" defTabSz="914400" rtl="0" eaLnBrk="1" latinLnBrk="0" hangingPunct="1">
+              <a:spcBef>
+                <a:spcPct val="20000"/>
+              </a:spcBef>
+              <a:buFont typeface="Arial" pitchFamily="34" charset="0"/>
+              <a:buChar char="–"/>
+              <a:defRPr sz="2000" kern="1200">
+                <a:solidFill>
+                  <a:schemeClr val="tx1"/>
+                </a:solidFill>
+                <a:latin typeface="+mn-lt"/>
+                <a:ea typeface="+mn-ea"/>
+                <a:cs typeface="+mn-cs"/>
+              </a:defRPr>
+            </a:lvl4pPr>
+            <a:lvl5pPr marL="2057400" indent="-228600" algn="l" defTabSz="914400" rtl="0" eaLnBrk="1" latinLnBrk="0" hangingPunct="1">
+              <a:spcBef>
+                <a:spcPct val="20000"/>
+              </a:spcBef>
+              <a:buFont typeface="Arial" pitchFamily="34" charset="0"/>
+              <a:buChar char="»"/>
+              <a:defRPr sz="2000" kern="1200">
+                <a:solidFill>
+                  <a:schemeClr val="tx1"/>
+                </a:solidFill>
+                <a:latin typeface="+mn-lt"/>
+                <a:ea typeface="+mn-ea"/>
+                <a:cs typeface="+mn-cs"/>
+              </a:defRPr>
+            </a:lvl5pPr>
+            <a:lvl6pPr marL="2514600" indent="-228600" algn="l" defTabSz="914400" rtl="0" eaLnBrk="1" latinLnBrk="0" hangingPunct="1">
+              <a:spcBef>
+                <a:spcPct val="20000"/>
+              </a:spcBef>
+              <a:buFont typeface="Arial" pitchFamily="34" charset="0"/>
+              <a:buChar char="•"/>
+              <a:defRPr sz="2000" kern="1200">
+                <a:solidFill>
+                  <a:schemeClr val="tx1"/>
+                </a:solidFill>
+                <a:latin typeface="+mn-lt"/>
+                <a:ea typeface="+mn-ea"/>
+                <a:cs typeface="+mn-cs"/>
+              </a:defRPr>
+            </a:lvl6pPr>
+            <a:lvl7pPr marL="2971800" indent="-228600" algn="l" defTabSz="914400" rtl="0" eaLnBrk="1" latinLnBrk="0" hangingPunct="1">
+              <a:spcBef>
+                <a:spcPct val="20000"/>
+              </a:spcBef>
+              <a:buFont typeface="Arial" pitchFamily="34" charset="0"/>
+              <a:buChar char="•"/>
+              <a:defRPr sz="2000" kern="1200">
+                <a:solidFill>
+                  <a:schemeClr val="tx1"/>
+                </a:solidFill>
+                <a:latin typeface="+mn-lt"/>
+                <a:ea typeface="+mn-ea"/>
+                <a:cs typeface="+mn-cs"/>
+              </a:defRPr>
+            </a:lvl7pPr>
+            <a:lvl8pPr marL="3429000" indent="-228600" algn="l" defTabSz="914400" rtl="0" eaLnBrk="1" latinLnBrk="0" hangingPunct="1">
+              <a:spcBef>
+                <a:spcPct val="20000"/>
+              </a:spcBef>
+              <a:buFont typeface="Arial" pitchFamily="34" charset="0"/>
+              <a:buChar char="•"/>
+              <a:defRPr sz="2000" kern="1200">
+                <a:solidFill>
+                  <a:schemeClr val="tx1"/>
+                </a:solidFill>
+                <a:latin typeface="+mn-lt"/>
+                <a:ea typeface="+mn-ea"/>
+                <a:cs typeface="+mn-cs"/>
+              </a:defRPr>
+            </a:lvl8pPr>
+            <a:lvl9pPr marL="3886200" indent="-228600" algn="l" defTabSz="914400" rtl="0" eaLnBrk="1" latinLnBrk="0" hangingPunct="1">
+              <a:spcBef>
+                <a:spcPct val="20000"/>
+              </a:spcBef>
+              <a:buFont typeface="Arial" pitchFamily="34" charset="0"/>
+              <a:buChar char="•"/>
+              <a:defRPr sz="2000" kern="1200">
+                <a:solidFill>
+                  <a:schemeClr val="tx1"/>
+                </a:solidFill>
+                <a:latin typeface="+mn-lt"/>
+                <a:ea typeface="+mn-ea"/>
+                <a:cs typeface="+mn-cs"/>
+              </a:defRPr>
+            </a:lvl9pPr>
+          </a:lstStyle>
+          <a:p>
+            <a:pPr marL="0" indent="0" algn="ctr">
+              <a:buFont typeface="Arial" pitchFamily="34" charset="0"/>
+              <a:buNone/>
+            </a:pPr>
+            <a:r>
+              <a:rPr lang="de-DE" dirty="0" smtClean="0"/>
+              <a:t>Sinnvoll</a:t>
+            </a:r>
+          </a:p>
+          <a:p>
+            <a:pPr marL="0" indent="0" algn="ctr">
+              <a:buNone/>
+            </a:pPr>
+            <a:r>
+              <a:rPr lang="de-DE" dirty="0"/>
+              <a:t>einsetzbar</a:t>
+            </a:r>
+            <a:endParaRPr lang="de-DE" dirty="0" smtClean="0"/>
+          </a:p>
+        </p:txBody>
+      </p:sp>
+      <p:sp>
+        <p:nvSpPr>
+          <p:cNvPr id="15" name="Pfeil nach links und oben 14"/>
+          <p:cNvSpPr/>
+          <p:nvPr/>
+        </p:nvSpPr>
+        <p:spPr>
+          <a:xfrm flipH="1">
+            <a:off x="1691680" y="4221088"/>
+            <a:ext cx="1152128" cy="1152128"/>
+          </a:xfrm>
+          <a:prstGeom prst="leftUpArrow">
+            <a:avLst/>
+          </a:prstGeom>
+        </p:spPr>
+        <p:style>
+          <a:lnRef idx="2">
+            <a:schemeClr val="accent1">
+              <a:shade val="50000"/>
+            </a:schemeClr>
+          </a:lnRef>
+          <a:fillRef idx="1">
+            <a:schemeClr val="accent1"/>
+          </a:fillRef>
+          <a:effectRef idx="0">
+            <a:schemeClr val="accent1"/>
+          </a:effectRef>
+          <a:fontRef idx="minor">
+            <a:schemeClr val="lt1"/>
+          </a:fontRef>
+        </p:style>
+        <p:txBody>
+          <a:bodyPr rtlCol="0" anchor="ctr"/>
+          <a:lstStyle/>
+          <a:p>
+            <a:pPr algn="ctr"/>
+            <a:endParaRPr lang="de-DE"/>
+          </a:p>
+        </p:txBody>
+      </p:sp>
+      <p:sp>
+        <p:nvSpPr>
+          <p:cNvPr id="16" name="Textfeld 15"/>
+          <p:cNvSpPr txBox="1"/>
+          <p:nvPr/>
+        </p:nvSpPr>
+        <p:spPr>
+          <a:xfrm>
+            <a:off x="3275856" y="4581128"/>
+            <a:ext cx="3960440" cy="923330"/>
+          </a:xfrm>
+          <a:prstGeom prst="rect">
+            <a:avLst/>
+          </a:prstGeom>
+          <a:noFill/>
+        </p:spPr>
+        <p:txBody>
+          <a:bodyPr wrap="square" rtlCol="0">
+            <a:spAutoFit/>
+          </a:bodyPr>
+          <a:lstStyle/>
+          <a:p>
+            <a:pPr algn="ctr"/>
+            <a:r>
+              <a:rPr lang="de-DE" dirty="0" smtClean="0"/>
+              <a:t>Möglicher Einsatz des Patterns muss/sollte bei der Analyse/Designs der Anwendung geprüft werden</a:t>
+            </a:r>
+          </a:p>
+        </p:txBody>
+      </p:sp>
+    </p:spTree>
+    <p:extLst>
+      <p:ext uri="{BB962C8B-B14F-4D97-AF65-F5344CB8AC3E}">
+        <p14:creationId xmlns:p14="http://schemas.microsoft.com/office/powerpoint/2010/main" val="1857641464"/>
+      </p:ext>
+    </p:extLst>
+  </p:cSld>
+  <p:clrMapOvr>
+    <a:masterClrMapping/>
+  </p:clrMapOvr>
+  <p:timing>
+    <p:tnLst>
+      <p:par>
+        <p:cTn id="1" dur="indefinite" restart="never" nodeType="tmRoot"/>
+      </p:par>
+    </p:tnLst>
+  </p:timing>
+</p:sld>
+</file>
+
+<file path=ppt/slides/slide16.xml><?xml version="1.0" encoding="utf-8"?>
+<p:sld xmlns:a="http://schemas.openxmlformats.org/drawingml/2006/main" xmlns:r="http://schemas.openxmlformats.org/officeDocument/2006/relationships" xmlns:p="http://schemas.openxmlformats.org/presentationml/2006/main">
+  <p:cSld>
+    <p:spTree>
+      <p:nvGrpSpPr>
+        <p:cNvPr id="1" name=""/>
+        <p:cNvGrpSpPr/>
+        <p:nvPr/>
+      </p:nvGrpSpPr>
+      <p:grpSpPr>
+        <a:xfrm>
+          <a:off x="0" y="0"/>
+          <a:ext cx="0" cy="0"/>
+          <a:chOff x="0" y="0"/>
+          <a:chExt cx="0" cy="0"/>
+        </a:xfrm>
+      </p:grpSpPr>
+      <p:sp>
+        <p:nvSpPr>
+          <p:cNvPr id="2" name="Titel 1"/>
+          <p:cNvSpPr>
+            <a:spLocks noGrp="1"/>
+          </p:cNvSpPr>
+          <p:nvPr>
+            <p:ph type="title"/>
+          </p:nvPr>
+        </p:nvSpPr>
+        <p:spPr>
+          <a:xfrm>
+            <a:off x="539552" y="1412776"/>
+            <a:ext cx="8229600" cy="936104"/>
+          </a:xfrm>
+        </p:spPr>
+        <p:txBody>
+          <a:bodyPr>
+            <a:normAutofit fontScale="90000"/>
+          </a:bodyPr>
+          <a:lstStyle/>
+          <a:p>
+            <a:r>
+              <a:rPr lang="de-DE" dirty="0" smtClean="0"/>
+              <a:t>Und jetzt können noch abschließende Fragen gestellt werden</a:t>
+            </a:r>
+            <a:endParaRPr lang="de-DE" dirty="0"/>
+          </a:p>
+        </p:txBody>
+      </p:sp>
+      <p:sp>
+        <p:nvSpPr>
+          <p:cNvPr id="4" name="Datumsplatzhalter 3"/>
+          <p:cNvSpPr>
+            <a:spLocks noGrp="1"/>
+          </p:cNvSpPr>
+          <p:nvPr>
+            <p:ph type="dt" sz="half" idx="10"/>
+          </p:nvPr>
+        </p:nvSpPr>
+        <p:spPr/>
+        <p:txBody>
+          <a:bodyPr/>
+          <a:lstStyle/>
+          <a:p>
+            <a:fld id="{93F45587-BEEE-4D54-90A9-A458946DA07D}" type="datetime1">
+              <a:rPr lang="de-DE" smtClean="0"/>
+              <a:t>16.05.2013</a:t>
+            </a:fld>
+            <a:endParaRPr lang="de-DE" dirty="0"/>
+          </a:p>
+        </p:txBody>
+      </p:sp>
+      <p:sp>
+        <p:nvSpPr>
+          <p:cNvPr id="5" name="Foliennummernplatzhalter 4"/>
+          <p:cNvSpPr>
+            <a:spLocks noGrp="1"/>
+          </p:cNvSpPr>
+          <p:nvPr>
+            <p:ph type="sldNum" sz="quarter" idx="12"/>
+          </p:nvPr>
+        </p:nvSpPr>
+        <p:spPr/>
+        <p:txBody>
+          <a:bodyPr/>
+          <a:lstStyle/>
+          <a:p>
+            <a:fld id="{6C6AE60A-B69C-4790-82F7-3882EDF23186}" type="slidenum">
+              <a:rPr lang="de-DE" smtClean="0"/>
+              <a:pPr/>
+              <a:t>16</a:t>
+            </a:fld>
+            <a:endParaRPr lang="de-DE" dirty="0"/>
+          </a:p>
+        </p:txBody>
+      </p:sp>
+      <p:sp>
+        <p:nvSpPr>
+          <p:cNvPr id="6" name="Pfeil nach rechts 5"/>
+          <p:cNvSpPr/>
+          <p:nvPr/>
+        </p:nvSpPr>
+        <p:spPr>
+          <a:xfrm rot="5400000">
+            <a:off x="4229962" y="2546902"/>
+            <a:ext cx="756084" cy="864096"/>
+          </a:xfrm>
+          <a:prstGeom prst="rightArrow">
+            <a:avLst/>
+          </a:prstGeom>
+        </p:spPr>
+        <p:style>
+          <a:lnRef idx="2">
+            <a:schemeClr val="accent1">
+              <a:shade val="50000"/>
+            </a:schemeClr>
+          </a:lnRef>
+          <a:fillRef idx="1">
+            <a:schemeClr val="accent1"/>
+          </a:fillRef>
+          <a:effectRef idx="0">
+            <a:schemeClr val="accent1"/>
+          </a:effectRef>
+          <a:fontRef idx="minor">
+            <a:schemeClr val="lt1"/>
+          </a:fontRef>
+        </p:style>
+        <p:txBody>
+          <a:bodyPr rtlCol="0" anchor="ctr"/>
+          <a:lstStyle/>
+          <a:p>
+            <a:pPr algn="ctr"/>
+            <a:endParaRPr lang="de-DE"/>
+          </a:p>
+        </p:txBody>
+      </p:sp>
+      <p:sp>
+        <p:nvSpPr>
+          <p:cNvPr id="7" name="Textfeld 6"/>
+          <p:cNvSpPr txBox="1"/>
+          <p:nvPr/>
+        </p:nvSpPr>
+        <p:spPr>
+          <a:xfrm>
+            <a:off x="2411760" y="3645024"/>
+            <a:ext cx="5184576" cy="646331"/>
+          </a:xfrm>
+          <a:prstGeom prst="rect">
+            <a:avLst/>
+          </a:prstGeom>
+          <a:noFill/>
+        </p:spPr>
+        <p:txBody>
+          <a:bodyPr wrap="square" rtlCol="0">
+            <a:spAutoFit/>
+          </a:bodyPr>
+          <a:lstStyle/>
+          <a:p>
+            <a:r>
+              <a:rPr lang="de-DE" dirty="0" smtClean="0"/>
+              <a:t>Z. B. warum ich den blauen Pfeil als </a:t>
+            </a:r>
+            <a:r>
+              <a:rPr lang="de-DE" dirty="0" err="1" smtClean="0"/>
+              <a:t>Autoform</a:t>
+            </a:r>
+            <a:r>
+              <a:rPr lang="de-DE" dirty="0" smtClean="0"/>
+              <a:t> in </a:t>
+            </a:r>
+            <a:r>
+              <a:rPr lang="de-DE" dirty="0" err="1" smtClean="0"/>
+              <a:t>Powerpoint</a:t>
+            </a:r>
+            <a:r>
+              <a:rPr lang="de-DE" dirty="0" smtClean="0"/>
+              <a:t> so gerne mag</a:t>
+            </a:r>
+            <a:endParaRPr lang="de-DE" dirty="0"/>
+          </a:p>
+        </p:txBody>
+      </p:sp>
+      <p:sp>
+        <p:nvSpPr>
+          <p:cNvPr id="8" name="Smiley 7"/>
+          <p:cNvSpPr/>
+          <p:nvPr/>
+        </p:nvSpPr>
+        <p:spPr>
+          <a:xfrm>
+            <a:off x="3419872" y="4365104"/>
+            <a:ext cx="2520280" cy="2016224"/>
+          </a:xfrm>
+          <a:prstGeom prst="smileyFace">
+            <a:avLst/>
+          </a:prstGeom>
+          <a:noFill/>
+        </p:spPr>
+        <p:style>
+          <a:lnRef idx="2">
+            <a:schemeClr val="accent1">
+              <a:shade val="50000"/>
+            </a:schemeClr>
+          </a:lnRef>
+          <a:fillRef idx="1">
+            <a:schemeClr val="accent1"/>
+          </a:fillRef>
+          <a:effectRef idx="0">
+            <a:schemeClr val="accent1"/>
+          </a:effectRef>
+          <a:fontRef idx="minor">
+            <a:schemeClr val="lt1"/>
+          </a:fontRef>
+        </p:style>
+        <p:txBody>
+          <a:bodyPr rtlCol="0" anchor="ctr"/>
+          <a:lstStyle/>
+          <a:p>
+            <a:pPr algn="ctr"/>
+            <a:endParaRPr lang="de-DE"/>
+          </a:p>
+        </p:txBody>
+      </p:sp>
+    </p:spTree>
+    <p:extLst>
+      <p:ext uri="{BB962C8B-B14F-4D97-AF65-F5344CB8AC3E}">
+        <p14:creationId xmlns:p14="http://schemas.microsoft.com/office/powerpoint/2010/main" val="3431068376"/>
+      </p:ext>
+    </p:extLst>
+  </p:cSld>
+  <p:clrMapOvr>
+    <a:masterClrMapping/>
+  </p:clrMapOvr>
+  <p:timing>
+    <p:tnLst>
+      <p:par>
+        <p:cTn id="1" dur="indefinite" restart="never" nodeType="tmRoot"/>
+      </p:par>
+    </p:tnLst>
+  </p:timing>
+</p:sld>
+</file>
+
 <file path=ppt/slides/slide2.xml><?xml version="1.0" encoding="utf-8"?>
 <p:sld xmlns:a="http://schemas.openxmlformats.org/drawingml/2006/main" xmlns:r="http://schemas.openxmlformats.org/officeDocument/2006/relationships" xmlns:p="http://schemas.openxmlformats.org/presentationml/2006/main">
   <p:cSld>
@@ -3742,7 +5943,7 @@
           <a:p>
             <a:fld id="{5744CE70-91A6-4E2F-AA21-F9B5F6BBF251}" type="datetime1">
               <a:rPr lang="de-DE" smtClean="0"/>
-              <a:t>03.05.2013</a:t>
+              <a:t>16.05.2013</a:t>
             </a:fld>
             <a:endParaRPr lang="de-DE" dirty="0"/>
           </a:p>
@@ -3824,31 +6025,31 @@
           <a:bodyPr/>
           <a:lstStyle/>
           <a:p>
+            <a:endParaRPr lang="de-DE" dirty="0"/>
+          </a:p>
+        </p:txBody>
+      </p:sp>
+      <p:sp>
+        <p:nvSpPr>
+          <p:cNvPr id="3" name="Inhaltsplatzhalter 2"/>
+          <p:cNvSpPr>
+            <a:spLocks noGrp="1"/>
+          </p:cNvSpPr>
+          <p:nvPr>
+            <p:ph idx="1"/>
+          </p:nvPr>
+        </p:nvSpPr>
+        <p:spPr/>
+        <p:txBody>
+          <a:bodyPr/>
+          <a:lstStyle/>
+          <a:p>
             <a:endParaRPr lang="de-DE"/>
           </a:p>
         </p:txBody>
       </p:sp>
       <p:sp>
         <p:nvSpPr>
-          <p:cNvPr id="3" name="Inhaltsplatzhalter 2"/>
-          <p:cNvSpPr>
-            <a:spLocks noGrp="1"/>
-          </p:cNvSpPr>
-          <p:nvPr>
-            <p:ph idx="1"/>
-          </p:nvPr>
-        </p:nvSpPr>
-        <p:spPr/>
-        <p:txBody>
-          <a:bodyPr/>
-          <a:lstStyle/>
-          <a:p>
-            <a:endParaRPr lang="de-DE"/>
-          </a:p>
-        </p:txBody>
-      </p:sp>
-      <p:sp>
-        <p:nvSpPr>
           <p:cNvPr id="4" name="Datumsplatzhalter 3"/>
           <p:cNvSpPr>
             <a:spLocks noGrp="1"/>
@@ -3864,7 +6065,7 @@
           <a:p>
             <a:fld id="{93F45587-BEEE-4D54-90A9-A458946DA07D}" type="datetime1">
               <a:rPr lang="de-DE" smtClean="0"/>
-              <a:t>03.05.2013</a:t>
+              <a:t>16.05.2013</a:t>
             </a:fld>
             <a:endParaRPr lang="de-DE" dirty="0"/>
           </a:p>
@@ -3898,6 +6099,991 @@
     <p:extLst>
       <p:ext uri="{BB962C8B-B14F-4D97-AF65-F5344CB8AC3E}">
         <p14:creationId xmlns:p14="http://schemas.microsoft.com/office/powerpoint/2010/main" val="2164761318"/>
+      </p:ext>
+    </p:extLst>
+  </p:cSld>
+  <p:clrMapOvr>
+    <a:masterClrMapping/>
+  </p:clrMapOvr>
+  <p:timing>
+    <p:tnLst>
+      <p:par>
+        <p:cTn id="1" dur="indefinite" restart="never" nodeType="tmRoot"/>
+      </p:par>
+    </p:tnLst>
+  </p:timing>
+</p:sld>
+</file>
+
+<file path=ppt/slides/slide4.xml><?xml version="1.0" encoding="utf-8"?>
+<p:sld xmlns:a="http://schemas.openxmlformats.org/drawingml/2006/main" xmlns:r="http://schemas.openxmlformats.org/officeDocument/2006/relationships" xmlns:p="http://schemas.openxmlformats.org/presentationml/2006/main">
+  <p:cSld>
+    <p:spTree>
+      <p:nvGrpSpPr>
+        <p:cNvPr id="1" name=""/>
+        <p:cNvGrpSpPr/>
+        <p:nvPr/>
+      </p:nvGrpSpPr>
+      <p:grpSpPr>
+        <a:xfrm>
+          <a:off x="0" y="0"/>
+          <a:ext cx="0" cy="0"/>
+          <a:chOff x="0" y="0"/>
+          <a:chExt cx="0" cy="0"/>
+        </a:xfrm>
+      </p:grpSpPr>
+      <p:sp>
+        <p:nvSpPr>
+          <p:cNvPr id="2" name="Titel 1"/>
+          <p:cNvSpPr>
+            <a:spLocks noGrp="1"/>
+          </p:cNvSpPr>
+          <p:nvPr>
+            <p:ph type="ctrTitle"/>
+          </p:nvPr>
+        </p:nvSpPr>
+        <p:spPr/>
+        <p:txBody>
+          <a:bodyPr/>
+          <a:lstStyle/>
+          <a:p>
+            <a:r>
+              <a:rPr lang="de-DE" dirty="0" smtClean="0"/>
+              <a:t>Model-View-</a:t>
+            </a:r>
+            <a:r>
+              <a:rPr lang="de-DE" dirty="0" err="1" smtClean="0"/>
+              <a:t>Presenter</a:t>
+            </a:r>
+            <a:endParaRPr lang="de-DE" dirty="0"/>
+          </a:p>
+        </p:txBody>
+      </p:sp>
+    </p:spTree>
+    <p:extLst>
+      <p:ext uri="{BB962C8B-B14F-4D97-AF65-F5344CB8AC3E}">
+        <p14:creationId xmlns:p14="http://schemas.microsoft.com/office/powerpoint/2010/main" val="2618379560"/>
+      </p:ext>
+    </p:extLst>
+  </p:cSld>
+  <p:clrMapOvr>
+    <a:masterClrMapping/>
+  </p:clrMapOvr>
+  <p:timing>
+    <p:tnLst>
+      <p:par>
+        <p:cTn id="1" dur="indefinite" restart="never" nodeType="tmRoot"/>
+      </p:par>
+    </p:tnLst>
+  </p:timing>
+</p:sld>
+</file>
+
+<file path=ppt/slides/slide5.xml><?xml version="1.0" encoding="utf-8"?>
+<p:sld xmlns:a="http://schemas.openxmlformats.org/drawingml/2006/main" xmlns:r="http://schemas.openxmlformats.org/officeDocument/2006/relationships" xmlns:p="http://schemas.openxmlformats.org/presentationml/2006/main">
+  <p:cSld>
+    <p:spTree>
+      <p:nvGrpSpPr>
+        <p:cNvPr id="1" name=""/>
+        <p:cNvGrpSpPr/>
+        <p:nvPr/>
+      </p:nvGrpSpPr>
+      <p:grpSpPr>
+        <a:xfrm>
+          <a:off x="0" y="0"/>
+          <a:ext cx="0" cy="0"/>
+          <a:chOff x="0" y="0"/>
+          <a:chExt cx="0" cy="0"/>
+        </a:xfrm>
+      </p:grpSpPr>
+      <p:sp>
+        <p:nvSpPr>
+          <p:cNvPr id="2" name="Titel 1"/>
+          <p:cNvSpPr>
+            <a:spLocks noGrp="1"/>
+          </p:cNvSpPr>
+          <p:nvPr>
+            <p:ph type="title"/>
+          </p:nvPr>
+        </p:nvSpPr>
+        <p:spPr/>
+        <p:txBody>
+          <a:bodyPr/>
+          <a:lstStyle/>
+          <a:p>
+            <a:r>
+              <a:rPr lang="de-DE" dirty="0" smtClean="0"/>
+              <a:t>Übersicht</a:t>
+            </a:r>
+            <a:endParaRPr lang="de-DE" dirty="0"/>
+          </a:p>
+        </p:txBody>
+      </p:sp>
+      <p:sp>
+        <p:nvSpPr>
+          <p:cNvPr id="3" name="Inhaltsplatzhalter 2"/>
+          <p:cNvSpPr>
+            <a:spLocks noGrp="1"/>
+          </p:cNvSpPr>
+          <p:nvPr>
+            <p:ph idx="1"/>
+          </p:nvPr>
+        </p:nvSpPr>
+        <p:spPr/>
+        <p:txBody>
+          <a:bodyPr/>
+          <a:lstStyle/>
+          <a:p>
+            <a:r>
+              <a:rPr lang="de-DE" dirty="0" smtClean="0"/>
+              <a:t>Einführung</a:t>
+            </a:r>
+          </a:p>
+          <a:p>
+            <a:r>
+              <a:rPr lang="de-DE" dirty="0" smtClean="0"/>
+              <a:t>Aufbau einer MVP-Anwendung</a:t>
+            </a:r>
+          </a:p>
+          <a:p>
+            <a:r>
+              <a:rPr lang="de-DE" dirty="0" smtClean="0"/>
+              <a:t>Konkrete Problemstellung</a:t>
+            </a:r>
+          </a:p>
+          <a:p>
+            <a:r>
+              <a:rPr lang="de-DE" dirty="0" smtClean="0"/>
+              <a:t>Mögliche Lösung</a:t>
+            </a:r>
+          </a:p>
+          <a:p>
+            <a:r>
+              <a:rPr lang="de-DE" dirty="0" smtClean="0"/>
+              <a:t>Fazit (inkl. Vor-/Nachteile)</a:t>
+            </a:r>
+          </a:p>
+          <a:p>
+            <a:endParaRPr lang="de-DE" dirty="0"/>
+          </a:p>
+        </p:txBody>
+      </p:sp>
+      <p:sp>
+        <p:nvSpPr>
+          <p:cNvPr id="4" name="Datumsplatzhalter 3"/>
+          <p:cNvSpPr>
+            <a:spLocks noGrp="1"/>
+          </p:cNvSpPr>
+          <p:nvPr>
+            <p:ph type="dt" sz="half" idx="10"/>
+          </p:nvPr>
+        </p:nvSpPr>
+        <p:spPr/>
+        <p:txBody>
+          <a:bodyPr/>
+          <a:lstStyle/>
+          <a:p>
+            <a:fld id="{93F45587-BEEE-4D54-90A9-A458946DA07D}" type="datetime1">
+              <a:rPr lang="de-DE" smtClean="0"/>
+              <a:t>16.05.2013</a:t>
+            </a:fld>
+            <a:endParaRPr lang="de-DE" dirty="0"/>
+          </a:p>
+        </p:txBody>
+      </p:sp>
+      <p:sp>
+        <p:nvSpPr>
+          <p:cNvPr id="5" name="Foliennummernplatzhalter 4"/>
+          <p:cNvSpPr>
+            <a:spLocks noGrp="1"/>
+          </p:cNvSpPr>
+          <p:nvPr>
+            <p:ph type="sldNum" sz="quarter" idx="12"/>
+          </p:nvPr>
+        </p:nvSpPr>
+        <p:spPr/>
+        <p:txBody>
+          <a:bodyPr/>
+          <a:lstStyle/>
+          <a:p>
+            <a:fld id="{6C6AE60A-B69C-4790-82F7-3882EDF23186}" type="slidenum">
+              <a:rPr lang="de-DE" smtClean="0"/>
+              <a:pPr/>
+              <a:t>5</a:t>
+            </a:fld>
+            <a:endParaRPr lang="de-DE" dirty="0"/>
+          </a:p>
+        </p:txBody>
+      </p:sp>
+    </p:spTree>
+    <p:extLst>
+      <p:ext uri="{BB962C8B-B14F-4D97-AF65-F5344CB8AC3E}">
+        <p14:creationId xmlns:p14="http://schemas.microsoft.com/office/powerpoint/2010/main" val="1278289276"/>
+      </p:ext>
+    </p:extLst>
+  </p:cSld>
+  <p:clrMapOvr>
+    <a:masterClrMapping/>
+  </p:clrMapOvr>
+  <p:timing>
+    <p:tnLst>
+      <p:par>
+        <p:cTn id="1" dur="indefinite" restart="never" nodeType="tmRoot"/>
+      </p:par>
+    </p:tnLst>
+  </p:timing>
+</p:sld>
+</file>
+
+<file path=ppt/slides/slide6.xml><?xml version="1.0" encoding="utf-8"?>
+<p:sld xmlns:a="http://schemas.openxmlformats.org/drawingml/2006/main" xmlns:r="http://schemas.openxmlformats.org/officeDocument/2006/relationships" xmlns:p="http://schemas.openxmlformats.org/presentationml/2006/main">
+  <p:cSld>
+    <p:spTree>
+      <p:nvGrpSpPr>
+        <p:cNvPr id="1" name=""/>
+        <p:cNvGrpSpPr/>
+        <p:nvPr/>
+      </p:nvGrpSpPr>
+      <p:grpSpPr>
+        <a:xfrm>
+          <a:off x="0" y="0"/>
+          <a:ext cx="0" cy="0"/>
+          <a:chOff x="0" y="0"/>
+          <a:chExt cx="0" cy="0"/>
+        </a:xfrm>
+      </p:grpSpPr>
+      <p:sp>
+        <p:nvSpPr>
+          <p:cNvPr id="2" name="Titel 1"/>
+          <p:cNvSpPr>
+            <a:spLocks noGrp="1"/>
+          </p:cNvSpPr>
+          <p:nvPr>
+            <p:ph type="title"/>
+          </p:nvPr>
+        </p:nvSpPr>
+        <p:spPr/>
+        <p:txBody>
+          <a:bodyPr/>
+          <a:lstStyle/>
+          <a:p>
+            <a:r>
+              <a:rPr lang="de-DE" dirty="0" smtClean="0"/>
+              <a:t>Was ist Model-View-</a:t>
+            </a:r>
+            <a:r>
+              <a:rPr lang="de-DE" dirty="0" err="1" smtClean="0"/>
+              <a:t>Presenter</a:t>
+            </a:r>
+            <a:r>
+              <a:rPr lang="de-DE" dirty="0" smtClean="0"/>
+              <a:t>?</a:t>
+            </a:r>
+            <a:endParaRPr lang="de-DE" dirty="0"/>
+          </a:p>
+        </p:txBody>
+      </p:sp>
+      <p:sp>
+        <p:nvSpPr>
+          <p:cNvPr id="3" name="Inhaltsplatzhalter 2"/>
+          <p:cNvSpPr>
+            <a:spLocks noGrp="1"/>
+          </p:cNvSpPr>
+          <p:nvPr>
+            <p:ph idx="1"/>
+          </p:nvPr>
+        </p:nvSpPr>
+        <p:spPr/>
+        <p:txBody>
+          <a:bodyPr/>
+          <a:lstStyle/>
+          <a:p>
+            <a:r>
+              <a:rPr lang="de-DE" dirty="0" smtClean="0"/>
+              <a:t>Von </a:t>
+            </a:r>
+            <a:r>
+              <a:rPr lang="de-DE" dirty="0" err="1" smtClean="0"/>
+              <a:t>Taligant</a:t>
+            </a:r>
+            <a:r>
+              <a:rPr lang="de-DE" dirty="0" smtClean="0"/>
+              <a:t> und IBM entwickelt</a:t>
+            </a:r>
+          </a:p>
+          <a:p>
+            <a:r>
+              <a:rPr lang="de-DE" dirty="0" smtClean="0"/>
+              <a:t>Weiterentwicklung von MVC</a:t>
+            </a:r>
+          </a:p>
+          <a:p>
+            <a:r>
+              <a:rPr lang="de-DE" dirty="0" smtClean="0"/>
+              <a:t>Keine genaue Definition</a:t>
+            </a:r>
+          </a:p>
+          <a:p>
+            <a:endParaRPr lang="de-DE" dirty="0" smtClean="0"/>
+          </a:p>
+          <a:p>
+            <a:endParaRPr lang="de-DE" dirty="0"/>
+          </a:p>
+        </p:txBody>
+      </p:sp>
+      <p:sp>
+        <p:nvSpPr>
+          <p:cNvPr id="4" name="Datumsplatzhalter 3"/>
+          <p:cNvSpPr>
+            <a:spLocks noGrp="1"/>
+          </p:cNvSpPr>
+          <p:nvPr>
+            <p:ph type="dt" sz="half" idx="10"/>
+          </p:nvPr>
+        </p:nvSpPr>
+        <p:spPr/>
+        <p:txBody>
+          <a:bodyPr/>
+          <a:lstStyle/>
+          <a:p>
+            <a:fld id="{93F45587-BEEE-4D54-90A9-A458946DA07D}" type="datetime1">
+              <a:rPr lang="de-DE" smtClean="0"/>
+              <a:t>16.05.2013</a:t>
+            </a:fld>
+            <a:endParaRPr lang="de-DE" dirty="0"/>
+          </a:p>
+        </p:txBody>
+      </p:sp>
+      <p:sp>
+        <p:nvSpPr>
+          <p:cNvPr id="5" name="Foliennummernplatzhalter 4"/>
+          <p:cNvSpPr>
+            <a:spLocks noGrp="1"/>
+          </p:cNvSpPr>
+          <p:nvPr>
+            <p:ph type="sldNum" sz="quarter" idx="12"/>
+          </p:nvPr>
+        </p:nvSpPr>
+        <p:spPr/>
+        <p:txBody>
+          <a:bodyPr/>
+          <a:lstStyle/>
+          <a:p>
+            <a:fld id="{6C6AE60A-B69C-4790-82F7-3882EDF23186}" type="slidenum">
+              <a:rPr lang="de-DE" smtClean="0"/>
+              <a:pPr/>
+              <a:t>6</a:t>
+            </a:fld>
+            <a:endParaRPr lang="de-DE" dirty="0"/>
+          </a:p>
+        </p:txBody>
+      </p:sp>
+    </p:spTree>
+    <p:extLst>
+      <p:ext uri="{BB962C8B-B14F-4D97-AF65-F5344CB8AC3E}">
+        <p14:creationId xmlns:p14="http://schemas.microsoft.com/office/powerpoint/2010/main" val="1220430910"/>
+      </p:ext>
+    </p:extLst>
+  </p:cSld>
+  <p:clrMapOvr>
+    <a:masterClrMapping/>
+  </p:clrMapOvr>
+  <p:timing>
+    <p:tnLst>
+      <p:par>
+        <p:cTn id="1" dur="indefinite" restart="never" nodeType="tmRoot"/>
+      </p:par>
+    </p:tnLst>
+  </p:timing>
+</p:sld>
+</file>
+
+<file path=ppt/slides/slide7.xml><?xml version="1.0" encoding="utf-8"?>
+<p:sld xmlns:a="http://schemas.openxmlformats.org/drawingml/2006/main" xmlns:r="http://schemas.openxmlformats.org/officeDocument/2006/relationships" xmlns:p="http://schemas.openxmlformats.org/presentationml/2006/main">
+  <p:cSld>
+    <p:spTree>
+      <p:nvGrpSpPr>
+        <p:cNvPr id="1" name=""/>
+        <p:cNvGrpSpPr/>
+        <p:nvPr/>
+      </p:nvGrpSpPr>
+      <p:grpSpPr>
+        <a:xfrm>
+          <a:off x="0" y="0"/>
+          <a:ext cx="0" cy="0"/>
+          <a:chOff x="0" y="0"/>
+          <a:chExt cx="0" cy="0"/>
+        </a:xfrm>
+      </p:grpSpPr>
+      <p:sp>
+        <p:nvSpPr>
+          <p:cNvPr id="2" name="Titel 1"/>
+          <p:cNvSpPr>
+            <a:spLocks noGrp="1"/>
+          </p:cNvSpPr>
+          <p:nvPr>
+            <p:ph type="title"/>
+          </p:nvPr>
+        </p:nvSpPr>
+        <p:spPr>
+          <a:xfrm>
+            <a:off x="457200" y="764704"/>
+            <a:ext cx="8229600" cy="936104"/>
+          </a:xfrm>
+        </p:spPr>
+        <p:txBody>
+          <a:bodyPr/>
+          <a:lstStyle/>
+          <a:p>
+            <a:r>
+              <a:rPr lang="de-DE" dirty="0" smtClean="0"/>
+              <a:t>Unterschiede zu MVC</a:t>
+            </a:r>
+            <a:endParaRPr lang="de-DE" dirty="0"/>
+          </a:p>
+        </p:txBody>
+      </p:sp>
+      <p:sp>
+        <p:nvSpPr>
+          <p:cNvPr id="3" name="Inhaltsplatzhalter 2"/>
+          <p:cNvSpPr>
+            <a:spLocks noGrp="1"/>
+          </p:cNvSpPr>
+          <p:nvPr>
+            <p:ph idx="1"/>
+          </p:nvPr>
+        </p:nvSpPr>
+        <p:spPr/>
+        <p:txBody>
+          <a:bodyPr/>
+          <a:lstStyle/>
+          <a:p>
+            <a:r>
+              <a:rPr lang="de-DE" dirty="0" smtClean="0"/>
+              <a:t>Der </a:t>
+            </a:r>
+            <a:r>
+              <a:rPr lang="de-DE" dirty="0" err="1" smtClean="0"/>
+              <a:t>Presenter</a:t>
+            </a:r>
+            <a:r>
+              <a:rPr lang="de-DE" dirty="0" smtClean="0"/>
+              <a:t> ist einziges Bindeglied von Model und View -&gt;  View kennt Model nicht</a:t>
+            </a:r>
+          </a:p>
+          <a:p>
+            <a:pPr marL="0" indent="0">
+              <a:buNone/>
+            </a:pPr>
+            <a:endParaRPr lang="de-DE" dirty="0"/>
+          </a:p>
+        </p:txBody>
+      </p:sp>
+      <p:sp>
+        <p:nvSpPr>
+          <p:cNvPr id="4" name="Datumsplatzhalter 3"/>
+          <p:cNvSpPr>
+            <a:spLocks noGrp="1"/>
+          </p:cNvSpPr>
+          <p:nvPr>
+            <p:ph type="dt" sz="half" idx="10"/>
+          </p:nvPr>
+        </p:nvSpPr>
+        <p:spPr/>
+        <p:txBody>
+          <a:bodyPr/>
+          <a:lstStyle/>
+          <a:p>
+            <a:fld id="{93F45587-BEEE-4D54-90A9-A458946DA07D}" type="datetime1">
+              <a:rPr lang="de-DE" smtClean="0"/>
+              <a:t>16.05.2013</a:t>
+            </a:fld>
+            <a:endParaRPr lang="de-DE" dirty="0"/>
+          </a:p>
+        </p:txBody>
+      </p:sp>
+      <p:sp>
+        <p:nvSpPr>
+          <p:cNvPr id="5" name="Foliennummernplatzhalter 4"/>
+          <p:cNvSpPr>
+            <a:spLocks noGrp="1"/>
+          </p:cNvSpPr>
+          <p:nvPr>
+            <p:ph type="sldNum" sz="quarter" idx="12"/>
+          </p:nvPr>
+        </p:nvSpPr>
+        <p:spPr/>
+        <p:txBody>
+          <a:bodyPr/>
+          <a:lstStyle/>
+          <a:p>
+            <a:fld id="{6C6AE60A-B69C-4790-82F7-3882EDF23186}" type="slidenum">
+              <a:rPr lang="de-DE" smtClean="0"/>
+              <a:pPr/>
+              <a:t>7</a:t>
+            </a:fld>
+            <a:endParaRPr lang="de-DE" dirty="0"/>
+          </a:p>
+        </p:txBody>
+      </p:sp>
+      <p:pic>
+        <p:nvPicPr>
+          <p:cNvPr id="1026" name="Picture 2" descr="C:\Design-Pattern-MVC\ausarbeitung_latex\figure\MVP\MVP_Explanation.png"/>
+          <p:cNvPicPr>
+            <a:picLocks noChangeAspect="1" noChangeArrowheads="1"/>
+          </p:cNvPicPr>
+          <p:nvPr/>
+        </p:nvPicPr>
+        <p:blipFill>
+          <a:blip r:embed="rId2">
+            <a:extLst>
+              <a:ext uri="{28A0092B-C50C-407E-A947-70E740481C1C}">
+                <a14:useLocalDpi xmlns:a14="http://schemas.microsoft.com/office/drawing/2010/main" val="0"/>
+              </a:ext>
+            </a:extLst>
+          </a:blip>
+          <a:srcRect/>
+          <a:stretch>
+            <a:fillRect/>
+          </a:stretch>
+        </p:blipFill>
+        <p:spPr bwMode="auto">
+          <a:xfrm>
+            <a:off x="2627784" y="3270437"/>
+            <a:ext cx="3810532" cy="2962689"/>
+          </a:xfrm>
+          <a:prstGeom prst="rect">
+            <a:avLst/>
+          </a:prstGeom>
+          <a:noFill/>
+          <a:extLst>
+            <a:ext uri="{909E8E84-426E-40DD-AFC4-6F175D3DCCD1}">
+              <a14:hiddenFill xmlns:a14="http://schemas.microsoft.com/office/drawing/2010/main">
+                <a:solidFill>
+                  <a:srgbClr val="FFFFFF"/>
+                </a:solidFill>
+              </a14:hiddenFill>
+            </a:ext>
+          </a:extLst>
+        </p:spPr>
+      </p:pic>
+    </p:spTree>
+    <p:extLst>
+      <p:ext uri="{BB962C8B-B14F-4D97-AF65-F5344CB8AC3E}">
+        <p14:creationId xmlns:p14="http://schemas.microsoft.com/office/powerpoint/2010/main" val="3934068056"/>
+      </p:ext>
+    </p:extLst>
+  </p:cSld>
+  <p:clrMapOvr>
+    <a:masterClrMapping/>
+  </p:clrMapOvr>
+  <p:timing>
+    <p:tnLst>
+      <p:par>
+        <p:cTn id="1" dur="indefinite" restart="never" nodeType="tmRoot"/>
+      </p:par>
+    </p:tnLst>
+  </p:timing>
+</p:sld>
+</file>
+
+<file path=ppt/slides/slide8.xml><?xml version="1.0" encoding="utf-8"?>
+<p:sld xmlns:a="http://schemas.openxmlformats.org/drawingml/2006/main" xmlns:r="http://schemas.openxmlformats.org/officeDocument/2006/relationships" xmlns:p="http://schemas.openxmlformats.org/presentationml/2006/main">
+  <p:cSld>
+    <p:spTree>
+      <p:nvGrpSpPr>
+        <p:cNvPr id="1" name=""/>
+        <p:cNvGrpSpPr/>
+        <p:nvPr/>
+      </p:nvGrpSpPr>
+      <p:grpSpPr>
+        <a:xfrm>
+          <a:off x="0" y="0"/>
+          <a:ext cx="0" cy="0"/>
+          <a:chOff x="0" y="0"/>
+          <a:chExt cx="0" cy="0"/>
+        </a:xfrm>
+      </p:grpSpPr>
+      <p:sp>
+        <p:nvSpPr>
+          <p:cNvPr id="2" name="Titel 1"/>
+          <p:cNvSpPr>
+            <a:spLocks noGrp="1"/>
+          </p:cNvSpPr>
+          <p:nvPr>
+            <p:ph type="title"/>
+          </p:nvPr>
+        </p:nvSpPr>
+        <p:spPr>
+          <a:xfrm>
+            <a:off x="457200" y="764704"/>
+            <a:ext cx="8229600" cy="936104"/>
+          </a:xfrm>
+        </p:spPr>
+        <p:txBody>
+          <a:bodyPr/>
+          <a:lstStyle/>
+          <a:p>
+            <a:r>
+              <a:rPr lang="de-DE" dirty="0" smtClean="0"/>
+              <a:t>Au</a:t>
+            </a:r>
+            <a:r>
+              <a:rPr lang="de-DE" b="1" dirty="0" smtClean="0"/>
+              <a:t>f</a:t>
+            </a:r>
+            <a:r>
+              <a:rPr lang="de-DE" dirty="0" smtClean="0"/>
+              <a:t>gabe: Model</a:t>
+            </a:r>
+            <a:endParaRPr lang="de-DE" dirty="0"/>
+          </a:p>
+        </p:txBody>
+      </p:sp>
+      <p:sp>
+        <p:nvSpPr>
+          <p:cNvPr id="3" name="Inhaltsplatzhalter 2"/>
+          <p:cNvSpPr>
+            <a:spLocks noGrp="1"/>
+          </p:cNvSpPr>
+          <p:nvPr>
+            <p:ph idx="1"/>
+          </p:nvPr>
+        </p:nvSpPr>
+        <p:spPr/>
+        <p:txBody>
+          <a:bodyPr/>
+          <a:lstStyle/>
+          <a:p>
+            <a:r>
+              <a:rPr lang="de-DE" dirty="0" smtClean="0"/>
+              <a:t>Bereitstellung von Daten</a:t>
+            </a:r>
+          </a:p>
+          <a:p>
+            <a:r>
+              <a:rPr lang="de-DE" dirty="0" smtClean="0"/>
+              <a:t>Schnittstelle(n) für Datenzugriff</a:t>
+            </a:r>
+          </a:p>
+          <a:p>
+            <a:r>
+              <a:rPr lang="de-DE" dirty="0" smtClean="0"/>
+              <a:t>Das Model kann auch nur Proxy auf die Daten sein</a:t>
+            </a:r>
+          </a:p>
+          <a:p>
+            <a:r>
+              <a:rPr lang="de-DE" dirty="0" smtClean="0"/>
+              <a:t>Kapselung der Daten</a:t>
+            </a:r>
+          </a:p>
+          <a:p>
+            <a:pPr marL="0" indent="0">
+              <a:buNone/>
+            </a:pPr>
+            <a:endParaRPr lang="de-DE" dirty="0"/>
+          </a:p>
+        </p:txBody>
+      </p:sp>
+      <p:sp>
+        <p:nvSpPr>
+          <p:cNvPr id="4" name="Datumsplatzhalter 3"/>
+          <p:cNvSpPr>
+            <a:spLocks noGrp="1"/>
+          </p:cNvSpPr>
+          <p:nvPr>
+            <p:ph type="dt" sz="half" idx="10"/>
+          </p:nvPr>
+        </p:nvSpPr>
+        <p:spPr/>
+        <p:txBody>
+          <a:bodyPr/>
+          <a:lstStyle/>
+          <a:p>
+            <a:fld id="{93F45587-BEEE-4D54-90A9-A458946DA07D}" type="datetime1">
+              <a:rPr lang="de-DE" smtClean="0"/>
+              <a:t>16.05.2013</a:t>
+            </a:fld>
+            <a:endParaRPr lang="de-DE" dirty="0"/>
+          </a:p>
+        </p:txBody>
+      </p:sp>
+      <p:sp>
+        <p:nvSpPr>
+          <p:cNvPr id="5" name="Foliennummernplatzhalter 4"/>
+          <p:cNvSpPr>
+            <a:spLocks noGrp="1"/>
+          </p:cNvSpPr>
+          <p:nvPr>
+            <p:ph type="sldNum" sz="quarter" idx="12"/>
+          </p:nvPr>
+        </p:nvSpPr>
+        <p:spPr/>
+        <p:txBody>
+          <a:bodyPr/>
+          <a:lstStyle/>
+          <a:p>
+            <a:fld id="{6C6AE60A-B69C-4790-82F7-3882EDF23186}" type="slidenum">
+              <a:rPr lang="de-DE" smtClean="0"/>
+              <a:pPr/>
+              <a:t>8</a:t>
+            </a:fld>
+            <a:endParaRPr lang="de-DE" dirty="0"/>
+          </a:p>
+        </p:txBody>
+      </p:sp>
+    </p:spTree>
+    <p:extLst>
+      <p:ext uri="{BB962C8B-B14F-4D97-AF65-F5344CB8AC3E}">
+        <p14:creationId xmlns:p14="http://schemas.microsoft.com/office/powerpoint/2010/main" val="2684987595"/>
+      </p:ext>
+    </p:extLst>
+  </p:cSld>
+  <p:clrMapOvr>
+    <a:masterClrMapping/>
+  </p:clrMapOvr>
+  <p:timing>
+    <p:tnLst>
+      <p:par>
+        <p:cTn id="1" dur="indefinite" restart="never" nodeType="tmRoot"/>
+      </p:par>
+    </p:tnLst>
+  </p:timing>
+</p:sld>
+</file>
+
+<file path=ppt/slides/slide9.xml><?xml version="1.0" encoding="utf-8"?>
+<p:sld xmlns:a="http://schemas.openxmlformats.org/drawingml/2006/main" xmlns:r="http://schemas.openxmlformats.org/officeDocument/2006/relationships" xmlns:p="http://schemas.openxmlformats.org/presentationml/2006/main">
+  <p:cSld>
+    <p:spTree>
+      <p:nvGrpSpPr>
+        <p:cNvPr id="1" name=""/>
+        <p:cNvGrpSpPr/>
+        <p:nvPr/>
+      </p:nvGrpSpPr>
+      <p:grpSpPr>
+        <a:xfrm>
+          <a:off x="0" y="0"/>
+          <a:ext cx="0" cy="0"/>
+          <a:chOff x="0" y="0"/>
+          <a:chExt cx="0" cy="0"/>
+        </a:xfrm>
+      </p:grpSpPr>
+      <p:sp>
+        <p:nvSpPr>
+          <p:cNvPr id="2" name="Titel 1"/>
+          <p:cNvSpPr>
+            <a:spLocks noGrp="1"/>
+          </p:cNvSpPr>
+          <p:nvPr>
+            <p:ph type="title"/>
+          </p:nvPr>
+        </p:nvSpPr>
+        <p:spPr>
+          <a:xfrm>
+            <a:off x="457200" y="764704"/>
+            <a:ext cx="8229600" cy="936104"/>
+          </a:xfrm>
+        </p:spPr>
+        <p:txBody>
+          <a:bodyPr/>
+          <a:lstStyle/>
+          <a:p>
+            <a:r>
+              <a:rPr lang="de-DE" dirty="0" smtClean="0"/>
+              <a:t>Aufgabe: Der </a:t>
+            </a:r>
+            <a:r>
+              <a:rPr lang="de-DE" dirty="0" err="1" smtClean="0"/>
+              <a:t>Presenter</a:t>
+            </a:r>
+            <a:endParaRPr lang="de-DE" dirty="0"/>
+          </a:p>
+        </p:txBody>
+      </p:sp>
+      <p:sp>
+        <p:nvSpPr>
+          <p:cNvPr id="3" name="Inhaltsplatzhalter 2"/>
+          <p:cNvSpPr>
+            <a:spLocks noGrp="1"/>
+          </p:cNvSpPr>
+          <p:nvPr>
+            <p:ph idx="1"/>
+          </p:nvPr>
+        </p:nvSpPr>
+        <p:spPr>
+          <a:xfrm>
+            <a:off x="457200" y="1988841"/>
+            <a:ext cx="8229600" cy="2088232"/>
+          </a:xfrm>
+        </p:spPr>
+        <p:txBody>
+          <a:bodyPr>
+            <a:normAutofit fontScale="92500" lnSpcReduction="10000"/>
+          </a:bodyPr>
+          <a:lstStyle/>
+          <a:p>
+            <a:r>
+              <a:rPr lang="de-DE" dirty="0" smtClean="0"/>
+              <a:t>Bindeglied zwischen Model und View</a:t>
+            </a:r>
+          </a:p>
+          <a:p>
+            <a:r>
+              <a:rPr lang="de-DE" dirty="0" smtClean="0"/>
+              <a:t>Interpretation von Benutzereingaben (Verwendung: passive View)</a:t>
+            </a:r>
+          </a:p>
+          <a:p>
+            <a:pPr marL="0" indent="0">
+              <a:buNone/>
+            </a:pPr>
+            <a:r>
+              <a:rPr lang="de-DE" dirty="0" smtClean="0"/>
+              <a:t>…	</a:t>
+            </a:r>
+            <a:endParaRPr lang="de-DE" dirty="0"/>
+          </a:p>
+        </p:txBody>
+      </p:sp>
+      <p:sp>
+        <p:nvSpPr>
+          <p:cNvPr id="4" name="Datumsplatzhalter 3"/>
+          <p:cNvSpPr>
+            <a:spLocks noGrp="1"/>
+          </p:cNvSpPr>
+          <p:nvPr>
+            <p:ph type="dt" sz="half" idx="10"/>
+          </p:nvPr>
+        </p:nvSpPr>
+        <p:spPr/>
+        <p:txBody>
+          <a:bodyPr/>
+          <a:lstStyle/>
+          <a:p>
+            <a:fld id="{93F45587-BEEE-4D54-90A9-A458946DA07D}" type="datetime1">
+              <a:rPr lang="de-DE" smtClean="0"/>
+              <a:t>16.05.2013</a:t>
+            </a:fld>
+            <a:endParaRPr lang="de-DE" dirty="0"/>
+          </a:p>
+        </p:txBody>
+      </p:sp>
+      <p:sp>
+        <p:nvSpPr>
+          <p:cNvPr id="5" name="Foliennummernplatzhalter 4"/>
+          <p:cNvSpPr>
+            <a:spLocks noGrp="1"/>
+          </p:cNvSpPr>
+          <p:nvPr>
+            <p:ph type="sldNum" sz="quarter" idx="12"/>
+          </p:nvPr>
+        </p:nvSpPr>
+        <p:spPr/>
+        <p:txBody>
+          <a:bodyPr/>
+          <a:lstStyle/>
+          <a:p>
+            <a:fld id="{6C6AE60A-B69C-4790-82F7-3882EDF23186}" type="slidenum">
+              <a:rPr lang="de-DE" smtClean="0"/>
+              <a:pPr/>
+              <a:t>9</a:t>
+            </a:fld>
+            <a:endParaRPr lang="de-DE" dirty="0"/>
+          </a:p>
+        </p:txBody>
+      </p:sp>
+      <p:sp>
+        <p:nvSpPr>
+          <p:cNvPr id="6" name="Textfeld 5"/>
+          <p:cNvSpPr txBox="1"/>
+          <p:nvPr/>
+        </p:nvSpPr>
+        <p:spPr>
+          <a:xfrm>
+            <a:off x="1547664" y="4944070"/>
+            <a:ext cx="6048672" cy="1077218"/>
+          </a:xfrm>
+          <a:prstGeom prst="rect">
+            <a:avLst/>
+          </a:prstGeom>
+          <a:solidFill>
+            <a:schemeClr val="accent6">
+              <a:lumMod val="60000"/>
+              <a:lumOff val="40000"/>
+            </a:schemeClr>
+          </a:solidFill>
+        </p:spPr>
+        <p:txBody>
+          <a:bodyPr wrap="square" rtlCol="0">
+            <a:spAutoFit/>
+          </a:bodyPr>
+          <a:lstStyle/>
+          <a:p>
+            <a:pPr algn="ctr"/>
+            <a:r>
+              <a:rPr lang="de-DE" sz="3200" dirty="0"/>
+              <a:t>Modifikation des Models</a:t>
+            </a:r>
+          </a:p>
+          <a:p>
+            <a:pPr algn="ctr"/>
+            <a:r>
+              <a:rPr lang="de-DE" sz="3200" dirty="0" smtClean="0"/>
+              <a:t>Aktualisierung der View</a:t>
+            </a:r>
+            <a:endParaRPr lang="de-DE" sz="3200" dirty="0"/>
+          </a:p>
+        </p:txBody>
+      </p:sp>
+      <p:sp>
+        <p:nvSpPr>
+          <p:cNvPr id="7" name="Pfeil nach rechts 6"/>
+          <p:cNvSpPr/>
+          <p:nvPr/>
+        </p:nvSpPr>
+        <p:spPr>
+          <a:xfrm rot="5400000">
+            <a:off x="4139952" y="3933056"/>
+            <a:ext cx="864096" cy="864096"/>
+          </a:xfrm>
+          <a:prstGeom prst="rightArrow">
+            <a:avLst>
+              <a:gd name="adj1" fmla="val 100000"/>
+              <a:gd name="adj2" fmla="val 95205"/>
+            </a:avLst>
+          </a:prstGeom>
+        </p:spPr>
+        <p:style>
+          <a:lnRef idx="2">
+            <a:schemeClr val="accent1">
+              <a:shade val="50000"/>
+            </a:schemeClr>
+          </a:lnRef>
+          <a:fillRef idx="1">
+            <a:schemeClr val="accent1"/>
+          </a:fillRef>
+          <a:effectRef idx="0">
+            <a:schemeClr val="accent1"/>
+          </a:effectRef>
+          <a:fontRef idx="minor">
+            <a:schemeClr val="lt1"/>
+          </a:fontRef>
+        </p:style>
+        <p:txBody>
+          <a:bodyPr rtlCol="0" anchor="ctr"/>
+          <a:lstStyle/>
+          <a:p>
+            <a:pPr algn="ctr"/>
+            <a:endParaRPr lang="de-DE"/>
+          </a:p>
+        </p:txBody>
+      </p:sp>
+    </p:spTree>
+    <p:extLst>
+      <p:ext uri="{BB962C8B-B14F-4D97-AF65-F5344CB8AC3E}">
+        <p14:creationId xmlns:p14="http://schemas.microsoft.com/office/powerpoint/2010/main" val="3519240231"/>
       </p:ext>
     </p:extLst>
   </p:cSld>

--- a/Dokumentation/Praesentation/Praesentation.pptx
+++ b/Dokumentation/Praesentation/Praesentation.pptx
@@ -207,7 +207,7 @@
           <a:p>
             <a:fld id="{AD8B85D8-A08F-474B-850C-6EBE1C4997FF}" type="datetimeFigureOut">
               <a:rPr lang="de-DE" smtClean="0"/>
-              <a:t>16.05.2013</a:t>
+              <a:t>17.05.2013</a:t>
             </a:fld>
             <a:endParaRPr lang="de-DE"/>
           </a:p>
@@ -656,7 +656,7 @@
           <a:p>
             <a:fld id="{2262EDCC-AC18-44F8-82D6-389A1A2ACCA2}" type="datetime1">
               <a:rPr lang="de-DE" smtClean="0"/>
-              <a:t>16.05.2013</a:t>
+              <a:t>17.05.2013</a:t>
             </a:fld>
             <a:endParaRPr lang="de-DE"/>
           </a:p>
@@ -828,7 +828,7 @@
           <a:p>
             <a:fld id="{CB217951-9D3E-47DC-B260-5DE836C303CA}" type="datetime1">
               <a:rPr lang="de-DE" smtClean="0"/>
-              <a:t>16.05.2013</a:t>
+              <a:t>17.05.2013</a:t>
             </a:fld>
             <a:endParaRPr lang="de-DE"/>
           </a:p>
@@ -1003,7 +1003,7 @@
           <a:p>
             <a:fld id="{EEC388B6-8733-410D-8F87-E4ED4C6F4DA7}" type="datetime1">
               <a:rPr lang="de-DE" smtClean="0"/>
-              <a:t>16.05.2013</a:t>
+              <a:t>17.05.2013</a:t>
             </a:fld>
             <a:endParaRPr lang="de-DE"/>
           </a:p>
@@ -1188,7 +1188,7 @@
           <a:p>
             <a:fld id="{93F45587-BEEE-4D54-90A9-A458946DA07D}" type="datetime1">
               <a:rPr lang="de-DE" smtClean="0"/>
-              <a:t>16.05.2013</a:t>
+              <a:t>17.05.2013</a:t>
             </a:fld>
             <a:endParaRPr lang="de-DE" dirty="0"/>
           </a:p>
@@ -1604,7 +1604,7 @@
           <a:p>
             <a:fld id="{37179F3E-53BB-4A1E-B9D8-AF3519983CCC}" type="datetime1">
               <a:rPr lang="de-DE" smtClean="0"/>
-              <a:t>16.05.2013</a:t>
+              <a:t>17.05.2013</a:t>
             </a:fld>
             <a:endParaRPr lang="de-DE" dirty="0"/>
           </a:p>
@@ -1899,7 +1899,7 @@
           <a:p>
             <a:fld id="{1A16814E-E00D-42D7-88BB-0C21ED97C26C}" type="datetime1">
               <a:rPr lang="de-DE" smtClean="0"/>
-              <a:t>16.05.2013</a:t>
+              <a:t>17.05.2013</a:t>
             </a:fld>
             <a:endParaRPr lang="de-DE"/>
           </a:p>
@@ -2316,7 +2316,7 @@
           <a:p>
             <a:fld id="{A7846212-3F43-49B0-9322-E3121984D0F5}" type="datetime1">
               <a:rPr lang="de-DE" smtClean="0"/>
-              <a:t>16.05.2013</a:t>
+              <a:t>17.05.2013</a:t>
             </a:fld>
             <a:endParaRPr lang="de-DE"/>
           </a:p>
@@ -2429,7 +2429,7 @@
           <a:p>
             <a:fld id="{33759B05-CA0A-42AB-AAD6-72142BAED1B5}" type="datetime1">
               <a:rPr lang="de-DE" smtClean="0"/>
-              <a:t>16.05.2013</a:t>
+              <a:t>17.05.2013</a:t>
             </a:fld>
             <a:endParaRPr lang="de-DE"/>
           </a:p>
@@ -2519,7 +2519,7 @@
           <a:p>
             <a:fld id="{3FC932FF-2A97-4EAE-B1FA-B102CC0C0A9E}" type="datetime1">
               <a:rPr lang="de-DE" smtClean="0"/>
-              <a:t>16.05.2013</a:t>
+              <a:t>17.05.2013</a:t>
             </a:fld>
             <a:endParaRPr lang="de-DE"/>
           </a:p>
@@ -2791,7 +2791,7 @@
           <a:p>
             <a:fld id="{1E2F9022-582B-4DAF-B74E-56B6795EA56A}" type="datetime1">
               <a:rPr lang="de-DE" smtClean="0"/>
-              <a:t>16.05.2013</a:t>
+              <a:t>17.05.2013</a:t>
             </a:fld>
             <a:endParaRPr lang="de-DE"/>
           </a:p>
@@ -3039,7 +3039,7 @@
           <a:p>
             <a:fld id="{8A551492-2435-4E67-B69C-BFD679A649D4}" type="datetime1">
               <a:rPr lang="de-DE" smtClean="0"/>
-              <a:t>16.05.2013</a:t>
+              <a:t>17.05.2013</a:t>
             </a:fld>
             <a:endParaRPr lang="de-DE"/>
           </a:p>
@@ -3247,7 +3247,7 @@
           <a:p>
             <a:fld id="{017F8D79-42BA-469E-A555-C90750336C1F}" type="datetime1">
               <a:rPr lang="de-DE" smtClean="0"/>
-              <a:t>16.05.2013</a:t>
+              <a:t>17.05.2013</a:t>
             </a:fld>
             <a:endParaRPr lang="de-DE"/>
           </a:p>
@@ -3712,7 +3712,7 @@
         </p:nvSpPr>
         <p:spPr>
           <a:xfrm>
-            <a:off x="446856" y="836712"/>
+            <a:off x="395536" y="1124744"/>
             <a:ext cx="8229600" cy="936104"/>
           </a:xfrm>
         </p:spPr>
@@ -3740,20 +3740,30 @@
         </p:nvSpPr>
         <p:spPr>
           <a:xfrm>
-            <a:off x="2267744" y="1916832"/>
-            <a:ext cx="4824536" cy="648072"/>
+            <a:off x="971600" y="2564904"/>
+            <a:ext cx="7200800" cy="648072"/>
           </a:xfrm>
+          <a:solidFill>
+            <a:schemeClr val="bg1">
+              <a:lumMod val="85000"/>
+            </a:schemeClr>
+          </a:solidFill>
+          <a:ln w="15875">
+            <a:solidFill>
+              <a:schemeClr val="tx1"/>
+            </a:solidFill>
+          </a:ln>
         </p:spPr>
         <p:txBody>
           <a:bodyPr/>
           <a:lstStyle/>
           <a:p>
-            <a:pPr marL="0" indent="0">
+            <a:pPr marL="0" indent="0" algn="ctr">
               <a:buNone/>
             </a:pPr>
             <a:r>
               <a:rPr lang="de-DE" dirty="0" smtClean="0"/>
-              <a:t>Was ist eine passive View?</a:t>
+              <a:t>Passive View</a:t>
             </a:r>
             <a:endParaRPr lang="de-DE" dirty="0"/>
           </a:p>
@@ -3776,7 +3786,7 @@
           <a:p>
             <a:fld id="{93F45587-BEEE-4D54-90A9-A458946DA07D}" type="datetime1">
               <a:rPr lang="de-DE" smtClean="0"/>
-              <a:t>16.05.2013</a:t>
+              <a:t>17.05.2013</a:t>
             </a:fld>
             <a:endParaRPr lang="de-DE" dirty="0"/>
           </a:p>
@@ -3808,54 +3818,54 @@
       </p:sp>
       <p:sp>
         <p:nvSpPr>
-          <p:cNvPr id="6" name="Pfeil nach oben 5"/>
-          <p:cNvSpPr/>
-          <p:nvPr/>
-        </p:nvSpPr>
-        <p:spPr>
-          <a:xfrm rot="10800000">
-            <a:off x="4252704" y="2708920"/>
-            <a:ext cx="484632" cy="618368"/>
-          </a:xfrm>
-          <a:prstGeom prst="upArrow">
-            <a:avLst/>
-          </a:prstGeom>
-        </p:spPr>
-        <p:style>
-          <a:lnRef idx="2">
-            <a:schemeClr val="accent1">
-              <a:shade val="50000"/>
-            </a:schemeClr>
-          </a:lnRef>
-          <a:fillRef idx="1">
-            <a:schemeClr val="accent1"/>
-          </a:fillRef>
-          <a:effectRef idx="0">
-            <a:schemeClr val="accent1"/>
-          </a:effectRef>
-          <a:fontRef idx="minor">
-            <a:schemeClr val="lt1"/>
-          </a:fontRef>
-        </p:style>
-        <p:txBody>
-          <a:bodyPr rtlCol="0" anchor="ctr"/>
-          <a:lstStyle/>
-          <a:p>
-            <a:pPr algn="ctr"/>
-            <a:endParaRPr lang="de-DE"/>
-          </a:p>
-        </p:txBody>
-      </p:sp>
-      <p:sp>
-        <p:nvSpPr>
           <p:cNvPr id="7" name="Textfeld 6"/>
           <p:cNvSpPr txBox="1"/>
           <p:nvPr/>
         </p:nvSpPr>
         <p:spPr>
           <a:xfrm>
-            <a:off x="179512" y="3573016"/>
-            <a:ext cx="8820472" cy="584775"/>
+            <a:off x="971600" y="3212976"/>
+            <a:ext cx="3528392" cy="1569660"/>
+          </a:xfrm>
+          <a:prstGeom prst="rect">
+            <a:avLst/>
+          </a:prstGeom>
+          <a:solidFill>
+            <a:schemeClr val="accent3">
+              <a:lumMod val="40000"/>
+              <a:lumOff val="60000"/>
+            </a:schemeClr>
+          </a:solidFill>
+          <a:ln w="12700">
+            <a:solidFill>
+              <a:schemeClr val="tx1"/>
+            </a:solidFill>
+          </a:ln>
+        </p:spPr>
+        <p:txBody>
+          <a:bodyPr wrap="square" rtlCol="0">
+            <a:spAutoFit/>
+          </a:bodyPr>
+          <a:lstStyle/>
+          <a:p>
+            <a:pPr algn="ctr"/>
+            <a:r>
+              <a:rPr lang="de-DE" sz="3200" dirty="0" smtClean="0"/>
+              <a:t>Reduzierung der Programmlogik auf ein Minimum</a:t>
+            </a:r>
+          </a:p>
+        </p:txBody>
+      </p:sp>
+      <p:sp>
+        <p:nvSpPr>
+          <p:cNvPr id="9" name="Rechteck 8"/>
+          <p:cNvSpPr/>
+          <p:nvPr/>
+        </p:nvSpPr>
+        <p:spPr>
+          <a:xfrm>
+            <a:off x="4499992" y="3212976"/>
+            <a:ext cx="3672408" cy="1569660"/>
           </a:xfrm>
           <a:prstGeom prst="rect">
             <a:avLst/>
@@ -3866,83 +3876,11 @@
               <a:lumOff val="40000"/>
             </a:schemeClr>
           </a:solidFill>
-        </p:spPr>
-        <p:txBody>
-          <a:bodyPr wrap="square" rtlCol="0">
-            <a:spAutoFit/>
-          </a:bodyPr>
-          <a:lstStyle/>
-          <a:p>
-            <a:pPr algn="ctr"/>
-            <a:r>
-              <a:rPr lang="de-DE" sz="3200" dirty="0" smtClean="0"/>
-              <a:t>Reduzierung der Programmlogik auf ein Minimum</a:t>
-            </a:r>
-          </a:p>
-        </p:txBody>
-      </p:sp>
-      <p:sp>
-        <p:nvSpPr>
-          <p:cNvPr id="8" name="Kreuz 7"/>
-          <p:cNvSpPr/>
-          <p:nvPr/>
-        </p:nvSpPr>
-        <p:spPr>
-          <a:xfrm>
-            <a:off x="4283968" y="4293096"/>
-            <a:ext cx="504056" cy="576064"/>
-          </a:xfrm>
-          <a:prstGeom prst="plus">
-            <a:avLst>
-              <a:gd name="adj" fmla="val 32045"/>
-            </a:avLst>
-          </a:prstGeom>
-        </p:spPr>
-        <p:style>
-          <a:lnRef idx="2">
-            <a:schemeClr val="accent1">
-              <a:shade val="50000"/>
-            </a:schemeClr>
-          </a:lnRef>
-          <a:fillRef idx="1">
-            <a:schemeClr val="accent1"/>
-          </a:fillRef>
-          <a:effectRef idx="0">
-            <a:schemeClr val="accent1"/>
-          </a:effectRef>
-          <a:fontRef idx="minor">
-            <a:schemeClr val="lt1"/>
-          </a:fontRef>
-        </p:style>
-        <p:txBody>
-          <a:bodyPr rtlCol="0" anchor="ctr"/>
-          <a:lstStyle/>
-          <a:p>
-            <a:pPr algn="ctr"/>
-            <a:endParaRPr lang="de-DE"/>
-          </a:p>
-        </p:txBody>
-      </p:sp>
-      <p:sp>
-        <p:nvSpPr>
-          <p:cNvPr id="9" name="Rechteck 8"/>
-          <p:cNvSpPr/>
-          <p:nvPr/>
-        </p:nvSpPr>
-        <p:spPr>
-          <a:xfrm>
-            <a:off x="395536" y="5085184"/>
-            <a:ext cx="8424936" cy="1077218"/>
-          </a:xfrm>
-          <a:prstGeom prst="rect">
-            <a:avLst/>
-          </a:prstGeom>
-          <a:solidFill>
-            <a:schemeClr val="accent6">
-              <a:lumMod val="60000"/>
-              <a:lumOff val="40000"/>
-            </a:schemeClr>
-          </a:solidFill>
+          <a:ln w="12700">
+            <a:solidFill>
+              <a:schemeClr val="tx1"/>
+            </a:solidFill>
+          </a:ln>
         </p:spPr>
         <p:txBody>
           <a:bodyPr wrap="square">
@@ -3955,7 +3893,6 @@
               <a:rPr lang="de-DE" sz="3200" dirty="0"/>
               <a:t>Handler der GUI-Elemente werden in die View ausgelagert</a:t>
             </a:r>
-            <a:endParaRPr lang="de-DE" sz="3200" dirty="0"/>
           </a:p>
         </p:txBody>
       </p:sp>
@@ -4036,7 +3973,7 @@
           <a:p>
             <a:fld id="{93F45587-BEEE-4D54-90A9-A458946DA07D}" type="datetime1">
               <a:rPr lang="de-DE" smtClean="0"/>
-              <a:t>16.05.2013</a:t>
+              <a:t>17.05.2013</a:t>
             </a:fld>
             <a:endParaRPr lang="de-DE" dirty="0"/>
           </a:p>
@@ -4089,7 +4026,7 @@
         </p:blipFill>
         <p:spPr bwMode="auto">
           <a:xfrm>
-            <a:off x="2267744" y="1556792"/>
+            <a:off x="2267744" y="1557536"/>
             <a:ext cx="3960440" cy="5062749"/>
           </a:xfrm>
           <a:prstGeom prst="rect">
@@ -4107,6 +4044,54 @@
           </a:extLst>
         </p:spPr>
       </p:pic>
+      <p:sp>
+        <p:nvSpPr>
+          <p:cNvPr id="3" name="Textfeld 2"/>
+          <p:cNvSpPr txBox="1"/>
+          <p:nvPr/>
+        </p:nvSpPr>
+        <p:spPr>
+          <a:xfrm>
+            <a:off x="6804248" y="3429000"/>
+            <a:ext cx="1801006" cy="646331"/>
+          </a:xfrm>
+          <a:prstGeom prst="rect">
+            <a:avLst/>
+          </a:prstGeom>
+          <a:noFill/>
+        </p:spPr>
+        <p:txBody>
+          <a:bodyPr wrap="none" rtlCol="0">
+            <a:spAutoFit/>
+          </a:bodyPr>
+          <a:lstStyle/>
+          <a:p>
+            <a:r>
+              <a:rPr lang="de-DE" dirty="0" smtClean="0">
+                <a:solidFill>
+                  <a:srgbClr val="FF0000"/>
+                </a:solidFill>
+              </a:rPr>
+              <a:t>Service in Model </a:t>
+            </a:r>
+          </a:p>
+          <a:p>
+            <a:r>
+              <a:rPr lang="de-DE" dirty="0" smtClean="0">
+                <a:solidFill>
+                  <a:srgbClr val="FF0000"/>
+                </a:solidFill>
+              </a:rPr>
+              <a:t>umbenennen </a:t>
+            </a:r>
+            <a:endParaRPr lang="de-DE" dirty="0">
+              <a:solidFill>
+                <a:srgbClr val="FF0000"/>
+              </a:solidFill>
+            </a:endParaRPr>
+          </a:p>
+        </p:txBody>
+      </p:sp>
     </p:spTree>
     <p:extLst>
       <p:ext uri="{BB962C8B-B14F-4D97-AF65-F5344CB8AC3E}">
@@ -4210,7 +4195,7 @@
           <a:p>
             <a:fld id="{93F45587-BEEE-4D54-90A9-A458946DA07D}" type="datetime1">
               <a:rPr lang="de-DE" smtClean="0"/>
-              <a:t>16.05.2013</a:t>
+              <a:t>17.05.2013</a:t>
             </a:fld>
             <a:endParaRPr lang="de-DE" dirty="0"/>
           </a:p>
@@ -4367,7 +4352,7 @@
           <a:p>
             <a:fld id="{93F45587-BEEE-4D54-90A9-A458946DA07D}" type="datetime1">
               <a:rPr lang="de-DE" smtClean="0"/>
-              <a:t>16.05.2013</a:t>
+              <a:t>17.05.2013</a:t>
             </a:fld>
             <a:endParaRPr lang="de-DE" dirty="0"/>
           </a:p>
@@ -4525,7 +4510,7 @@
           <a:p>
             <a:fld id="{93F45587-BEEE-4D54-90A9-A458946DA07D}" type="datetime1">
               <a:rPr lang="de-DE" smtClean="0"/>
-              <a:t>16.05.2013</a:t>
+              <a:t>17.05.2013</a:t>
             </a:fld>
             <a:endParaRPr lang="de-DE" dirty="0"/>
           </a:p>
@@ -4602,8 +4587,8 @@
         </p:nvSpPr>
         <p:spPr>
           <a:xfrm>
-            <a:off x="4139952" y="3789040"/>
-            <a:ext cx="864096" cy="1224136"/>
+            <a:off x="4139952" y="4005064"/>
+            <a:ext cx="864096" cy="1008112"/>
           </a:xfrm>
           <a:prstGeom prst="downArrow">
             <a:avLst/>
@@ -4631,6 +4616,44 @@
           <a:p>
             <a:pPr algn="ctr"/>
             <a:endParaRPr lang="de-DE"/>
+          </a:p>
+        </p:txBody>
+      </p:sp>
+      <p:sp>
+        <p:nvSpPr>
+          <p:cNvPr id="6" name="Textfeld 5"/>
+          <p:cNvSpPr txBox="1"/>
+          <p:nvPr/>
+        </p:nvSpPr>
+        <p:spPr>
+          <a:xfrm>
+            <a:off x="6372200" y="3789040"/>
+            <a:ext cx="2304256" cy="369332"/>
+          </a:xfrm>
+          <a:prstGeom prst="rect">
+            <a:avLst/>
+          </a:prstGeom>
+          <a:noFill/>
+        </p:spPr>
+        <p:txBody>
+          <a:bodyPr wrap="square" rtlCol="0">
+            <a:spAutoFit/>
+          </a:bodyPr>
+          <a:lstStyle/>
+          <a:p>
+            <a:r>
+              <a:rPr lang="de-DE" dirty="0" smtClean="0">
+                <a:solidFill>
+                  <a:srgbClr val="FF0000"/>
+                </a:solidFill>
+              </a:rPr>
+              <a:t>Erklärung noch </a:t>
+            </a:r>
+            <a:endParaRPr lang="de-DE" dirty="0">
+              <a:solidFill>
+                <a:srgbClr val="FF0000"/>
+              </a:solidFill>
+            </a:endParaRPr>
           </a:p>
         </p:txBody>
       </p:sp>
@@ -4711,7 +4734,7 @@
           <a:p>
             <a:fld id="{93F45587-BEEE-4D54-90A9-A458946DA07D}" type="datetime1">
               <a:rPr lang="de-DE" smtClean="0"/>
-              <a:t>16.05.2013</a:t>
+              <a:t>17.05.2013</a:t>
             </a:fld>
             <a:endParaRPr lang="de-DE" dirty="0"/>
           </a:p>
@@ -5610,6 +5633,44 @@
           </a:p>
         </p:txBody>
       </p:sp>
+      <p:sp>
+        <p:nvSpPr>
+          <p:cNvPr id="3" name="Textfeld 2"/>
+          <p:cNvSpPr txBox="1"/>
+          <p:nvPr/>
+        </p:nvSpPr>
+        <p:spPr>
+          <a:xfrm>
+            <a:off x="4716016" y="5877272"/>
+            <a:ext cx="2880320" cy="369332"/>
+          </a:xfrm>
+          <a:prstGeom prst="rect">
+            <a:avLst/>
+          </a:prstGeom>
+          <a:noFill/>
+        </p:spPr>
+        <p:txBody>
+          <a:bodyPr wrap="square" rtlCol="0">
+            <a:spAutoFit/>
+          </a:bodyPr>
+          <a:lstStyle/>
+          <a:p>
+            <a:r>
+              <a:rPr lang="de-DE" dirty="0" smtClean="0">
+                <a:solidFill>
+                  <a:srgbClr val="FF0000"/>
+                </a:solidFill>
+              </a:rPr>
+              <a:t>Ampeln nutzen</a:t>
+            </a:r>
+            <a:endParaRPr lang="de-DE" dirty="0">
+              <a:solidFill>
+                <a:srgbClr val="FF0000"/>
+              </a:solidFill>
+            </a:endParaRPr>
+          </a:p>
+        </p:txBody>
+      </p:sp>
     </p:spTree>
     <p:extLst>
       <p:ext uri="{BB962C8B-B14F-4D97-AF65-F5344CB8AC3E}">
@@ -5694,7 +5755,7 @@
           <a:p>
             <a:fld id="{93F45587-BEEE-4D54-90A9-A458946DA07D}" type="datetime1">
               <a:rPr lang="de-DE" smtClean="0"/>
-              <a:t>16.05.2013</a:t>
+              <a:t>17.05.2013</a:t>
             </a:fld>
             <a:endParaRPr lang="de-DE" dirty="0"/>
           </a:p>
@@ -5943,7 +6004,7 @@
           <a:p>
             <a:fld id="{5744CE70-91A6-4E2F-AA21-F9B5F6BBF251}" type="datetime1">
               <a:rPr lang="de-DE" smtClean="0"/>
-              <a:t>16.05.2013</a:t>
+              <a:t>17.05.2013</a:t>
             </a:fld>
             <a:endParaRPr lang="de-DE" dirty="0"/>
           </a:p>
@@ -6065,7 +6126,7 @@
           <a:p>
             <a:fld id="{93F45587-BEEE-4D54-90A9-A458946DA07D}" type="datetime1">
               <a:rPr lang="de-DE" smtClean="0"/>
-              <a:t>16.05.2013</a:t>
+              <a:t>17.05.2013</a:t>
             </a:fld>
             <a:endParaRPr lang="de-DE" dirty="0"/>
           </a:p>
@@ -6285,7 +6346,7 @@
           <a:p>
             <a:fld id="{93F45587-BEEE-4D54-90A9-A458946DA07D}" type="datetime1">
               <a:rPr lang="de-DE" smtClean="0"/>
-              <a:t>16.05.2013</a:t>
+              <a:t>17.05.2013</a:t>
             </a:fld>
             <a:endParaRPr lang="de-DE" dirty="0"/>
           </a:p>
@@ -6448,7 +6509,7 @@
           <a:p>
             <a:fld id="{93F45587-BEEE-4D54-90A9-A458946DA07D}" type="datetime1">
               <a:rPr lang="de-DE" smtClean="0"/>
-              <a:t>16.05.2013</a:t>
+              <a:t>17.05.2013</a:t>
             </a:fld>
             <a:endParaRPr lang="de-DE" dirty="0"/>
           </a:p>
@@ -6596,7 +6657,7 @@
           <a:p>
             <a:fld id="{93F45587-BEEE-4D54-90A9-A458946DA07D}" type="datetime1">
               <a:rPr lang="de-DE" smtClean="0"/>
-              <a:t>16.05.2013</a:t>
+              <a:t>17.05.2013</a:t>
             </a:fld>
             <a:endParaRPr lang="de-DE" dirty="0"/>
           </a:p>
@@ -6726,15 +6787,7 @@
           <a:p>
             <a:r>
               <a:rPr lang="de-DE" dirty="0" smtClean="0"/>
-              <a:t>Au</a:t>
-            </a:r>
-            <a:r>
-              <a:rPr lang="de-DE" b="1" dirty="0" smtClean="0"/>
-              <a:t>f</a:t>
-            </a:r>
-            <a:r>
-              <a:rPr lang="de-DE" dirty="0" smtClean="0"/>
-              <a:t>gabe: Model</a:t>
+              <a:t>Aufgabe: Model</a:t>
             </a:r>
             <a:endParaRPr lang="de-DE" dirty="0"/>
           </a:p>
@@ -6775,8 +6828,19 @@
           <a:p>
             <a:r>
               <a:rPr lang="de-DE" dirty="0" smtClean="0"/>
-              <a:t>Kapselung der Daten</a:t>
-            </a:r>
+              <a:t>Kapselung der </a:t>
+            </a:r>
+            <a:r>
+              <a:rPr lang="de-DE" dirty="0" smtClean="0"/>
+              <a:t>Daten</a:t>
+            </a:r>
+          </a:p>
+          <a:p>
+            <a:r>
+              <a:rPr lang="de-DE" dirty="0" smtClean="0"/>
+              <a:t>Enthält die Geschäftslogik</a:t>
+            </a:r>
+            <a:endParaRPr lang="de-DE" dirty="0" smtClean="0"/>
           </a:p>
           <a:p>
             <a:pPr marL="0" indent="0">
@@ -6803,7 +6867,7 @@
           <a:p>
             <a:fld id="{93F45587-BEEE-4D54-90A9-A458946DA07D}" type="datetime1">
               <a:rPr lang="de-DE" smtClean="0"/>
-              <a:t>16.05.2013</a:t>
+              <a:t>17.05.2013</a:t>
             </a:fld>
             <a:endParaRPr lang="de-DE" dirty="0"/>
           </a:p>
@@ -6964,7 +7028,7 @@
           <a:p>
             <a:fld id="{93F45587-BEEE-4D54-90A9-A458946DA07D}" type="datetime1">
               <a:rPr lang="de-DE" smtClean="0"/>
-              <a:t>16.05.2013</a:t>
+              <a:t>17.05.2013</a:t>
             </a:fld>
             <a:endParaRPr lang="de-DE" dirty="0"/>
           </a:p>

--- a/Dokumentation/Praesentation/Praesentation.pptx
+++ b/Dokumentation/Praesentation/Praesentation.pptx
@@ -5,7 +5,7 @@
     <p:sldMasterId id="2147483648" r:id="rId1"/>
   </p:sldMasterIdLst>
   <p:notesMasterIdLst>
-    <p:notesMasterId r:id="rId18"/>
+    <p:notesMasterId r:id="rId27"/>
   </p:notesMasterIdLst>
   <p:sldIdLst>
     <p:sldId id="256" r:id="rId2"/>
@@ -15,15 +15,24 @@
     <p:sldId id="261" r:id="rId6"/>
     <p:sldId id="260" r:id="rId7"/>
     <p:sldId id="262" r:id="rId8"/>
-    <p:sldId id="263" r:id="rId9"/>
-    <p:sldId id="264" r:id="rId10"/>
-    <p:sldId id="265" r:id="rId11"/>
-    <p:sldId id="266" r:id="rId12"/>
-    <p:sldId id="267" r:id="rId13"/>
-    <p:sldId id="268" r:id="rId14"/>
-    <p:sldId id="269" r:id="rId15"/>
-    <p:sldId id="270" r:id="rId16"/>
-    <p:sldId id="271" r:id="rId17"/>
+    <p:sldId id="279" r:id="rId9"/>
+    <p:sldId id="278" r:id="rId10"/>
+    <p:sldId id="280" r:id="rId11"/>
+    <p:sldId id="263" r:id="rId12"/>
+    <p:sldId id="264" r:id="rId13"/>
+    <p:sldId id="265" r:id="rId14"/>
+    <p:sldId id="266" r:id="rId15"/>
+    <p:sldId id="267" r:id="rId16"/>
+    <p:sldId id="272" r:id="rId17"/>
+    <p:sldId id="273" r:id="rId18"/>
+    <p:sldId id="274" r:id="rId19"/>
+    <p:sldId id="275" r:id="rId20"/>
+    <p:sldId id="276" r:id="rId21"/>
+    <p:sldId id="277" r:id="rId22"/>
+    <p:sldId id="268" r:id="rId23"/>
+    <p:sldId id="269" r:id="rId24"/>
+    <p:sldId id="270" r:id="rId25"/>
+    <p:sldId id="271" r:id="rId26"/>
   </p:sldIdLst>
   <p:sldSz cx="9144000" cy="6858000" type="screen4x3"/>
   <p:notesSz cx="6858000" cy="9144000"/>
@@ -207,7 +216,7 @@
           <a:p>
             <a:fld id="{AD8B85D8-A08F-474B-850C-6EBE1C4997FF}" type="datetimeFigureOut">
               <a:rPr lang="de-DE" smtClean="0"/>
-              <a:t>17.05.2013</a:t>
+              <a:t>18.05.2013</a:t>
             </a:fld>
             <a:endParaRPr lang="de-DE"/>
           </a:p>
@@ -656,7 +665,7 @@
           <a:p>
             <a:fld id="{2262EDCC-AC18-44F8-82D6-389A1A2ACCA2}" type="datetime1">
               <a:rPr lang="de-DE" smtClean="0"/>
-              <a:t>17.05.2013</a:t>
+              <a:t>18.05.2013</a:t>
             </a:fld>
             <a:endParaRPr lang="de-DE"/>
           </a:p>
@@ -828,7 +837,7 @@
           <a:p>
             <a:fld id="{CB217951-9D3E-47DC-B260-5DE836C303CA}" type="datetime1">
               <a:rPr lang="de-DE" smtClean="0"/>
-              <a:t>17.05.2013</a:t>
+              <a:t>18.05.2013</a:t>
             </a:fld>
             <a:endParaRPr lang="de-DE"/>
           </a:p>
@@ -1003,7 +1012,7 @@
           <a:p>
             <a:fld id="{EEC388B6-8733-410D-8F87-E4ED4C6F4DA7}" type="datetime1">
               <a:rPr lang="de-DE" smtClean="0"/>
-              <a:t>17.05.2013</a:t>
+              <a:t>18.05.2013</a:t>
             </a:fld>
             <a:endParaRPr lang="de-DE"/>
           </a:p>
@@ -1188,7 +1197,7 @@
           <a:p>
             <a:fld id="{93F45587-BEEE-4D54-90A9-A458946DA07D}" type="datetime1">
               <a:rPr lang="de-DE" smtClean="0"/>
-              <a:t>17.05.2013</a:t>
+              <a:t>18.05.2013</a:t>
             </a:fld>
             <a:endParaRPr lang="de-DE" dirty="0"/>
           </a:p>
@@ -1604,7 +1613,7 @@
           <a:p>
             <a:fld id="{37179F3E-53BB-4A1E-B9D8-AF3519983CCC}" type="datetime1">
               <a:rPr lang="de-DE" smtClean="0"/>
-              <a:t>17.05.2013</a:t>
+              <a:t>18.05.2013</a:t>
             </a:fld>
             <a:endParaRPr lang="de-DE" dirty="0"/>
           </a:p>
@@ -1899,7 +1908,7 @@
           <a:p>
             <a:fld id="{1A16814E-E00D-42D7-88BB-0C21ED97C26C}" type="datetime1">
               <a:rPr lang="de-DE" smtClean="0"/>
-              <a:t>17.05.2013</a:t>
+              <a:t>18.05.2013</a:t>
             </a:fld>
             <a:endParaRPr lang="de-DE"/>
           </a:p>
@@ -2316,7 +2325,7 @@
           <a:p>
             <a:fld id="{A7846212-3F43-49B0-9322-E3121984D0F5}" type="datetime1">
               <a:rPr lang="de-DE" smtClean="0"/>
-              <a:t>17.05.2013</a:t>
+              <a:t>18.05.2013</a:t>
             </a:fld>
             <a:endParaRPr lang="de-DE"/>
           </a:p>
@@ -2429,7 +2438,7 @@
           <a:p>
             <a:fld id="{33759B05-CA0A-42AB-AAD6-72142BAED1B5}" type="datetime1">
               <a:rPr lang="de-DE" smtClean="0"/>
-              <a:t>17.05.2013</a:t>
+              <a:t>18.05.2013</a:t>
             </a:fld>
             <a:endParaRPr lang="de-DE"/>
           </a:p>
@@ -2519,7 +2528,7 @@
           <a:p>
             <a:fld id="{3FC932FF-2A97-4EAE-B1FA-B102CC0C0A9E}" type="datetime1">
               <a:rPr lang="de-DE" smtClean="0"/>
-              <a:t>17.05.2013</a:t>
+              <a:t>18.05.2013</a:t>
             </a:fld>
             <a:endParaRPr lang="de-DE"/>
           </a:p>
@@ -2791,7 +2800,7 @@
           <a:p>
             <a:fld id="{1E2F9022-582B-4DAF-B74E-56B6795EA56A}" type="datetime1">
               <a:rPr lang="de-DE" smtClean="0"/>
-              <a:t>17.05.2013</a:t>
+              <a:t>18.05.2013</a:t>
             </a:fld>
             <a:endParaRPr lang="de-DE"/>
           </a:p>
@@ -3039,7 +3048,7 @@
           <a:p>
             <a:fld id="{8A551492-2435-4E67-B69C-BFD679A649D4}" type="datetime1">
               <a:rPr lang="de-DE" smtClean="0"/>
-              <a:t>17.05.2013</a:t>
+              <a:t>18.05.2013</a:t>
             </a:fld>
             <a:endParaRPr lang="de-DE"/>
           </a:p>
@@ -3247,7 +3256,7 @@
           <a:p>
             <a:fld id="{017F8D79-42BA-469E-A555-C90750336C1F}" type="datetime1">
               <a:rPr lang="de-DE" smtClean="0"/>
-              <a:t>17.05.2013</a:t>
+              <a:t>18.05.2013</a:t>
             </a:fld>
             <a:endParaRPr lang="de-DE"/>
           </a:p>
@@ -3712,60 +3721,21 @@
         </p:nvSpPr>
         <p:spPr>
           <a:xfrm>
-            <a:off x="395536" y="1124744"/>
+            <a:off x="395536" y="3212976"/>
             <a:ext cx="8229600" cy="936104"/>
           </a:xfrm>
         </p:spPr>
         <p:txBody>
-          <a:bodyPr/>
-          <a:lstStyle/>
-          <a:p>
-            <a:r>
-              <a:rPr lang="de-DE" dirty="0" smtClean="0"/>
-              <a:t>Aufgabe: Die View</a:t>
-            </a:r>
-            <a:endParaRPr lang="de-DE" dirty="0"/>
-          </a:p>
-        </p:txBody>
-      </p:sp>
-      <p:sp>
-        <p:nvSpPr>
-          <p:cNvPr id="3" name="Inhaltsplatzhalter 2"/>
-          <p:cNvSpPr>
-            <a:spLocks noGrp="1"/>
-          </p:cNvSpPr>
-          <p:nvPr>
-            <p:ph idx="1"/>
-          </p:nvPr>
-        </p:nvSpPr>
-        <p:spPr>
-          <a:xfrm>
-            <a:off x="971600" y="2564904"/>
-            <a:ext cx="7200800" cy="648072"/>
-          </a:xfrm>
-          <a:solidFill>
-            <a:schemeClr val="bg1">
-              <a:lumMod val="85000"/>
-            </a:schemeClr>
-          </a:solidFill>
-          <a:ln w="15875">
-            <a:solidFill>
-              <a:schemeClr val="tx1"/>
-            </a:solidFill>
-          </a:ln>
-        </p:spPr>
-        <p:txBody>
-          <a:bodyPr/>
-          <a:lstStyle/>
-          <a:p>
-            <a:pPr marL="0" indent="0" algn="ctr">
-              <a:buNone/>
-            </a:pPr>
-            <a:r>
-              <a:rPr lang="de-DE" dirty="0" smtClean="0"/>
-              <a:t>Passive View</a:t>
-            </a:r>
-            <a:endParaRPr lang="de-DE" dirty="0"/>
+          <a:bodyPr>
+            <a:noAutofit/>
+          </a:bodyPr>
+          <a:lstStyle/>
+          <a:p>
+            <a:r>
+              <a:rPr lang="de-DE" sz="4800" b="1" dirty="0" smtClean="0"/>
+              <a:t>Wird betrachten nur die Implementierung mit passiver View</a:t>
+            </a:r>
+            <a:endParaRPr lang="de-DE" sz="4800" b="1" dirty="0"/>
           </a:p>
         </p:txBody>
       </p:sp>
@@ -3786,7 +3756,7 @@
           <a:p>
             <a:fld id="{93F45587-BEEE-4D54-90A9-A458946DA07D}" type="datetime1">
               <a:rPr lang="de-DE" smtClean="0"/>
-              <a:t>17.05.2013</a:t>
+              <a:t>18.05.2013</a:t>
             </a:fld>
             <a:endParaRPr lang="de-DE" dirty="0"/>
           </a:p>
@@ -3816,103 +3786,16 @@
           </a:p>
         </p:txBody>
       </p:sp>
-      <p:sp>
-        <p:nvSpPr>
-          <p:cNvPr id="7" name="Textfeld 6"/>
-          <p:cNvSpPr txBox="1"/>
-          <p:nvPr/>
-        </p:nvSpPr>
-        <p:spPr>
-          <a:xfrm>
-            <a:off x="971600" y="3212976"/>
-            <a:ext cx="3528392" cy="1569660"/>
-          </a:xfrm>
-          <a:prstGeom prst="rect">
-            <a:avLst/>
-          </a:prstGeom>
-          <a:solidFill>
-            <a:schemeClr val="accent3">
-              <a:lumMod val="40000"/>
-              <a:lumOff val="60000"/>
-            </a:schemeClr>
-          </a:solidFill>
-          <a:ln w="12700">
-            <a:solidFill>
-              <a:schemeClr val="tx1"/>
-            </a:solidFill>
-          </a:ln>
-        </p:spPr>
-        <p:txBody>
-          <a:bodyPr wrap="square" rtlCol="0">
-            <a:spAutoFit/>
-          </a:bodyPr>
-          <a:lstStyle/>
-          <a:p>
-            <a:pPr algn="ctr"/>
-            <a:r>
-              <a:rPr lang="de-DE" sz="3200" dirty="0" smtClean="0"/>
-              <a:t>Reduzierung der Programmlogik auf ein Minimum</a:t>
-            </a:r>
-          </a:p>
-        </p:txBody>
-      </p:sp>
-      <p:sp>
-        <p:nvSpPr>
-          <p:cNvPr id="9" name="Rechteck 8"/>
-          <p:cNvSpPr/>
-          <p:nvPr/>
-        </p:nvSpPr>
-        <p:spPr>
-          <a:xfrm>
-            <a:off x="4499992" y="3212976"/>
-            <a:ext cx="3672408" cy="1569660"/>
-          </a:xfrm>
-          <a:prstGeom prst="rect">
-            <a:avLst/>
-          </a:prstGeom>
-          <a:solidFill>
-            <a:schemeClr val="accent6">
-              <a:lumMod val="60000"/>
-              <a:lumOff val="40000"/>
-            </a:schemeClr>
-          </a:solidFill>
-          <a:ln w="12700">
-            <a:solidFill>
-              <a:schemeClr val="tx1"/>
-            </a:solidFill>
-          </a:ln>
-        </p:spPr>
-        <p:txBody>
-          <a:bodyPr wrap="square">
-            <a:spAutoFit/>
-          </a:bodyPr>
-          <a:lstStyle/>
-          <a:p>
-            <a:pPr algn="ctr"/>
-            <a:r>
-              <a:rPr lang="de-DE" sz="3200" dirty="0"/>
-              <a:t>Handler der GUI-Elemente werden in die View ausgelagert</a:t>
-            </a:r>
-          </a:p>
-        </p:txBody>
-      </p:sp>
     </p:spTree>
     <p:extLst>
       <p:ext uri="{BB962C8B-B14F-4D97-AF65-F5344CB8AC3E}">
-        <p14:creationId xmlns:p14="http://schemas.microsoft.com/office/powerpoint/2010/main" val="368043059"/>
+        <p14:creationId xmlns:p14="http://schemas.microsoft.com/office/powerpoint/2010/main" val="1552098844"/>
       </p:ext>
     </p:extLst>
   </p:cSld>
   <p:clrMapOvr>
     <a:masterClrMapping/>
   </p:clrMapOvr>
-  <p:timing>
-    <p:tnLst>
-      <p:par>
-        <p:cTn id="1" dur="indefinite" restart="never" nodeType="tmRoot"/>
-      </p:par>
-    </p:tnLst>
-  </p:timing>
 </p:sld>
 </file>
 
@@ -3943,14 +3826,19 @@
             <p:ph type="title"/>
           </p:nvPr>
         </p:nvSpPr>
-        <p:spPr/>
+        <p:spPr>
+          <a:xfrm>
+            <a:off x="457200" y="764704"/>
+            <a:ext cx="8229600" cy="936104"/>
+          </a:xfrm>
+        </p:spPr>
         <p:txBody>
           <a:bodyPr/>
           <a:lstStyle/>
           <a:p>
             <a:r>
               <a:rPr lang="de-DE" dirty="0" smtClean="0"/>
-              <a:t>Möglicher MVP-Aufbau</a:t>
+              <a:t>Aufgabe: Model</a:t>
             </a:r>
             <a:endParaRPr lang="de-DE" dirty="0"/>
           </a:p>
@@ -3958,6 +3846,58 @@
       </p:sp>
       <p:sp>
         <p:nvSpPr>
+          <p:cNvPr id="3" name="Inhaltsplatzhalter 2"/>
+          <p:cNvSpPr>
+            <a:spLocks noGrp="1"/>
+          </p:cNvSpPr>
+          <p:nvPr>
+            <p:ph idx="1"/>
+          </p:nvPr>
+        </p:nvSpPr>
+        <p:spPr/>
+        <p:txBody>
+          <a:bodyPr/>
+          <a:lstStyle/>
+          <a:p>
+            <a:r>
+              <a:rPr lang="de-DE" dirty="0" smtClean="0"/>
+              <a:t>Bereitstellung von Daten</a:t>
+            </a:r>
+          </a:p>
+          <a:p>
+            <a:r>
+              <a:rPr lang="de-DE" dirty="0" smtClean="0"/>
+              <a:t>Schnittstelle(n) für Datenzugriff</a:t>
+            </a:r>
+          </a:p>
+          <a:p>
+            <a:r>
+              <a:rPr lang="de-DE" dirty="0" smtClean="0"/>
+              <a:t>Das Model kann auch nur Proxy auf die Daten sein</a:t>
+            </a:r>
+          </a:p>
+          <a:p>
+            <a:r>
+              <a:rPr lang="de-DE" dirty="0" smtClean="0"/>
+              <a:t>Kapselung der Daten</a:t>
+            </a:r>
+          </a:p>
+          <a:p>
+            <a:r>
+              <a:rPr lang="de-DE" dirty="0" smtClean="0"/>
+              <a:t>Enthält die Geschäftslogik</a:t>
+            </a:r>
+          </a:p>
+          <a:p>
+            <a:pPr marL="0" indent="0">
+              <a:buNone/>
+            </a:pPr>
+            <a:endParaRPr lang="de-DE" dirty="0"/>
+          </a:p>
+        </p:txBody>
+      </p:sp>
+      <p:sp>
+        <p:nvSpPr>
           <p:cNvPr id="4" name="Datumsplatzhalter 3"/>
           <p:cNvSpPr>
             <a:spLocks noGrp="1"/>
@@ -3973,7 +3913,7 @@
           <a:p>
             <a:fld id="{93F45587-BEEE-4D54-90A9-A458946DA07D}" type="datetime1">
               <a:rPr lang="de-DE" smtClean="0"/>
-              <a:t>17.05.2013</a:t>
+              <a:t>18.05.2013</a:t>
             </a:fld>
             <a:endParaRPr lang="de-DE" dirty="0"/>
           </a:p>
@@ -4003,99 +3943,10 @@
           </a:p>
         </p:txBody>
       </p:sp>
-      <p:pic>
-        <p:nvPicPr>
-          <p:cNvPr id="2050" name="Picture 2" descr="C:\Design-Pattern-MVC\ausarbeitung_latex\figure\MVP\MVP_classDiagramm_Example.png"/>
-          <p:cNvPicPr>
-            <a:picLocks noChangeAspect="1" noChangeArrowheads="1"/>
-          </p:cNvPicPr>
-          <p:nvPr/>
-        </p:nvPicPr>
-        <p:blipFill>
-          <a:blip r:embed="rId2">
-            <a:extLst>
-              <a:ext uri="{28A0092B-C50C-407E-A947-70E740481C1C}">
-                <a14:useLocalDpi xmlns:a14="http://schemas.microsoft.com/office/drawing/2010/main" val="0"/>
-              </a:ext>
-            </a:extLst>
-          </a:blip>
-          <a:srcRect/>
-          <a:stretch>
-            <a:fillRect/>
-          </a:stretch>
-        </p:blipFill>
-        <p:spPr bwMode="auto">
-          <a:xfrm>
-            <a:off x="2267744" y="1557536"/>
-            <a:ext cx="3960440" cy="5062749"/>
-          </a:xfrm>
-          <a:prstGeom prst="rect">
-            <a:avLst/>
-          </a:prstGeom>
-          <a:noFill/>
-          <a:extLst>
-            <a:ext uri="{909E8E84-426E-40DD-AFC4-6F175D3DCCD1}">
-              <a14:hiddenFill xmlns:a14="http://schemas.microsoft.com/office/drawing/2010/main">
-                <a:solidFill>
-                  <a:srgbClr val="FFFFFF"/>
-                </a:solidFill>
-              </a14:hiddenFill>
-            </a:ext>
-          </a:extLst>
-        </p:spPr>
-      </p:pic>
-      <p:sp>
-        <p:nvSpPr>
-          <p:cNvPr id="3" name="Textfeld 2"/>
-          <p:cNvSpPr txBox="1"/>
-          <p:nvPr/>
-        </p:nvSpPr>
-        <p:spPr>
-          <a:xfrm>
-            <a:off x="6804248" y="3429000"/>
-            <a:ext cx="1801006" cy="646331"/>
-          </a:xfrm>
-          <a:prstGeom prst="rect">
-            <a:avLst/>
-          </a:prstGeom>
-          <a:noFill/>
-        </p:spPr>
-        <p:txBody>
-          <a:bodyPr wrap="none" rtlCol="0">
-            <a:spAutoFit/>
-          </a:bodyPr>
-          <a:lstStyle/>
-          <a:p>
-            <a:r>
-              <a:rPr lang="de-DE" dirty="0" smtClean="0">
-                <a:solidFill>
-                  <a:srgbClr val="FF0000"/>
-                </a:solidFill>
-              </a:rPr>
-              <a:t>Service in Model </a:t>
-            </a:r>
-          </a:p>
-          <a:p>
-            <a:r>
-              <a:rPr lang="de-DE" dirty="0" smtClean="0">
-                <a:solidFill>
-                  <a:srgbClr val="FF0000"/>
-                </a:solidFill>
-              </a:rPr>
-              <a:t>umbenennen </a:t>
-            </a:r>
-            <a:endParaRPr lang="de-DE" dirty="0">
-              <a:solidFill>
-                <a:srgbClr val="FF0000"/>
-              </a:solidFill>
-            </a:endParaRPr>
-          </a:p>
-        </p:txBody>
-      </p:sp>
     </p:spTree>
     <p:extLst>
       <p:ext uri="{BB962C8B-B14F-4D97-AF65-F5344CB8AC3E}">
-        <p14:creationId xmlns:p14="http://schemas.microsoft.com/office/powerpoint/2010/main" val="2661548110"/>
+        <p14:creationId xmlns:p14="http://schemas.microsoft.com/office/powerpoint/2010/main" val="2684987595"/>
       </p:ext>
     </p:extLst>
   </p:cSld>
@@ -4139,18 +3990,23 @@
             <p:ph type="title"/>
           </p:nvPr>
         </p:nvSpPr>
-        <p:spPr/>
-        <p:txBody>
-          <a:bodyPr/>
-          <a:lstStyle/>
-          <a:p>
-            <a:r>
-              <a:rPr lang="de-DE" dirty="0"/>
-              <a:t>k</a:t>
-            </a:r>
+        <p:spPr>
+          <a:xfrm>
+            <a:off x="457200" y="764704"/>
+            <a:ext cx="8229600" cy="936104"/>
+          </a:xfrm>
+        </p:spPr>
+        <p:txBody>
+          <a:bodyPr/>
+          <a:lstStyle/>
+          <a:p>
             <a:r>
               <a:rPr lang="de-DE" dirty="0" smtClean="0"/>
-              <a:t>onkrete Problemstellung</a:t>
+              <a:t>Aufgabe: Der </a:t>
+            </a:r>
+            <a:r>
+              <a:rPr lang="de-DE" dirty="0" err="1" smtClean="0"/>
+              <a:t>Presenter</a:t>
             </a:r>
             <a:endParaRPr lang="de-DE" dirty="0"/>
           </a:p>
@@ -4166,14 +4022,37 @@
             <p:ph idx="1"/>
           </p:nvPr>
         </p:nvSpPr>
-        <p:spPr/>
-        <p:txBody>
-          <a:bodyPr/>
-          <a:lstStyle/>
+        <p:spPr>
+          <a:xfrm>
+            <a:off x="457200" y="1988841"/>
+            <a:ext cx="8229600" cy="2088232"/>
+          </a:xfrm>
+        </p:spPr>
+        <p:txBody>
+          <a:bodyPr>
+            <a:normAutofit fontScale="92500" lnSpcReduction="10000"/>
+          </a:bodyPr>
+          <a:lstStyle/>
+          <a:p>
+            <a:r>
+              <a:rPr lang="de-DE" dirty="0" smtClean="0"/>
+              <a:t>Bindeglied zwischen Model und View</a:t>
+            </a:r>
+          </a:p>
+          <a:p>
+            <a:r>
+              <a:rPr lang="de-DE" dirty="0" smtClean="0"/>
+              <a:t>Interpretation von Benutzereingaben (Verwendung: passive View)</a:t>
+            </a:r>
+          </a:p>
           <a:p>
             <a:pPr marL="0" indent="0">
               <a:buNone/>
             </a:pPr>
+            <a:r>
+              <a:rPr lang="de-DE" dirty="0" smtClean="0"/>
+              <a:t>…	</a:t>
+            </a:r>
             <a:endParaRPr lang="de-DE" dirty="0"/>
           </a:p>
         </p:txBody>
@@ -4195,7 +4074,7 @@
           <a:p>
             <a:fld id="{93F45587-BEEE-4D54-90A9-A458946DA07D}" type="datetime1">
               <a:rPr lang="de-DE" smtClean="0"/>
-              <a:t>17.05.2013</a:t>
+              <a:t>18.05.2013</a:t>
             </a:fld>
             <a:endParaRPr lang="de-DE" dirty="0"/>
           </a:p>
@@ -4225,10 +4104,96 @@
           </a:p>
         </p:txBody>
       </p:sp>
+      <p:sp>
+        <p:nvSpPr>
+          <p:cNvPr id="6" name="Textfeld 5"/>
+          <p:cNvSpPr txBox="1"/>
+          <p:nvPr/>
+        </p:nvSpPr>
+        <p:spPr>
+          <a:xfrm>
+            <a:off x="1547664" y="4944070"/>
+            <a:ext cx="6048672" cy="1077218"/>
+          </a:xfrm>
+          <a:prstGeom prst="rect">
+            <a:avLst/>
+          </a:prstGeom>
+          <a:solidFill>
+            <a:schemeClr val="accent6">
+              <a:lumMod val="60000"/>
+              <a:lumOff val="40000"/>
+            </a:schemeClr>
+          </a:solidFill>
+        </p:spPr>
+        <p:txBody>
+          <a:bodyPr wrap="square" rtlCol="0">
+            <a:spAutoFit/>
+          </a:bodyPr>
+          <a:lstStyle/>
+          <a:p>
+            <a:pPr algn="ctr"/>
+            <a:r>
+              <a:rPr lang="de-DE" sz="3200" dirty="0"/>
+              <a:t>Modifikation des Models</a:t>
+            </a:r>
+          </a:p>
+          <a:p>
+            <a:pPr algn="ctr"/>
+            <a:r>
+              <a:rPr lang="de-DE" sz="3200" dirty="0" smtClean="0"/>
+              <a:t>Aktualisierung der View</a:t>
+            </a:r>
+            <a:endParaRPr lang="de-DE" sz="3200" dirty="0"/>
+          </a:p>
+        </p:txBody>
+      </p:sp>
+      <p:sp>
+        <p:nvSpPr>
+          <p:cNvPr id="7" name="Pfeil nach rechts 6"/>
+          <p:cNvSpPr/>
+          <p:nvPr/>
+        </p:nvSpPr>
+        <p:spPr>
+          <a:xfrm rot="5400000">
+            <a:off x="4139952" y="3933056"/>
+            <a:ext cx="864096" cy="864096"/>
+          </a:xfrm>
+          <a:prstGeom prst="rightArrow">
+            <a:avLst>
+              <a:gd name="adj1" fmla="val 100000"/>
+              <a:gd name="adj2" fmla="val 95205"/>
+            </a:avLst>
+          </a:prstGeom>
+        </p:spPr>
+        <p:style>
+          <a:lnRef idx="2">
+            <a:schemeClr val="accent1">
+              <a:shade val="50000"/>
+            </a:schemeClr>
+          </a:lnRef>
+          <a:fillRef idx="1">
+            <a:schemeClr val="accent1"/>
+          </a:fillRef>
+          <a:effectRef idx="0">
+            <a:schemeClr val="accent1"/>
+          </a:effectRef>
+          <a:fontRef idx="minor">
+            <a:schemeClr val="lt1"/>
+          </a:fontRef>
+        </p:style>
+        <p:txBody>
+          <a:bodyPr rtlCol="0" anchor="ctr"/>
+          <a:lstStyle/>
+          <a:p>
+            <a:pPr algn="ctr"/>
+            <a:endParaRPr lang="de-DE"/>
+          </a:p>
+        </p:txBody>
+      </p:sp>
     </p:spTree>
     <p:extLst>
       <p:ext uri="{BB962C8B-B14F-4D97-AF65-F5344CB8AC3E}">
-        <p14:creationId xmlns:p14="http://schemas.microsoft.com/office/powerpoint/2010/main" val="4134452096"/>
+        <p14:creationId xmlns:p14="http://schemas.microsoft.com/office/powerpoint/2010/main" val="3519240231"/>
       </p:ext>
     </p:extLst>
   </p:cSld>
@@ -4272,14 +4237,19 @@
             <p:ph type="title"/>
           </p:nvPr>
         </p:nvSpPr>
-        <p:spPr/>
+        <p:spPr>
+          <a:xfrm>
+            <a:off x="385192" y="1124744"/>
+            <a:ext cx="8229600" cy="936104"/>
+          </a:xfrm>
+        </p:spPr>
         <p:txBody>
           <a:bodyPr/>
           <a:lstStyle/>
           <a:p>
             <a:r>
               <a:rPr lang="de-DE" dirty="0" smtClean="0"/>
-              <a:t>Vorteile</a:t>
+              <a:t>Aufgabe: Die View</a:t>
             </a:r>
             <a:endParaRPr lang="de-DE" dirty="0"/>
           </a:p>
@@ -4287,56 +4257,6 @@
       </p:sp>
       <p:sp>
         <p:nvSpPr>
-          <p:cNvPr id="3" name="Inhaltsplatzhalter 2"/>
-          <p:cNvSpPr>
-            <a:spLocks noGrp="1"/>
-          </p:cNvSpPr>
-          <p:nvPr>
-            <p:ph idx="1"/>
-          </p:nvPr>
-        </p:nvSpPr>
-        <p:spPr/>
-        <p:txBody>
-          <a:bodyPr/>
-          <a:lstStyle/>
-          <a:p>
-            <a:r>
-              <a:rPr lang="de-DE" dirty="0" err="1" smtClean="0"/>
-              <a:t>Komponten</a:t>
-            </a:r>
-            <a:r>
-              <a:rPr lang="de-DE" dirty="0" smtClean="0"/>
-              <a:t>/Module sind austauschbar</a:t>
-            </a:r>
-          </a:p>
-          <a:p>
-            <a:r>
-              <a:rPr lang="de-DE" dirty="0" smtClean="0"/>
-              <a:t>Testen der Anwendung vereinfacht ( bessere Wartbarkeit)</a:t>
-            </a:r>
-          </a:p>
-          <a:p>
-            <a:r>
-              <a:rPr lang="de-DE" dirty="0" smtClean="0"/>
-              <a:t>Einfach erweiterbar</a:t>
-            </a:r>
-          </a:p>
-          <a:p>
-            <a:r>
-              <a:rPr lang="de-DE" dirty="0" smtClean="0"/>
-              <a:t>Klare Aufgabenteilung der Komponenten </a:t>
-            </a:r>
-          </a:p>
-          <a:p>
-            <a:pPr marL="0" indent="0">
-              <a:buNone/>
-            </a:pPr>
-            <a:endParaRPr lang="de-DE" dirty="0"/>
-          </a:p>
-        </p:txBody>
-      </p:sp>
-      <p:sp>
-        <p:nvSpPr>
           <p:cNvPr id="4" name="Datumsplatzhalter 3"/>
           <p:cNvSpPr>
             <a:spLocks noGrp="1"/>
@@ -4352,7 +4272,7 @@
           <a:p>
             <a:fld id="{93F45587-BEEE-4D54-90A9-A458946DA07D}" type="datetime1">
               <a:rPr lang="de-DE" smtClean="0"/>
-              <a:t>17.05.2013</a:t>
+              <a:t>18.05.2013</a:t>
             </a:fld>
             <a:endParaRPr lang="de-DE" dirty="0"/>
           </a:p>
@@ -4382,10 +4302,214 @@
           </a:p>
         </p:txBody>
       </p:sp>
+      <p:sp>
+        <p:nvSpPr>
+          <p:cNvPr id="6" name="Inhaltsplatzhalter 5"/>
+          <p:cNvSpPr>
+            <a:spLocks noGrp="1"/>
+          </p:cNvSpPr>
+          <p:nvPr>
+            <p:ph idx="1"/>
+          </p:nvPr>
+        </p:nvSpPr>
+        <p:spPr>
+          <a:xfrm>
+            <a:off x="1979712" y="4005064"/>
+            <a:ext cx="6552728" cy="1080120"/>
+          </a:xfrm>
+          <a:solidFill>
+            <a:schemeClr val="bg1">
+              <a:lumMod val="75000"/>
+            </a:schemeClr>
+          </a:solidFill>
+        </p:spPr>
+        <p:txBody>
+          <a:bodyPr/>
+          <a:lstStyle/>
+          <a:p>
+            <a:pPr marL="0" indent="0" algn="ctr">
+              <a:buNone/>
+            </a:pPr>
+            <a:r>
+              <a:rPr lang="de-DE" dirty="0" smtClean="0"/>
+              <a:t>Bereitstellung von GUI-Elementen für Interkation mit Benutzer</a:t>
+            </a:r>
+            <a:endParaRPr lang="de-DE" dirty="0"/>
+          </a:p>
+        </p:txBody>
+      </p:sp>
+      <p:sp>
+        <p:nvSpPr>
+          <p:cNvPr id="8" name="Gleich 7"/>
+          <p:cNvSpPr/>
+          <p:nvPr/>
+        </p:nvSpPr>
+        <p:spPr>
+          <a:xfrm>
+            <a:off x="539552" y="4257092"/>
+            <a:ext cx="1080120" cy="576064"/>
+          </a:xfrm>
+          <a:prstGeom prst="mathEqual">
+            <a:avLst/>
+          </a:prstGeom>
+          <a:solidFill>
+            <a:schemeClr val="accent6">
+              <a:lumMod val="75000"/>
+            </a:schemeClr>
+          </a:solidFill>
+          <a:ln>
+            <a:noFill/>
+          </a:ln>
+        </p:spPr>
+        <p:style>
+          <a:lnRef idx="2">
+            <a:schemeClr val="accent1">
+              <a:shade val="50000"/>
+            </a:schemeClr>
+          </a:lnRef>
+          <a:fillRef idx="1">
+            <a:schemeClr val="accent1"/>
+          </a:fillRef>
+          <a:effectRef idx="0">
+            <a:schemeClr val="accent1"/>
+          </a:effectRef>
+          <a:fontRef idx="minor">
+            <a:schemeClr val="lt1"/>
+          </a:fontRef>
+        </p:style>
+        <p:txBody>
+          <a:bodyPr rtlCol="0" anchor="ctr"/>
+          <a:lstStyle/>
+          <a:p>
+            <a:pPr algn="ctr"/>
+            <a:endParaRPr lang="de-DE">
+              <a:solidFill>
+                <a:schemeClr val="tx1"/>
+              </a:solidFill>
+            </a:endParaRPr>
+          </a:p>
+        </p:txBody>
+      </p:sp>
+      <p:sp>
+        <p:nvSpPr>
+          <p:cNvPr id="10" name="Textfeld 9"/>
+          <p:cNvSpPr txBox="1"/>
+          <p:nvPr/>
+        </p:nvSpPr>
+        <p:spPr>
+          <a:xfrm>
+            <a:off x="683568" y="2348880"/>
+            <a:ext cx="3240360" cy="584775"/>
+          </a:xfrm>
+          <a:prstGeom prst="rect">
+            <a:avLst/>
+          </a:prstGeom>
+          <a:solidFill>
+            <a:schemeClr val="bg1">
+              <a:lumMod val="75000"/>
+            </a:schemeClr>
+          </a:solidFill>
+        </p:spPr>
+        <p:txBody>
+          <a:bodyPr wrap="square" rtlCol="0">
+            <a:spAutoFit/>
+          </a:bodyPr>
+          <a:lstStyle/>
+          <a:p>
+            <a:r>
+              <a:rPr lang="de-DE" sz="3200" dirty="0" smtClean="0"/>
+              <a:t>Eingabeelemente</a:t>
+            </a:r>
+            <a:endParaRPr lang="de-DE" sz="3200" dirty="0"/>
+          </a:p>
+        </p:txBody>
+      </p:sp>
+      <p:sp>
+        <p:nvSpPr>
+          <p:cNvPr id="11" name="Textfeld 10"/>
+          <p:cNvSpPr txBox="1"/>
+          <p:nvPr/>
+        </p:nvSpPr>
+        <p:spPr>
+          <a:xfrm>
+            <a:off x="5537703" y="2348879"/>
+            <a:ext cx="3168352" cy="584775"/>
+          </a:xfrm>
+          <a:prstGeom prst="rect">
+            <a:avLst/>
+          </a:prstGeom>
+          <a:solidFill>
+            <a:schemeClr val="bg1">
+              <a:lumMod val="75000"/>
+            </a:schemeClr>
+          </a:solidFill>
+        </p:spPr>
+        <p:txBody>
+          <a:bodyPr wrap="square" rtlCol="0">
+            <a:spAutoFit/>
+          </a:bodyPr>
+          <a:lstStyle/>
+          <a:p>
+            <a:r>
+              <a:rPr lang="de-DE" sz="3200" dirty="0" smtClean="0"/>
+              <a:t>Ausgabeelemente</a:t>
+            </a:r>
+            <a:endParaRPr lang="de-DE" sz="3200" dirty="0"/>
+          </a:p>
+        </p:txBody>
+      </p:sp>
+      <p:sp>
+        <p:nvSpPr>
+          <p:cNvPr id="12" name="Plus 11"/>
+          <p:cNvSpPr/>
+          <p:nvPr/>
+        </p:nvSpPr>
+        <p:spPr>
+          <a:xfrm>
+            <a:off x="4139952" y="2348879"/>
+            <a:ext cx="864096" cy="792089"/>
+          </a:xfrm>
+          <a:prstGeom prst="mathPlus">
+            <a:avLst/>
+          </a:prstGeom>
+          <a:solidFill>
+            <a:schemeClr val="accent6">
+              <a:lumMod val="75000"/>
+            </a:schemeClr>
+          </a:solidFill>
+          <a:ln>
+            <a:noFill/>
+          </a:ln>
+        </p:spPr>
+        <p:style>
+          <a:lnRef idx="2">
+            <a:schemeClr val="accent1">
+              <a:shade val="50000"/>
+            </a:schemeClr>
+          </a:lnRef>
+          <a:fillRef idx="1">
+            <a:schemeClr val="accent1"/>
+          </a:fillRef>
+          <a:effectRef idx="0">
+            <a:schemeClr val="accent1"/>
+          </a:effectRef>
+          <a:fontRef idx="minor">
+            <a:schemeClr val="lt1"/>
+          </a:fontRef>
+        </p:style>
+        <p:txBody>
+          <a:bodyPr rtlCol="0" anchor="ctr"/>
+          <a:lstStyle/>
+          <a:p>
+            <a:pPr algn="ctr"/>
+            <a:endParaRPr lang="de-DE"/>
+          </a:p>
+        </p:txBody>
+      </p:sp>
     </p:spTree>
     <p:extLst>
       <p:ext uri="{BB962C8B-B14F-4D97-AF65-F5344CB8AC3E}">
-        <p14:creationId xmlns:p14="http://schemas.microsoft.com/office/powerpoint/2010/main" val="294730918"/>
+        <p14:creationId xmlns:p14="http://schemas.microsoft.com/office/powerpoint/2010/main" val="368043059"/>
       </p:ext>
     </p:extLst>
   </p:cSld>
@@ -4436,7 +4560,7 @@
           <a:p>
             <a:r>
               <a:rPr lang="de-DE" dirty="0" smtClean="0"/>
-              <a:t>Nachteile</a:t>
+              <a:t>Möglicher MVP-Aufbau</a:t>
             </a:r>
             <a:endParaRPr lang="de-DE" dirty="0"/>
           </a:p>
@@ -4444,57 +4568,6 @@
       </p:sp>
       <p:sp>
         <p:nvSpPr>
-          <p:cNvPr id="3" name="Inhaltsplatzhalter 2"/>
-          <p:cNvSpPr>
-            <a:spLocks noGrp="1"/>
-          </p:cNvSpPr>
-          <p:nvPr>
-            <p:ph idx="1"/>
-          </p:nvPr>
-        </p:nvSpPr>
-        <p:spPr>
-          <a:xfrm>
-            <a:off x="457200" y="1844825"/>
-            <a:ext cx="8229600" cy="2016224"/>
-          </a:xfrm>
-        </p:spPr>
-        <p:txBody>
-          <a:bodyPr/>
-          <a:lstStyle/>
-          <a:p>
-            <a:r>
-              <a:rPr lang="de-DE" dirty="0" smtClean="0"/>
-              <a:t>Hoher Designaufwand</a:t>
-            </a:r>
-          </a:p>
-          <a:p>
-            <a:r>
-              <a:rPr lang="de-DE" dirty="0" smtClean="0"/>
-              <a:t>Nicht auf jedes Szenario anwendbar</a:t>
-            </a:r>
-          </a:p>
-          <a:p>
-            <a:r>
-              <a:rPr lang="de-DE" dirty="0" smtClean="0"/>
-              <a:t>Je nach Implementierungsart:</a:t>
-            </a:r>
-          </a:p>
-          <a:p>
-            <a:endParaRPr lang="de-DE" dirty="0"/>
-          </a:p>
-          <a:p>
-            <a:endParaRPr lang="de-DE" dirty="0" smtClean="0"/>
-          </a:p>
-          <a:p>
-            <a:pPr marL="0" indent="0">
-              <a:buNone/>
-            </a:pPr>
-            <a:endParaRPr lang="de-DE" dirty="0"/>
-          </a:p>
-        </p:txBody>
-      </p:sp>
-      <p:sp>
-        <p:nvSpPr>
           <p:cNvPr id="4" name="Datumsplatzhalter 3"/>
           <p:cNvSpPr>
             <a:spLocks noGrp="1"/>
@@ -4510,7 +4583,7 @@
           <a:p>
             <a:fld id="{93F45587-BEEE-4D54-90A9-A458946DA07D}" type="datetime1">
               <a:rPr lang="de-DE" smtClean="0"/>
-              <a:t>17.05.2013</a:t>
+              <a:t>18.05.2013</a:t>
             </a:fld>
             <a:endParaRPr lang="de-DE" dirty="0"/>
           </a:p>
@@ -4540,127 +4613,51 @@
           </a:p>
         </p:txBody>
       </p:sp>
-      <p:sp>
-        <p:nvSpPr>
-          <p:cNvPr id="7" name="Textfeld 6"/>
-          <p:cNvSpPr txBox="1"/>
+      <p:pic>
+        <p:nvPicPr>
+          <p:cNvPr id="1026" name="Picture 2" descr="C:\Users\olf\Documents\6. Semester\Design-Pattern-MVC_Team\ausarbeitung_latex\figure\MVP\MVP_classDiagramm_Example.png"/>
+          <p:cNvPicPr>
+            <a:picLocks noChangeAspect="1" noChangeArrowheads="1"/>
+          </p:cNvPicPr>
           <p:nvPr/>
-        </p:nvSpPr>
-        <p:spPr>
+        </p:nvPicPr>
+        <p:blipFill>
+          <a:blip r:embed="rId2">
+            <a:extLst>
+              <a:ext uri="{28A0092B-C50C-407E-A947-70E740481C1C}">
+                <a14:useLocalDpi xmlns:a14="http://schemas.microsoft.com/office/drawing/2010/main" val="0"/>
+              </a:ext>
+            </a:extLst>
+          </a:blip>
+          <a:srcRect/>
+          <a:stretch>
+            <a:fillRect/>
+          </a:stretch>
+        </p:blipFill>
+        <p:spPr bwMode="auto">
           <a:xfrm>
-            <a:off x="2051720" y="5267345"/>
-            <a:ext cx="4814523" cy="584775"/>
-          </a:xfrm>
-          <a:prstGeom prst="rect">
-            <a:avLst/>
-          </a:prstGeom>
-          <a:solidFill>
-            <a:schemeClr val="accent6">
-              <a:lumMod val="60000"/>
-              <a:lumOff val="40000"/>
-            </a:schemeClr>
-          </a:solidFill>
-        </p:spPr>
-        <p:txBody>
-          <a:bodyPr wrap="none" rtlCol="0">
-            <a:spAutoFit/>
-          </a:bodyPr>
-          <a:lstStyle/>
-          <a:p>
-            <a:r>
-              <a:rPr lang="de-DE" sz="3200" dirty="0"/>
-              <a:t>höherer </a:t>
-            </a:r>
-            <a:r>
-              <a:rPr lang="de-DE" sz="3200" dirty="0" err="1" smtClean="0"/>
-              <a:t>Resourcenaufwand</a:t>
-            </a:r>
-            <a:endParaRPr lang="de-DE" sz="3200" dirty="0"/>
-          </a:p>
-        </p:txBody>
-      </p:sp>
-      <p:sp>
-        <p:nvSpPr>
-          <p:cNvPr id="8" name="Pfeil nach unten 7"/>
-          <p:cNvSpPr/>
-          <p:nvPr/>
-        </p:nvSpPr>
-        <p:spPr>
-          <a:xfrm>
-            <a:off x="4139952" y="4005064"/>
-            <a:ext cx="864096" cy="1008112"/>
-          </a:xfrm>
-          <a:prstGeom prst="downArrow">
-            <a:avLst/>
-          </a:prstGeom>
-        </p:spPr>
-        <p:style>
-          <a:lnRef idx="2">
-            <a:schemeClr val="accent1">
-              <a:shade val="50000"/>
-            </a:schemeClr>
-          </a:lnRef>
-          <a:fillRef idx="1">
-            <a:schemeClr val="accent1"/>
-          </a:fillRef>
-          <a:effectRef idx="0">
-            <a:schemeClr val="accent1"/>
-          </a:effectRef>
-          <a:fontRef idx="minor">
-            <a:schemeClr val="lt1"/>
-          </a:fontRef>
-        </p:style>
-        <p:txBody>
-          <a:bodyPr rtlCol="0" anchor="ctr"/>
-          <a:lstStyle/>
-          <a:p>
-            <a:pPr algn="ctr"/>
-            <a:endParaRPr lang="de-DE"/>
-          </a:p>
-        </p:txBody>
-      </p:sp>
-      <p:sp>
-        <p:nvSpPr>
-          <p:cNvPr id="6" name="Textfeld 5"/>
-          <p:cNvSpPr txBox="1"/>
-          <p:nvPr/>
-        </p:nvSpPr>
-        <p:spPr>
-          <a:xfrm>
-            <a:off x="6372200" y="3789040"/>
-            <a:ext cx="2304256" cy="369332"/>
+            <a:off x="1691680" y="1700808"/>
+            <a:ext cx="6297613" cy="4800600"/>
           </a:xfrm>
           <a:prstGeom prst="rect">
             <a:avLst/>
           </a:prstGeom>
           <a:noFill/>
+          <a:extLst>
+            <a:ext uri="{909E8E84-426E-40DD-AFC4-6F175D3DCCD1}">
+              <a14:hiddenFill xmlns:a14="http://schemas.microsoft.com/office/drawing/2010/main">
+                <a:solidFill>
+                  <a:srgbClr val="FFFFFF"/>
+                </a:solidFill>
+              </a14:hiddenFill>
+            </a:ext>
+          </a:extLst>
         </p:spPr>
-        <p:txBody>
-          <a:bodyPr wrap="square" rtlCol="0">
-            <a:spAutoFit/>
-          </a:bodyPr>
-          <a:lstStyle/>
-          <a:p>
-            <a:r>
-              <a:rPr lang="de-DE" dirty="0" smtClean="0">
-                <a:solidFill>
-                  <a:srgbClr val="FF0000"/>
-                </a:solidFill>
-              </a:rPr>
-              <a:t>Erklärung noch </a:t>
-            </a:r>
-            <a:endParaRPr lang="de-DE" dirty="0">
-              <a:solidFill>
-                <a:srgbClr val="FF0000"/>
-              </a:solidFill>
-            </a:endParaRPr>
-          </a:p>
-        </p:txBody>
-      </p:sp>
+      </p:pic>
     </p:spTree>
     <p:extLst>
       <p:ext uri="{BB962C8B-B14F-4D97-AF65-F5344CB8AC3E}">
-        <p14:creationId xmlns:p14="http://schemas.microsoft.com/office/powerpoint/2010/main" val="4177885348"/>
+        <p14:creationId xmlns:p14="http://schemas.microsoft.com/office/powerpoint/2010/main" val="2661548110"/>
       </p:ext>
     </p:extLst>
   </p:cSld>
@@ -4710,8 +4707,12 @@
           <a:lstStyle/>
           <a:p>
             <a:r>
+              <a:rPr lang="de-DE" dirty="0"/>
+              <a:t>k</a:t>
+            </a:r>
+            <a:r>
               <a:rPr lang="de-DE" dirty="0" smtClean="0"/>
-              <a:t>(Subjektives) Fazit</a:t>
+              <a:t>onkrete Problemstellung</a:t>
             </a:r>
             <a:endParaRPr lang="de-DE" dirty="0"/>
           </a:p>
@@ -4734,7 +4735,7 @@
           <a:p>
             <a:fld id="{93F45587-BEEE-4D54-90A9-A458946DA07D}" type="datetime1">
               <a:rPr lang="de-DE" smtClean="0"/>
-              <a:t>17.05.2013</a:t>
+              <a:t>18.05.2013</a:t>
             </a:fld>
             <a:endParaRPr lang="de-DE" dirty="0"/>
           </a:p>
@@ -4764,6 +4765,2206 @@
           </a:p>
         </p:txBody>
       </p:sp>
+      <p:pic>
+        <p:nvPicPr>
+          <p:cNvPr id="2050" name="Picture 2" descr="http://polpix.sueddeutsche.com/polopoly_fs/1.974934.1355831284!/httpImage/image.jpg_gen/derivatives/900x600/image.jpg"/>
+          <p:cNvPicPr>
+            <a:picLocks noChangeAspect="1" noChangeArrowheads="1"/>
+          </p:cNvPicPr>
+          <p:nvPr/>
+        </p:nvPicPr>
+        <p:blipFill>
+          <a:blip r:embed="rId2">
+            <a:extLst>
+              <a:ext uri="{28A0092B-C50C-407E-A947-70E740481C1C}">
+                <a14:useLocalDpi xmlns:a14="http://schemas.microsoft.com/office/drawing/2010/main" val="0"/>
+              </a:ext>
+            </a:extLst>
+          </a:blip>
+          <a:srcRect/>
+          <a:stretch>
+            <a:fillRect/>
+          </a:stretch>
+        </p:blipFill>
+        <p:spPr bwMode="auto">
+          <a:xfrm>
+            <a:off x="3131840" y="2132855"/>
+            <a:ext cx="2880320" cy="1906691"/>
+          </a:xfrm>
+          <a:prstGeom prst="rect">
+            <a:avLst/>
+          </a:prstGeom>
+          <a:noFill/>
+          <a:extLst>
+            <a:ext uri="{909E8E84-426E-40DD-AFC4-6F175D3DCCD1}">
+              <a14:hiddenFill xmlns:a14="http://schemas.microsoft.com/office/drawing/2010/main">
+                <a:solidFill>
+                  <a:srgbClr val="FFFFFF"/>
+                </a:solidFill>
+              </a14:hiddenFill>
+            </a:ext>
+          </a:extLst>
+        </p:spPr>
+      </p:pic>
+      <p:sp>
+        <p:nvSpPr>
+          <p:cNvPr id="6" name="Textfeld 5"/>
+          <p:cNvSpPr txBox="1"/>
+          <p:nvPr/>
+        </p:nvSpPr>
+        <p:spPr>
+          <a:xfrm>
+            <a:off x="2411760" y="4293096"/>
+            <a:ext cx="4490525" cy="369332"/>
+          </a:xfrm>
+          <a:prstGeom prst="rect">
+            <a:avLst/>
+          </a:prstGeom>
+          <a:noFill/>
+        </p:spPr>
+        <p:txBody>
+          <a:bodyPr wrap="none" rtlCol="0">
+            <a:spAutoFit/>
+          </a:bodyPr>
+          <a:lstStyle/>
+          <a:p>
+            <a:r>
+              <a:rPr lang="de-DE" dirty="0" smtClean="0"/>
+              <a:t>Implementierung eines virtuellen Geldbeutels</a:t>
+            </a:r>
+            <a:endParaRPr lang="de-DE" dirty="0"/>
+          </a:p>
+        </p:txBody>
+      </p:sp>
+    </p:spTree>
+    <p:extLst>
+      <p:ext uri="{BB962C8B-B14F-4D97-AF65-F5344CB8AC3E}">
+        <p14:creationId xmlns:p14="http://schemas.microsoft.com/office/powerpoint/2010/main" val="4134452096"/>
+      </p:ext>
+    </p:extLst>
+  </p:cSld>
+  <p:clrMapOvr>
+    <a:masterClrMapping/>
+  </p:clrMapOvr>
+  <p:timing>
+    <p:tnLst>
+      <p:par>
+        <p:cTn id="1" dur="indefinite" restart="never" nodeType="tmRoot"/>
+      </p:par>
+    </p:tnLst>
+  </p:timing>
+</p:sld>
+</file>
+
+<file path=ppt/slides/slide16.xml><?xml version="1.0" encoding="utf-8"?>
+<p:sld xmlns:a="http://schemas.openxmlformats.org/drawingml/2006/main" xmlns:r="http://schemas.openxmlformats.org/officeDocument/2006/relationships" xmlns:p="http://schemas.openxmlformats.org/presentationml/2006/main">
+  <p:cSld>
+    <p:spTree>
+      <p:nvGrpSpPr>
+        <p:cNvPr id="1" name=""/>
+        <p:cNvGrpSpPr/>
+        <p:nvPr/>
+      </p:nvGrpSpPr>
+      <p:grpSpPr>
+        <a:xfrm>
+          <a:off x="0" y="0"/>
+          <a:ext cx="0" cy="0"/>
+          <a:chOff x="0" y="0"/>
+          <a:chExt cx="0" cy="0"/>
+        </a:xfrm>
+      </p:grpSpPr>
+      <p:sp>
+        <p:nvSpPr>
+          <p:cNvPr id="4" name="Datumsplatzhalter 3"/>
+          <p:cNvSpPr>
+            <a:spLocks noGrp="1"/>
+          </p:cNvSpPr>
+          <p:nvPr>
+            <p:ph type="dt" sz="half" idx="10"/>
+          </p:nvPr>
+        </p:nvSpPr>
+        <p:spPr/>
+        <p:txBody>
+          <a:bodyPr/>
+          <a:lstStyle/>
+          <a:p>
+            <a:fld id="{93F45587-BEEE-4D54-90A9-A458946DA07D}" type="datetime1">
+              <a:rPr lang="de-DE" smtClean="0"/>
+              <a:t>18.05.2013</a:t>
+            </a:fld>
+            <a:endParaRPr lang="de-DE" dirty="0"/>
+          </a:p>
+        </p:txBody>
+      </p:sp>
+      <p:sp>
+        <p:nvSpPr>
+          <p:cNvPr id="5" name="Foliennummernplatzhalter 4"/>
+          <p:cNvSpPr>
+            <a:spLocks noGrp="1"/>
+          </p:cNvSpPr>
+          <p:nvPr>
+            <p:ph type="sldNum" sz="quarter" idx="12"/>
+          </p:nvPr>
+        </p:nvSpPr>
+        <p:spPr/>
+        <p:txBody>
+          <a:bodyPr/>
+          <a:lstStyle/>
+          <a:p>
+            <a:fld id="{6C6AE60A-B69C-4790-82F7-3882EDF23186}" type="slidenum">
+              <a:rPr lang="de-DE" smtClean="0"/>
+              <a:pPr/>
+              <a:t>16</a:t>
+            </a:fld>
+            <a:endParaRPr lang="de-DE" dirty="0"/>
+          </a:p>
+        </p:txBody>
+      </p:sp>
+      <p:sp>
+        <p:nvSpPr>
+          <p:cNvPr id="6" name="Ellipse 5"/>
+          <p:cNvSpPr/>
+          <p:nvPr/>
+        </p:nvSpPr>
+        <p:spPr>
+          <a:xfrm>
+            <a:off x="2898063" y="2636912"/>
+            <a:ext cx="2952328" cy="1944216"/>
+          </a:xfrm>
+          <a:prstGeom prst="ellipse">
+            <a:avLst/>
+          </a:prstGeom>
+          <a:solidFill>
+            <a:schemeClr val="bg1">
+              <a:lumMod val="75000"/>
+            </a:schemeClr>
+          </a:solidFill>
+          <a:ln>
+            <a:noFill/>
+          </a:ln>
+        </p:spPr>
+        <p:style>
+          <a:lnRef idx="2">
+            <a:schemeClr val="accent1">
+              <a:shade val="50000"/>
+            </a:schemeClr>
+          </a:lnRef>
+          <a:fillRef idx="1">
+            <a:schemeClr val="accent1"/>
+          </a:fillRef>
+          <a:effectRef idx="0">
+            <a:schemeClr val="accent1"/>
+          </a:effectRef>
+          <a:fontRef idx="minor">
+            <a:schemeClr val="lt1"/>
+          </a:fontRef>
+        </p:style>
+        <p:txBody>
+          <a:bodyPr rtlCol="0" anchor="ctr"/>
+          <a:lstStyle/>
+          <a:p>
+            <a:pPr algn="ctr"/>
+            <a:r>
+              <a:rPr lang="de-DE" dirty="0" smtClean="0">
+                <a:solidFill>
+                  <a:schemeClr val="tx1"/>
+                </a:solidFill>
+              </a:rPr>
+              <a:t>Was soll unsere Anwendung können?</a:t>
+            </a:r>
+            <a:endParaRPr lang="de-DE" dirty="0">
+              <a:solidFill>
+                <a:schemeClr val="tx1"/>
+              </a:solidFill>
+            </a:endParaRPr>
+          </a:p>
+        </p:txBody>
+      </p:sp>
+      <p:sp>
+        <p:nvSpPr>
+          <p:cNvPr id="7" name="Rechteck 6"/>
+          <p:cNvSpPr/>
+          <p:nvPr/>
+        </p:nvSpPr>
+        <p:spPr>
+          <a:xfrm>
+            <a:off x="683568" y="1196752"/>
+            <a:ext cx="1800200" cy="1008112"/>
+          </a:xfrm>
+          <a:prstGeom prst="rect">
+            <a:avLst/>
+          </a:prstGeom>
+        </p:spPr>
+        <p:style>
+          <a:lnRef idx="2">
+            <a:schemeClr val="dk1"/>
+          </a:lnRef>
+          <a:fillRef idx="1">
+            <a:schemeClr val="lt1"/>
+          </a:fillRef>
+          <a:effectRef idx="0">
+            <a:schemeClr val="dk1"/>
+          </a:effectRef>
+          <a:fontRef idx="minor">
+            <a:schemeClr val="dk1"/>
+          </a:fontRef>
+        </p:style>
+        <p:txBody>
+          <a:bodyPr rtlCol="0" anchor="ctr"/>
+          <a:lstStyle/>
+          <a:p>
+            <a:pPr algn="ctr"/>
+            <a:r>
+              <a:rPr lang="de-DE" dirty="0" smtClean="0"/>
+              <a:t>Geldbetrag zwischen 0-100 € speichern</a:t>
+            </a:r>
+            <a:endParaRPr lang="de-DE" dirty="0"/>
+          </a:p>
+        </p:txBody>
+      </p:sp>
+      <p:sp>
+        <p:nvSpPr>
+          <p:cNvPr id="8" name="Rechteck 7"/>
+          <p:cNvSpPr/>
+          <p:nvPr/>
+        </p:nvSpPr>
+        <p:spPr>
+          <a:xfrm>
+            <a:off x="6012160" y="1226585"/>
+            <a:ext cx="1800200" cy="1008112"/>
+          </a:xfrm>
+          <a:prstGeom prst="rect">
+            <a:avLst/>
+          </a:prstGeom>
+        </p:spPr>
+        <p:style>
+          <a:lnRef idx="2">
+            <a:schemeClr val="dk1"/>
+          </a:lnRef>
+          <a:fillRef idx="1">
+            <a:schemeClr val="lt1"/>
+          </a:fillRef>
+          <a:effectRef idx="0">
+            <a:schemeClr val="dk1"/>
+          </a:effectRef>
+          <a:fontRef idx="minor">
+            <a:schemeClr val="dk1"/>
+          </a:fontRef>
+        </p:style>
+        <p:txBody>
+          <a:bodyPr rtlCol="0" anchor="ctr"/>
+          <a:lstStyle/>
+          <a:p>
+            <a:pPr algn="ctr"/>
+            <a:r>
+              <a:rPr lang="de-DE" dirty="0" smtClean="0"/>
+              <a:t>Mehrere GUIs besitzen</a:t>
+            </a:r>
+            <a:endParaRPr lang="de-DE" dirty="0"/>
+          </a:p>
+        </p:txBody>
+      </p:sp>
+      <p:sp>
+        <p:nvSpPr>
+          <p:cNvPr id="9" name="Rechteck 8"/>
+          <p:cNvSpPr/>
+          <p:nvPr/>
+        </p:nvSpPr>
+        <p:spPr>
+          <a:xfrm>
+            <a:off x="683568" y="4653136"/>
+            <a:ext cx="1800200" cy="1008112"/>
+          </a:xfrm>
+          <a:prstGeom prst="rect">
+            <a:avLst/>
+          </a:prstGeom>
+        </p:spPr>
+        <p:style>
+          <a:lnRef idx="2">
+            <a:schemeClr val="dk1"/>
+          </a:lnRef>
+          <a:fillRef idx="1">
+            <a:schemeClr val="lt1"/>
+          </a:fillRef>
+          <a:effectRef idx="0">
+            <a:schemeClr val="dk1"/>
+          </a:effectRef>
+          <a:fontRef idx="minor">
+            <a:schemeClr val="dk1"/>
+          </a:fontRef>
+        </p:style>
+        <p:txBody>
+          <a:bodyPr rtlCol="0" anchor="ctr"/>
+          <a:lstStyle/>
+          <a:p>
+            <a:pPr algn="ctr"/>
+            <a:r>
+              <a:rPr lang="de-DE" dirty="0" smtClean="0"/>
+              <a:t>Um weitere Geldbeutel erweiterbar sein </a:t>
+            </a:r>
+            <a:endParaRPr lang="de-DE" dirty="0"/>
+          </a:p>
+        </p:txBody>
+      </p:sp>
+      <p:sp>
+        <p:nvSpPr>
+          <p:cNvPr id="19" name="Pfeil nach rechts 18"/>
+          <p:cNvSpPr/>
+          <p:nvPr/>
+        </p:nvSpPr>
+        <p:spPr>
+          <a:xfrm rot="13007940">
+            <a:off x="2420004" y="2412383"/>
+            <a:ext cx="1170378" cy="242316"/>
+          </a:xfrm>
+          <a:prstGeom prst="rightArrow">
+            <a:avLst/>
+          </a:prstGeom>
+          <a:solidFill>
+            <a:schemeClr val="bg1">
+              <a:lumMod val="75000"/>
+            </a:schemeClr>
+          </a:solidFill>
+          <a:ln>
+            <a:noFill/>
+          </a:ln>
+        </p:spPr>
+        <p:style>
+          <a:lnRef idx="2">
+            <a:schemeClr val="accent1">
+              <a:shade val="50000"/>
+            </a:schemeClr>
+          </a:lnRef>
+          <a:fillRef idx="1">
+            <a:schemeClr val="accent1"/>
+          </a:fillRef>
+          <a:effectRef idx="0">
+            <a:schemeClr val="accent1"/>
+          </a:effectRef>
+          <a:fontRef idx="minor">
+            <a:schemeClr val="lt1"/>
+          </a:fontRef>
+        </p:style>
+        <p:txBody>
+          <a:bodyPr rtlCol="0" anchor="ctr"/>
+          <a:lstStyle/>
+          <a:p>
+            <a:pPr algn="ctr"/>
+            <a:endParaRPr lang="de-DE"/>
+          </a:p>
+        </p:txBody>
+      </p:sp>
+      <p:sp>
+        <p:nvSpPr>
+          <p:cNvPr id="20" name="Pfeil nach rechts 19"/>
+          <p:cNvSpPr/>
+          <p:nvPr/>
+        </p:nvSpPr>
+        <p:spPr>
+          <a:xfrm rot="19149095">
+            <a:off x="4946119" y="2515754"/>
+            <a:ext cx="1170378" cy="242316"/>
+          </a:xfrm>
+          <a:prstGeom prst="rightArrow">
+            <a:avLst/>
+          </a:prstGeom>
+          <a:solidFill>
+            <a:schemeClr val="bg1">
+              <a:lumMod val="75000"/>
+            </a:schemeClr>
+          </a:solidFill>
+          <a:ln>
+            <a:noFill/>
+          </a:ln>
+        </p:spPr>
+        <p:style>
+          <a:lnRef idx="2">
+            <a:schemeClr val="accent1">
+              <a:shade val="50000"/>
+            </a:schemeClr>
+          </a:lnRef>
+          <a:fillRef idx="1">
+            <a:schemeClr val="accent1"/>
+          </a:fillRef>
+          <a:effectRef idx="0">
+            <a:schemeClr val="accent1"/>
+          </a:effectRef>
+          <a:fontRef idx="minor">
+            <a:schemeClr val="lt1"/>
+          </a:fontRef>
+        </p:style>
+        <p:txBody>
+          <a:bodyPr rtlCol="0" anchor="ctr"/>
+          <a:lstStyle/>
+          <a:p>
+            <a:pPr algn="ctr"/>
+            <a:endParaRPr lang="de-DE"/>
+          </a:p>
+        </p:txBody>
+      </p:sp>
+      <p:sp>
+        <p:nvSpPr>
+          <p:cNvPr id="21" name="Pfeil nach rechts 20"/>
+          <p:cNvSpPr/>
+          <p:nvPr/>
+        </p:nvSpPr>
+        <p:spPr>
+          <a:xfrm rot="9651917">
+            <a:off x="2559187" y="4283095"/>
+            <a:ext cx="1170378" cy="242316"/>
+          </a:xfrm>
+          <a:prstGeom prst="rightArrow">
+            <a:avLst/>
+          </a:prstGeom>
+          <a:solidFill>
+            <a:schemeClr val="bg1">
+              <a:lumMod val="75000"/>
+            </a:schemeClr>
+          </a:solidFill>
+          <a:ln>
+            <a:noFill/>
+          </a:ln>
+        </p:spPr>
+        <p:style>
+          <a:lnRef idx="2">
+            <a:schemeClr val="accent1">
+              <a:shade val="50000"/>
+            </a:schemeClr>
+          </a:lnRef>
+          <a:fillRef idx="1">
+            <a:schemeClr val="accent1"/>
+          </a:fillRef>
+          <a:effectRef idx="0">
+            <a:schemeClr val="accent1"/>
+          </a:effectRef>
+          <a:fontRef idx="minor">
+            <a:schemeClr val="lt1"/>
+          </a:fontRef>
+        </p:style>
+        <p:txBody>
+          <a:bodyPr rtlCol="0" anchor="ctr"/>
+          <a:lstStyle/>
+          <a:p>
+            <a:pPr algn="ctr"/>
+            <a:endParaRPr lang="de-DE"/>
+          </a:p>
+        </p:txBody>
+      </p:sp>
+    </p:spTree>
+    <p:extLst>
+      <p:ext uri="{BB962C8B-B14F-4D97-AF65-F5344CB8AC3E}">
+        <p14:creationId xmlns:p14="http://schemas.microsoft.com/office/powerpoint/2010/main" val="3857369402"/>
+      </p:ext>
+    </p:extLst>
+  </p:cSld>
+  <p:clrMapOvr>
+    <a:masterClrMapping/>
+  </p:clrMapOvr>
+  <p:timing>
+    <p:tnLst>
+      <p:par>
+        <p:cTn id="1" dur="indefinite" restart="never" nodeType="tmRoot"/>
+      </p:par>
+    </p:tnLst>
+  </p:timing>
+</p:sld>
+</file>
+
+<file path=ppt/slides/slide17.xml><?xml version="1.0" encoding="utf-8"?>
+<p:sld xmlns:a="http://schemas.openxmlformats.org/drawingml/2006/main" xmlns:r="http://schemas.openxmlformats.org/officeDocument/2006/relationships" xmlns:p="http://schemas.openxmlformats.org/presentationml/2006/main">
+  <p:cSld>
+    <p:spTree>
+      <p:nvGrpSpPr>
+        <p:cNvPr id="1" name=""/>
+        <p:cNvGrpSpPr/>
+        <p:nvPr/>
+      </p:nvGrpSpPr>
+      <p:grpSpPr>
+        <a:xfrm>
+          <a:off x="0" y="0"/>
+          <a:ext cx="0" cy="0"/>
+          <a:chOff x="0" y="0"/>
+          <a:chExt cx="0" cy="0"/>
+        </a:xfrm>
+      </p:grpSpPr>
+      <p:sp>
+        <p:nvSpPr>
+          <p:cNvPr id="2" name="Titel 1"/>
+          <p:cNvSpPr>
+            <a:spLocks noGrp="1"/>
+          </p:cNvSpPr>
+          <p:nvPr>
+            <p:ph type="title"/>
+          </p:nvPr>
+        </p:nvSpPr>
+        <p:spPr/>
+        <p:txBody>
+          <a:bodyPr/>
+          <a:lstStyle/>
+          <a:p>
+            <a:r>
+              <a:rPr lang="de-DE" dirty="0" smtClean="0"/>
+              <a:t>Wie gehen wir vor?</a:t>
+            </a:r>
+            <a:endParaRPr lang="de-DE" dirty="0"/>
+          </a:p>
+        </p:txBody>
+      </p:sp>
+      <p:sp>
+        <p:nvSpPr>
+          <p:cNvPr id="4" name="Datumsplatzhalter 3"/>
+          <p:cNvSpPr>
+            <a:spLocks noGrp="1"/>
+          </p:cNvSpPr>
+          <p:nvPr>
+            <p:ph type="dt" sz="half" idx="10"/>
+          </p:nvPr>
+        </p:nvSpPr>
+        <p:spPr/>
+        <p:txBody>
+          <a:bodyPr/>
+          <a:lstStyle/>
+          <a:p>
+            <a:fld id="{93F45587-BEEE-4D54-90A9-A458946DA07D}" type="datetime1">
+              <a:rPr lang="de-DE" smtClean="0"/>
+              <a:t>18.05.2013</a:t>
+            </a:fld>
+            <a:endParaRPr lang="de-DE" dirty="0"/>
+          </a:p>
+        </p:txBody>
+      </p:sp>
+      <p:sp>
+        <p:nvSpPr>
+          <p:cNvPr id="5" name="Foliennummernplatzhalter 4"/>
+          <p:cNvSpPr>
+            <a:spLocks noGrp="1"/>
+          </p:cNvSpPr>
+          <p:nvPr>
+            <p:ph type="sldNum" sz="quarter" idx="12"/>
+          </p:nvPr>
+        </p:nvSpPr>
+        <p:spPr/>
+        <p:txBody>
+          <a:bodyPr/>
+          <a:lstStyle/>
+          <a:p>
+            <a:fld id="{6C6AE60A-B69C-4790-82F7-3882EDF23186}" type="slidenum">
+              <a:rPr lang="de-DE" smtClean="0"/>
+              <a:pPr/>
+              <a:t>17</a:t>
+            </a:fld>
+            <a:endParaRPr lang="de-DE" dirty="0"/>
+          </a:p>
+        </p:txBody>
+      </p:sp>
+      <p:sp>
+        <p:nvSpPr>
+          <p:cNvPr id="7" name="Textfeld 6"/>
+          <p:cNvSpPr txBox="1"/>
+          <p:nvPr/>
+        </p:nvSpPr>
+        <p:spPr>
+          <a:xfrm>
+            <a:off x="2987824" y="2420887"/>
+            <a:ext cx="2993384" cy="461665"/>
+          </a:xfrm>
+          <a:prstGeom prst="rect">
+            <a:avLst/>
+          </a:prstGeom>
+          <a:noFill/>
+        </p:spPr>
+        <p:txBody>
+          <a:bodyPr wrap="none" rtlCol="0">
+            <a:spAutoFit/>
+          </a:bodyPr>
+          <a:lstStyle/>
+          <a:p>
+            <a:r>
+              <a:rPr lang="de-DE" sz="2400" b="1" dirty="0" smtClean="0"/>
+              <a:t>1. Interfaces festlegen</a:t>
+            </a:r>
+            <a:endParaRPr lang="de-DE" sz="2400" b="1" dirty="0"/>
+          </a:p>
+        </p:txBody>
+      </p:sp>
+      <p:sp>
+        <p:nvSpPr>
+          <p:cNvPr id="9" name="Pfeil nach oben 8"/>
+          <p:cNvSpPr/>
+          <p:nvPr/>
+        </p:nvSpPr>
+        <p:spPr>
+          <a:xfrm rot="13713136">
+            <a:off x="2536373" y="2814251"/>
+            <a:ext cx="576064" cy="1080120"/>
+          </a:xfrm>
+          <a:prstGeom prst="upArrow">
+            <a:avLst/>
+          </a:prstGeom>
+        </p:spPr>
+        <p:style>
+          <a:lnRef idx="2">
+            <a:schemeClr val="accent1">
+              <a:shade val="50000"/>
+            </a:schemeClr>
+          </a:lnRef>
+          <a:fillRef idx="1">
+            <a:schemeClr val="accent1"/>
+          </a:fillRef>
+          <a:effectRef idx="0">
+            <a:schemeClr val="accent1"/>
+          </a:effectRef>
+          <a:fontRef idx="minor">
+            <a:schemeClr val="lt1"/>
+          </a:fontRef>
+        </p:style>
+        <p:txBody>
+          <a:bodyPr rtlCol="0" anchor="ctr"/>
+          <a:lstStyle/>
+          <a:p>
+            <a:pPr algn="ctr"/>
+            <a:endParaRPr lang="de-DE"/>
+          </a:p>
+        </p:txBody>
+      </p:sp>
+      <p:sp>
+        <p:nvSpPr>
+          <p:cNvPr id="10" name="Pfeil nach oben 9"/>
+          <p:cNvSpPr/>
+          <p:nvPr/>
+        </p:nvSpPr>
+        <p:spPr>
+          <a:xfrm rot="8946725">
+            <a:off x="5888514" y="2918558"/>
+            <a:ext cx="576064" cy="1080120"/>
+          </a:xfrm>
+          <a:prstGeom prst="upArrow">
+            <a:avLst/>
+          </a:prstGeom>
+        </p:spPr>
+        <p:style>
+          <a:lnRef idx="2">
+            <a:schemeClr val="accent1">
+              <a:shade val="50000"/>
+            </a:schemeClr>
+          </a:lnRef>
+          <a:fillRef idx="1">
+            <a:schemeClr val="accent1"/>
+          </a:fillRef>
+          <a:effectRef idx="0">
+            <a:schemeClr val="accent1"/>
+          </a:effectRef>
+          <a:fontRef idx="minor">
+            <a:schemeClr val="lt1"/>
+          </a:fontRef>
+        </p:style>
+        <p:txBody>
+          <a:bodyPr rtlCol="0" anchor="ctr"/>
+          <a:lstStyle/>
+          <a:p>
+            <a:pPr algn="ctr"/>
+            <a:endParaRPr lang="de-DE"/>
+          </a:p>
+        </p:txBody>
+      </p:sp>
+      <p:sp>
+        <p:nvSpPr>
+          <p:cNvPr id="11" name="Textfeld 10"/>
+          <p:cNvSpPr txBox="1"/>
+          <p:nvPr/>
+        </p:nvSpPr>
+        <p:spPr>
+          <a:xfrm>
+            <a:off x="6176546" y="4108430"/>
+            <a:ext cx="2008883" cy="923330"/>
+          </a:xfrm>
+          <a:prstGeom prst="rect">
+            <a:avLst/>
+          </a:prstGeom>
+          <a:noFill/>
+        </p:spPr>
+        <p:txBody>
+          <a:bodyPr wrap="none" rtlCol="0">
+            <a:spAutoFit/>
+          </a:bodyPr>
+          <a:lstStyle/>
+          <a:p>
+            <a:r>
+              <a:rPr lang="de-DE" sz="5400" dirty="0" smtClean="0"/>
+              <a:t>Model</a:t>
+            </a:r>
+            <a:endParaRPr lang="de-DE" sz="5400" dirty="0"/>
+          </a:p>
+        </p:txBody>
+      </p:sp>
+      <p:sp>
+        <p:nvSpPr>
+          <p:cNvPr id="13" name="Textfeld 12"/>
+          <p:cNvSpPr txBox="1"/>
+          <p:nvPr/>
+        </p:nvSpPr>
+        <p:spPr>
+          <a:xfrm>
+            <a:off x="1619672" y="4069948"/>
+            <a:ext cx="1572675" cy="923330"/>
+          </a:xfrm>
+          <a:prstGeom prst="rect">
+            <a:avLst/>
+          </a:prstGeom>
+          <a:noFill/>
+        </p:spPr>
+        <p:txBody>
+          <a:bodyPr wrap="none" rtlCol="0">
+            <a:spAutoFit/>
+          </a:bodyPr>
+          <a:lstStyle/>
+          <a:p>
+            <a:r>
+              <a:rPr lang="de-DE" sz="5400" dirty="0" smtClean="0"/>
+              <a:t>View</a:t>
+            </a:r>
+            <a:endParaRPr lang="de-DE" sz="5400" dirty="0"/>
+          </a:p>
+        </p:txBody>
+      </p:sp>
+    </p:spTree>
+    <p:extLst>
+      <p:ext uri="{BB962C8B-B14F-4D97-AF65-F5344CB8AC3E}">
+        <p14:creationId xmlns:p14="http://schemas.microsoft.com/office/powerpoint/2010/main" val="2685008569"/>
+      </p:ext>
+    </p:extLst>
+  </p:cSld>
+  <p:clrMapOvr>
+    <a:masterClrMapping/>
+  </p:clrMapOvr>
+  <p:timing>
+    <p:tnLst>
+      <p:par>
+        <p:cTn id="1" dur="indefinite" restart="never" nodeType="tmRoot"/>
+      </p:par>
+    </p:tnLst>
+  </p:timing>
+</p:sld>
+</file>
+
+<file path=ppt/slides/slide18.xml><?xml version="1.0" encoding="utf-8"?>
+<p:sld xmlns:a="http://schemas.openxmlformats.org/drawingml/2006/main" xmlns:r="http://schemas.openxmlformats.org/officeDocument/2006/relationships" xmlns:p="http://schemas.openxmlformats.org/presentationml/2006/main">
+  <p:cSld>
+    <p:spTree>
+      <p:nvGrpSpPr>
+        <p:cNvPr id="1" name=""/>
+        <p:cNvGrpSpPr/>
+        <p:nvPr/>
+      </p:nvGrpSpPr>
+      <p:grpSpPr>
+        <a:xfrm>
+          <a:off x="0" y="0"/>
+          <a:ext cx="0" cy="0"/>
+          <a:chOff x="0" y="0"/>
+          <a:chExt cx="0" cy="0"/>
+        </a:xfrm>
+      </p:grpSpPr>
+      <p:sp>
+        <p:nvSpPr>
+          <p:cNvPr id="2" name="Titel 1"/>
+          <p:cNvSpPr>
+            <a:spLocks noGrp="1"/>
+          </p:cNvSpPr>
+          <p:nvPr>
+            <p:ph type="title"/>
+          </p:nvPr>
+        </p:nvSpPr>
+        <p:spPr/>
+        <p:txBody>
+          <a:bodyPr/>
+          <a:lstStyle/>
+          <a:p>
+            <a:r>
+              <a:rPr lang="de-DE" dirty="0" smtClean="0"/>
+              <a:t>Was muss unsere View können?</a:t>
+            </a:r>
+            <a:endParaRPr lang="de-DE" dirty="0"/>
+          </a:p>
+        </p:txBody>
+      </p:sp>
+      <p:sp>
+        <p:nvSpPr>
+          <p:cNvPr id="3" name="Inhaltsplatzhalter 2"/>
+          <p:cNvSpPr>
+            <a:spLocks noGrp="1"/>
+          </p:cNvSpPr>
+          <p:nvPr>
+            <p:ph idx="1"/>
+          </p:nvPr>
+        </p:nvSpPr>
+        <p:spPr>
+          <a:xfrm>
+            <a:off x="467544" y="2564904"/>
+            <a:ext cx="8229600" cy="2160240"/>
+          </a:xfrm>
+        </p:spPr>
+        <p:txBody>
+          <a:bodyPr>
+            <a:normAutofit/>
+          </a:bodyPr>
+          <a:lstStyle/>
+          <a:p>
+            <a:r>
+              <a:rPr lang="de-DE" dirty="0" smtClean="0"/>
+              <a:t>Aktuellen Geldbetrag anzeigen </a:t>
+            </a:r>
+          </a:p>
+          <a:p>
+            <a:r>
+              <a:rPr lang="de-DE" dirty="0" smtClean="0"/>
+              <a:t>Betragsänderungen durch Benutzer entgegen nehmen  </a:t>
+            </a:r>
+          </a:p>
+          <a:p>
+            <a:endParaRPr lang="de-DE" dirty="0"/>
+          </a:p>
+        </p:txBody>
+      </p:sp>
+      <p:sp>
+        <p:nvSpPr>
+          <p:cNvPr id="4" name="Datumsplatzhalter 3"/>
+          <p:cNvSpPr>
+            <a:spLocks noGrp="1"/>
+          </p:cNvSpPr>
+          <p:nvPr>
+            <p:ph type="dt" sz="half" idx="10"/>
+          </p:nvPr>
+        </p:nvSpPr>
+        <p:spPr/>
+        <p:txBody>
+          <a:bodyPr/>
+          <a:lstStyle/>
+          <a:p>
+            <a:fld id="{93F45587-BEEE-4D54-90A9-A458946DA07D}" type="datetime1">
+              <a:rPr lang="de-DE" smtClean="0"/>
+              <a:t>18.05.2013</a:t>
+            </a:fld>
+            <a:endParaRPr lang="de-DE" dirty="0"/>
+          </a:p>
+        </p:txBody>
+      </p:sp>
+      <p:sp>
+        <p:nvSpPr>
+          <p:cNvPr id="5" name="Foliennummernplatzhalter 4"/>
+          <p:cNvSpPr>
+            <a:spLocks noGrp="1"/>
+          </p:cNvSpPr>
+          <p:nvPr>
+            <p:ph type="sldNum" sz="quarter" idx="12"/>
+          </p:nvPr>
+        </p:nvSpPr>
+        <p:spPr/>
+        <p:txBody>
+          <a:bodyPr/>
+          <a:lstStyle/>
+          <a:p>
+            <a:fld id="{6C6AE60A-B69C-4790-82F7-3882EDF23186}" type="slidenum">
+              <a:rPr lang="de-DE" smtClean="0"/>
+              <a:pPr/>
+              <a:t>18</a:t>
+            </a:fld>
+            <a:endParaRPr lang="de-DE" dirty="0"/>
+          </a:p>
+        </p:txBody>
+      </p:sp>
+      <p:sp>
+        <p:nvSpPr>
+          <p:cNvPr id="6" name="Nach oben gebogener Pfeil 5"/>
+          <p:cNvSpPr/>
+          <p:nvPr/>
+        </p:nvSpPr>
+        <p:spPr>
+          <a:xfrm rot="5400000">
+            <a:off x="1547664" y="4293096"/>
+            <a:ext cx="1080120" cy="936104"/>
+          </a:xfrm>
+          <a:prstGeom prst="bentUpArrow">
+            <a:avLst/>
+          </a:prstGeom>
+          <a:solidFill>
+            <a:schemeClr val="bg1">
+              <a:lumMod val="75000"/>
+            </a:schemeClr>
+          </a:solidFill>
+          <a:ln>
+            <a:noFill/>
+          </a:ln>
+        </p:spPr>
+        <p:style>
+          <a:lnRef idx="2">
+            <a:schemeClr val="accent1">
+              <a:shade val="50000"/>
+            </a:schemeClr>
+          </a:lnRef>
+          <a:fillRef idx="1">
+            <a:schemeClr val="accent1"/>
+          </a:fillRef>
+          <a:effectRef idx="0">
+            <a:schemeClr val="accent1"/>
+          </a:effectRef>
+          <a:fontRef idx="minor">
+            <a:schemeClr val="lt1"/>
+          </a:fontRef>
+        </p:style>
+        <p:txBody>
+          <a:bodyPr rtlCol="0" anchor="ctr"/>
+          <a:lstStyle/>
+          <a:p>
+            <a:pPr algn="ctr"/>
+            <a:endParaRPr lang="de-DE"/>
+          </a:p>
+        </p:txBody>
+      </p:sp>
+      <p:sp>
+        <p:nvSpPr>
+          <p:cNvPr id="7" name="Textfeld 6"/>
+          <p:cNvSpPr txBox="1"/>
+          <p:nvPr/>
+        </p:nvSpPr>
+        <p:spPr>
+          <a:xfrm>
+            <a:off x="2843808" y="4941168"/>
+            <a:ext cx="5688632" cy="646331"/>
+          </a:xfrm>
+          <a:prstGeom prst="rect">
+            <a:avLst/>
+          </a:prstGeom>
+          <a:noFill/>
+        </p:spPr>
+        <p:txBody>
+          <a:bodyPr wrap="square" rtlCol="0">
+            <a:spAutoFit/>
+          </a:bodyPr>
+          <a:lstStyle/>
+          <a:p>
+            <a:r>
+              <a:rPr lang="de-DE" dirty="0" smtClean="0"/>
+              <a:t>Bereitstellung von Methoden für das Action-Handling durch den </a:t>
+            </a:r>
+            <a:r>
+              <a:rPr lang="de-DE" dirty="0" err="1" smtClean="0"/>
+              <a:t>Presenter</a:t>
+            </a:r>
+            <a:endParaRPr lang="de-DE" dirty="0"/>
+          </a:p>
+        </p:txBody>
+      </p:sp>
+    </p:spTree>
+    <p:extLst>
+      <p:ext uri="{BB962C8B-B14F-4D97-AF65-F5344CB8AC3E}">
+        <p14:creationId xmlns:p14="http://schemas.microsoft.com/office/powerpoint/2010/main" val="726418285"/>
+      </p:ext>
+    </p:extLst>
+  </p:cSld>
+  <p:clrMapOvr>
+    <a:masterClrMapping/>
+  </p:clrMapOvr>
+  <p:timing>
+    <p:tnLst>
+      <p:par>
+        <p:cTn id="1" dur="indefinite" restart="never" nodeType="tmRoot"/>
+      </p:par>
+    </p:tnLst>
+  </p:timing>
+</p:sld>
+</file>
+
+<file path=ppt/slides/slide19.xml><?xml version="1.0" encoding="utf-8"?>
+<p:sld xmlns:a="http://schemas.openxmlformats.org/drawingml/2006/main" xmlns:r="http://schemas.openxmlformats.org/officeDocument/2006/relationships" xmlns:p="http://schemas.openxmlformats.org/presentationml/2006/main">
+  <p:cSld>
+    <p:spTree>
+      <p:nvGrpSpPr>
+        <p:cNvPr id="1" name=""/>
+        <p:cNvGrpSpPr/>
+        <p:nvPr/>
+      </p:nvGrpSpPr>
+      <p:grpSpPr>
+        <a:xfrm>
+          <a:off x="0" y="0"/>
+          <a:ext cx="0" cy="0"/>
+          <a:chOff x="0" y="0"/>
+          <a:chExt cx="0" cy="0"/>
+        </a:xfrm>
+      </p:grpSpPr>
+      <p:sp>
+        <p:nvSpPr>
+          <p:cNvPr id="2" name="Titel 1"/>
+          <p:cNvSpPr>
+            <a:spLocks noGrp="1"/>
+          </p:cNvSpPr>
+          <p:nvPr>
+            <p:ph type="title"/>
+          </p:nvPr>
+        </p:nvSpPr>
+        <p:spPr/>
+        <p:txBody>
+          <a:bodyPr/>
+          <a:lstStyle/>
+          <a:p>
+            <a:r>
+              <a:rPr lang="de-DE" dirty="0" smtClean="0"/>
+              <a:t>Was muss unser Model </a:t>
+            </a:r>
+            <a:r>
+              <a:rPr lang="de-DE" dirty="0" err="1" smtClean="0"/>
+              <a:t>könnnen</a:t>
+            </a:r>
+            <a:r>
+              <a:rPr lang="de-DE" dirty="0" smtClean="0"/>
+              <a:t>?</a:t>
+            </a:r>
+            <a:endParaRPr lang="de-DE" dirty="0"/>
+          </a:p>
+        </p:txBody>
+      </p:sp>
+      <p:sp>
+        <p:nvSpPr>
+          <p:cNvPr id="3" name="Inhaltsplatzhalter 2"/>
+          <p:cNvSpPr>
+            <a:spLocks noGrp="1"/>
+          </p:cNvSpPr>
+          <p:nvPr>
+            <p:ph idx="1"/>
+          </p:nvPr>
+        </p:nvSpPr>
+        <p:spPr>
+          <a:xfrm>
+            <a:off x="457200" y="3284984"/>
+            <a:ext cx="8229600" cy="1440160"/>
+          </a:xfrm>
+        </p:spPr>
+        <p:txBody>
+          <a:bodyPr/>
+          <a:lstStyle/>
+          <a:p>
+            <a:r>
+              <a:rPr lang="de-DE" dirty="0" smtClean="0"/>
+              <a:t>Geldbetrag speichern </a:t>
+            </a:r>
+          </a:p>
+          <a:p>
+            <a:r>
+              <a:rPr lang="de-DE" dirty="0" smtClean="0"/>
+              <a:t>Aktuellen Geldbetrag vermitteln</a:t>
+            </a:r>
+          </a:p>
+          <a:p>
+            <a:pPr marL="0" indent="0">
+              <a:buNone/>
+            </a:pPr>
+            <a:endParaRPr lang="de-DE" dirty="0" smtClean="0"/>
+          </a:p>
+          <a:p>
+            <a:endParaRPr lang="de-DE" dirty="0" smtClean="0"/>
+          </a:p>
+          <a:p>
+            <a:endParaRPr lang="de-DE" dirty="0" smtClean="0"/>
+          </a:p>
+          <a:p>
+            <a:endParaRPr lang="de-DE" dirty="0"/>
+          </a:p>
+        </p:txBody>
+      </p:sp>
+      <p:sp>
+        <p:nvSpPr>
+          <p:cNvPr id="4" name="Datumsplatzhalter 3"/>
+          <p:cNvSpPr>
+            <a:spLocks noGrp="1"/>
+          </p:cNvSpPr>
+          <p:nvPr>
+            <p:ph type="dt" sz="half" idx="10"/>
+          </p:nvPr>
+        </p:nvSpPr>
+        <p:spPr/>
+        <p:txBody>
+          <a:bodyPr/>
+          <a:lstStyle/>
+          <a:p>
+            <a:fld id="{93F45587-BEEE-4D54-90A9-A458946DA07D}" type="datetime1">
+              <a:rPr lang="de-DE" smtClean="0"/>
+              <a:t>18.05.2013</a:t>
+            </a:fld>
+            <a:endParaRPr lang="de-DE" dirty="0"/>
+          </a:p>
+        </p:txBody>
+      </p:sp>
+      <p:sp>
+        <p:nvSpPr>
+          <p:cNvPr id="5" name="Foliennummernplatzhalter 4"/>
+          <p:cNvSpPr>
+            <a:spLocks noGrp="1"/>
+          </p:cNvSpPr>
+          <p:nvPr>
+            <p:ph type="sldNum" sz="quarter" idx="12"/>
+          </p:nvPr>
+        </p:nvSpPr>
+        <p:spPr/>
+        <p:txBody>
+          <a:bodyPr/>
+          <a:lstStyle/>
+          <a:p>
+            <a:fld id="{6C6AE60A-B69C-4790-82F7-3882EDF23186}" type="slidenum">
+              <a:rPr lang="de-DE" smtClean="0"/>
+              <a:pPr/>
+              <a:t>19</a:t>
+            </a:fld>
+            <a:endParaRPr lang="de-DE" dirty="0"/>
+          </a:p>
+        </p:txBody>
+      </p:sp>
+      <p:sp>
+        <p:nvSpPr>
+          <p:cNvPr id="7" name="Nach oben gebogener Pfeil 6"/>
+          <p:cNvSpPr/>
+          <p:nvPr/>
+        </p:nvSpPr>
+        <p:spPr>
+          <a:xfrm rot="5400000">
+            <a:off x="1547664" y="4653136"/>
+            <a:ext cx="1080120" cy="936104"/>
+          </a:xfrm>
+          <a:prstGeom prst="bentUpArrow">
+            <a:avLst/>
+          </a:prstGeom>
+          <a:solidFill>
+            <a:schemeClr val="bg1">
+              <a:lumMod val="75000"/>
+            </a:schemeClr>
+          </a:solidFill>
+          <a:ln>
+            <a:noFill/>
+          </a:ln>
+        </p:spPr>
+        <p:style>
+          <a:lnRef idx="2">
+            <a:schemeClr val="accent1">
+              <a:shade val="50000"/>
+            </a:schemeClr>
+          </a:lnRef>
+          <a:fillRef idx="1">
+            <a:schemeClr val="accent1"/>
+          </a:fillRef>
+          <a:effectRef idx="0">
+            <a:schemeClr val="accent1"/>
+          </a:effectRef>
+          <a:fontRef idx="minor">
+            <a:schemeClr val="lt1"/>
+          </a:fontRef>
+        </p:style>
+        <p:txBody>
+          <a:bodyPr rtlCol="0" anchor="ctr"/>
+          <a:lstStyle/>
+          <a:p>
+            <a:pPr algn="ctr"/>
+            <a:endParaRPr lang="de-DE"/>
+          </a:p>
+        </p:txBody>
+      </p:sp>
+      <p:sp>
+        <p:nvSpPr>
+          <p:cNvPr id="8" name="Textfeld 7"/>
+          <p:cNvSpPr txBox="1"/>
+          <p:nvPr/>
+        </p:nvSpPr>
+        <p:spPr>
+          <a:xfrm>
+            <a:off x="2987824" y="4751856"/>
+            <a:ext cx="3168352" cy="923330"/>
+          </a:xfrm>
+          <a:prstGeom prst="rect">
+            <a:avLst/>
+          </a:prstGeom>
+          <a:noFill/>
+        </p:spPr>
+        <p:txBody>
+          <a:bodyPr wrap="square" rtlCol="0">
+            <a:spAutoFit/>
+          </a:bodyPr>
+          <a:lstStyle/>
+          <a:p>
+            <a:r>
+              <a:rPr lang="de-DE" dirty="0" smtClean="0"/>
+              <a:t>Benachrichtigung des </a:t>
+            </a:r>
+            <a:r>
+              <a:rPr lang="de-DE" dirty="0" err="1" smtClean="0"/>
+              <a:t>Presenters</a:t>
+            </a:r>
+            <a:r>
+              <a:rPr lang="de-DE" dirty="0" smtClean="0"/>
+              <a:t> über Betragsänderungen </a:t>
+            </a:r>
+            <a:endParaRPr lang="de-DE" dirty="0"/>
+          </a:p>
+        </p:txBody>
+      </p:sp>
+    </p:spTree>
+    <p:extLst>
+      <p:ext uri="{BB962C8B-B14F-4D97-AF65-F5344CB8AC3E}">
+        <p14:creationId xmlns:p14="http://schemas.microsoft.com/office/powerpoint/2010/main" val="370921071"/>
+      </p:ext>
+    </p:extLst>
+  </p:cSld>
+  <p:clrMapOvr>
+    <a:masterClrMapping/>
+  </p:clrMapOvr>
+  <p:timing>
+    <p:tnLst>
+      <p:par>
+        <p:cTn id="1" dur="indefinite" restart="never" nodeType="tmRoot"/>
+      </p:par>
+    </p:tnLst>
+  </p:timing>
+</p:sld>
+</file>
+
+<file path=ppt/slides/slide2.xml><?xml version="1.0" encoding="utf-8"?>
+<p:sld xmlns:a="http://schemas.openxmlformats.org/drawingml/2006/main" xmlns:r="http://schemas.openxmlformats.org/officeDocument/2006/relationships" xmlns:p="http://schemas.openxmlformats.org/presentationml/2006/main">
+  <p:cSld>
+    <p:spTree>
+      <p:nvGrpSpPr>
+        <p:cNvPr id="1" name=""/>
+        <p:cNvGrpSpPr/>
+        <p:nvPr/>
+      </p:nvGrpSpPr>
+      <p:grpSpPr>
+        <a:xfrm>
+          <a:off x="0" y="0"/>
+          <a:ext cx="0" cy="0"/>
+          <a:chOff x="0" y="0"/>
+          <a:chExt cx="0" cy="0"/>
+        </a:xfrm>
+      </p:grpSpPr>
+      <p:sp>
+        <p:nvSpPr>
+          <p:cNvPr id="2" name="Titel 1"/>
+          <p:cNvSpPr>
+            <a:spLocks noGrp="1"/>
+          </p:cNvSpPr>
+          <p:nvPr>
+            <p:ph type="title"/>
+          </p:nvPr>
+        </p:nvSpPr>
+        <p:spPr/>
+        <p:txBody>
+          <a:bodyPr/>
+          <a:lstStyle/>
+          <a:p>
+            <a:endParaRPr lang="de-DE"/>
+          </a:p>
+        </p:txBody>
+      </p:sp>
+      <p:sp>
+        <p:nvSpPr>
+          <p:cNvPr id="3" name="Inhaltsplatzhalter 2"/>
+          <p:cNvSpPr>
+            <a:spLocks noGrp="1"/>
+          </p:cNvSpPr>
+          <p:nvPr>
+            <p:ph idx="1"/>
+          </p:nvPr>
+        </p:nvSpPr>
+        <p:spPr/>
+        <p:txBody>
+          <a:bodyPr/>
+          <a:lstStyle/>
+          <a:p>
+            <a:endParaRPr lang="de-DE"/>
+          </a:p>
+        </p:txBody>
+      </p:sp>
+      <p:sp>
+        <p:nvSpPr>
+          <p:cNvPr id="4" name="Datumsplatzhalter 3"/>
+          <p:cNvSpPr>
+            <a:spLocks noGrp="1"/>
+          </p:cNvSpPr>
+          <p:nvPr>
+            <p:ph type="dt" sz="half" idx="10"/>
+          </p:nvPr>
+        </p:nvSpPr>
+        <p:spPr/>
+        <p:txBody>
+          <a:bodyPr/>
+          <a:lstStyle/>
+          <a:p>
+            <a:fld id="{5744CE70-91A6-4E2F-AA21-F9B5F6BBF251}" type="datetime1">
+              <a:rPr lang="de-DE" smtClean="0"/>
+              <a:t>18.05.2013</a:t>
+            </a:fld>
+            <a:endParaRPr lang="de-DE" dirty="0"/>
+          </a:p>
+        </p:txBody>
+      </p:sp>
+      <p:sp>
+        <p:nvSpPr>
+          <p:cNvPr id="5" name="Foliennummernplatzhalter 4"/>
+          <p:cNvSpPr>
+            <a:spLocks noGrp="1"/>
+          </p:cNvSpPr>
+          <p:nvPr>
+            <p:ph type="sldNum" sz="quarter" idx="12"/>
+          </p:nvPr>
+        </p:nvSpPr>
+        <p:spPr/>
+        <p:txBody>
+          <a:bodyPr/>
+          <a:lstStyle/>
+          <a:p>
+            <a:fld id="{6C6AE60A-B69C-4790-82F7-3882EDF23186}" type="slidenum">
+              <a:rPr lang="de-DE" smtClean="0"/>
+              <a:pPr/>
+              <a:t>2</a:t>
+            </a:fld>
+            <a:endParaRPr lang="de-DE" dirty="0"/>
+          </a:p>
+        </p:txBody>
+      </p:sp>
+    </p:spTree>
+    <p:extLst>
+      <p:ext uri="{BB962C8B-B14F-4D97-AF65-F5344CB8AC3E}">
+        <p14:creationId xmlns:p14="http://schemas.microsoft.com/office/powerpoint/2010/main" val="3510972522"/>
+      </p:ext>
+    </p:extLst>
+  </p:cSld>
+  <p:clrMapOvr>
+    <a:masterClrMapping/>
+  </p:clrMapOvr>
+  <p:timing>
+    <p:tnLst>
+      <p:par>
+        <p:cTn id="1" dur="indefinite" restart="never" nodeType="tmRoot"/>
+      </p:par>
+    </p:tnLst>
+  </p:timing>
+</p:sld>
+</file>
+
+<file path=ppt/slides/slide20.xml><?xml version="1.0" encoding="utf-8"?>
+<p:sld xmlns:a="http://schemas.openxmlformats.org/drawingml/2006/main" xmlns:r="http://schemas.openxmlformats.org/officeDocument/2006/relationships" xmlns:p="http://schemas.openxmlformats.org/presentationml/2006/main">
+  <p:cSld>
+    <p:spTree>
+      <p:nvGrpSpPr>
+        <p:cNvPr id="1" name=""/>
+        <p:cNvGrpSpPr/>
+        <p:nvPr/>
+      </p:nvGrpSpPr>
+      <p:grpSpPr>
+        <a:xfrm>
+          <a:off x="0" y="0"/>
+          <a:ext cx="0" cy="0"/>
+          <a:chOff x="0" y="0"/>
+          <a:chExt cx="0" cy="0"/>
+        </a:xfrm>
+      </p:grpSpPr>
+      <p:sp>
+        <p:nvSpPr>
+          <p:cNvPr id="2" name="Titel 1"/>
+          <p:cNvSpPr>
+            <a:spLocks noGrp="1"/>
+          </p:cNvSpPr>
+          <p:nvPr>
+            <p:ph type="title"/>
+          </p:nvPr>
+        </p:nvSpPr>
+        <p:spPr/>
+        <p:txBody>
+          <a:bodyPr/>
+          <a:lstStyle/>
+          <a:p>
+            <a:r>
+              <a:rPr lang="de-DE" dirty="0" smtClean="0"/>
+              <a:t>2. </a:t>
+            </a:r>
+            <a:r>
+              <a:rPr lang="de-DE" dirty="0" err="1" smtClean="0"/>
+              <a:t>Presenter</a:t>
+            </a:r>
+            <a:r>
+              <a:rPr lang="de-DE" dirty="0" smtClean="0"/>
+              <a:t> definieren </a:t>
+            </a:r>
+            <a:endParaRPr lang="de-DE" dirty="0"/>
+          </a:p>
+        </p:txBody>
+      </p:sp>
+      <p:sp>
+        <p:nvSpPr>
+          <p:cNvPr id="4" name="Datumsplatzhalter 3"/>
+          <p:cNvSpPr>
+            <a:spLocks noGrp="1"/>
+          </p:cNvSpPr>
+          <p:nvPr>
+            <p:ph type="dt" sz="half" idx="10"/>
+          </p:nvPr>
+        </p:nvSpPr>
+        <p:spPr/>
+        <p:txBody>
+          <a:bodyPr/>
+          <a:lstStyle/>
+          <a:p>
+            <a:fld id="{93F45587-BEEE-4D54-90A9-A458946DA07D}" type="datetime1">
+              <a:rPr lang="de-DE" smtClean="0"/>
+              <a:t>18.05.2013</a:t>
+            </a:fld>
+            <a:endParaRPr lang="de-DE" dirty="0"/>
+          </a:p>
+        </p:txBody>
+      </p:sp>
+      <p:sp>
+        <p:nvSpPr>
+          <p:cNvPr id="5" name="Foliennummernplatzhalter 4"/>
+          <p:cNvSpPr>
+            <a:spLocks noGrp="1"/>
+          </p:cNvSpPr>
+          <p:nvPr>
+            <p:ph type="sldNum" sz="quarter" idx="12"/>
+          </p:nvPr>
+        </p:nvSpPr>
+        <p:spPr/>
+        <p:txBody>
+          <a:bodyPr/>
+          <a:lstStyle/>
+          <a:p>
+            <a:fld id="{6C6AE60A-B69C-4790-82F7-3882EDF23186}" type="slidenum">
+              <a:rPr lang="de-DE" smtClean="0"/>
+              <a:pPr/>
+              <a:t>20</a:t>
+            </a:fld>
+            <a:endParaRPr lang="de-DE" dirty="0"/>
+          </a:p>
+        </p:txBody>
+      </p:sp>
+      <p:sp>
+        <p:nvSpPr>
+          <p:cNvPr id="6" name="Inhaltsplatzhalter 5"/>
+          <p:cNvSpPr>
+            <a:spLocks noGrp="1"/>
+          </p:cNvSpPr>
+          <p:nvPr>
+            <p:ph idx="1"/>
+          </p:nvPr>
+        </p:nvSpPr>
+        <p:spPr>
+          <a:xfrm>
+            <a:off x="457200" y="1844825"/>
+            <a:ext cx="8229600" cy="2592288"/>
+          </a:xfrm>
+        </p:spPr>
+        <p:txBody>
+          <a:bodyPr/>
+          <a:lstStyle/>
+          <a:p>
+            <a:r>
+              <a:rPr lang="de-DE" dirty="0" smtClean="0"/>
+              <a:t>Benutzereingaben durch die View interpretieren -&gt; Bereitstellung von Handlern </a:t>
+            </a:r>
+          </a:p>
+          <a:p>
+            <a:r>
+              <a:rPr lang="de-DE" dirty="0" smtClean="0"/>
+              <a:t>Anzeige des aktuellen Geldbetrags des Models in der View</a:t>
+            </a:r>
+          </a:p>
+        </p:txBody>
+      </p:sp>
+    </p:spTree>
+    <p:extLst>
+      <p:ext uri="{BB962C8B-B14F-4D97-AF65-F5344CB8AC3E}">
+        <p14:creationId xmlns:p14="http://schemas.microsoft.com/office/powerpoint/2010/main" val="683861730"/>
+      </p:ext>
+    </p:extLst>
+  </p:cSld>
+  <p:clrMapOvr>
+    <a:masterClrMapping/>
+  </p:clrMapOvr>
+  <p:timing>
+    <p:tnLst>
+      <p:par>
+        <p:cTn id="1" dur="indefinite" restart="never" nodeType="tmRoot"/>
+      </p:par>
+    </p:tnLst>
+  </p:timing>
+</p:sld>
+</file>
+
+<file path=ppt/slides/slide21.xml><?xml version="1.0" encoding="utf-8"?>
+<p:sld xmlns:a="http://schemas.openxmlformats.org/drawingml/2006/main" xmlns:r="http://schemas.openxmlformats.org/officeDocument/2006/relationships" xmlns:p="http://schemas.openxmlformats.org/presentationml/2006/main">
+  <p:cSld>
+    <p:spTree>
+      <p:nvGrpSpPr>
+        <p:cNvPr id="1" name=""/>
+        <p:cNvGrpSpPr/>
+        <p:nvPr/>
+      </p:nvGrpSpPr>
+      <p:grpSpPr>
+        <a:xfrm>
+          <a:off x="0" y="0"/>
+          <a:ext cx="0" cy="0"/>
+          <a:chOff x="0" y="0"/>
+          <a:chExt cx="0" cy="0"/>
+        </a:xfrm>
+      </p:grpSpPr>
+      <p:sp>
+        <p:nvSpPr>
+          <p:cNvPr id="2" name="Titel 1"/>
+          <p:cNvSpPr>
+            <a:spLocks noGrp="1"/>
+          </p:cNvSpPr>
+          <p:nvPr>
+            <p:ph type="title"/>
+          </p:nvPr>
+        </p:nvSpPr>
+        <p:spPr/>
+        <p:txBody>
+          <a:bodyPr/>
+          <a:lstStyle/>
+          <a:p>
+            <a:r>
+              <a:rPr lang="de-DE" dirty="0" smtClean="0"/>
+              <a:t>Klassendiagramm einer möglichen Lösung</a:t>
+            </a:r>
+            <a:endParaRPr lang="de-DE" dirty="0"/>
+          </a:p>
+        </p:txBody>
+      </p:sp>
+      <p:sp>
+        <p:nvSpPr>
+          <p:cNvPr id="4" name="Datumsplatzhalter 3"/>
+          <p:cNvSpPr>
+            <a:spLocks noGrp="1"/>
+          </p:cNvSpPr>
+          <p:nvPr>
+            <p:ph type="dt" sz="half" idx="10"/>
+          </p:nvPr>
+        </p:nvSpPr>
+        <p:spPr/>
+        <p:txBody>
+          <a:bodyPr/>
+          <a:lstStyle/>
+          <a:p>
+            <a:fld id="{93F45587-BEEE-4D54-90A9-A458946DA07D}" type="datetime1">
+              <a:rPr lang="de-DE" smtClean="0"/>
+              <a:t>18.05.2013</a:t>
+            </a:fld>
+            <a:endParaRPr lang="de-DE" dirty="0"/>
+          </a:p>
+        </p:txBody>
+      </p:sp>
+      <p:sp>
+        <p:nvSpPr>
+          <p:cNvPr id="5" name="Foliennummernplatzhalter 4"/>
+          <p:cNvSpPr>
+            <a:spLocks noGrp="1"/>
+          </p:cNvSpPr>
+          <p:nvPr>
+            <p:ph type="sldNum" sz="quarter" idx="12"/>
+          </p:nvPr>
+        </p:nvSpPr>
+        <p:spPr/>
+        <p:txBody>
+          <a:bodyPr/>
+          <a:lstStyle/>
+          <a:p>
+            <a:fld id="{6C6AE60A-B69C-4790-82F7-3882EDF23186}" type="slidenum">
+              <a:rPr lang="de-DE" smtClean="0"/>
+              <a:pPr/>
+              <a:t>21</a:t>
+            </a:fld>
+            <a:endParaRPr lang="de-DE" dirty="0"/>
+          </a:p>
+        </p:txBody>
+      </p:sp>
+      <p:pic>
+        <p:nvPicPr>
+          <p:cNvPr id="3074" name="Picture 2" descr="C:\Users\olf\Documents\6. Semester\Design-Pattern-MVC_Team\ausarbeitung_latex\figure\MVP\MVP_WalletClassDiagram.png"/>
+          <p:cNvPicPr>
+            <a:picLocks noChangeAspect="1" noChangeArrowheads="1"/>
+          </p:cNvPicPr>
+          <p:nvPr/>
+        </p:nvPicPr>
+        <p:blipFill>
+          <a:blip r:embed="rId2">
+            <a:extLst>
+              <a:ext uri="{28A0092B-C50C-407E-A947-70E740481C1C}">
+                <a14:useLocalDpi xmlns:a14="http://schemas.microsoft.com/office/drawing/2010/main" val="0"/>
+              </a:ext>
+            </a:extLst>
+          </a:blip>
+          <a:srcRect/>
+          <a:stretch>
+            <a:fillRect/>
+          </a:stretch>
+        </p:blipFill>
+        <p:spPr bwMode="auto">
+          <a:xfrm>
+            <a:off x="179512" y="2060848"/>
+            <a:ext cx="8567346" cy="3324974"/>
+          </a:xfrm>
+          <a:prstGeom prst="rect">
+            <a:avLst/>
+          </a:prstGeom>
+          <a:noFill/>
+          <a:extLst>
+            <a:ext uri="{909E8E84-426E-40DD-AFC4-6F175D3DCCD1}">
+              <a14:hiddenFill xmlns:a14="http://schemas.microsoft.com/office/drawing/2010/main">
+                <a:solidFill>
+                  <a:srgbClr val="FFFFFF"/>
+                </a:solidFill>
+              </a14:hiddenFill>
+            </a:ext>
+          </a:extLst>
+        </p:spPr>
+      </p:pic>
+    </p:spTree>
+    <p:extLst>
+      <p:ext uri="{BB962C8B-B14F-4D97-AF65-F5344CB8AC3E}">
+        <p14:creationId xmlns:p14="http://schemas.microsoft.com/office/powerpoint/2010/main" val="437993483"/>
+      </p:ext>
+    </p:extLst>
+  </p:cSld>
+  <p:clrMapOvr>
+    <a:masterClrMapping/>
+  </p:clrMapOvr>
+  <p:timing>
+    <p:tnLst>
+      <p:par>
+        <p:cTn id="1" dur="indefinite" restart="never" nodeType="tmRoot"/>
+      </p:par>
+    </p:tnLst>
+  </p:timing>
+</p:sld>
+</file>
+
+<file path=ppt/slides/slide22.xml><?xml version="1.0" encoding="utf-8"?>
+<p:sld xmlns:a="http://schemas.openxmlformats.org/drawingml/2006/main" xmlns:r="http://schemas.openxmlformats.org/officeDocument/2006/relationships" xmlns:p="http://schemas.openxmlformats.org/presentationml/2006/main">
+  <p:cSld>
+    <p:spTree>
+      <p:nvGrpSpPr>
+        <p:cNvPr id="1" name=""/>
+        <p:cNvGrpSpPr/>
+        <p:nvPr/>
+      </p:nvGrpSpPr>
+      <p:grpSpPr>
+        <a:xfrm>
+          <a:off x="0" y="0"/>
+          <a:ext cx="0" cy="0"/>
+          <a:chOff x="0" y="0"/>
+          <a:chExt cx="0" cy="0"/>
+        </a:xfrm>
+      </p:grpSpPr>
+      <p:sp>
+        <p:nvSpPr>
+          <p:cNvPr id="2" name="Titel 1"/>
+          <p:cNvSpPr>
+            <a:spLocks noGrp="1"/>
+          </p:cNvSpPr>
+          <p:nvPr>
+            <p:ph type="title"/>
+          </p:nvPr>
+        </p:nvSpPr>
+        <p:spPr/>
+        <p:txBody>
+          <a:bodyPr/>
+          <a:lstStyle/>
+          <a:p>
+            <a:r>
+              <a:rPr lang="de-DE" dirty="0" smtClean="0"/>
+              <a:t>Vorteile</a:t>
+            </a:r>
+            <a:endParaRPr lang="de-DE" dirty="0"/>
+          </a:p>
+        </p:txBody>
+      </p:sp>
+      <p:sp>
+        <p:nvSpPr>
+          <p:cNvPr id="3" name="Inhaltsplatzhalter 2"/>
+          <p:cNvSpPr>
+            <a:spLocks noGrp="1"/>
+          </p:cNvSpPr>
+          <p:nvPr>
+            <p:ph idx="1"/>
+          </p:nvPr>
+        </p:nvSpPr>
+        <p:spPr/>
+        <p:txBody>
+          <a:bodyPr/>
+          <a:lstStyle/>
+          <a:p>
+            <a:r>
+              <a:rPr lang="de-DE" dirty="0" err="1" smtClean="0"/>
+              <a:t>Komponten</a:t>
+            </a:r>
+            <a:r>
+              <a:rPr lang="de-DE" dirty="0" smtClean="0"/>
+              <a:t>/Module sind austauschbar</a:t>
+            </a:r>
+          </a:p>
+          <a:p>
+            <a:r>
+              <a:rPr lang="de-DE" dirty="0" smtClean="0"/>
+              <a:t>Testen der Anwendung vereinfacht ( bessere Wartbarkeit)</a:t>
+            </a:r>
+          </a:p>
+          <a:p>
+            <a:r>
+              <a:rPr lang="de-DE" dirty="0" smtClean="0"/>
+              <a:t>Einfach erweiterbar</a:t>
+            </a:r>
+          </a:p>
+          <a:p>
+            <a:r>
+              <a:rPr lang="de-DE" dirty="0" smtClean="0"/>
+              <a:t>Klare Aufgabenteilung der Komponenten </a:t>
+            </a:r>
+          </a:p>
+          <a:p>
+            <a:pPr marL="0" indent="0">
+              <a:buNone/>
+            </a:pPr>
+            <a:endParaRPr lang="de-DE" dirty="0"/>
+          </a:p>
+        </p:txBody>
+      </p:sp>
+      <p:sp>
+        <p:nvSpPr>
+          <p:cNvPr id="4" name="Datumsplatzhalter 3"/>
+          <p:cNvSpPr>
+            <a:spLocks noGrp="1"/>
+          </p:cNvSpPr>
+          <p:nvPr>
+            <p:ph type="dt" sz="half" idx="10"/>
+          </p:nvPr>
+        </p:nvSpPr>
+        <p:spPr/>
+        <p:txBody>
+          <a:bodyPr/>
+          <a:lstStyle/>
+          <a:p>
+            <a:fld id="{93F45587-BEEE-4D54-90A9-A458946DA07D}" type="datetime1">
+              <a:rPr lang="de-DE" smtClean="0"/>
+              <a:t>18.05.2013</a:t>
+            </a:fld>
+            <a:endParaRPr lang="de-DE" dirty="0"/>
+          </a:p>
+        </p:txBody>
+      </p:sp>
+      <p:sp>
+        <p:nvSpPr>
+          <p:cNvPr id="5" name="Foliennummernplatzhalter 4"/>
+          <p:cNvSpPr>
+            <a:spLocks noGrp="1"/>
+          </p:cNvSpPr>
+          <p:nvPr>
+            <p:ph type="sldNum" sz="quarter" idx="12"/>
+          </p:nvPr>
+        </p:nvSpPr>
+        <p:spPr/>
+        <p:txBody>
+          <a:bodyPr/>
+          <a:lstStyle/>
+          <a:p>
+            <a:fld id="{6C6AE60A-B69C-4790-82F7-3882EDF23186}" type="slidenum">
+              <a:rPr lang="de-DE" smtClean="0"/>
+              <a:pPr/>
+              <a:t>22</a:t>
+            </a:fld>
+            <a:endParaRPr lang="de-DE" dirty="0"/>
+          </a:p>
+        </p:txBody>
+      </p:sp>
+    </p:spTree>
+    <p:extLst>
+      <p:ext uri="{BB962C8B-B14F-4D97-AF65-F5344CB8AC3E}">
+        <p14:creationId xmlns:p14="http://schemas.microsoft.com/office/powerpoint/2010/main" val="294730918"/>
+      </p:ext>
+    </p:extLst>
+  </p:cSld>
+  <p:clrMapOvr>
+    <a:masterClrMapping/>
+  </p:clrMapOvr>
+  <p:timing>
+    <p:tnLst>
+      <p:par>
+        <p:cTn id="1" dur="indefinite" restart="never" nodeType="tmRoot"/>
+      </p:par>
+    </p:tnLst>
+  </p:timing>
+</p:sld>
+</file>
+
+<file path=ppt/slides/slide23.xml><?xml version="1.0" encoding="utf-8"?>
+<p:sld xmlns:a="http://schemas.openxmlformats.org/drawingml/2006/main" xmlns:r="http://schemas.openxmlformats.org/officeDocument/2006/relationships" xmlns:p="http://schemas.openxmlformats.org/presentationml/2006/main">
+  <p:cSld>
+    <p:spTree>
+      <p:nvGrpSpPr>
+        <p:cNvPr id="1" name=""/>
+        <p:cNvGrpSpPr/>
+        <p:nvPr/>
+      </p:nvGrpSpPr>
+      <p:grpSpPr>
+        <a:xfrm>
+          <a:off x="0" y="0"/>
+          <a:ext cx="0" cy="0"/>
+          <a:chOff x="0" y="0"/>
+          <a:chExt cx="0" cy="0"/>
+        </a:xfrm>
+      </p:grpSpPr>
+      <p:sp>
+        <p:nvSpPr>
+          <p:cNvPr id="2" name="Titel 1"/>
+          <p:cNvSpPr>
+            <a:spLocks noGrp="1"/>
+          </p:cNvSpPr>
+          <p:nvPr>
+            <p:ph type="title"/>
+          </p:nvPr>
+        </p:nvSpPr>
+        <p:spPr/>
+        <p:txBody>
+          <a:bodyPr/>
+          <a:lstStyle/>
+          <a:p>
+            <a:r>
+              <a:rPr lang="de-DE" dirty="0" smtClean="0"/>
+              <a:t>Nachteile</a:t>
+            </a:r>
+            <a:endParaRPr lang="de-DE" dirty="0"/>
+          </a:p>
+        </p:txBody>
+      </p:sp>
+      <p:sp>
+        <p:nvSpPr>
+          <p:cNvPr id="3" name="Inhaltsplatzhalter 2"/>
+          <p:cNvSpPr>
+            <a:spLocks noGrp="1"/>
+          </p:cNvSpPr>
+          <p:nvPr>
+            <p:ph idx="1"/>
+          </p:nvPr>
+        </p:nvSpPr>
+        <p:spPr>
+          <a:xfrm>
+            <a:off x="457200" y="1844825"/>
+            <a:ext cx="8229600" cy="2016224"/>
+          </a:xfrm>
+        </p:spPr>
+        <p:txBody>
+          <a:bodyPr/>
+          <a:lstStyle/>
+          <a:p>
+            <a:r>
+              <a:rPr lang="de-DE" dirty="0" smtClean="0"/>
+              <a:t>Hoher Designaufwand</a:t>
+            </a:r>
+          </a:p>
+          <a:p>
+            <a:r>
+              <a:rPr lang="de-DE" dirty="0" smtClean="0"/>
+              <a:t>Nicht auf jedes Szenario anwendbar</a:t>
+            </a:r>
+          </a:p>
+          <a:p>
+            <a:r>
+              <a:rPr lang="de-DE" dirty="0" smtClean="0"/>
+              <a:t>Je nach Implementierungsart:</a:t>
+            </a:r>
+          </a:p>
+          <a:p>
+            <a:endParaRPr lang="de-DE" dirty="0"/>
+          </a:p>
+          <a:p>
+            <a:endParaRPr lang="de-DE" dirty="0" smtClean="0"/>
+          </a:p>
+          <a:p>
+            <a:pPr marL="0" indent="0">
+              <a:buNone/>
+            </a:pPr>
+            <a:endParaRPr lang="de-DE" dirty="0"/>
+          </a:p>
+        </p:txBody>
+      </p:sp>
+      <p:sp>
+        <p:nvSpPr>
+          <p:cNvPr id="4" name="Datumsplatzhalter 3"/>
+          <p:cNvSpPr>
+            <a:spLocks noGrp="1"/>
+          </p:cNvSpPr>
+          <p:nvPr>
+            <p:ph type="dt" sz="half" idx="10"/>
+          </p:nvPr>
+        </p:nvSpPr>
+        <p:spPr/>
+        <p:txBody>
+          <a:bodyPr/>
+          <a:lstStyle/>
+          <a:p>
+            <a:fld id="{93F45587-BEEE-4D54-90A9-A458946DA07D}" type="datetime1">
+              <a:rPr lang="de-DE" smtClean="0"/>
+              <a:t>18.05.2013</a:t>
+            </a:fld>
+            <a:endParaRPr lang="de-DE" dirty="0"/>
+          </a:p>
+        </p:txBody>
+      </p:sp>
+      <p:sp>
+        <p:nvSpPr>
+          <p:cNvPr id="5" name="Foliennummernplatzhalter 4"/>
+          <p:cNvSpPr>
+            <a:spLocks noGrp="1"/>
+          </p:cNvSpPr>
+          <p:nvPr>
+            <p:ph type="sldNum" sz="quarter" idx="12"/>
+          </p:nvPr>
+        </p:nvSpPr>
+        <p:spPr/>
+        <p:txBody>
+          <a:bodyPr/>
+          <a:lstStyle/>
+          <a:p>
+            <a:fld id="{6C6AE60A-B69C-4790-82F7-3882EDF23186}" type="slidenum">
+              <a:rPr lang="de-DE" smtClean="0"/>
+              <a:pPr/>
+              <a:t>23</a:t>
+            </a:fld>
+            <a:endParaRPr lang="de-DE" dirty="0"/>
+          </a:p>
+        </p:txBody>
+      </p:sp>
+      <p:sp>
+        <p:nvSpPr>
+          <p:cNvPr id="7" name="Textfeld 6"/>
+          <p:cNvSpPr txBox="1"/>
+          <p:nvPr/>
+        </p:nvSpPr>
+        <p:spPr>
+          <a:xfrm>
+            <a:off x="2051720" y="5267345"/>
+            <a:ext cx="4814523" cy="584775"/>
+          </a:xfrm>
+          <a:prstGeom prst="rect">
+            <a:avLst/>
+          </a:prstGeom>
+          <a:solidFill>
+            <a:schemeClr val="accent6">
+              <a:lumMod val="60000"/>
+              <a:lumOff val="40000"/>
+            </a:schemeClr>
+          </a:solidFill>
+        </p:spPr>
+        <p:txBody>
+          <a:bodyPr wrap="none" rtlCol="0">
+            <a:spAutoFit/>
+          </a:bodyPr>
+          <a:lstStyle/>
+          <a:p>
+            <a:r>
+              <a:rPr lang="de-DE" sz="3200" dirty="0"/>
+              <a:t>höherer </a:t>
+            </a:r>
+            <a:r>
+              <a:rPr lang="de-DE" sz="3200" dirty="0" err="1" smtClean="0"/>
+              <a:t>Resourcenaufwand</a:t>
+            </a:r>
+            <a:endParaRPr lang="de-DE" sz="3200" dirty="0"/>
+          </a:p>
+        </p:txBody>
+      </p:sp>
+      <p:sp>
+        <p:nvSpPr>
+          <p:cNvPr id="8" name="Pfeil nach unten 7"/>
+          <p:cNvSpPr/>
+          <p:nvPr/>
+        </p:nvSpPr>
+        <p:spPr>
+          <a:xfrm>
+            <a:off x="4139952" y="4005064"/>
+            <a:ext cx="864096" cy="1008112"/>
+          </a:xfrm>
+          <a:prstGeom prst="downArrow">
+            <a:avLst/>
+          </a:prstGeom>
+        </p:spPr>
+        <p:style>
+          <a:lnRef idx="2">
+            <a:schemeClr val="accent1">
+              <a:shade val="50000"/>
+            </a:schemeClr>
+          </a:lnRef>
+          <a:fillRef idx="1">
+            <a:schemeClr val="accent1"/>
+          </a:fillRef>
+          <a:effectRef idx="0">
+            <a:schemeClr val="accent1"/>
+          </a:effectRef>
+          <a:fontRef idx="minor">
+            <a:schemeClr val="lt1"/>
+          </a:fontRef>
+        </p:style>
+        <p:txBody>
+          <a:bodyPr rtlCol="0" anchor="ctr"/>
+          <a:lstStyle/>
+          <a:p>
+            <a:pPr algn="ctr"/>
+            <a:endParaRPr lang="de-DE"/>
+          </a:p>
+        </p:txBody>
+      </p:sp>
+      <p:sp>
+        <p:nvSpPr>
+          <p:cNvPr id="6" name="Textfeld 5"/>
+          <p:cNvSpPr txBox="1"/>
+          <p:nvPr/>
+        </p:nvSpPr>
+        <p:spPr>
+          <a:xfrm>
+            <a:off x="6372200" y="3789040"/>
+            <a:ext cx="2304256" cy="369332"/>
+          </a:xfrm>
+          <a:prstGeom prst="rect">
+            <a:avLst/>
+          </a:prstGeom>
+          <a:noFill/>
+        </p:spPr>
+        <p:txBody>
+          <a:bodyPr wrap="square" rtlCol="0">
+            <a:spAutoFit/>
+          </a:bodyPr>
+          <a:lstStyle/>
+          <a:p>
+            <a:r>
+              <a:rPr lang="de-DE" dirty="0" smtClean="0">
+                <a:solidFill>
+                  <a:srgbClr val="FF0000"/>
+                </a:solidFill>
+              </a:rPr>
+              <a:t>Erklärung noch </a:t>
+            </a:r>
+            <a:endParaRPr lang="de-DE" dirty="0">
+              <a:solidFill>
+                <a:srgbClr val="FF0000"/>
+              </a:solidFill>
+            </a:endParaRPr>
+          </a:p>
+        </p:txBody>
+      </p:sp>
+    </p:spTree>
+    <p:extLst>
+      <p:ext uri="{BB962C8B-B14F-4D97-AF65-F5344CB8AC3E}">
+        <p14:creationId xmlns:p14="http://schemas.microsoft.com/office/powerpoint/2010/main" val="4177885348"/>
+      </p:ext>
+    </p:extLst>
+  </p:cSld>
+  <p:clrMapOvr>
+    <a:masterClrMapping/>
+  </p:clrMapOvr>
+  <p:timing>
+    <p:tnLst>
+      <p:par>
+        <p:cTn id="1" dur="indefinite" restart="never" nodeType="tmRoot"/>
+      </p:par>
+    </p:tnLst>
+  </p:timing>
+</p:sld>
+</file>
+
+<file path=ppt/slides/slide24.xml><?xml version="1.0" encoding="utf-8"?>
+<p:sld xmlns:a="http://schemas.openxmlformats.org/drawingml/2006/main" xmlns:r="http://schemas.openxmlformats.org/officeDocument/2006/relationships" xmlns:p="http://schemas.openxmlformats.org/presentationml/2006/main">
+  <p:cSld>
+    <p:spTree>
+      <p:nvGrpSpPr>
+        <p:cNvPr id="1" name=""/>
+        <p:cNvGrpSpPr/>
+        <p:nvPr/>
+      </p:nvGrpSpPr>
+      <p:grpSpPr>
+        <a:xfrm>
+          <a:off x="0" y="0"/>
+          <a:ext cx="0" cy="0"/>
+          <a:chOff x="0" y="0"/>
+          <a:chExt cx="0" cy="0"/>
+        </a:xfrm>
+      </p:grpSpPr>
+      <p:sp>
+        <p:nvSpPr>
+          <p:cNvPr id="2" name="Titel 1"/>
+          <p:cNvSpPr>
+            <a:spLocks noGrp="1"/>
+          </p:cNvSpPr>
+          <p:nvPr>
+            <p:ph type="title"/>
+          </p:nvPr>
+        </p:nvSpPr>
+        <p:spPr>
+          <a:xfrm>
+            <a:off x="467544" y="764704"/>
+            <a:ext cx="8229600" cy="936104"/>
+          </a:xfrm>
+        </p:spPr>
+        <p:txBody>
+          <a:bodyPr/>
+          <a:lstStyle/>
+          <a:p>
+            <a:r>
+              <a:rPr lang="de-DE" dirty="0" smtClean="0"/>
+              <a:t>(Subjektives) Fazit</a:t>
+            </a:r>
+            <a:endParaRPr lang="de-DE" dirty="0"/>
+          </a:p>
+        </p:txBody>
+      </p:sp>
+      <p:sp>
+        <p:nvSpPr>
+          <p:cNvPr id="4" name="Datumsplatzhalter 3"/>
+          <p:cNvSpPr>
+            <a:spLocks noGrp="1"/>
+          </p:cNvSpPr>
+          <p:nvPr>
+            <p:ph type="dt" sz="half" idx="10"/>
+          </p:nvPr>
+        </p:nvSpPr>
+        <p:spPr/>
+        <p:txBody>
+          <a:bodyPr/>
+          <a:lstStyle/>
+          <a:p>
+            <a:fld id="{93F45587-BEEE-4D54-90A9-A458946DA07D}" type="datetime1">
+              <a:rPr lang="de-DE" smtClean="0"/>
+              <a:t>18.05.2013</a:t>
+            </a:fld>
+            <a:endParaRPr lang="de-DE" dirty="0"/>
+          </a:p>
+        </p:txBody>
+      </p:sp>
+      <p:sp>
+        <p:nvSpPr>
+          <p:cNvPr id="5" name="Foliennummernplatzhalter 4"/>
+          <p:cNvSpPr>
+            <a:spLocks noGrp="1"/>
+          </p:cNvSpPr>
+          <p:nvPr>
+            <p:ph type="sldNum" sz="quarter" idx="12"/>
+          </p:nvPr>
+        </p:nvSpPr>
+        <p:spPr/>
+        <p:txBody>
+          <a:bodyPr/>
+          <a:lstStyle/>
+          <a:p>
+            <a:fld id="{6C6AE60A-B69C-4790-82F7-3882EDF23186}" type="slidenum">
+              <a:rPr lang="de-DE" smtClean="0"/>
+              <a:pPr/>
+              <a:t>24</a:t>
+            </a:fld>
+            <a:endParaRPr lang="de-DE" dirty="0"/>
+          </a:p>
+        </p:txBody>
+      </p:sp>
       <p:sp>
         <p:nvSpPr>
           <p:cNvPr id="7" name="Inhaltsplatzhalter 2"/>
@@ -4774,7 +6975,7 @@
         </p:nvSpPr>
         <p:spPr>
           <a:xfrm>
-            <a:off x="529208" y="1700808"/>
+            <a:off x="2627784" y="1628800"/>
             <a:ext cx="3034680" cy="1152128"/>
           </a:xfrm>
           <a:prstGeom prst="rect">
@@ -4942,229 +7143,6 @@
       </p:sp>
       <p:sp>
         <p:nvSpPr>
-          <p:cNvPr id="8" name="Pfeil nach links und rechts 7"/>
-          <p:cNvSpPr/>
-          <p:nvPr/>
-        </p:nvSpPr>
-        <p:spPr>
-          <a:xfrm>
-            <a:off x="3724193" y="1880828"/>
-            <a:ext cx="1800200" cy="792088"/>
-          </a:xfrm>
-          <a:prstGeom prst="leftRightArrow">
-            <a:avLst/>
-          </a:prstGeom>
-        </p:spPr>
-        <p:style>
-          <a:lnRef idx="2">
-            <a:schemeClr val="accent1">
-              <a:shade val="50000"/>
-            </a:schemeClr>
-          </a:lnRef>
-          <a:fillRef idx="1">
-            <a:schemeClr val="accent1"/>
-          </a:fillRef>
-          <a:effectRef idx="0">
-            <a:schemeClr val="accent1"/>
-          </a:effectRef>
-          <a:fontRef idx="minor">
-            <a:schemeClr val="lt1"/>
-          </a:fontRef>
-        </p:style>
-        <p:txBody>
-          <a:bodyPr rtlCol="0" anchor="ctr"/>
-          <a:lstStyle/>
-          <a:p>
-            <a:pPr algn="ctr"/>
-            <a:endParaRPr lang="de-DE"/>
-          </a:p>
-        </p:txBody>
-      </p:sp>
-      <p:sp>
-        <p:nvSpPr>
-          <p:cNvPr id="9" name="Inhaltsplatzhalter 2"/>
-          <p:cNvSpPr txBox="1">
-            <a:spLocks/>
-          </p:cNvSpPr>
-          <p:nvPr/>
-        </p:nvSpPr>
-        <p:spPr>
-          <a:xfrm>
-            <a:off x="5641776" y="1772816"/>
-            <a:ext cx="3034680" cy="1152128"/>
-          </a:xfrm>
-          <a:prstGeom prst="rect">
-            <a:avLst/>
-          </a:prstGeom>
-          <a:solidFill>
-            <a:schemeClr val="bg2"/>
-          </a:solidFill>
-        </p:spPr>
-        <p:txBody>
-          <a:bodyPr vert="horz" lIns="91440" tIns="45720" rIns="91440" bIns="45720" rtlCol="0">
-            <a:normAutofit lnSpcReduction="10000"/>
-          </a:bodyPr>
-          <a:lstStyle>
-            <a:lvl1pPr marL="342900" indent="-342900" algn="l" defTabSz="914400" rtl="0" eaLnBrk="1" latinLnBrk="0" hangingPunct="1">
-              <a:spcBef>
-                <a:spcPct val="20000"/>
-              </a:spcBef>
-              <a:buFont typeface="Arial" pitchFamily="34" charset="0"/>
-              <a:buChar char="•"/>
-              <a:defRPr sz="3200" kern="1200">
-                <a:solidFill>
-                  <a:schemeClr val="tx1"/>
-                </a:solidFill>
-                <a:latin typeface="+mn-lt"/>
-                <a:ea typeface="+mn-ea"/>
-                <a:cs typeface="+mn-cs"/>
-              </a:defRPr>
-            </a:lvl1pPr>
-            <a:lvl2pPr marL="742950" indent="-285750" algn="l" defTabSz="914400" rtl="0" eaLnBrk="1" latinLnBrk="0" hangingPunct="1">
-              <a:spcBef>
-                <a:spcPct val="20000"/>
-              </a:spcBef>
-              <a:buFont typeface="Arial" pitchFamily="34" charset="0"/>
-              <a:buChar char="–"/>
-              <a:defRPr sz="2800" kern="1200">
-                <a:solidFill>
-                  <a:schemeClr val="tx1"/>
-                </a:solidFill>
-                <a:latin typeface="+mn-lt"/>
-                <a:ea typeface="+mn-ea"/>
-                <a:cs typeface="+mn-cs"/>
-              </a:defRPr>
-            </a:lvl2pPr>
-            <a:lvl3pPr marL="1143000" indent="-228600" algn="l" defTabSz="914400" rtl="0" eaLnBrk="1" latinLnBrk="0" hangingPunct="1">
-              <a:spcBef>
-                <a:spcPct val="20000"/>
-              </a:spcBef>
-              <a:buFont typeface="Arial" pitchFamily="34" charset="0"/>
-              <a:buChar char="•"/>
-              <a:defRPr sz="2400" kern="1200">
-                <a:solidFill>
-                  <a:schemeClr val="tx1"/>
-                </a:solidFill>
-                <a:latin typeface="+mn-lt"/>
-                <a:ea typeface="+mn-ea"/>
-                <a:cs typeface="+mn-cs"/>
-              </a:defRPr>
-            </a:lvl3pPr>
-            <a:lvl4pPr marL="1600200" indent="-228600" algn="l" defTabSz="914400" rtl="0" eaLnBrk="1" latinLnBrk="0" hangingPunct="1">
-              <a:spcBef>
-                <a:spcPct val="20000"/>
-              </a:spcBef>
-              <a:buFont typeface="Arial" pitchFamily="34" charset="0"/>
-              <a:buChar char="–"/>
-              <a:defRPr sz="2000" kern="1200">
-                <a:solidFill>
-                  <a:schemeClr val="tx1"/>
-                </a:solidFill>
-                <a:latin typeface="+mn-lt"/>
-                <a:ea typeface="+mn-ea"/>
-                <a:cs typeface="+mn-cs"/>
-              </a:defRPr>
-            </a:lvl4pPr>
-            <a:lvl5pPr marL="2057400" indent="-228600" algn="l" defTabSz="914400" rtl="0" eaLnBrk="1" latinLnBrk="0" hangingPunct="1">
-              <a:spcBef>
-                <a:spcPct val="20000"/>
-              </a:spcBef>
-              <a:buFont typeface="Arial" pitchFamily="34" charset="0"/>
-              <a:buChar char="»"/>
-              <a:defRPr sz="2000" kern="1200">
-                <a:solidFill>
-                  <a:schemeClr val="tx1"/>
-                </a:solidFill>
-                <a:latin typeface="+mn-lt"/>
-                <a:ea typeface="+mn-ea"/>
-                <a:cs typeface="+mn-cs"/>
-              </a:defRPr>
-            </a:lvl5pPr>
-            <a:lvl6pPr marL="2514600" indent="-228600" algn="l" defTabSz="914400" rtl="0" eaLnBrk="1" latinLnBrk="0" hangingPunct="1">
-              <a:spcBef>
-                <a:spcPct val="20000"/>
-              </a:spcBef>
-              <a:buFont typeface="Arial" pitchFamily="34" charset="0"/>
-              <a:buChar char="•"/>
-              <a:defRPr sz="2000" kern="1200">
-                <a:solidFill>
-                  <a:schemeClr val="tx1"/>
-                </a:solidFill>
-                <a:latin typeface="+mn-lt"/>
-                <a:ea typeface="+mn-ea"/>
-                <a:cs typeface="+mn-cs"/>
-              </a:defRPr>
-            </a:lvl6pPr>
-            <a:lvl7pPr marL="2971800" indent="-228600" algn="l" defTabSz="914400" rtl="0" eaLnBrk="1" latinLnBrk="0" hangingPunct="1">
-              <a:spcBef>
-                <a:spcPct val="20000"/>
-              </a:spcBef>
-              <a:buFont typeface="Arial" pitchFamily="34" charset="0"/>
-              <a:buChar char="•"/>
-              <a:defRPr sz="2000" kern="1200">
-                <a:solidFill>
-                  <a:schemeClr val="tx1"/>
-                </a:solidFill>
-                <a:latin typeface="+mn-lt"/>
-                <a:ea typeface="+mn-ea"/>
-                <a:cs typeface="+mn-cs"/>
-              </a:defRPr>
-            </a:lvl7pPr>
-            <a:lvl8pPr marL="3429000" indent="-228600" algn="l" defTabSz="914400" rtl="0" eaLnBrk="1" latinLnBrk="0" hangingPunct="1">
-              <a:spcBef>
-                <a:spcPct val="20000"/>
-              </a:spcBef>
-              <a:buFont typeface="Arial" pitchFamily="34" charset="0"/>
-              <a:buChar char="•"/>
-              <a:defRPr sz="2000" kern="1200">
-                <a:solidFill>
-                  <a:schemeClr val="tx1"/>
-                </a:solidFill>
-                <a:latin typeface="+mn-lt"/>
-                <a:ea typeface="+mn-ea"/>
-                <a:cs typeface="+mn-cs"/>
-              </a:defRPr>
-            </a:lvl8pPr>
-            <a:lvl9pPr marL="3886200" indent="-228600" algn="l" defTabSz="914400" rtl="0" eaLnBrk="1" latinLnBrk="0" hangingPunct="1">
-              <a:spcBef>
-                <a:spcPct val="20000"/>
-              </a:spcBef>
-              <a:buFont typeface="Arial" pitchFamily="34" charset="0"/>
-              <a:buChar char="•"/>
-              <a:defRPr sz="2000" kern="1200">
-                <a:solidFill>
-                  <a:schemeClr val="tx1"/>
-                </a:solidFill>
-                <a:latin typeface="+mn-lt"/>
-                <a:ea typeface="+mn-ea"/>
-                <a:cs typeface="+mn-cs"/>
-              </a:defRPr>
-            </a:lvl9pPr>
-          </a:lstStyle>
-          <a:p>
-            <a:pPr marL="0" indent="0" algn="ctr">
-              <a:buFont typeface="Arial" pitchFamily="34" charset="0"/>
-              <a:buNone/>
-            </a:pPr>
-            <a:r>
-              <a:rPr lang="de-DE" dirty="0" smtClean="0"/>
-              <a:t>Bedingt </a:t>
-            </a:r>
-          </a:p>
-          <a:p>
-            <a:pPr marL="0" indent="0" algn="ctr">
-              <a:buFont typeface="Arial" pitchFamily="34" charset="0"/>
-              <a:buNone/>
-            </a:pPr>
-            <a:r>
-              <a:rPr lang="de-DE" dirty="0" smtClean="0"/>
-              <a:t>einsetzbar</a:t>
-            </a:r>
-          </a:p>
-        </p:txBody>
-      </p:sp>
-      <p:sp>
-        <p:nvSpPr>
           <p:cNvPr id="11" name="Inhaltsplatzhalter 2"/>
           <p:cNvSpPr txBox="1">
             <a:spLocks/>
@@ -5173,7 +7151,7 @@
         </p:nvSpPr>
         <p:spPr>
           <a:xfrm>
-            <a:off x="529208" y="2996952"/>
+            <a:off x="2627784" y="2996952"/>
             <a:ext cx="3034680" cy="1080120"/>
           </a:xfrm>
           <a:prstGeom prst="rect">
@@ -5342,236 +7320,13 @@
       </p:sp>
       <p:sp>
         <p:nvSpPr>
-          <p:cNvPr id="12" name="Pfeil nach links und rechts 11"/>
-          <p:cNvSpPr/>
-          <p:nvPr/>
-        </p:nvSpPr>
-        <p:spPr>
-          <a:xfrm>
-            <a:off x="3697560" y="3212976"/>
-            <a:ext cx="1800200" cy="792088"/>
-          </a:xfrm>
-          <a:prstGeom prst="leftRightArrow">
-            <a:avLst/>
-          </a:prstGeom>
-        </p:spPr>
-        <p:style>
-          <a:lnRef idx="2">
-            <a:schemeClr val="accent1">
-              <a:shade val="50000"/>
-            </a:schemeClr>
-          </a:lnRef>
-          <a:fillRef idx="1">
-            <a:schemeClr val="accent1"/>
-          </a:fillRef>
-          <a:effectRef idx="0">
-            <a:schemeClr val="accent1"/>
-          </a:effectRef>
-          <a:fontRef idx="minor">
-            <a:schemeClr val="lt1"/>
-          </a:fontRef>
-        </p:style>
-        <p:txBody>
-          <a:bodyPr rtlCol="0" anchor="ctr"/>
-          <a:lstStyle/>
-          <a:p>
-            <a:pPr algn="ctr"/>
-            <a:endParaRPr lang="de-DE"/>
-          </a:p>
-        </p:txBody>
-      </p:sp>
-      <p:sp>
-        <p:nvSpPr>
-          <p:cNvPr id="13" name="Inhaltsplatzhalter 2"/>
-          <p:cNvSpPr txBox="1">
-            <a:spLocks/>
-          </p:cNvSpPr>
-          <p:nvPr/>
-        </p:nvSpPr>
-        <p:spPr>
-          <a:xfrm>
-            <a:off x="5641776" y="3068960"/>
-            <a:ext cx="3034680" cy="1152128"/>
-          </a:xfrm>
-          <a:prstGeom prst="rect">
-            <a:avLst/>
-          </a:prstGeom>
-          <a:solidFill>
-            <a:schemeClr val="bg2"/>
-          </a:solidFill>
-        </p:spPr>
-        <p:txBody>
-          <a:bodyPr vert="horz" lIns="91440" tIns="45720" rIns="91440" bIns="45720" rtlCol="0">
-            <a:normAutofit lnSpcReduction="10000"/>
-          </a:bodyPr>
-          <a:lstStyle>
-            <a:lvl1pPr marL="342900" indent="-342900" algn="l" defTabSz="914400" rtl="0" eaLnBrk="1" latinLnBrk="0" hangingPunct="1">
-              <a:spcBef>
-                <a:spcPct val="20000"/>
-              </a:spcBef>
-              <a:buFont typeface="Arial" pitchFamily="34" charset="0"/>
-              <a:buChar char="•"/>
-              <a:defRPr sz="3200" kern="1200">
-                <a:solidFill>
-                  <a:schemeClr val="tx1"/>
-                </a:solidFill>
-                <a:latin typeface="+mn-lt"/>
-                <a:ea typeface="+mn-ea"/>
-                <a:cs typeface="+mn-cs"/>
-              </a:defRPr>
-            </a:lvl1pPr>
-            <a:lvl2pPr marL="742950" indent="-285750" algn="l" defTabSz="914400" rtl="0" eaLnBrk="1" latinLnBrk="0" hangingPunct="1">
-              <a:spcBef>
-                <a:spcPct val="20000"/>
-              </a:spcBef>
-              <a:buFont typeface="Arial" pitchFamily="34" charset="0"/>
-              <a:buChar char="–"/>
-              <a:defRPr sz="2800" kern="1200">
-                <a:solidFill>
-                  <a:schemeClr val="tx1"/>
-                </a:solidFill>
-                <a:latin typeface="+mn-lt"/>
-                <a:ea typeface="+mn-ea"/>
-                <a:cs typeface="+mn-cs"/>
-              </a:defRPr>
-            </a:lvl2pPr>
-            <a:lvl3pPr marL="1143000" indent="-228600" algn="l" defTabSz="914400" rtl="0" eaLnBrk="1" latinLnBrk="0" hangingPunct="1">
-              <a:spcBef>
-                <a:spcPct val="20000"/>
-              </a:spcBef>
-              <a:buFont typeface="Arial" pitchFamily="34" charset="0"/>
-              <a:buChar char="•"/>
-              <a:defRPr sz="2400" kern="1200">
-                <a:solidFill>
-                  <a:schemeClr val="tx1"/>
-                </a:solidFill>
-                <a:latin typeface="+mn-lt"/>
-                <a:ea typeface="+mn-ea"/>
-                <a:cs typeface="+mn-cs"/>
-              </a:defRPr>
-            </a:lvl3pPr>
-            <a:lvl4pPr marL="1600200" indent="-228600" algn="l" defTabSz="914400" rtl="0" eaLnBrk="1" latinLnBrk="0" hangingPunct="1">
-              <a:spcBef>
-                <a:spcPct val="20000"/>
-              </a:spcBef>
-              <a:buFont typeface="Arial" pitchFamily="34" charset="0"/>
-              <a:buChar char="–"/>
-              <a:defRPr sz="2000" kern="1200">
-                <a:solidFill>
-                  <a:schemeClr val="tx1"/>
-                </a:solidFill>
-                <a:latin typeface="+mn-lt"/>
-                <a:ea typeface="+mn-ea"/>
-                <a:cs typeface="+mn-cs"/>
-              </a:defRPr>
-            </a:lvl4pPr>
-            <a:lvl5pPr marL="2057400" indent="-228600" algn="l" defTabSz="914400" rtl="0" eaLnBrk="1" latinLnBrk="0" hangingPunct="1">
-              <a:spcBef>
-                <a:spcPct val="20000"/>
-              </a:spcBef>
-              <a:buFont typeface="Arial" pitchFamily="34" charset="0"/>
-              <a:buChar char="»"/>
-              <a:defRPr sz="2000" kern="1200">
-                <a:solidFill>
-                  <a:schemeClr val="tx1"/>
-                </a:solidFill>
-                <a:latin typeface="+mn-lt"/>
-                <a:ea typeface="+mn-ea"/>
-                <a:cs typeface="+mn-cs"/>
-              </a:defRPr>
-            </a:lvl5pPr>
-            <a:lvl6pPr marL="2514600" indent="-228600" algn="l" defTabSz="914400" rtl="0" eaLnBrk="1" latinLnBrk="0" hangingPunct="1">
-              <a:spcBef>
-                <a:spcPct val="20000"/>
-              </a:spcBef>
-              <a:buFont typeface="Arial" pitchFamily="34" charset="0"/>
-              <a:buChar char="•"/>
-              <a:defRPr sz="2000" kern="1200">
-                <a:solidFill>
-                  <a:schemeClr val="tx1"/>
-                </a:solidFill>
-                <a:latin typeface="+mn-lt"/>
-                <a:ea typeface="+mn-ea"/>
-                <a:cs typeface="+mn-cs"/>
-              </a:defRPr>
-            </a:lvl6pPr>
-            <a:lvl7pPr marL="2971800" indent="-228600" algn="l" defTabSz="914400" rtl="0" eaLnBrk="1" latinLnBrk="0" hangingPunct="1">
-              <a:spcBef>
-                <a:spcPct val="20000"/>
-              </a:spcBef>
-              <a:buFont typeface="Arial" pitchFamily="34" charset="0"/>
-              <a:buChar char="•"/>
-              <a:defRPr sz="2000" kern="1200">
-                <a:solidFill>
-                  <a:schemeClr val="tx1"/>
-                </a:solidFill>
-                <a:latin typeface="+mn-lt"/>
-                <a:ea typeface="+mn-ea"/>
-                <a:cs typeface="+mn-cs"/>
-              </a:defRPr>
-            </a:lvl7pPr>
-            <a:lvl8pPr marL="3429000" indent="-228600" algn="l" defTabSz="914400" rtl="0" eaLnBrk="1" latinLnBrk="0" hangingPunct="1">
-              <a:spcBef>
-                <a:spcPct val="20000"/>
-              </a:spcBef>
-              <a:buFont typeface="Arial" pitchFamily="34" charset="0"/>
-              <a:buChar char="•"/>
-              <a:defRPr sz="2000" kern="1200">
-                <a:solidFill>
-                  <a:schemeClr val="tx1"/>
-                </a:solidFill>
-                <a:latin typeface="+mn-lt"/>
-                <a:ea typeface="+mn-ea"/>
-                <a:cs typeface="+mn-cs"/>
-              </a:defRPr>
-            </a:lvl8pPr>
-            <a:lvl9pPr marL="3886200" indent="-228600" algn="l" defTabSz="914400" rtl="0" eaLnBrk="1" latinLnBrk="0" hangingPunct="1">
-              <a:spcBef>
-                <a:spcPct val="20000"/>
-              </a:spcBef>
-              <a:buFont typeface="Arial" pitchFamily="34" charset="0"/>
-              <a:buChar char="•"/>
-              <a:defRPr sz="2000" kern="1200">
-                <a:solidFill>
-                  <a:schemeClr val="tx1"/>
-                </a:solidFill>
-                <a:latin typeface="+mn-lt"/>
-                <a:ea typeface="+mn-ea"/>
-                <a:cs typeface="+mn-cs"/>
-              </a:defRPr>
-            </a:lvl9pPr>
-          </a:lstStyle>
-          <a:p>
-            <a:pPr marL="0" indent="0" algn="ctr">
-              <a:buFont typeface="Arial" pitchFamily="34" charset="0"/>
-              <a:buNone/>
-            </a:pPr>
-            <a:r>
-              <a:rPr lang="de-DE" dirty="0" smtClean="0"/>
-              <a:t>Sinnvoll</a:t>
-            </a:r>
-          </a:p>
-          <a:p>
-            <a:pPr marL="0" indent="0" algn="ctr">
-              <a:buNone/>
-            </a:pPr>
-            <a:r>
-              <a:rPr lang="de-DE" dirty="0"/>
-              <a:t>einsetzbar</a:t>
-            </a:r>
-            <a:endParaRPr lang="de-DE" dirty="0" smtClean="0"/>
-          </a:p>
-        </p:txBody>
-      </p:sp>
-      <p:sp>
-        <p:nvSpPr>
           <p:cNvPr id="15" name="Pfeil nach links und oben 14"/>
           <p:cNvSpPr/>
           <p:nvPr/>
         </p:nvSpPr>
         <p:spPr>
           <a:xfrm flipH="1">
-            <a:off x="1691680" y="4221088"/>
+            <a:off x="3203848" y="4210489"/>
             <a:ext cx="1152128" cy="1152128"/>
           </a:xfrm>
           <a:prstGeom prst="leftUpArrow">
@@ -5611,13 +7366,17 @@
         </p:nvSpPr>
         <p:spPr>
           <a:xfrm>
-            <a:off x="3275856" y="4581128"/>
+            <a:off x="4788024" y="4563623"/>
             <a:ext cx="3960440" cy="923330"/>
           </a:xfrm>
           <a:prstGeom prst="rect">
             <a:avLst/>
           </a:prstGeom>
-          <a:noFill/>
+          <a:solidFill>
+            <a:schemeClr val="bg1">
+              <a:lumMod val="65000"/>
+            </a:schemeClr>
+          </a:solidFill>
         </p:spPr>
         <p:txBody>
           <a:bodyPr wrap="square" rtlCol="0">
@@ -5635,39 +7394,132 @@
       </p:sp>
       <p:sp>
         <p:nvSpPr>
-          <p:cNvPr id="3" name="Textfeld 2"/>
-          <p:cNvSpPr txBox="1"/>
+          <p:cNvPr id="6" name="Flussdiagramm: Alternativer Prozess 5"/>
+          <p:cNvSpPr/>
           <p:nvPr/>
         </p:nvSpPr>
         <p:spPr>
           <a:xfrm>
-            <a:off x="4716016" y="5877272"/>
-            <a:ext cx="2880320" cy="369332"/>
+            <a:off x="683568" y="1484784"/>
+            <a:ext cx="1440160" cy="2592288"/>
           </a:xfrm>
-          <a:prstGeom prst="rect">
+          <a:prstGeom prst="flowChartAlternateProcess">
             <a:avLst/>
           </a:prstGeom>
-          <a:noFill/>
+          <a:solidFill>
+            <a:schemeClr val="bg1">
+              <a:lumMod val="65000"/>
+            </a:schemeClr>
+          </a:solidFill>
         </p:spPr>
-        <p:txBody>
-          <a:bodyPr wrap="square" rtlCol="0">
-            <a:spAutoFit/>
-          </a:bodyPr>
-          <a:lstStyle/>
-          <a:p>
-            <a:r>
-              <a:rPr lang="de-DE" dirty="0" smtClean="0">
-                <a:solidFill>
-                  <a:srgbClr val="FF0000"/>
-                </a:solidFill>
-              </a:rPr>
-              <a:t>Ampeln nutzen</a:t>
-            </a:r>
-            <a:endParaRPr lang="de-DE" dirty="0">
-              <a:solidFill>
-                <a:srgbClr val="FF0000"/>
-              </a:solidFill>
-            </a:endParaRPr>
+        <p:style>
+          <a:lnRef idx="2">
+            <a:schemeClr val="accent1">
+              <a:shade val="50000"/>
+            </a:schemeClr>
+          </a:lnRef>
+          <a:fillRef idx="1">
+            <a:schemeClr val="accent1"/>
+          </a:fillRef>
+          <a:effectRef idx="0">
+            <a:schemeClr val="accent1"/>
+          </a:effectRef>
+          <a:fontRef idx="minor">
+            <a:schemeClr val="lt1"/>
+          </a:fontRef>
+        </p:style>
+        <p:txBody>
+          <a:bodyPr rtlCol="0" anchor="ctr"/>
+          <a:lstStyle/>
+          <a:p>
+            <a:pPr algn="ctr"/>
+            <a:endParaRPr lang="de-DE"/>
+          </a:p>
+        </p:txBody>
+      </p:sp>
+      <p:sp>
+        <p:nvSpPr>
+          <p:cNvPr id="10" name="Ellipse 9"/>
+          <p:cNvSpPr/>
+          <p:nvPr/>
+        </p:nvSpPr>
+        <p:spPr>
+          <a:xfrm>
+            <a:off x="899592" y="1700808"/>
+            <a:ext cx="936104" cy="792088"/>
+          </a:xfrm>
+          <a:prstGeom prst="ellipse">
+            <a:avLst/>
+          </a:prstGeom>
+          <a:solidFill>
+            <a:srgbClr val="FF0000"/>
+          </a:solidFill>
+        </p:spPr>
+        <p:style>
+          <a:lnRef idx="2">
+            <a:schemeClr val="accent1">
+              <a:shade val="50000"/>
+            </a:schemeClr>
+          </a:lnRef>
+          <a:fillRef idx="1">
+            <a:schemeClr val="accent1"/>
+          </a:fillRef>
+          <a:effectRef idx="0">
+            <a:schemeClr val="accent1"/>
+          </a:effectRef>
+          <a:fontRef idx="minor">
+            <a:schemeClr val="lt1"/>
+          </a:fontRef>
+        </p:style>
+        <p:txBody>
+          <a:bodyPr rtlCol="0" anchor="ctr"/>
+          <a:lstStyle/>
+          <a:p>
+            <a:pPr algn="ctr"/>
+            <a:endParaRPr lang="de-DE"/>
+          </a:p>
+        </p:txBody>
+      </p:sp>
+      <p:sp>
+        <p:nvSpPr>
+          <p:cNvPr id="17" name="Ellipse 16"/>
+          <p:cNvSpPr/>
+          <p:nvPr/>
+        </p:nvSpPr>
+        <p:spPr>
+          <a:xfrm>
+            <a:off x="935596" y="2996952"/>
+            <a:ext cx="936104" cy="792088"/>
+          </a:xfrm>
+          <a:prstGeom prst="ellipse">
+            <a:avLst/>
+          </a:prstGeom>
+          <a:solidFill>
+            <a:srgbClr val="00B050"/>
+          </a:solidFill>
+        </p:spPr>
+        <p:style>
+          <a:lnRef idx="2">
+            <a:schemeClr val="accent1">
+              <a:shade val="50000"/>
+            </a:schemeClr>
+          </a:lnRef>
+          <a:fillRef idx="1">
+            <a:schemeClr val="accent1"/>
+          </a:fillRef>
+          <a:effectRef idx="0">
+            <a:schemeClr val="accent1"/>
+          </a:effectRef>
+          <a:fontRef idx="minor">
+            <a:schemeClr val="lt1"/>
+          </a:fontRef>
+        </p:style>
+        <p:txBody>
+          <a:bodyPr rtlCol="0" anchor="ctr"/>
+          <a:lstStyle/>
+          <a:p>
+            <a:pPr algn="ctr"/>
+            <a:endParaRPr lang="de-DE"/>
           </a:p>
         </p:txBody>
       </p:sp>
@@ -5691,7 +7543,7 @@
 </p:sld>
 </file>
 
-<file path=ppt/slides/slide16.xml><?xml version="1.0" encoding="utf-8"?>
+<file path=ppt/slides/slide25.xml><?xml version="1.0" encoding="utf-8"?>
 <p:sld xmlns:a="http://schemas.openxmlformats.org/drawingml/2006/main" xmlns:r="http://schemas.openxmlformats.org/officeDocument/2006/relationships" xmlns:p="http://schemas.openxmlformats.org/presentationml/2006/main">
   <p:cSld>
     <p:spTree>
@@ -5755,7 +7607,7 @@
           <a:p>
             <a:fld id="{93F45587-BEEE-4D54-90A9-A458946DA07D}" type="datetime1">
               <a:rPr lang="de-DE" smtClean="0"/>
-              <a:t>17.05.2013</a:t>
+              <a:t>18.05.2013</a:t>
             </a:fld>
             <a:endParaRPr lang="de-DE" dirty="0"/>
           </a:p>
@@ -5779,7 +7631,7 @@
             <a:fld id="{6C6AE60A-B69C-4790-82F7-3882EDF23186}" type="slidenum">
               <a:rPr lang="de-DE" smtClean="0"/>
               <a:pPr/>
-              <a:t>16</a:t>
+              <a:t>25</a:t>
             </a:fld>
             <a:endParaRPr lang="de-DE" dirty="0"/>
           </a:p>
@@ -5916,128 +7768,6 @@
     <p:extLst>
       <p:ext uri="{BB962C8B-B14F-4D97-AF65-F5344CB8AC3E}">
         <p14:creationId xmlns:p14="http://schemas.microsoft.com/office/powerpoint/2010/main" val="3431068376"/>
-      </p:ext>
-    </p:extLst>
-  </p:cSld>
-  <p:clrMapOvr>
-    <a:masterClrMapping/>
-  </p:clrMapOvr>
-  <p:timing>
-    <p:tnLst>
-      <p:par>
-        <p:cTn id="1" dur="indefinite" restart="never" nodeType="tmRoot"/>
-      </p:par>
-    </p:tnLst>
-  </p:timing>
-</p:sld>
-</file>
-
-<file path=ppt/slides/slide2.xml><?xml version="1.0" encoding="utf-8"?>
-<p:sld xmlns:a="http://schemas.openxmlformats.org/drawingml/2006/main" xmlns:r="http://schemas.openxmlformats.org/officeDocument/2006/relationships" xmlns:p="http://schemas.openxmlformats.org/presentationml/2006/main">
-  <p:cSld>
-    <p:spTree>
-      <p:nvGrpSpPr>
-        <p:cNvPr id="1" name=""/>
-        <p:cNvGrpSpPr/>
-        <p:nvPr/>
-      </p:nvGrpSpPr>
-      <p:grpSpPr>
-        <a:xfrm>
-          <a:off x="0" y="0"/>
-          <a:ext cx="0" cy="0"/>
-          <a:chOff x="0" y="0"/>
-          <a:chExt cx="0" cy="0"/>
-        </a:xfrm>
-      </p:grpSpPr>
-      <p:sp>
-        <p:nvSpPr>
-          <p:cNvPr id="2" name="Titel 1"/>
-          <p:cNvSpPr>
-            <a:spLocks noGrp="1"/>
-          </p:cNvSpPr>
-          <p:nvPr>
-            <p:ph type="title"/>
-          </p:nvPr>
-        </p:nvSpPr>
-        <p:spPr/>
-        <p:txBody>
-          <a:bodyPr/>
-          <a:lstStyle/>
-          <a:p>
-            <a:endParaRPr lang="de-DE"/>
-          </a:p>
-        </p:txBody>
-      </p:sp>
-      <p:sp>
-        <p:nvSpPr>
-          <p:cNvPr id="3" name="Inhaltsplatzhalter 2"/>
-          <p:cNvSpPr>
-            <a:spLocks noGrp="1"/>
-          </p:cNvSpPr>
-          <p:nvPr>
-            <p:ph idx="1"/>
-          </p:nvPr>
-        </p:nvSpPr>
-        <p:spPr/>
-        <p:txBody>
-          <a:bodyPr/>
-          <a:lstStyle/>
-          <a:p>
-            <a:endParaRPr lang="de-DE"/>
-          </a:p>
-        </p:txBody>
-      </p:sp>
-      <p:sp>
-        <p:nvSpPr>
-          <p:cNvPr id="4" name="Datumsplatzhalter 3"/>
-          <p:cNvSpPr>
-            <a:spLocks noGrp="1"/>
-          </p:cNvSpPr>
-          <p:nvPr>
-            <p:ph type="dt" sz="half" idx="10"/>
-          </p:nvPr>
-        </p:nvSpPr>
-        <p:spPr/>
-        <p:txBody>
-          <a:bodyPr/>
-          <a:lstStyle/>
-          <a:p>
-            <a:fld id="{5744CE70-91A6-4E2F-AA21-F9B5F6BBF251}" type="datetime1">
-              <a:rPr lang="de-DE" smtClean="0"/>
-              <a:t>17.05.2013</a:t>
-            </a:fld>
-            <a:endParaRPr lang="de-DE" dirty="0"/>
-          </a:p>
-        </p:txBody>
-      </p:sp>
-      <p:sp>
-        <p:nvSpPr>
-          <p:cNvPr id="5" name="Foliennummernplatzhalter 4"/>
-          <p:cNvSpPr>
-            <a:spLocks noGrp="1"/>
-          </p:cNvSpPr>
-          <p:nvPr>
-            <p:ph type="sldNum" sz="quarter" idx="12"/>
-          </p:nvPr>
-        </p:nvSpPr>
-        <p:spPr/>
-        <p:txBody>
-          <a:bodyPr/>
-          <a:lstStyle/>
-          <a:p>
-            <a:fld id="{6C6AE60A-B69C-4790-82F7-3882EDF23186}" type="slidenum">
-              <a:rPr lang="de-DE" smtClean="0"/>
-              <a:pPr/>
-              <a:t>2</a:t>
-            </a:fld>
-            <a:endParaRPr lang="de-DE" dirty="0"/>
-          </a:p>
-        </p:txBody>
-      </p:sp>
-    </p:spTree>
-    <p:extLst>
-      <p:ext uri="{BB962C8B-B14F-4D97-AF65-F5344CB8AC3E}">
-        <p14:creationId xmlns:p14="http://schemas.microsoft.com/office/powerpoint/2010/main" val="3510972522"/>
       </p:ext>
     </p:extLst>
   </p:cSld>
@@ -6126,7 +7856,7 @@
           <a:p>
             <a:fld id="{93F45587-BEEE-4D54-90A9-A458946DA07D}" type="datetime1">
               <a:rPr lang="de-DE" smtClean="0"/>
-              <a:t>17.05.2013</a:t>
+              <a:t>18.05.2013</a:t>
             </a:fld>
             <a:endParaRPr lang="de-DE" dirty="0"/>
           </a:p>
@@ -6315,16 +8045,25 @@
           <a:p>
             <a:r>
               <a:rPr lang="de-DE" dirty="0" smtClean="0"/>
-              <a:t>Mögliche Lösung</a:t>
-            </a:r>
-          </a:p>
-          <a:p>
+              <a:t>Mögliche </a:t>
+            </a:r>
             <a:r>
               <a:rPr lang="de-DE" dirty="0" smtClean="0"/>
-              <a:t>Fazit (inkl. Vor-/Nachteile)</a:t>
-            </a:r>
-          </a:p>
-          <a:p>
+              <a:t>Lösung</a:t>
+            </a:r>
+          </a:p>
+          <a:p>
+            <a:r>
+              <a:rPr lang="de-DE" dirty="0" smtClean="0"/>
+              <a:t>Vor und Nachteile</a:t>
+            </a:r>
+            <a:endParaRPr lang="de-DE" dirty="0" smtClean="0"/>
+          </a:p>
+          <a:p>
+            <a:r>
+              <a:rPr lang="de-DE" dirty="0" smtClean="0"/>
+              <a:t>Fazit</a:t>
+            </a:r>
             <a:endParaRPr lang="de-DE" dirty="0"/>
           </a:p>
         </p:txBody>
@@ -6346,7 +8085,7 @@
           <a:p>
             <a:fld id="{93F45587-BEEE-4D54-90A9-A458946DA07D}" type="datetime1">
               <a:rPr lang="de-DE" smtClean="0"/>
-              <a:t>17.05.2013</a:t>
+              <a:t>18.05.2013</a:t>
             </a:fld>
             <a:endParaRPr lang="de-DE" dirty="0"/>
           </a:p>
@@ -6454,10 +8193,26 @@
             <p:ph idx="1"/>
           </p:nvPr>
         </p:nvSpPr>
-        <p:spPr/>
-        <p:txBody>
-          <a:bodyPr/>
-          <a:lstStyle/>
+        <p:spPr>
+          <a:xfrm>
+            <a:off x="457200" y="1844825"/>
+            <a:ext cx="8291264" cy="3024335"/>
+          </a:xfrm>
+        </p:spPr>
+        <p:txBody>
+          <a:bodyPr/>
+          <a:lstStyle/>
+          <a:p>
+            <a:r>
+              <a:rPr lang="de-DE" dirty="0"/>
+              <a:t>Weiterentwicklung von </a:t>
+            </a:r>
+            <a:r>
+              <a:rPr lang="de-DE" dirty="0" smtClean="0"/>
+              <a:t>MVC</a:t>
+            </a:r>
+            <a:endParaRPr lang="de-DE" dirty="0" smtClean="0"/>
+          </a:p>
           <a:p>
             <a:r>
               <a:rPr lang="de-DE" dirty="0" smtClean="0"/>
@@ -6469,25 +8224,43 @@
             </a:r>
             <a:r>
               <a:rPr lang="de-DE" dirty="0" smtClean="0"/>
-              <a:t> und IBM entwickelt</a:t>
-            </a:r>
-          </a:p>
-          <a:p>
+              <a:t> und IBM </a:t>
+            </a:r>
             <a:r>
               <a:rPr lang="de-DE" dirty="0" smtClean="0"/>
-              <a:t>Weiterentwicklung von MVC</a:t>
+              <a:t>entwickelt</a:t>
             </a:r>
           </a:p>
           <a:p>
             <a:r>
               <a:rPr lang="de-DE" dirty="0" smtClean="0"/>
-              <a:t>Keine genaue Definition</a:t>
-            </a:r>
-          </a:p>
-          <a:p>
+              <a:t>Weiterentwickelt durch Martin Fowler</a:t>
+            </a:r>
             <a:endParaRPr lang="de-DE" dirty="0" smtClean="0"/>
           </a:p>
           <a:p>
+            <a:r>
+              <a:rPr lang="de-DE" dirty="0" smtClean="0"/>
+              <a:t>Keine </a:t>
+            </a:r>
+            <a:r>
+              <a:rPr lang="de-DE" dirty="0" smtClean="0"/>
+              <a:t>genaue </a:t>
+            </a:r>
+            <a:r>
+              <a:rPr lang="de-DE" dirty="0" smtClean="0"/>
+              <a:t>Definitio</a:t>
+            </a:r>
+            <a:r>
+              <a:rPr lang="de-DE" dirty="0" smtClean="0"/>
+              <a:t>n</a:t>
+            </a:r>
+            <a:endParaRPr lang="de-DE" dirty="0" smtClean="0"/>
+          </a:p>
+          <a:p>
+            <a:endParaRPr lang="de-DE" dirty="0" smtClean="0"/>
+          </a:p>
+          <a:p>
             <a:endParaRPr lang="de-DE" dirty="0"/>
           </a:p>
         </p:txBody>
@@ -6509,7 +8282,7 @@
           <a:p>
             <a:fld id="{93F45587-BEEE-4D54-90A9-A458946DA07D}" type="datetime1">
               <a:rPr lang="de-DE" smtClean="0"/>
-              <a:t>17.05.2013</a:t>
+              <a:t>18.05.2013</a:t>
             </a:fld>
             <a:endParaRPr lang="de-DE" dirty="0"/>
           </a:p>
@@ -6598,7 +8371,11 @@
           <a:p>
             <a:r>
               <a:rPr lang="de-DE" dirty="0" smtClean="0"/>
-              <a:t>Unterschiede zu MVC</a:t>
+              <a:t>Unterschied </a:t>
+            </a:r>
+            <a:r>
+              <a:rPr lang="de-DE" dirty="0" smtClean="0"/>
+              <a:t>zu MVC</a:t>
             </a:r>
             <a:endParaRPr lang="de-DE" dirty="0"/>
           </a:p>
@@ -6657,7 +8434,7 @@
           <a:p>
             <a:fld id="{93F45587-BEEE-4D54-90A9-A458946DA07D}" type="datetime1">
               <a:rPr lang="de-DE" smtClean="0"/>
-              <a:t>17.05.2013</a:t>
+              <a:t>18.05.2013</a:t>
             </a:fld>
             <a:endParaRPr lang="de-DE" dirty="0"/>
           </a:p>
@@ -6775,78 +8552,19 @@
             <p:ph type="title"/>
           </p:nvPr>
         </p:nvSpPr>
-        <p:spPr>
-          <a:xfrm>
-            <a:off x="457200" y="764704"/>
-            <a:ext cx="8229600" cy="936104"/>
-          </a:xfrm>
-        </p:spPr>
+        <p:spPr/>
         <p:txBody>
           <a:bodyPr/>
           <a:lstStyle/>
           <a:p>
             <a:r>
               <a:rPr lang="de-DE" dirty="0" smtClean="0"/>
-              <a:t>Aufgabe: Model</a:t>
-            </a:r>
-            <a:endParaRPr lang="de-DE" dirty="0"/>
-          </a:p>
-        </p:txBody>
-      </p:sp>
-      <p:sp>
-        <p:nvSpPr>
-          <p:cNvPr id="3" name="Inhaltsplatzhalter 2"/>
-          <p:cNvSpPr>
-            <a:spLocks noGrp="1"/>
-          </p:cNvSpPr>
-          <p:nvPr>
-            <p:ph idx="1"/>
-          </p:nvPr>
-        </p:nvSpPr>
-        <p:spPr/>
-        <p:txBody>
-          <a:bodyPr/>
-          <a:lstStyle/>
-          <a:p>
-            <a:r>
-              <a:rPr lang="de-DE" dirty="0" smtClean="0"/>
-              <a:t>Bereitstellung von Daten</a:t>
-            </a:r>
-          </a:p>
-          <a:p>
-            <a:r>
-              <a:rPr lang="de-DE" dirty="0" smtClean="0"/>
-              <a:t>Schnittstelle(n) für Datenzugriff</a:t>
-            </a:r>
-          </a:p>
-          <a:p>
-            <a:r>
-              <a:rPr lang="de-DE" dirty="0" smtClean="0"/>
-              <a:t>Das Model kann auch nur Proxy auf die Daten sein</a:t>
-            </a:r>
-          </a:p>
-          <a:p>
-            <a:r>
-              <a:rPr lang="de-DE" dirty="0" smtClean="0"/>
-              <a:t>Kapselung der </a:t>
-            </a:r>
-            <a:r>
-              <a:rPr lang="de-DE" dirty="0" smtClean="0"/>
-              <a:t>Daten</a:t>
-            </a:r>
-          </a:p>
-          <a:p>
-            <a:r>
-              <a:rPr lang="de-DE" dirty="0" smtClean="0"/>
-              <a:t>Enthält die Geschäftslogik</a:t>
-            </a:r>
-            <a:endParaRPr lang="de-DE" dirty="0" smtClean="0"/>
-          </a:p>
-          <a:p>
-            <a:pPr marL="0" indent="0">
-              <a:buNone/>
-            </a:pPr>
-            <a:endParaRPr lang="de-DE" dirty="0"/>
+              <a:t>Die zwei </a:t>
+            </a:r>
+            <a:r>
+              <a:rPr lang="de-DE" dirty="0"/>
+              <a:t>MVP-Arten</a:t>
+            </a:r>
           </a:p>
         </p:txBody>
       </p:sp>
@@ -6867,7 +8585,7 @@
           <a:p>
             <a:fld id="{93F45587-BEEE-4D54-90A9-A458946DA07D}" type="datetime1">
               <a:rPr lang="de-DE" smtClean="0"/>
-              <a:t>17.05.2013</a:t>
+              <a:t>18.05.2013</a:t>
             </a:fld>
             <a:endParaRPr lang="de-DE" dirty="0"/>
           </a:p>
@@ -6897,23 +8615,150 @@
           </a:p>
         </p:txBody>
       </p:sp>
+      <p:sp>
+        <p:nvSpPr>
+          <p:cNvPr id="7" name="Inhaltsplatzhalter 2"/>
+          <p:cNvSpPr>
+            <a:spLocks noGrp="1"/>
+          </p:cNvSpPr>
+          <p:nvPr>
+            <p:ph idx="1"/>
+          </p:nvPr>
+        </p:nvSpPr>
+        <p:spPr>
+          <a:xfrm>
+            <a:off x="971600" y="2564904"/>
+            <a:ext cx="7200800" cy="648072"/>
+          </a:xfrm>
+          <a:solidFill>
+            <a:schemeClr val="bg1">
+              <a:lumMod val="85000"/>
+            </a:schemeClr>
+          </a:solidFill>
+          <a:ln w="15875">
+            <a:solidFill>
+              <a:schemeClr val="tx1"/>
+            </a:solidFill>
+          </a:ln>
+        </p:spPr>
+        <p:txBody>
+          <a:bodyPr/>
+          <a:lstStyle/>
+          <a:p>
+            <a:pPr marL="0" indent="0" algn="ctr">
+              <a:buNone/>
+            </a:pPr>
+            <a:r>
+              <a:rPr lang="de-DE" dirty="0" err="1"/>
+              <a:t>Supervising</a:t>
+            </a:r>
+            <a:r>
+              <a:rPr lang="de-DE" dirty="0"/>
+              <a:t> Controller</a:t>
+            </a:r>
+          </a:p>
+        </p:txBody>
+      </p:sp>
+      <p:sp>
+        <p:nvSpPr>
+          <p:cNvPr id="8" name="Textfeld 7"/>
+          <p:cNvSpPr txBox="1"/>
+          <p:nvPr/>
+        </p:nvSpPr>
+        <p:spPr>
+          <a:xfrm>
+            <a:off x="971600" y="3212976"/>
+            <a:ext cx="3528392" cy="1569660"/>
+          </a:xfrm>
+          <a:prstGeom prst="rect">
+            <a:avLst/>
+          </a:prstGeom>
+          <a:solidFill>
+            <a:schemeClr val="accent3">
+              <a:lumMod val="40000"/>
+              <a:lumOff val="60000"/>
+            </a:schemeClr>
+          </a:solidFill>
+          <a:ln w="12700">
+            <a:solidFill>
+              <a:schemeClr val="tx1"/>
+            </a:solidFill>
+          </a:ln>
+        </p:spPr>
+        <p:txBody>
+          <a:bodyPr wrap="square" rtlCol="0">
+            <a:spAutoFit/>
+          </a:bodyPr>
+          <a:lstStyle/>
+          <a:p>
+            <a:pPr algn="ctr"/>
+            <a:r>
+              <a:rPr lang="de-DE" sz="3200" dirty="0" smtClean="0"/>
+              <a:t>Aktive Datensynchronisation der View</a:t>
+            </a:r>
+            <a:endParaRPr lang="de-DE" sz="3200" dirty="0" smtClean="0"/>
+          </a:p>
+        </p:txBody>
+      </p:sp>
+      <p:sp>
+        <p:nvSpPr>
+          <p:cNvPr id="9" name="Rechteck 8"/>
+          <p:cNvSpPr/>
+          <p:nvPr/>
+        </p:nvSpPr>
+        <p:spPr>
+          <a:xfrm>
+            <a:off x="4499992" y="3212976"/>
+            <a:ext cx="3672408" cy="2062103"/>
+          </a:xfrm>
+          <a:prstGeom prst="rect">
+            <a:avLst/>
+          </a:prstGeom>
+          <a:solidFill>
+            <a:schemeClr val="accent6">
+              <a:lumMod val="60000"/>
+              <a:lumOff val="40000"/>
+            </a:schemeClr>
+          </a:solidFill>
+          <a:ln w="12700">
+            <a:solidFill>
+              <a:schemeClr val="tx1"/>
+            </a:solidFill>
+          </a:ln>
+        </p:spPr>
+        <p:txBody>
+          <a:bodyPr wrap="square">
+            <a:spAutoFit/>
+          </a:bodyPr>
+          <a:lstStyle/>
+          <a:p>
+            <a:pPr algn="ctr"/>
+            <a:r>
+              <a:rPr lang="de-DE" sz="3200" dirty="0" smtClean="0"/>
+              <a:t>Synchronisationsaufwand des </a:t>
+            </a:r>
+            <a:r>
+              <a:rPr lang="de-DE" sz="3200" dirty="0" err="1" smtClean="0"/>
+              <a:t>Presenters</a:t>
+            </a:r>
+            <a:r>
+              <a:rPr lang="de-DE" sz="3200" dirty="0" smtClean="0"/>
+              <a:t> (bzw. Controller) wird minimiert</a:t>
+            </a:r>
+            <a:endParaRPr lang="de-DE" sz="3200" dirty="0"/>
+          </a:p>
+        </p:txBody>
+      </p:sp>
     </p:spTree>
     <p:extLst>
       <p:ext uri="{BB962C8B-B14F-4D97-AF65-F5344CB8AC3E}">
-        <p14:creationId xmlns:p14="http://schemas.microsoft.com/office/powerpoint/2010/main" val="2684987595"/>
+        <p14:creationId xmlns:p14="http://schemas.microsoft.com/office/powerpoint/2010/main" val="3860688901"/>
       </p:ext>
     </p:extLst>
   </p:cSld>
   <p:clrMapOvr>
     <a:masterClrMapping/>
   </p:clrMapOvr>
-  <p:timing>
-    <p:tnLst>
-      <p:par>
-        <p:cTn id="1" dur="indefinite" restart="never" nodeType="tmRoot"/>
-      </p:par>
-    </p:tnLst>
-  </p:timing>
 </p:sld>
 </file>
 
@@ -6946,7 +8791,7 @@
         </p:nvSpPr>
         <p:spPr>
           <a:xfrm>
-            <a:off x="457200" y="764704"/>
+            <a:off x="323528" y="908720"/>
             <a:ext cx="8229600" cy="936104"/>
           </a:xfrm>
         </p:spPr>
@@ -6956,11 +8801,7 @@
           <a:p>
             <a:r>
               <a:rPr lang="de-DE" dirty="0" smtClean="0"/>
-              <a:t>Aufgabe: Der </a:t>
-            </a:r>
-            <a:r>
-              <a:rPr lang="de-DE" dirty="0" err="1" smtClean="0"/>
-              <a:t>Presenter</a:t>
+              <a:t>Die zwei MVP-Arten</a:t>
             </a:r>
             <a:endParaRPr lang="de-DE" dirty="0"/>
           </a:p>
@@ -6968,51 +8809,6 @@
       </p:sp>
       <p:sp>
         <p:nvSpPr>
-          <p:cNvPr id="3" name="Inhaltsplatzhalter 2"/>
-          <p:cNvSpPr>
-            <a:spLocks noGrp="1"/>
-          </p:cNvSpPr>
-          <p:nvPr>
-            <p:ph idx="1"/>
-          </p:nvPr>
-        </p:nvSpPr>
-        <p:spPr>
-          <a:xfrm>
-            <a:off x="457200" y="1988841"/>
-            <a:ext cx="8229600" cy="2088232"/>
-          </a:xfrm>
-        </p:spPr>
-        <p:txBody>
-          <a:bodyPr>
-            <a:normAutofit fontScale="92500" lnSpcReduction="10000"/>
-          </a:bodyPr>
-          <a:lstStyle/>
-          <a:p>
-            <a:r>
-              <a:rPr lang="de-DE" dirty="0" smtClean="0"/>
-              <a:t>Bindeglied zwischen Model und View</a:t>
-            </a:r>
-          </a:p>
-          <a:p>
-            <a:r>
-              <a:rPr lang="de-DE" dirty="0" smtClean="0"/>
-              <a:t>Interpretation von Benutzereingaben (Verwendung: passive View)</a:t>
-            </a:r>
-          </a:p>
-          <a:p>
-            <a:pPr marL="0" indent="0">
-              <a:buNone/>
-            </a:pPr>
-            <a:r>
-              <a:rPr lang="de-DE" dirty="0" smtClean="0"/>
-              <a:t>…	</a:t>
-            </a:r>
-            <a:endParaRPr lang="de-DE" dirty="0"/>
-          </a:p>
-        </p:txBody>
-      </p:sp>
-      <p:sp>
-        <p:nvSpPr>
           <p:cNvPr id="4" name="Datumsplatzhalter 3"/>
           <p:cNvSpPr>
             <a:spLocks noGrp="1"/>
@@ -7028,7 +8824,7 @@
           <a:p>
             <a:fld id="{93F45587-BEEE-4D54-90A9-A458946DA07D}" type="datetime1">
               <a:rPr lang="de-DE" smtClean="0"/>
-              <a:t>17.05.2013</a:t>
+              <a:t>18.05.2013</a:t>
             </a:fld>
             <a:endParaRPr lang="de-DE" dirty="0"/>
           </a:p>
@@ -7060,14 +8856,95 @@
       </p:sp>
       <p:sp>
         <p:nvSpPr>
-          <p:cNvPr id="6" name="Textfeld 5"/>
+          <p:cNvPr id="9" name="Inhaltsplatzhalter 2"/>
+          <p:cNvSpPr>
+            <a:spLocks noGrp="1"/>
+          </p:cNvSpPr>
+          <p:nvPr>
+            <p:ph idx="1"/>
+          </p:nvPr>
+        </p:nvSpPr>
+        <p:spPr>
+          <a:xfrm>
+            <a:off x="971600" y="2564904"/>
+            <a:ext cx="7200800" cy="648072"/>
+          </a:xfrm>
+          <a:solidFill>
+            <a:schemeClr val="bg1">
+              <a:lumMod val="85000"/>
+            </a:schemeClr>
+          </a:solidFill>
+          <a:ln w="15875">
+            <a:solidFill>
+              <a:schemeClr val="tx1"/>
+            </a:solidFill>
+          </a:ln>
+        </p:spPr>
+        <p:txBody>
+          <a:bodyPr/>
+          <a:lstStyle/>
+          <a:p>
+            <a:pPr marL="0" indent="0" algn="ctr">
+              <a:buNone/>
+            </a:pPr>
+            <a:r>
+              <a:rPr lang="de-DE" dirty="0" smtClean="0"/>
+              <a:t>Passive View</a:t>
+            </a:r>
+            <a:endParaRPr lang="de-DE" dirty="0"/>
+          </a:p>
+        </p:txBody>
+      </p:sp>
+      <p:sp>
+        <p:nvSpPr>
+          <p:cNvPr id="10" name="Textfeld 9"/>
           <p:cNvSpPr txBox="1"/>
           <p:nvPr/>
         </p:nvSpPr>
         <p:spPr>
           <a:xfrm>
-            <a:off x="1547664" y="4944070"/>
-            <a:ext cx="6048672" cy="1077218"/>
+            <a:off x="971600" y="3212976"/>
+            <a:ext cx="3528392" cy="1569660"/>
+          </a:xfrm>
+          <a:prstGeom prst="rect">
+            <a:avLst/>
+          </a:prstGeom>
+          <a:solidFill>
+            <a:schemeClr val="accent3">
+              <a:lumMod val="40000"/>
+              <a:lumOff val="60000"/>
+            </a:schemeClr>
+          </a:solidFill>
+          <a:ln w="12700">
+            <a:solidFill>
+              <a:schemeClr val="tx1"/>
+            </a:solidFill>
+          </a:ln>
+        </p:spPr>
+        <p:txBody>
+          <a:bodyPr wrap="square" rtlCol="0">
+            <a:spAutoFit/>
+          </a:bodyPr>
+          <a:lstStyle/>
+          <a:p>
+            <a:pPr algn="ctr"/>
+            <a:r>
+              <a:rPr lang="de-DE" sz="3200" dirty="0" smtClean="0"/>
+              <a:t>Reduzierung der Programmlogik auf ein Minimum</a:t>
+            </a:r>
+          </a:p>
+        </p:txBody>
+      </p:sp>
+      <p:sp>
+        <p:nvSpPr>
+          <p:cNvPr id="11" name="Rechteck 10"/>
+          <p:cNvSpPr/>
+          <p:nvPr/>
+        </p:nvSpPr>
+        <p:spPr>
+          <a:xfrm>
+            <a:off x="4499992" y="3212976"/>
+            <a:ext cx="3672408" cy="2062103"/>
           </a:xfrm>
           <a:prstGeom prst="rect">
             <a:avLst/>
@@ -7078,9 +8955,14 @@
               <a:lumOff val="40000"/>
             </a:schemeClr>
           </a:solidFill>
+          <a:ln w="12700">
+            <a:solidFill>
+              <a:schemeClr val="tx1"/>
+            </a:solidFill>
+          </a:ln>
         </p:spPr>
         <p:txBody>
-          <a:bodyPr wrap="square" rtlCol="0">
+          <a:bodyPr wrap="square">
             <a:spAutoFit/>
           </a:bodyPr>
           <a:lstStyle/>
@@ -7088,79 +8970,34 @@
             <a:pPr algn="ctr"/>
             <a:r>
               <a:rPr lang="de-DE" sz="3200" dirty="0"/>
-              <a:t>Modifikation des Models</a:t>
-            </a:r>
-          </a:p>
-          <a:p>
-            <a:pPr algn="ctr"/>
+              <a:t>Handler der GUI-Elemente werden in </a:t>
+            </a:r>
             <a:r>
               <a:rPr lang="de-DE" sz="3200" dirty="0" smtClean="0"/>
-              <a:t>Aktualisierung der View</a:t>
+              <a:t>den </a:t>
+            </a:r>
+            <a:r>
+              <a:rPr lang="de-DE" sz="3200" dirty="0" err="1" smtClean="0"/>
+              <a:t>Presenter</a:t>
+            </a:r>
+            <a:r>
+              <a:rPr lang="de-DE" sz="3200" dirty="0" smtClean="0"/>
+              <a:t> ausgelagert</a:t>
             </a:r>
             <a:endParaRPr lang="de-DE" sz="3200" dirty="0"/>
-          </a:p>
-        </p:txBody>
-      </p:sp>
-      <p:sp>
-        <p:nvSpPr>
-          <p:cNvPr id="7" name="Pfeil nach rechts 6"/>
-          <p:cNvSpPr/>
-          <p:nvPr/>
-        </p:nvSpPr>
-        <p:spPr>
-          <a:xfrm rot="5400000">
-            <a:off x="4139952" y="3933056"/>
-            <a:ext cx="864096" cy="864096"/>
-          </a:xfrm>
-          <a:prstGeom prst="rightArrow">
-            <a:avLst>
-              <a:gd name="adj1" fmla="val 100000"/>
-              <a:gd name="adj2" fmla="val 95205"/>
-            </a:avLst>
-          </a:prstGeom>
-        </p:spPr>
-        <p:style>
-          <a:lnRef idx="2">
-            <a:schemeClr val="accent1">
-              <a:shade val="50000"/>
-            </a:schemeClr>
-          </a:lnRef>
-          <a:fillRef idx="1">
-            <a:schemeClr val="accent1"/>
-          </a:fillRef>
-          <a:effectRef idx="0">
-            <a:schemeClr val="accent1"/>
-          </a:effectRef>
-          <a:fontRef idx="minor">
-            <a:schemeClr val="lt1"/>
-          </a:fontRef>
-        </p:style>
-        <p:txBody>
-          <a:bodyPr rtlCol="0" anchor="ctr"/>
-          <a:lstStyle/>
-          <a:p>
-            <a:pPr algn="ctr"/>
-            <a:endParaRPr lang="de-DE"/>
           </a:p>
         </p:txBody>
       </p:sp>
     </p:spTree>
     <p:extLst>
       <p:ext uri="{BB962C8B-B14F-4D97-AF65-F5344CB8AC3E}">
-        <p14:creationId xmlns:p14="http://schemas.microsoft.com/office/powerpoint/2010/main" val="3519240231"/>
+        <p14:creationId xmlns:p14="http://schemas.microsoft.com/office/powerpoint/2010/main" val="2248841376"/>
       </p:ext>
     </p:extLst>
   </p:cSld>
   <p:clrMapOvr>
     <a:masterClrMapping/>
   </p:clrMapOvr>
-  <p:timing>
-    <p:tnLst>
-      <p:par>
-        <p:cTn id="1" dur="indefinite" restart="never" nodeType="tmRoot"/>
-      </p:par>
-    </p:tnLst>
-  </p:timing>
 </p:sld>
 </file>
 

--- a/Dokumentation/Praesentation/Praesentation.pptx
+++ b/Dokumentation/Praesentation/Praesentation.pptx
@@ -1,59 +1,436 @@
 
 <file path=ppt/presentation.xml><?xml version="1.0" encoding="utf-8"?>
-<p:presentation xmlns:a="http://schemas.openxmlformats.org/drawingml/2006/main" xmlns:p="http://schemas.openxmlformats.org/presentationml/2006/main" xmlns:r="http://schemas.openxmlformats.org/officeDocument/2006/relationships">
+<p:presentation xmlns:a="http://schemas.openxmlformats.org/drawingml/2006/main" xmlns:r="http://schemas.openxmlformats.org/officeDocument/2006/relationships" xmlns:p="http://schemas.openxmlformats.org/presentationml/2006/main">
   <p:sldMasterIdLst>
-    <p:sldMasterId id="2147483648" r:id="rId2"/>
-    <p:sldMasterId id="2147483661" r:id="rId3"/>
+    <p:sldMasterId id="2147483648" r:id="rId1"/>
+    <p:sldMasterId id="2147483661" r:id="rId2"/>
   </p:sldMasterIdLst>
   <p:notesMasterIdLst>
-    <p:notesMasterId r:id="rId4"/>
+    <p:notesMasterId r:id="rId40"/>
   </p:notesMasterIdLst>
   <p:sldIdLst>
-    <p:sldId id="256" r:id="rId5"/>
-    <p:sldId id="257" r:id="rId6"/>
-    <p:sldId id="258" r:id="rId7"/>
-    <p:sldId id="259" r:id="rId8"/>
-    <p:sldId id="260" r:id="rId9"/>
-    <p:sldId id="261" r:id="rId10"/>
-    <p:sldId id="262" r:id="rId11"/>
-    <p:sldId id="263" r:id="rId12"/>
-    <p:sldId id="264" r:id="rId13"/>
-    <p:sldId id="265" r:id="rId14"/>
-    <p:sldId id="266" r:id="rId15"/>
-    <p:sldId id="267" r:id="rId16"/>
-    <p:sldId id="268" r:id="rId17"/>
-    <p:sldId id="269" r:id="rId18"/>
-    <p:sldId id="270" r:id="rId19"/>
-    <p:sldId id="271" r:id="rId20"/>
-    <p:sldId id="272" r:id="rId21"/>
-    <p:sldId id="273" r:id="rId22"/>
-    <p:sldId id="274" r:id="rId23"/>
-    <p:sldId id="275" r:id="rId24"/>
-    <p:sldId id="276" r:id="rId25"/>
-    <p:sldId id="277" r:id="rId26"/>
-    <p:sldId id="278" r:id="rId27"/>
-    <p:sldId id="279" r:id="rId28"/>
-    <p:sldId id="280" r:id="rId29"/>
-    <p:sldId id="281" r:id="rId30"/>
-    <p:sldId id="282" r:id="rId31"/>
-    <p:sldId id="283" r:id="rId32"/>
-    <p:sldId id="284" r:id="rId33"/>
-    <p:sldId id="285" r:id="rId34"/>
-    <p:sldId id="286" r:id="rId35"/>
-    <p:sldId id="287" r:id="rId36"/>
-    <p:sldId id="288" r:id="rId37"/>
-    <p:sldId id="289" r:id="rId38"/>
-    <p:sldId id="290" r:id="rId39"/>
-    <p:sldId id="291" r:id="rId40"/>
-    <p:sldId id="292" r:id="rId41"/>
+    <p:sldId id="256" r:id="rId3"/>
+    <p:sldId id="257" r:id="rId4"/>
+    <p:sldId id="258" r:id="rId5"/>
+    <p:sldId id="259" r:id="rId6"/>
+    <p:sldId id="260" r:id="rId7"/>
+    <p:sldId id="261" r:id="rId8"/>
+    <p:sldId id="262" r:id="rId9"/>
+    <p:sldId id="263" r:id="rId10"/>
+    <p:sldId id="264" r:id="rId11"/>
+    <p:sldId id="265" r:id="rId12"/>
+    <p:sldId id="266" r:id="rId13"/>
+    <p:sldId id="267" r:id="rId14"/>
+    <p:sldId id="268" r:id="rId15"/>
+    <p:sldId id="269" r:id="rId16"/>
+    <p:sldId id="270" r:id="rId17"/>
+    <p:sldId id="271" r:id="rId18"/>
+    <p:sldId id="272" r:id="rId19"/>
+    <p:sldId id="273" r:id="rId20"/>
+    <p:sldId id="274" r:id="rId21"/>
+    <p:sldId id="275" r:id="rId22"/>
+    <p:sldId id="276" r:id="rId23"/>
+    <p:sldId id="277" r:id="rId24"/>
+    <p:sldId id="278" r:id="rId25"/>
+    <p:sldId id="279" r:id="rId26"/>
+    <p:sldId id="280" r:id="rId27"/>
+    <p:sldId id="281" r:id="rId28"/>
+    <p:sldId id="282" r:id="rId29"/>
+    <p:sldId id="283" r:id="rId30"/>
+    <p:sldId id="284" r:id="rId31"/>
+    <p:sldId id="285" r:id="rId32"/>
+    <p:sldId id="286" r:id="rId33"/>
+    <p:sldId id="287" r:id="rId34"/>
+    <p:sldId id="288" r:id="rId35"/>
+    <p:sldId id="289" r:id="rId36"/>
+    <p:sldId id="290" r:id="rId37"/>
+    <p:sldId id="291" r:id="rId38"/>
+    <p:sldId id="292" r:id="rId39"/>
   </p:sldIdLst>
-  <p:sldSz cx="9144000" cy="6858000"/>
-  <p:notesSz cx="7559675" cy="10691812"/>
+  <p:sldSz cx="9144000" cy="6858000" type="screen4x3"/>
+  <p:notesSz cx="7559675" cy="10691813"/>
+  <p:defaultTextStyle>
+    <a:defPPr>
+      <a:defRPr lang="de-DE"/>
+    </a:defPPr>
+    <a:lvl1pPr marL="0" algn="l" defTabSz="914400" rtl="0" eaLnBrk="1" latinLnBrk="0" hangingPunct="1">
+      <a:defRPr sz="1800" kern="1200">
+        <a:solidFill>
+          <a:schemeClr val="tx1"/>
+        </a:solidFill>
+        <a:latin typeface="+mn-lt"/>
+        <a:ea typeface="+mn-ea"/>
+        <a:cs typeface="+mn-cs"/>
+      </a:defRPr>
+    </a:lvl1pPr>
+    <a:lvl2pPr marL="457200" algn="l" defTabSz="914400" rtl="0" eaLnBrk="1" latinLnBrk="0" hangingPunct="1">
+      <a:defRPr sz="1800" kern="1200">
+        <a:solidFill>
+          <a:schemeClr val="tx1"/>
+        </a:solidFill>
+        <a:latin typeface="+mn-lt"/>
+        <a:ea typeface="+mn-ea"/>
+        <a:cs typeface="+mn-cs"/>
+      </a:defRPr>
+    </a:lvl2pPr>
+    <a:lvl3pPr marL="914400" algn="l" defTabSz="914400" rtl="0" eaLnBrk="1" latinLnBrk="0" hangingPunct="1">
+      <a:defRPr sz="1800" kern="1200">
+        <a:solidFill>
+          <a:schemeClr val="tx1"/>
+        </a:solidFill>
+        <a:latin typeface="+mn-lt"/>
+        <a:ea typeface="+mn-ea"/>
+        <a:cs typeface="+mn-cs"/>
+      </a:defRPr>
+    </a:lvl3pPr>
+    <a:lvl4pPr marL="1371600" algn="l" defTabSz="914400" rtl="0" eaLnBrk="1" latinLnBrk="0" hangingPunct="1">
+      <a:defRPr sz="1800" kern="1200">
+        <a:solidFill>
+          <a:schemeClr val="tx1"/>
+        </a:solidFill>
+        <a:latin typeface="+mn-lt"/>
+        <a:ea typeface="+mn-ea"/>
+        <a:cs typeface="+mn-cs"/>
+      </a:defRPr>
+    </a:lvl4pPr>
+    <a:lvl5pPr marL="1828800" algn="l" defTabSz="914400" rtl="0" eaLnBrk="1" latinLnBrk="0" hangingPunct="1">
+      <a:defRPr sz="1800" kern="1200">
+        <a:solidFill>
+          <a:schemeClr val="tx1"/>
+        </a:solidFill>
+        <a:latin typeface="+mn-lt"/>
+        <a:ea typeface="+mn-ea"/>
+        <a:cs typeface="+mn-cs"/>
+      </a:defRPr>
+    </a:lvl5pPr>
+    <a:lvl6pPr marL="2286000" algn="l" defTabSz="914400" rtl="0" eaLnBrk="1" latinLnBrk="0" hangingPunct="1">
+      <a:defRPr sz="1800" kern="1200">
+        <a:solidFill>
+          <a:schemeClr val="tx1"/>
+        </a:solidFill>
+        <a:latin typeface="+mn-lt"/>
+        <a:ea typeface="+mn-ea"/>
+        <a:cs typeface="+mn-cs"/>
+      </a:defRPr>
+    </a:lvl6pPr>
+    <a:lvl7pPr marL="2743200" algn="l" defTabSz="914400" rtl="0" eaLnBrk="1" latinLnBrk="0" hangingPunct="1">
+      <a:defRPr sz="1800" kern="1200">
+        <a:solidFill>
+          <a:schemeClr val="tx1"/>
+        </a:solidFill>
+        <a:latin typeface="+mn-lt"/>
+        <a:ea typeface="+mn-ea"/>
+        <a:cs typeface="+mn-cs"/>
+      </a:defRPr>
+    </a:lvl7pPr>
+    <a:lvl8pPr marL="3200400" algn="l" defTabSz="914400" rtl="0" eaLnBrk="1" latinLnBrk="0" hangingPunct="1">
+      <a:defRPr sz="1800" kern="1200">
+        <a:solidFill>
+          <a:schemeClr val="tx1"/>
+        </a:solidFill>
+        <a:latin typeface="+mn-lt"/>
+        <a:ea typeface="+mn-ea"/>
+        <a:cs typeface="+mn-cs"/>
+      </a:defRPr>
+    </a:lvl8pPr>
+    <a:lvl9pPr marL="3657600" algn="l" defTabSz="914400" rtl="0" eaLnBrk="1" latinLnBrk="0" hangingPunct="1">
+      <a:defRPr sz="1800" kern="1200">
+        <a:solidFill>
+          <a:schemeClr val="tx1"/>
+        </a:solidFill>
+        <a:latin typeface="+mn-lt"/>
+        <a:ea typeface="+mn-ea"/>
+        <a:cs typeface="+mn-cs"/>
+      </a:defRPr>
+    </a:lvl9pPr>
+  </p:defaultTextStyle>
 </p:presentation>
 </file>
 
 <file path=ppt/notesMasters/notesMaster1.xml><?xml version="1.0" encoding="utf-8"?>
-<p:notesMaster xmlns:a="http://schemas.openxmlformats.org/drawingml/2006/main" xmlns:p="http://schemas.openxmlformats.org/presentationml/2006/main" xmlns:r="http://schemas.openxmlformats.org/officeDocument/2006/relationships">
+<p:notesMaster xmlns:a="http://schemas.openxmlformats.org/drawingml/2006/main" xmlns:r="http://schemas.openxmlformats.org/officeDocument/2006/relationships" xmlns:p="http://schemas.openxmlformats.org/presentationml/2006/main">
+  <p:cSld>
+    <p:bg>
+      <p:bgRef idx="1001">
+        <a:schemeClr val="bg1"/>
+      </p:bgRef>
+    </p:bg>
+    <p:spTree>
+      <p:nvGrpSpPr>
+        <p:cNvPr id="1" name=""/>
+        <p:cNvGrpSpPr/>
+        <p:nvPr/>
+      </p:nvGrpSpPr>
+      <p:grpSpPr>
+        <a:xfrm>
+          <a:off x="0" y="0"/>
+          <a:ext cx="0" cy="0"/>
+          <a:chOff x="0" y="0"/>
+          <a:chExt cx="0" cy="0"/>
+        </a:xfrm>
+      </p:grpSpPr>
+      <p:sp>
+        <p:nvSpPr>
+          <p:cNvPr id="76" name="PlaceHolder 1"/>
+          <p:cNvSpPr>
+            <a:spLocks noGrp="1"/>
+          </p:cNvSpPr>
+          <p:nvPr>
+            <p:ph type="body"/>
+          </p:nvPr>
+        </p:nvSpPr>
+        <p:spPr>
+          <a:xfrm>
+            <a:off x="756000" y="5078520"/>
+            <a:ext cx="6047640" cy="4811040"/>
+          </a:xfrm>
+          <a:prstGeom prst="rect">
+            <a:avLst/>
+          </a:prstGeom>
+        </p:spPr>
+        <p:txBody>
+          <a:bodyPr wrap="none" lIns="0" tIns="0" rIns="0" bIns="0"/>
+          <a:lstStyle/>
+          <a:p>
+            <a:r>
+              <a:rPr lang="de-DE"/>
+              <a:t>Klicken Sie, um das Format der Notizen zu bearbeiten</a:t>
+            </a:r>
+            <a:endParaRPr/>
+          </a:p>
+        </p:txBody>
+      </p:sp>
+      <p:sp>
+        <p:nvSpPr>
+          <p:cNvPr id="77" name="PlaceHolder 2"/>
+          <p:cNvSpPr>
+            <a:spLocks noGrp="1"/>
+          </p:cNvSpPr>
+          <p:nvPr>
+            <p:ph type="hdr"/>
+          </p:nvPr>
+        </p:nvSpPr>
+        <p:spPr>
+          <a:xfrm>
+            <a:off x="0" y="0"/>
+            <a:ext cx="3280680" cy="534240"/>
+          </a:xfrm>
+          <a:prstGeom prst="rect">
+            <a:avLst/>
+          </a:prstGeom>
+        </p:spPr>
+        <p:txBody>
+          <a:bodyPr wrap="none" lIns="0" tIns="0" rIns="0" bIns="0"/>
+          <a:lstStyle/>
+          <a:p>
+            <a:r>
+              <a:rPr lang="de-DE"/>
+              <a:t>&lt;Kopfzeile&gt;</a:t>
+            </a:r>
+            <a:endParaRPr/>
+          </a:p>
+        </p:txBody>
+      </p:sp>
+      <p:sp>
+        <p:nvSpPr>
+          <p:cNvPr id="78" name="PlaceHolder 3"/>
+          <p:cNvSpPr>
+            <a:spLocks noGrp="1"/>
+          </p:cNvSpPr>
+          <p:nvPr>
+            <p:ph type="dt"/>
+          </p:nvPr>
+        </p:nvSpPr>
+        <p:spPr>
+          <a:xfrm>
+            <a:off x="4278960" y="0"/>
+            <a:ext cx="3280680" cy="534240"/>
+          </a:xfrm>
+          <a:prstGeom prst="rect">
+            <a:avLst/>
+          </a:prstGeom>
+        </p:spPr>
+        <p:txBody>
+          <a:bodyPr wrap="none" lIns="0" tIns="0" rIns="0" bIns="0"/>
+          <a:lstStyle/>
+          <a:p>
+            <a:pPr algn="r"/>
+            <a:r>
+              <a:rPr lang="de-DE"/>
+              <a:t>&lt;Datum/Uhrzeit&gt;</a:t>
+            </a:r>
+            <a:endParaRPr/>
+          </a:p>
+        </p:txBody>
+      </p:sp>
+      <p:sp>
+        <p:nvSpPr>
+          <p:cNvPr id="79" name="PlaceHolder 4"/>
+          <p:cNvSpPr>
+            <a:spLocks noGrp="1"/>
+          </p:cNvSpPr>
+          <p:nvPr>
+            <p:ph type="ftr"/>
+          </p:nvPr>
+        </p:nvSpPr>
+        <p:spPr>
+          <a:xfrm>
+            <a:off x="0" y="10157400"/>
+            <a:ext cx="3280680" cy="534240"/>
+          </a:xfrm>
+          <a:prstGeom prst="rect">
+            <a:avLst/>
+          </a:prstGeom>
+        </p:spPr>
+        <p:txBody>
+          <a:bodyPr wrap="none" lIns="0" tIns="0" rIns="0" bIns="0" anchor="b"/>
+          <a:lstStyle/>
+          <a:p>
+            <a:r>
+              <a:rPr lang="de-DE"/>
+              <a:t>&lt;Fußzeile&gt;</a:t>
+            </a:r>
+            <a:endParaRPr/>
+          </a:p>
+        </p:txBody>
+      </p:sp>
+      <p:sp>
+        <p:nvSpPr>
+          <p:cNvPr id="80" name="PlaceHolder 5"/>
+          <p:cNvSpPr>
+            <a:spLocks noGrp="1"/>
+          </p:cNvSpPr>
+          <p:nvPr>
+            <p:ph type="sldNum"/>
+          </p:nvPr>
+        </p:nvSpPr>
+        <p:spPr>
+          <a:xfrm>
+            <a:off x="4278960" y="10157400"/>
+            <a:ext cx="3280680" cy="534240"/>
+          </a:xfrm>
+          <a:prstGeom prst="rect">
+            <a:avLst/>
+          </a:prstGeom>
+        </p:spPr>
+        <p:txBody>
+          <a:bodyPr wrap="none" lIns="0" tIns="0" rIns="0" bIns="0" anchor="b"/>
+          <a:lstStyle/>
+          <a:p>
+            <a:pPr algn="r"/>
+            <a:fld id="{5FC6DBA6-441F-43F4-8672-24CCE0860C29}" type="slidenum">
+              <a:rPr lang="de-DE"/>
+              <a:t>‹Nr.›</a:t>
+            </a:fld>
+            <a:endParaRPr/>
+          </a:p>
+        </p:txBody>
+      </p:sp>
+    </p:spTree>
+    <p:extLst>
+      <p:ext uri="{BB962C8B-B14F-4D97-AF65-F5344CB8AC3E}">
+        <p14:creationId xmlns:p14="http://schemas.microsoft.com/office/powerpoint/2010/main" val="1869576249"/>
+      </p:ext>
+    </p:extLst>
+  </p:cSld>
+  <p:clrMap bg1="lt1" tx1="dk1" bg2="lt2" tx2="dk2" accent1="accent1" accent2="accent2" accent3="accent3" accent4="accent4" accent5="accent5" accent6="accent6" hlink="hlink" folHlink="folHlink"/>
+  <p:notesStyle>
+    <a:lvl1pPr marL="0" algn="l" defTabSz="914400" rtl="0" eaLnBrk="1" latinLnBrk="0" hangingPunct="1">
+      <a:defRPr sz="1200" kern="1200">
+        <a:solidFill>
+          <a:schemeClr val="tx1"/>
+        </a:solidFill>
+        <a:latin typeface="+mn-lt"/>
+        <a:ea typeface="+mn-ea"/>
+        <a:cs typeface="+mn-cs"/>
+      </a:defRPr>
+    </a:lvl1pPr>
+    <a:lvl2pPr marL="457200" algn="l" defTabSz="914400" rtl="0" eaLnBrk="1" latinLnBrk="0" hangingPunct="1">
+      <a:defRPr sz="1200" kern="1200">
+        <a:solidFill>
+          <a:schemeClr val="tx1"/>
+        </a:solidFill>
+        <a:latin typeface="+mn-lt"/>
+        <a:ea typeface="+mn-ea"/>
+        <a:cs typeface="+mn-cs"/>
+      </a:defRPr>
+    </a:lvl2pPr>
+    <a:lvl3pPr marL="914400" algn="l" defTabSz="914400" rtl="0" eaLnBrk="1" latinLnBrk="0" hangingPunct="1">
+      <a:defRPr sz="1200" kern="1200">
+        <a:solidFill>
+          <a:schemeClr val="tx1"/>
+        </a:solidFill>
+        <a:latin typeface="+mn-lt"/>
+        <a:ea typeface="+mn-ea"/>
+        <a:cs typeface="+mn-cs"/>
+      </a:defRPr>
+    </a:lvl3pPr>
+    <a:lvl4pPr marL="1371600" algn="l" defTabSz="914400" rtl="0" eaLnBrk="1" latinLnBrk="0" hangingPunct="1">
+      <a:defRPr sz="1200" kern="1200">
+        <a:solidFill>
+          <a:schemeClr val="tx1"/>
+        </a:solidFill>
+        <a:latin typeface="+mn-lt"/>
+        <a:ea typeface="+mn-ea"/>
+        <a:cs typeface="+mn-cs"/>
+      </a:defRPr>
+    </a:lvl4pPr>
+    <a:lvl5pPr marL="1828800" algn="l" defTabSz="914400" rtl="0" eaLnBrk="1" latinLnBrk="0" hangingPunct="1">
+      <a:defRPr sz="1200" kern="1200">
+        <a:solidFill>
+          <a:schemeClr val="tx1"/>
+        </a:solidFill>
+        <a:latin typeface="+mn-lt"/>
+        <a:ea typeface="+mn-ea"/>
+        <a:cs typeface="+mn-cs"/>
+      </a:defRPr>
+    </a:lvl5pPr>
+    <a:lvl6pPr marL="2286000" algn="l" defTabSz="914400" rtl="0" eaLnBrk="1" latinLnBrk="0" hangingPunct="1">
+      <a:defRPr sz="1200" kern="1200">
+        <a:solidFill>
+          <a:schemeClr val="tx1"/>
+        </a:solidFill>
+        <a:latin typeface="+mn-lt"/>
+        <a:ea typeface="+mn-ea"/>
+        <a:cs typeface="+mn-cs"/>
+      </a:defRPr>
+    </a:lvl6pPr>
+    <a:lvl7pPr marL="2743200" algn="l" defTabSz="914400" rtl="0" eaLnBrk="1" latinLnBrk="0" hangingPunct="1">
+      <a:defRPr sz="1200" kern="1200">
+        <a:solidFill>
+          <a:schemeClr val="tx1"/>
+        </a:solidFill>
+        <a:latin typeface="+mn-lt"/>
+        <a:ea typeface="+mn-ea"/>
+        <a:cs typeface="+mn-cs"/>
+      </a:defRPr>
+    </a:lvl7pPr>
+    <a:lvl8pPr marL="3200400" algn="l" defTabSz="914400" rtl="0" eaLnBrk="1" latinLnBrk="0" hangingPunct="1">
+      <a:defRPr sz="1200" kern="1200">
+        <a:solidFill>
+          <a:schemeClr val="tx1"/>
+        </a:solidFill>
+        <a:latin typeface="+mn-lt"/>
+        <a:ea typeface="+mn-ea"/>
+        <a:cs typeface="+mn-cs"/>
+      </a:defRPr>
+    </a:lvl8pPr>
+    <a:lvl9pPr marL="3657600" algn="l" defTabSz="914400" rtl="0" eaLnBrk="1" latinLnBrk="0" hangingPunct="1">
+      <a:defRPr sz="1200" kern="1200">
+        <a:solidFill>
+          <a:schemeClr val="tx1"/>
+        </a:solidFill>
+        <a:latin typeface="+mn-lt"/>
+        <a:ea typeface="+mn-ea"/>
+        <a:cs typeface="+mn-cs"/>
+      </a:defRPr>
+    </a:lvl9pPr>
+  </p:notesStyle>
+</p:notesMaster>
+</file>
+
+<file path=ppt/notesSlides/notesSlide1.xml><?xml version="1.0" encoding="utf-8"?>
+<p:notes xmlns:a="http://schemas.openxmlformats.org/drawingml/2006/main" xmlns:r="http://schemas.openxmlformats.org/officeDocument/2006/relationships" xmlns:p="http://schemas.openxmlformats.org/presentationml/2006/main">
   <p:cSld>
     <p:spTree>
       <p:nvGrpSpPr>
@@ -71,181 +448,6 @@
       </p:grpSpPr>
       <p:sp>
         <p:nvSpPr>
-          <p:cNvPr id="76" name="PlaceHolder 1"/>
-          <p:cNvSpPr>
-            <a:spLocks noGrp="1"/>
-          </p:cNvSpPr>
-          <p:nvPr>
-            <p:ph type="body"/>
-          </p:nvPr>
-        </p:nvSpPr>
-        <p:spPr>
-          <a:xfrm>
-            <a:off x="756000" y="5078520"/>
-            <a:ext cx="6047640" cy="4811040"/>
-          </a:xfrm>
-          <a:prstGeom prst="rect">
-            <a:avLst/>
-          </a:prstGeom>
-        </p:spPr>
-        <p:txBody>
-          <a:bodyPr bIns="0" lIns="0" rIns="0" tIns="0" wrap="none"/>
-          <a:p>
-            <a:r>
-              <a:rPr lang="de-DE"/>
-              <a:t>Klicken Sie, um das Format der Notizen zu bearbeiten</a:t>
-            </a:r>
-            <a:endParaRPr/>
-          </a:p>
-        </p:txBody>
-      </p:sp>
-      <p:sp>
-        <p:nvSpPr>
-          <p:cNvPr id="77" name="PlaceHolder 2"/>
-          <p:cNvSpPr>
-            <a:spLocks noGrp="1"/>
-          </p:cNvSpPr>
-          <p:nvPr>
-            <p:ph type="hdr"/>
-          </p:nvPr>
-        </p:nvSpPr>
-        <p:spPr>
-          <a:xfrm>
-            <a:off x="0" y="0"/>
-            <a:ext cx="3280680" cy="534240"/>
-          </a:xfrm>
-          <a:prstGeom prst="rect">
-            <a:avLst/>
-          </a:prstGeom>
-        </p:spPr>
-        <p:txBody>
-          <a:bodyPr bIns="0" lIns="0" rIns="0" tIns="0" wrap="none"/>
-          <a:p>
-            <a:r>
-              <a:rPr lang="de-DE"/>
-              <a:t>&lt;Kopfzeile&gt;</a:t>
-            </a:r>
-            <a:endParaRPr/>
-          </a:p>
-        </p:txBody>
-      </p:sp>
-      <p:sp>
-        <p:nvSpPr>
-          <p:cNvPr id="78" name="PlaceHolder 3"/>
-          <p:cNvSpPr>
-            <a:spLocks noGrp="1"/>
-          </p:cNvSpPr>
-          <p:nvPr>
-            <p:ph type="dt"/>
-          </p:nvPr>
-        </p:nvSpPr>
-        <p:spPr>
-          <a:xfrm>
-            <a:off x="4278960" y="0"/>
-            <a:ext cx="3280680" cy="534240"/>
-          </a:xfrm>
-          <a:prstGeom prst="rect">
-            <a:avLst/>
-          </a:prstGeom>
-        </p:spPr>
-        <p:txBody>
-          <a:bodyPr bIns="0" lIns="0" rIns="0" tIns="0" wrap="none"/>
-          <a:p>
-            <a:pPr algn="r"/>
-            <a:r>
-              <a:rPr lang="de-DE"/>
-              <a:t>&lt;Datum/Uhrzeit&gt;</a:t>
-            </a:r>
-            <a:endParaRPr/>
-          </a:p>
-        </p:txBody>
-      </p:sp>
-      <p:sp>
-        <p:nvSpPr>
-          <p:cNvPr id="79" name="PlaceHolder 4"/>
-          <p:cNvSpPr>
-            <a:spLocks noGrp="1"/>
-          </p:cNvSpPr>
-          <p:nvPr>
-            <p:ph type="ftr"/>
-          </p:nvPr>
-        </p:nvSpPr>
-        <p:spPr>
-          <a:xfrm>
-            <a:off x="0" y="10157400"/>
-            <a:ext cx="3280680" cy="534240"/>
-          </a:xfrm>
-          <a:prstGeom prst="rect">
-            <a:avLst/>
-          </a:prstGeom>
-        </p:spPr>
-        <p:txBody>
-          <a:bodyPr anchor="b" bIns="0" lIns="0" rIns="0" tIns="0" wrap="none"/>
-          <a:p>
-            <a:r>
-              <a:rPr lang="de-DE"/>
-              <a:t>&lt;Fußzeile&gt;</a:t>
-            </a:r>
-            <a:endParaRPr/>
-          </a:p>
-        </p:txBody>
-      </p:sp>
-      <p:sp>
-        <p:nvSpPr>
-          <p:cNvPr id="80" name="PlaceHolder 5"/>
-          <p:cNvSpPr>
-            <a:spLocks noGrp="1"/>
-          </p:cNvSpPr>
-          <p:nvPr>
-            <p:ph type="sldNum"/>
-          </p:nvPr>
-        </p:nvSpPr>
-        <p:spPr>
-          <a:xfrm>
-            <a:off x="4278960" y="10157400"/>
-            <a:ext cx="3280680" cy="534240"/>
-          </a:xfrm>
-          <a:prstGeom prst="rect">
-            <a:avLst/>
-          </a:prstGeom>
-        </p:spPr>
-        <p:txBody>
-          <a:bodyPr anchor="b" bIns="0" lIns="0" rIns="0" tIns="0" wrap="none"/>
-          <a:p>
-            <a:pPr algn="r"/>
-            <a:fld id="{5FC6DBA6-441F-43F4-8672-24CCE0860C29}" type="slidenum">
-              <a:rPr lang="de-DE"/>
-              <a:t>&lt;Nummer&gt;</a:t>
-            </a:fld>
-            <a:endParaRPr/>
-          </a:p>
-        </p:txBody>
-      </p:sp>
-    </p:spTree>
-  </p:cSld>
-  <p:clrMap accent1="accent1" accent2="accent2" accent3="accent3" accent4="accent4" accent5="accent5" accent6="accent6" bg1="lt1" bg2="lt2" folHlink="folHlink" hlink="hlink" tx1="dk1" tx2="dk2"/>
-</p:notesMaster>
-</file>
-
-<file path=ppt/notesSlides/notesSlide5.xml><?xml version="1.0" encoding="utf-8"?>
-<p:notes xmlns:a="http://schemas.openxmlformats.org/drawingml/2006/main" xmlns:p="http://schemas.openxmlformats.org/presentationml/2006/main" xmlns:r="http://schemas.openxmlformats.org/officeDocument/2006/relationships">
-  <p:cSld>
-    <p:spTree>
-      <p:nvGrpSpPr>
-        <p:cNvPr id="1" name=""/>
-        <p:cNvGrpSpPr/>
-        <p:nvPr/>
-      </p:nvGrpSpPr>
-      <p:grpSpPr>
-        <a:xfrm>
-          <a:off x="0" y="0"/>
-          <a:ext cx="0" cy="0"/>
-          <a:chOff x="0" y="0"/>
-          <a:chExt cx="0" cy="0"/>
-        </a:xfrm>
-      </p:grpSpPr>
-      <p:sp>
-        <p:nvSpPr>
           <p:cNvPr id="303" name="PlaceHolder 1"/>
           <p:cNvSpPr>
             <a:spLocks noGrp="1"/>
@@ -264,7 +466,8 @@
           </a:prstGeom>
         </p:spPr>
         <p:txBody>
-          <a:bodyPr bIns="0" lIns="0" rIns="0" tIns="0" wrap="none"/>
+          <a:bodyPr wrap="none" lIns="0" tIns="0" rIns="0" bIns="0"/>
+          <a:lstStyle/>
           <a:p>
             <a:r>
               <a:rPr lang="de-DE"/>
@@ -326,11 +529,14 @@
       </p:sp>
     </p:spTree>
   </p:cSld>
+  <p:clrMapOvr>
+    <a:masterClrMapping/>
+  </p:clrMapOvr>
 </p:notes>
 </file>
 
 <file path=ppt/slideLayouts/slideLayout1.xml><?xml version="1.0" encoding="utf-8"?>
-<p:sldLayout xmlns:a="http://schemas.openxmlformats.org/drawingml/2006/main" xmlns:p="http://schemas.openxmlformats.org/presentationml/2006/main" xmlns:r="http://schemas.openxmlformats.org/officeDocument/2006/relationships" preserve="1" type="blank">
+<p:sldLayout xmlns:a="http://schemas.openxmlformats.org/drawingml/2006/main" xmlns:r="http://schemas.openxmlformats.org/officeDocument/2006/relationships" xmlns:p="http://schemas.openxmlformats.org/presentationml/2006/main" type="blank" preserve="1">
   <p:cSld name="Blank Slide">
     <p:spTree>
       <p:nvGrpSpPr>
@@ -348,11 +554,14 @@
       </p:grpSpPr>
     </p:spTree>
   </p:cSld>
+  <p:clrMapOvr>
+    <a:masterClrMapping/>
+  </p:clrMapOvr>
 </p:sldLayout>
 </file>
 
 <file path=ppt/slideLayouts/slideLayout10.xml><?xml version="1.0" encoding="utf-8"?>
-<p:sldLayout xmlns:a="http://schemas.openxmlformats.org/drawingml/2006/main" xmlns:p="http://schemas.openxmlformats.org/presentationml/2006/main" xmlns:r="http://schemas.openxmlformats.org/officeDocument/2006/relationships" preserve="1" type="objOverTx">
+<p:sldLayout xmlns:a="http://schemas.openxmlformats.org/drawingml/2006/main" xmlns:r="http://schemas.openxmlformats.org/officeDocument/2006/relationships" xmlns:p="http://schemas.openxmlformats.org/presentationml/2006/main" type="objOverTx" preserve="1">
   <p:cSld name="Title, Content over Content">
     <p:spTree>
       <p:nvGrpSpPr>
@@ -388,7 +597,8 @@
           </a:prstGeom>
         </p:spPr>
         <p:txBody>
-          <a:bodyPr anchor="ctr" bIns="0" lIns="0" rIns="0" tIns="0" wrap="none"/>
+          <a:bodyPr wrap="none" lIns="0" tIns="0" rIns="0" bIns="0" anchor="ctr"/>
+          <a:lstStyle/>
           <a:p>
             <a:endParaRPr/>
           </a:p>
@@ -414,7 +624,8 @@
           </a:prstGeom>
         </p:spPr>
         <p:txBody>
-          <a:bodyPr bIns="0" lIns="0" rIns="0" tIns="0" wrap="none"/>
+          <a:bodyPr wrap="none" lIns="0" tIns="0" rIns="0" bIns="0"/>
+          <a:lstStyle/>
           <a:p>
             <a:endParaRPr/>
           </a:p>
@@ -440,7 +651,8 @@
           </a:prstGeom>
         </p:spPr>
         <p:txBody>
-          <a:bodyPr bIns="0" lIns="0" rIns="0" tIns="0" wrap="none"/>
+          <a:bodyPr wrap="none" lIns="0" tIns="0" rIns="0" bIns="0"/>
+          <a:lstStyle/>
           <a:p>
             <a:endParaRPr/>
           </a:p>
@@ -448,11 +660,14 @@
       </p:sp>
     </p:spTree>
   </p:cSld>
+  <p:clrMapOvr>
+    <a:masterClrMapping/>
+  </p:clrMapOvr>
 </p:sldLayout>
 </file>
 
 <file path=ppt/slideLayouts/slideLayout11.xml><?xml version="1.0" encoding="utf-8"?>
-<p:sldLayout xmlns:a="http://schemas.openxmlformats.org/drawingml/2006/main" xmlns:p="http://schemas.openxmlformats.org/presentationml/2006/main" xmlns:r="http://schemas.openxmlformats.org/officeDocument/2006/relationships" preserve="1" type="fourObj">
+<p:sldLayout xmlns:a="http://schemas.openxmlformats.org/drawingml/2006/main" xmlns:r="http://schemas.openxmlformats.org/officeDocument/2006/relationships" xmlns:p="http://schemas.openxmlformats.org/presentationml/2006/main" type="fourObj" preserve="1">
   <p:cSld name="Title, 4 Content">
     <p:spTree>
       <p:nvGrpSpPr>
@@ -488,7 +703,8 @@
           </a:prstGeom>
         </p:spPr>
         <p:txBody>
-          <a:bodyPr anchor="ctr" bIns="0" lIns="0" rIns="0" tIns="0" wrap="none"/>
+          <a:bodyPr wrap="none" lIns="0" tIns="0" rIns="0" bIns="0" anchor="ctr"/>
+          <a:lstStyle/>
           <a:p>
             <a:endParaRPr/>
           </a:p>
@@ -514,7 +730,8 @@
           </a:prstGeom>
         </p:spPr>
         <p:txBody>
-          <a:bodyPr bIns="0" lIns="0" rIns="0" tIns="0" wrap="none"/>
+          <a:bodyPr wrap="none" lIns="0" tIns="0" rIns="0" bIns="0"/>
+          <a:lstStyle/>
           <a:p>
             <a:endParaRPr/>
           </a:p>
@@ -540,7 +757,8 @@
           </a:prstGeom>
         </p:spPr>
         <p:txBody>
-          <a:bodyPr bIns="0" lIns="0" rIns="0" tIns="0" wrap="none"/>
+          <a:bodyPr wrap="none" lIns="0" tIns="0" rIns="0" bIns="0"/>
+          <a:lstStyle/>
           <a:p>
             <a:endParaRPr/>
           </a:p>
@@ -566,7 +784,8 @@
           </a:prstGeom>
         </p:spPr>
         <p:txBody>
-          <a:bodyPr bIns="0" lIns="0" rIns="0" tIns="0" wrap="none"/>
+          <a:bodyPr wrap="none" lIns="0" tIns="0" rIns="0" bIns="0"/>
+          <a:lstStyle/>
           <a:p>
             <a:endParaRPr/>
           </a:p>
@@ -592,7 +811,8 @@
           </a:prstGeom>
         </p:spPr>
         <p:txBody>
-          <a:bodyPr bIns="0" lIns="0" rIns="0" tIns="0" wrap="none"/>
+          <a:bodyPr wrap="none" lIns="0" tIns="0" rIns="0" bIns="0"/>
+          <a:lstStyle/>
           <a:p>
             <a:endParaRPr/>
           </a:p>
@@ -600,11 +820,14 @@
       </p:sp>
     </p:spTree>
   </p:cSld>
+  <p:clrMapOvr>
+    <a:masterClrMapping/>
+  </p:clrMapOvr>
 </p:sldLayout>
 </file>
 
 <file path=ppt/slideLayouts/slideLayout12.xml><?xml version="1.0" encoding="utf-8"?>
-<p:sldLayout xmlns:a="http://schemas.openxmlformats.org/drawingml/2006/main" xmlns:p="http://schemas.openxmlformats.org/presentationml/2006/main" xmlns:r="http://schemas.openxmlformats.org/officeDocument/2006/relationships" preserve="1" type="blank">
+<p:sldLayout xmlns:a="http://schemas.openxmlformats.org/drawingml/2006/main" xmlns:r="http://schemas.openxmlformats.org/officeDocument/2006/relationships" xmlns:p="http://schemas.openxmlformats.org/presentationml/2006/main" type="blank" preserve="1">
   <p:cSld name="Title, 6 Content">
     <p:spTree>
       <p:nvGrpSpPr>
@@ -640,7 +863,8 @@
           </a:prstGeom>
         </p:spPr>
         <p:txBody>
-          <a:bodyPr anchor="ctr" bIns="0" lIns="0" rIns="0" tIns="0" wrap="none"/>
+          <a:bodyPr wrap="none" lIns="0" tIns="0" rIns="0" bIns="0" anchor="ctr"/>
+          <a:lstStyle/>
           <a:p>
             <a:endParaRPr/>
           </a:p>
@@ -666,7 +890,8 @@
           </a:prstGeom>
         </p:spPr>
         <p:txBody>
-          <a:bodyPr bIns="0" lIns="0" rIns="0" tIns="0" wrap="none"/>
+          <a:bodyPr wrap="none" lIns="0" tIns="0" rIns="0" bIns="0"/>
+          <a:lstStyle/>
           <a:p>
             <a:endParaRPr/>
           </a:p>
@@ -692,7 +917,8 @@
           </a:prstGeom>
         </p:spPr>
         <p:txBody>
-          <a:bodyPr bIns="0" lIns="0" rIns="0" tIns="0" wrap="none"/>
+          <a:bodyPr wrap="none" lIns="0" tIns="0" rIns="0" bIns="0"/>
+          <a:lstStyle/>
           <a:p>
             <a:endParaRPr/>
           </a:p>
@@ -700,11 +926,14 @@
       </p:sp>
     </p:spTree>
   </p:cSld>
+  <p:clrMapOvr>
+    <a:masterClrMapping/>
+  </p:clrMapOvr>
 </p:sldLayout>
 </file>
 
 <file path=ppt/slideLayouts/slideLayout13.xml><?xml version="1.0" encoding="utf-8"?>
-<p:sldLayout xmlns:a="http://schemas.openxmlformats.org/drawingml/2006/main" xmlns:p="http://schemas.openxmlformats.org/presentationml/2006/main" xmlns:r="http://schemas.openxmlformats.org/officeDocument/2006/relationships" preserve="1" type="blank">
+<p:sldLayout xmlns:a="http://schemas.openxmlformats.org/drawingml/2006/main" xmlns:r="http://schemas.openxmlformats.org/officeDocument/2006/relationships" xmlns:p="http://schemas.openxmlformats.org/presentationml/2006/main" type="blank" preserve="1">
   <p:cSld name="Blank Slide">
     <p:spTree>
       <p:nvGrpSpPr>
@@ -722,11 +951,14 @@
       </p:grpSpPr>
     </p:spTree>
   </p:cSld>
+  <p:clrMapOvr>
+    <a:masterClrMapping/>
+  </p:clrMapOvr>
 </p:sldLayout>
 </file>
 
 <file path=ppt/slideLayouts/slideLayout14.xml><?xml version="1.0" encoding="utf-8"?>
-<p:sldLayout xmlns:a="http://schemas.openxmlformats.org/drawingml/2006/main" xmlns:p="http://schemas.openxmlformats.org/presentationml/2006/main" xmlns:r="http://schemas.openxmlformats.org/officeDocument/2006/relationships" preserve="1" type="tx">
+<p:sldLayout xmlns:a="http://schemas.openxmlformats.org/drawingml/2006/main" xmlns:r="http://schemas.openxmlformats.org/officeDocument/2006/relationships" xmlns:p="http://schemas.openxmlformats.org/presentationml/2006/main" type="tx" preserve="1">
   <p:cSld name="Title Slide">
     <p:spTree>
       <p:nvGrpSpPr>
@@ -762,7 +994,8 @@
           </a:prstGeom>
         </p:spPr>
         <p:txBody>
-          <a:bodyPr anchor="ctr" bIns="0" lIns="0" rIns="0" tIns="0" wrap="none"/>
+          <a:bodyPr wrap="none" lIns="0" tIns="0" rIns="0" bIns="0" anchor="ctr"/>
+          <a:lstStyle/>
           <a:p>
             <a:endParaRPr/>
           </a:p>
@@ -788,7 +1021,8 @@
           </a:prstGeom>
         </p:spPr>
         <p:txBody>
-          <a:bodyPr anchor="ctr" bIns="0" lIns="0" rIns="0" tIns="0" wrap="none"/>
+          <a:bodyPr wrap="none" lIns="0" tIns="0" rIns="0" bIns="0" anchor="ctr"/>
+          <a:lstStyle/>
           <a:p>
             <a:pPr algn="ctr"/>
             <a:endParaRPr/>
@@ -797,11 +1031,14 @@
       </p:sp>
     </p:spTree>
   </p:cSld>
+  <p:clrMapOvr>
+    <a:masterClrMapping/>
+  </p:clrMapOvr>
 </p:sldLayout>
 </file>
 
 <file path=ppt/slideLayouts/slideLayout15.xml><?xml version="1.0" encoding="utf-8"?>
-<p:sldLayout xmlns:a="http://schemas.openxmlformats.org/drawingml/2006/main" xmlns:p="http://schemas.openxmlformats.org/presentationml/2006/main" xmlns:r="http://schemas.openxmlformats.org/officeDocument/2006/relationships" preserve="1" type="obj">
+<p:sldLayout xmlns:a="http://schemas.openxmlformats.org/drawingml/2006/main" xmlns:r="http://schemas.openxmlformats.org/officeDocument/2006/relationships" xmlns:p="http://schemas.openxmlformats.org/presentationml/2006/main" type="obj" preserve="1">
   <p:cSld name="Title, Content">
     <p:spTree>
       <p:nvGrpSpPr>
@@ -837,7 +1074,8 @@
           </a:prstGeom>
         </p:spPr>
         <p:txBody>
-          <a:bodyPr anchor="ctr" bIns="0" lIns="0" rIns="0" tIns="0" wrap="none"/>
+          <a:bodyPr wrap="none" lIns="0" tIns="0" rIns="0" bIns="0" anchor="ctr"/>
+          <a:lstStyle/>
           <a:p>
             <a:endParaRPr/>
           </a:p>
@@ -863,7 +1101,8 @@
           </a:prstGeom>
         </p:spPr>
         <p:txBody>
-          <a:bodyPr bIns="0" lIns="0" rIns="0" tIns="0" wrap="none"/>
+          <a:bodyPr wrap="none" lIns="0" tIns="0" rIns="0" bIns="0"/>
+          <a:lstStyle/>
           <a:p>
             <a:endParaRPr/>
           </a:p>
@@ -871,11 +1110,14 @@
       </p:sp>
     </p:spTree>
   </p:cSld>
+  <p:clrMapOvr>
+    <a:masterClrMapping/>
+  </p:clrMapOvr>
 </p:sldLayout>
 </file>
 
 <file path=ppt/slideLayouts/slideLayout16.xml><?xml version="1.0" encoding="utf-8"?>
-<p:sldLayout xmlns:a="http://schemas.openxmlformats.org/drawingml/2006/main" xmlns:p="http://schemas.openxmlformats.org/presentationml/2006/main" xmlns:r="http://schemas.openxmlformats.org/officeDocument/2006/relationships" preserve="1" type="twoObj">
+<p:sldLayout xmlns:a="http://schemas.openxmlformats.org/drawingml/2006/main" xmlns:r="http://schemas.openxmlformats.org/officeDocument/2006/relationships" xmlns:p="http://schemas.openxmlformats.org/presentationml/2006/main" type="twoObj" preserve="1">
   <p:cSld name="Title, 2 Content">
     <p:spTree>
       <p:nvGrpSpPr>
@@ -911,7 +1153,8 @@
           </a:prstGeom>
         </p:spPr>
         <p:txBody>
-          <a:bodyPr anchor="ctr" bIns="0" lIns="0" rIns="0" tIns="0" wrap="none"/>
+          <a:bodyPr wrap="none" lIns="0" tIns="0" rIns="0" bIns="0" anchor="ctr"/>
+          <a:lstStyle/>
           <a:p>
             <a:endParaRPr/>
           </a:p>
@@ -937,7 +1180,8 @@
           </a:prstGeom>
         </p:spPr>
         <p:txBody>
-          <a:bodyPr bIns="0" lIns="0" rIns="0" tIns="0" wrap="none"/>
+          <a:bodyPr wrap="none" lIns="0" tIns="0" rIns="0" bIns="0"/>
+          <a:lstStyle/>
           <a:p>
             <a:endParaRPr/>
           </a:p>
@@ -963,7 +1207,8 @@
           </a:prstGeom>
         </p:spPr>
         <p:txBody>
-          <a:bodyPr bIns="0" lIns="0" rIns="0" tIns="0" wrap="none"/>
+          <a:bodyPr wrap="none" lIns="0" tIns="0" rIns="0" bIns="0"/>
+          <a:lstStyle/>
           <a:p>
             <a:endParaRPr/>
           </a:p>
@@ -971,11 +1216,14 @@
       </p:sp>
     </p:spTree>
   </p:cSld>
+  <p:clrMapOvr>
+    <a:masterClrMapping/>
+  </p:clrMapOvr>
 </p:sldLayout>
 </file>
 
 <file path=ppt/slideLayouts/slideLayout17.xml><?xml version="1.0" encoding="utf-8"?>
-<p:sldLayout xmlns:a="http://schemas.openxmlformats.org/drawingml/2006/main" xmlns:p="http://schemas.openxmlformats.org/presentationml/2006/main" xmlns:r="http://schemas.openxmlformats.org/officeDocument/2006/relationships" preserve="1" type="titleOnly">
+<p:sldLayout xmlns:a="http://schemas.openxmlformats.org/drawingml/2006/main" xmlns:r="http://schemas.openxmlformats.org/officeDocument/2006/relationships" xmlns:p="http://schemas.openxmlformats.org/presentationml/2006/main" type="titleOnly" preserve="1">
   <p:cSld name="Title Only">
     <p:spTree>
       <p:nvGrpSpPr>
@@ -1011,7 +1259,8 @@
           </a:prstGeom>
         </p:spPr>
         <p:txBody>
-          <a:bodyPr anchor="ctr" bIns="0" lIns="0" rIns="0" tIns="0" wrap="none"/>
+          <a:bodyPr wrap="none" lIns="0" tIns="0" rIns="0" bIns="0" anchor="ctr"/>
+          <a:lstStyle/>
           <a:p>
             <a:endParaRPr/>
           </a:p>
@@ -1019,11 +1268,14 @@
       </p:sp>
     </p:spTree>
   </p:cSld>
+  <p:clrMapOvr>
+    <a:masterClrMapping/>
+  </p:clrMapOvr>
 </p:sldLayout>
 </file>
 
 <file path=ppt/slideLayouts/slideLayout18.xml><?xml version="1.0" encoding="utf-8"?>
-<p:sldLayout xmlns:a="http://schemas.openxmlformats.org/drawingml/2006/main" xmlns:p="http://schemas.openxmlformats.org/presentationml/2006/main" xmlns:r="http://schemas.openxmlformats.org/officeDocument/2006/relationships" preserve="1" type="objOnly">
+<p:sldLayout xmlns:a="http://schemas.openxmlformats.org/drawingml/2006/main" xmlns:r="http://schemas.openxmlformats.org/officeDocument/2006/relationships" xmlns:p="http://schemas.openxmlformats.org/presentationml/2006/main" type="objOnly" preserve="1">
   <p:cSld name="Centered Text">
     <p:spTree>
       <p:nvGrpSpPr>
@@ -1059,7 +1311,8 @@
           </a:prstGeom>
         </p:spPr>
         <p:txBody>
-          <a:bodyPr anchor="ctr" bIns="0" lIns="0" rIns="0" tIns="0" wrap="none"/>
+          <a:bodyPr wrap="none" lIns="0" tIns="0" rIns="0" bIns="0" anchor="ctr"/>
+          <a:lstStyle/>
           <a:p>
             <a:pPr algn="ctr"/>
             <a:endParaRPr/>
@@ -1068,11 +1321,14 @@
       </p:sp>
     </p:spTree>
   </p:cSld>
+  <p:clrMapOvr>
+    <a:masterClrMapping/>
+  </p:clrMapOvr>
 </p:sldLayout>
 </file>
 
 <file path=ppt/slideLayouts/slideLayout19.xml><?xml version="1.0" encoding="utf-8"?>
-<p:sldLayout xmlns:a="http://schemas.openxmlformats.org/drawingml/2006/main" xmlns:p="http://schemas.openxmlformats.org/presentationml/2006/main" xmlns:r="http://schemas.openxmlformats.org/officeDocument/2006/relationships" preserve="1" type="twoObjAndObj">
+<p:sldLayout xmlns:a="http://schemas.openxmlformats.org/drawingml/2006/main" xmlns:r="http://schemas.openxmlformats.org/officeDocument/2006/relationships" xmlns:p="http://schemas.openxmlformats.org/presentationml/2006/main" type="twoObjAndObj" preserve="1">
   <p:cSld name="Title, 2 Content and Content">
     <p:spTree>
       <p:nvGrpSpPr>
@@ -1108,7 +1364,8 @@
           </a:prstGeom>
         </p:spPr>
         <p:txBody>
-          <a:bodyPr anchor="ctr" bIns="0" lIns="0" rIns="0" tIns="0" wrap="none"/>
+          <a:bodyPr wrap="none" lIns="0" tIns="0" rIns="0" bIns="0" anchor="ctr"/>
+          <a:lstStyle/>
           <a:p>
             <a:endParaRPr/>
           </a:p>
@@ -1134,7 +1391,8 @@
           </a:prstGeom>
         </p:spPr>
         <p:txBody>
-          <a:bodyPr bIns="0" lIns="0" rIns="0" tIns="0" wrap="none"/>
+          <a:bodyPr wrap="none" lIns="0" tIns="0" rIns="0" bIns="0"/>
+          <a:lstStyle/>
           <a:p>
             <a:endParaRPr/>
           </a:p>
@@ -1160,7 +1418,8 @@
           </a:prstGeom>
         </p:spPr>
         <p:txBody>
-          <a:bodyPr bIns="0" lIns="0" rIns="0" tIns="0" wrap="none"/>
+          <a:bodyPr wrap="none" lIns="0" tIns="0" rIns="0" bIns="0"/>
+          <a:lstStyle/>
           <a:p>
             <a:endParaRPr/>
           </a:p>
@@ -1186,7 +1445,8 @@
           </a:prstGeom>
         </p:spPr>
         <p:txBody>
-          <a:bodyPr bIns="0" lIns="0" rIns="0" tIns="0" wrap="none"/>
+          <a:bodyPr wrap="none" lIns="0" tIns="0" rIns="0" bIns="0"/>
+          <a:lstStyle/>
           <a:p>
             <a:endParaRPr/>
           </a:p>
@@ -1194,11 +1454,14 @@
       </p:sp>
     </p:spTree>
   </p:cSld>
+  <p:clrMapOvr>
+    <a:masterClrMapping/>
+  </p:clrMapOvr>
 </p:sldLayout>
 </file>
 
 <file path=ppt/slideLayouts/slideLayout2.xml><?xml version="1.0" encoding="utf-8"?>
-<p:sldLayout xmlns:a="http://schemas.openxmlformats.org/drawingml/2006/main" xmlns:p="http://schemas.openxmlformats.org/presentationml/2006/main" xmlns:r="http://schemas.openxmlformats.org/officeDocument/2006/relationships" preserve="1" type="tx">
+<p:sldLayout xmlns:a="http://schemas.openxmlformats.org/drawingml/2006/main" xmlns:r="http://schemas.openxmlformats.org/officeDocument/2006/relationships" xmlns:p="http://schemas.openxmlformats.org/presentationml/2006/main" type="tx" preserve="1">
   <p:cSld name="Title Slide">
     <p:spTree>
       <p:nvGrpSpPr>
@@ -1234,7 +1497,8 @@
           </a:prstGeom>
         </p:spPr>
         <p:txBody>
-          <a:bodyPr anchor="ctr" bIns="0" lIns="0" rIns="0" tIns="0" wrap="none"/>
+          <a:bodyPr wrap="none" lIns="0" tIns="0" rIns="0" bIns="0" anchor="ctr"/>
+          <a:lstStyle/>
           <a:p>
             <a:endParaRPr/>
           </a:p>
@@ -1260,7 +1524,8 @@
           </a:prstGeom>
         </p:spPr>
         <p:txBody>
-          <a:bodyPr anchor="ctr" bIns="0" lIns="0" rIns="0" tIns="0" wrap="none"/>
+          <a:bodyPr wrap="none" lIns="0" tIns="0" rIns="0" bIns="0" anchor="ctr"/>
+          <a:lstStyle/>
           <a:p>
             <a:pPr algn="ctr"/>
             <a:endParaRPr/>
@@ -1269,11 +1534,14 @@
       </p:sp>
     </p:spTree>
   </p:cSld>
+  <p:clrMapOvr>
+    <a:masterClrMapping/>
+  </p:clrMapOvr>
 </p:sldLayout>
 </file>
 
 <file path=ppt/slideLayouts/slideLayout20.xml><?xml version="1.0" encoding="utf-8"?>
-<p:sldLayout xmlns:a="http://schemas.openxmlformats.org/drawingml/2006/main" xmlns:p="http://schemas.openxmlformats.org/presentationml/2006/main" xmlns:r="http://schemas.openxmlformats.org/officeDocument/2006/relationships" preserve="1" type="objAndTwoObj">
+<p:sldLayout xmlns:a="http://schemas.openxmlformats.org/drawingml/2006/main" xmlns:r="http://schemas.openxmlformats.org/officeDocument/2006/relationships" xmlns:p="http://schemas.openxmlformats.org/presentationml/2006/main" type="objAndTwoObj" preserve="1">
   <p:cSld name="Title Content and 2 Content">
     <p:spTree>
       <p:nvGrpSpPr>
@@ -1309,7 +1577,8 @@
           </a:prstGeom>
         </p:spPr>
         <p:txBody>
-          <a:bodyPr anchor="ctr" bIns="0" lIns="0" rIns="0" tIns="0" wrap="none"/>
+          <a:bodyPr wrap="none" lIns="0" tIns="0" rIns="0" bIns="0" anchor="ctr"/>
+          <a:lstStyle/>
           <a:p>
             <a:endParaRPr/>
           </a:p>
@@ -1335,7 +1604,8 @@
           </a:prstGeom>
         </p:spPr>
         <p:txBody>
-          <a:bodyPr bIns="0" lIns="0" rIns="0" tIns="0" wrap="none"/>
+          <a:bodyPr wrap="none" lIns="0" tIns="0" rIns="0" bIns="0"/>
+          <a:lstStyle/>
           <a:p>
             <a:endParaRPr/>
           </a:p>
@@ -1361,7 +1631,8 @@
           </a:prstGeom>
         </p:spPr>
         <p:txBody>
-          <a:bodyPr bIns="0" lIns="0" rIns="0" tIns="0" wrap="none"/>
+          <a:bodyPr wrap="none" lIns="0" tIns="0" rIns="0" bIns="0"/>
+          <a:lstStyle/>
           <a:p>
             <a:endParaRPr/>
           </a:p>
@@ -1387,7 +1658,8 @@
           </a:prstGeom>
         </p:spPr>
         <p:txBody>
-          <a:bodyPr bIns="0" lIns="0" rIns="0" tIns="0" wrap="none"/>
+          <a:bodyPr wrap="none" lIns="0" tIns="0" rIns="0" bIns="0"/>
+          <a:lstStyle/>
           <a:p>
             <a:endParaRPr/>
           </a:p>
@@ -1395,11 +1667,14 @@
       </p:sp>
     </p:spTree>
   </p:cSld>
+  <p:clrMapOvr>
+    <a:masterClrMapping/>
+  </p:clrMapOvr>
 </p:sldLayout>
 </file>
 
 <file path=ppt/slideLayouts/slideLayout21.xml><?xml version="1.0" encoding="utf-8"?>
-<p:sldLayout xmlns:a="http://schemas.openxmlformats.org/drawingml/2006/main" xmlns:p="http://schemas.openxmlformats.org/presentationml/2006/main" xmlns:r="http://schemas.openxmlformats.org/officeDocument/2006/relationships" preserve="1" type="twoObjOverTx">
+<p:sldLayout xmlns:a="http://schemas.openxmlformats.org/drawingml/2006/main" xmlns:r="http://schemas.openxmlformats.org/officeDocument/2006/relationships" xmlns:p="http://schemas.openxmlformats.org/presentationml/2006/main" type="twoObjOverTx" preserve="1">
   <p:cSld name="Title, 2 Content over Content">
     <p:spTree>
       <p:nvGrpSpPr>
@@ -1435,7 +1710,8 @@
           </a:prstGeom>
         </p:spPr>
         <p:txBody>
-          <a:bodyPr anchor="ctr" bIns="0" lIns="0" rIns="0" tIns="0" wrap="none"/>
+          <a:bodyPr wrap="none" lIns="0" tIns="0" rIns="0" bIns="0" anchor="ctr"/>
+          <a:lstStyle/>
           <a:p>
             <a:endParaRPr/>
           </a:p>
@@ -1461,7 +1737,8 @@
           </a:prstGeom>
         </p:spPr>
         <p:txBody>
-          <a:bodyPr bIns="0" lIns="0" rIns="0" tIns="0" wrap="none"/>
+          <a:bodyPr wrap="none" lIns="0" tIns="0" rIns="0" bIns="0"/>
+          <a:lstStyle/>
           <a:p>
             <a:endParaRPr/>
           </a:p>
@@ -1487,7 +1764,8 @@
           </a:prstGeom>
         </p:spPr>
         <p:txBody>
-          <a:bodyPr bIns="0" lIns="0" rIns="0" tIns="0" wrap="none"/>
+          <a:bodyPr wrap="none" lIns="0" tIns="0" rIns="0" bIns="0"/>
+          <a:lstStyle/>
           <a:p>
             <a:endParaRPr/>
           </a:p>
@@ -1513,7 +1791,8 @@
           </a:prstGeom>
         </p:spPr>
         <p:txBody>
-          <a:bodyPr bIns="0" lIns="0" rIns="0" tIns="0" wrap="none"/>
+          <a:bodyPr wrap="none" lIns="0" tIns="0" rIns="0" bIns="0"/>
+          <a:lstStyle/>
           <a:p>
             <a:endParaRPr/>
           </a:p>
@@ -1521,11 +1800,14 @@
       </p:sp>
     </p:spTree>
   </p:cSld>
+  <p:clrMapOvr>
+    <a:masterClrMapping/>
+  </p:clrMapOvr>
 </p:sldLayout>
 </file>
 
 <file path=ppt/slideLayouts/slideLayout22.xml><?xml version="1.0" encoding="utf-8"?>
-<p:sldLayout xmlns:a="http://schemas.openxmlformats.org/drawingml/2006/main" xmlns:p="http://schemas.openxmlformats.org/presentationml/2006/main" xmlns:r="http://schemas.openxmlformats.org/officeDocument/2006/relationships" preserve="1" type="objOverTx">
+<p:sldLayout xmlns:a="http://schemas.openxmlformats.org/drawingml/2006/main" xmlns:r="http://schemas.openxmlformats.org/officeDocument/2006/relationships" xmlns:p="http://schemas.openxmlformats.org/presentationml/2006/main" type="objOverTx" preserve="1">
   <p:cSld name="Title, Content over Content">
     <p:spTree>
       <p:nvGrpSpPr>
@@ -1561,7 +1843,8 @@
           </a:prstGeom>
         </p:spPr>
         <p:txBody>
-          <a:bodyPr anchor="ctr" bIns="0" lIns="0" rIns="0" tIns="0" wrap="none"/>
+          <a:bodyPr wrap="none" lIns="0" tIns="0" rIns="0" bIns="0" anchor="ctr"/>
+          <a:lstStyle/>
           <a:p>
             <a:endParaRPr/>
           </a:p>
@@ -1587,7 +1870,8 @@
           </a:prstGeom>
         </p:spPr>
         <p:txBody>
-          <a:bodyPr bIns="0" lIns="0" rIns="0" tIns="0" wrap="none"/>
+          <a:bodyPr wrap="none" lIns="0" tIns="0" rIns="0" bIns="0"/>
+          <a:lstStyle/>
           <a:p>
             <a:endParaRPr/>
           </a:p>
@@ -1613,7 +1897,8 @@
           </a:prstGeom>
         </p:spPr>
         <p:txBody>
-          <a:bodyPr bIns="0" lIns="0" rIns="0" tIns="0" wrap="none"/>
+          <a:bodyPr wrap="none" lIns="0" tIns="0" rIns="0" bIns="0"/>
+          <a:lstStyle/>
           <a:p>
             <a:endParaRPr/>
           </a:p>
@@ -1621,11 +1906,14 @@
       </p:sp>
     </p:spTree>
   </p:cSld>
+  <p:clrMapOvr>
+    <a:masterClrMapping/>
+  </p:clrMapOvr>
 </p:sldLayout>
 </file>
 
 <file path=ppt/slideLayouts/slideLayout23.xml><?xml version="1.0" encoding="utf-8"?>
-<p:sldLayout xmlns:a="http://schemas.openxmlformats.org/drawingml/2006/main" xmlns:p="http://schemas.openxmlformats.org/presentationml/2006/main" xmlns:r="http://schemas.openxmlformats.org/officeDocument/2006/relationships" preserve="1" type="fourObj">
+<p:sldLayout xmlns:a="http://schemas.openxmlformats.org/drawingml/2006/main" xmlns:r="http://schemas.openxmlformats.org/officeDocument/2006/relationships" xmlns:p="http://schemas.openxmlformats.org/presentationml/2006/main" type="fourObj" preserve="1">
   <p:cSld name="Title, 4 Content">
     <p:spTree>
       <p:nvGrpSpPr>
@@ -1661,7 +1949,8 @@
           </a:prstGeom>
         </p:spPr>
         <p:txBody>
-          <a:bodyPr anchor="ctr" bIns="0" lIns="0" rIns="0" tIns="0" wrap="none"/>
+          <a:bodyPr wrap="none" lIns="0" tIns="0" rIns="0" bIns="0" anchor="ctr"/>
+          <a:lstStyle/>
           <a:p>
             <a:endParaRPr/>
           </a:p>
@@ -1687,7 +1976,8 @@
           </a:prstGeom>
         </p:spPr>
         <p:txBody>
-          <a:bodyPr bIns="0" lIns="0" rIns="0" tIns="0" wrap="none"/>
+          <a:bodyPr wrap="none" lIns="0" tIns="0" rIns="0" bIns="0"/>
+          <a:lstStyle/>
           <a:p>
             <a:endParaRPr/>
           </a:p>
@@ -1713,7 +2003,8 @@
           </a:prstGeom>
         </p:spPr>
         <p:txBody>
-          <a:bodyPr bIns="0" lIns="0" rIns="0" tIns="0" wrap="none"/>
+          <a:bodyPr wrap="none" lIns="0" tIns="0" rIns="0" bIns="0"/>
+          <a:lstStyle/>
           <a:p>
             <a:endParaRPr/>
           </a:p>
@@ -1739,7 +2030,8 @@
           </a:prstGeom>
         </p:spPr>
         <p:txBody>
-          <a:bodyPr bIns="0" lIns="0" rIns="0" tIns="0" wrap="none"/>
+          <a:bodyPr wrap="none" lIns="0" tIns="0" rIns="0" bIns="0"/>
+          <a:lstStyle/>
           <a:p>
             <a:endParaRPr/>
           </a:p>
@@ -1765,7 +2057,8 @@
           </a:prstGeom>
         </p:spPr>
         <p:txBody>
-          <a:bodyPr bIns="0" lIns="0" rIns="0" tIns="0" wrap="none"/>
+          <a:bodyPr wrap="none" lIns="0" tIns="0" rIns="0" bIns="0"/>
+          <a:lstStyle/>
           <a:p>
             <a:endParaRPr/>
           </a:p>
@@ -1773,11 +2066,14 @@
       </p:sp>
     </p:spTree>
   </p:cSld>
+  <p:clrMapOvr>
+    <a:masterClrMapping/>
+  </p:clrMapOvr>
 </p:sldLayout>
 </file>
 
 <file path=ppt/slideLayouts/slideLayout24.xml><?xml version="1.0" encoding="utf-8"?>
-<p:sldLayout xmlns:a="http://schemas.openxmlformats.org/drawingml/2006/main" xmlns:p="http://schemas.openxmlformats.org/presentationml/2006/main" xmlns:r="http://schemas.openxmlformats.org/officeDocument/2006/relationships" preserve="1" type="blank">
+<p:sldLayout xmlns:a="http://schemas.openxmlformats.org/drawingml/2006/main" xmlns:r="http://schemas.openxmlformats.org/officeDocument/2006/relationships" xmlns:p="http://schemas.openxmlformats.org/presentationml/2006/main" type="blank" preserve="1">
   <p:cSld name="Title, 6 Content">
     <p:spTree>
       <p:nvGrpSpPr>
@@ -1813,7 +2109,8 @@
           </a:prstGeom>
         </p:spPr>
         <p:txBody>
-          <a:bodyPr anchor="ctr" bIns="0" lIns="0" rIns="0" tIns="0" wrap="none"/>
+          <a:bodyPr wrap="none" lIns="0" tIns="0" rIns="0" bIns="0" anchor="ctr"/>
+          <a:lstStyle/>
           <a:p>
             <a:endParaRPr/>
           </a:p>
@@ -1839,7 +2136,8 @@
           </a:prstGeom>
         </p:spPr>
         <p:txBody>
-          <a:bodyPr bIns="0" lIns="0" rIns="0" tIns="0" wrap="none"/>
+          <a:bodyPr wrap="none" lIns="0" tIns="0" rIns="0" bIns="0"/>
+          <a:lstStyle/>
           <a:p>
             <a:endParaRPr/>
           </a:p>
@@ -1865,7 +2163,8 @@
           </a:prstGeom>
         </p:spPr>
         <p:txBody>
-          <a:bodyPr bIns="0" lIns="0" rIns="0" tIns="0" wrap="none"/>
+          <a:bodyPr wrap="none" lIns="0" tIns="0" rIns="0" bIns="0"/>
+          <a:lstStyle/>
           <a:p>
             <a:endParaRPr/>
           </a:p>
@@ -1873,11 +2172,14 @@
       </p:sp>
     </p:spTree>
   </p:cSld>
+  <p:clrMapOvr>
+    <a:masterClrMapping/>
+  </p:clrMapOvr>
 </p:sldLayout>
 </file>
 
 <file path=ppt/slideLayouts/slideLayout3.xml><?xml version="1.0" encoding="utf-8"?>
-<p:sldLayout xmlns:a="http://schemas.openxmlformats.org/drawingml/2006/main" xmlns:p="http://schemas.openxmlformats.org/presentationml/2006/main" xmlns:r="http://schemas.openxmlformats.org/officeDocument/2006/relationships" preserve="1" type="obj">
+<p:sldLayout xmlns:a="http://schemas.openxmlformats.org/drawingml/2006/main" xmlns:r="http://schemas.openxmlformats.org/officeDocument/2006/relationships" xmlns:p="http://schemas.openxmlformats.org/presentationml/2006/main" type="obj" preserve="1">
   <p:cSld name="Title, Content">
     <p:spTree>
       <p:nvGrpSpPr>
@@ -1913,7 +2215,8 @@
           </a:prstGeom>
         </p:spPr>
         <p:txBody>
-          <a:bodyPr anchor="ctr" bIns="0" lIns="0" rIns="0" tIns="0" wrap="none"/>
+          <a:bodyPr wrap="none" lIns="0" tIns="0" rIns="0" bIns="0" anchor="ctr"/>
+          <a:lstStyle/>
           <a:p>
             <a:endParaRPr/>
           </a:p>
@@ -1939,7 +2242,8 @@
           </a:prstGeom>
         </p:spPr>
         <p:txBody>
-          <a:bodyPr bIns="0" lIns="0" rIns="0" tIns="0" wrap="none"/>
+          <a:bodyPr wrap="none" lIns="0" tIns="0" rIns="0" bIns="0"/>
+          <a:lstStyle/>
           <a:p>
             <a:endParaRPr/>
           </a:p>
@@ -1947,11 +2251,14 @@
       </p:sp>
     </p:spTree>
   </p:cSld>
+  <p:clrMapOvr>
+    <a:masterClrMapping/>
+  </p:clrMapOvr>
 </p:sldLayout>
 </file>
 
 <file path=ppt/slideLayouts/slideLayout4.xml><?xml version="1.0" encoding="utf-8"?>
-<p:sldLayout xmlns:a="http://schemas.openxmlformats.org/drawingml/2006/main" xmlns:p="http://schemas.openxmlformats.org/presentationml/2006/main" xmlns:r="http://schemas.openxmlformats.org/officeDocument/2006/relationships" preserve="1" type="twoObj">
+<p:sldLayout xmlns:a="http://schemas.openxmlformats.org/drawingml/2006/main" xmlns:r="http://schemas.openxmlformats.org/officeDocument/2006/relationships" xmlns:p="http://schemas.openxmlformats.org/presentationml/2006/main" type="twoObj" preserve="1">
   <p:cSld name="Title, 2 Content">
     <p:spTree>
       <p:nvGrpSpPr>
@@ -1987,7 +2294,8 @@
           </a:prstGeom>
         </p:spPr>
         <p:txBody>
-          <a:bodyPr anchor="ctr" bIns="0" lIns="0" rIns="0" tIns="0" wrap="none"/>
+          <a:bodyPr wrap="none" lIns="0" tIns="0" rIns="0" bIns="0" anchor="ctr"/>
+          <a:lstStyle/>
           <a:p>
             <a:endParaRPr/>
           </a:p>
@@ -2013,7 +2321,8 @@
           </a:prstGeom>
         </p:spPr>
         <p:txBody>
-          <a:bodyPr bIns="0" lIns="0" rIns="0" tIns="0" wrap="none"/>
+          <a:bodyPr wrap="none" lIns="0" tIns="0" rIns="0" bIns="0"/>
+          <a:lstStyle/>
           <a:p>
             <a:endParaRPr/>
           </a:p>
@@ -2039,7 +2348,8 @@
           </a:prstGeom>
         </p:spPr>
         <p:txBody>
-          <a:bodyPr bIns="0" lIns="0" rIns="0" tIns="0" wrap="none"/>
+          <a:bodyPr wrap="none" lIns="0" tIns="0" rIns="0" bIns="0"/>
+          <a:lstStyle/>
           <a:p>
             <a:endParaRPr/>
           </a:p>
@@ -2047,11 +2357,14 @@
       </p:sp>
     </p:spTree>
   </p:cSld>
+  <p:clrMapOvr>
+    <a:masterClrMapping/>
+  </p:clrMapOvr>
 </p:sldLayout>
 </file>
 
 <file path=ppt/slideLayouts/slideLayout5.xml><?xml version="1.0" encoding="utf-8"?>
-<p:sldLayout xmlns:a="http://schemas.openxmlformats.org/drawingml/2006/main" xmlns:p="http://schemas.openxmlformats.org/presentationml/2006/main" xmlns:r="http://schemas.openxmlformats.org/officeDocument/2006/relationships" preserve="1" type="titleOnly">
+<p:sldLayout xmlns:a="http://schemas.openxmlformats.org/drawingml/2006/main" xmlns:r="http://schemas.openxmlformats.org/officeDocument/2006/relationships" xmlns:p="http://schemas.openxmlformats.org/presentationml/2006/main" type="titleOnly" preserve="1">
   <p:cSld name="Title Only">
     <p:spTree>
       <p:nvGrpSpPr>
@@ -2087,7 +2400,8 @@
           </a:prstGeom>
         </p:spPr>
         <p:txBody>
-          <a:bodyPr anchor="ctr" bIns="0" lIns="0" rIns="0" tIns="0" wrap="none"/>
+          <a:bodyPr wrap="none" lIns="0" tIns="0" rIns="0" bIns="0" anchor="ctr"/>
+          <a:lstStyle/>
           <a:p>
             <a:endParaRPr/>
           </a:p>
@@ -2095,11 +2409,14 @@
       </p:sp>
     </p:spTree>
   </p:cSld>
+  <p:clrMapOvr>
+    <a:masterClrMapping/>
+  </p:clrMapOvr>
 </p:sldLayout>
 </file>
 
 <file path=ppt/slideLayouts/slideLayout6.xml><?xml version="1.0" encoding="utf-8"?>
-<p:sldLayout xmlns:a="http://schemas.openxmlformats.org/drawingml/2006/main" xmlns:p="http://schemas.openxmlformats.org/presentationml/2006/main" xmlns:r="http://schemas.openxmlformats.org/officeDocument/2006/relationships" preserve="1" type="objOnly">
+<p:sldLayout xmlns:a="http://schemas.openxmlformats.org/drawingml/2006/main" xmlns:r="http://schemas.openxmlformats.org/officeDocument/2006/relationships" xmlns:p="http://schemas.openxmlformats.org/presentationml/2006/main" type="objOnly" preserve="1">
   <p:cSld name="Centered Text">
     <p:spTree>
       <p:nvGrpSpPr>
@@ -2135,7 +2452,8 @@
           </a:prstGeom>
         </p:spPr>
         <p:txBody>
-          <a:bodyPr anchor="ctr" bIns="0" lIns="0" rIns="0" tIns="0" wrap="none"/>
+          <a:bodyPr wrap="none" lIns="0" tIns="0" rIns="0" bIns="0" anchor="ctr"/>
+          <a:lstStyle/>
           <a:p>
             <a:pPr algn="ctr"/>
             <a:endParaRPr/>
@@ -2144,11 +2462,14 @@
       </p:sp>
     </p:spTree>
   </p:cSld>
+  <p:clrMapOvr>
+    <a:masterClrMapping/>
+  </p:clrMapOvr>
 </p:sldLayout>
 </file>
 
 <file path=ppt/slideLayouts/slideLayout7.xml><?xml version="1.0" encoding="utf-8"?>
-<p:sldLayout xmlns:a="http://schemas.openxmlformats.org/drawingml/2006/main" xmlns:p="http://schemas.openxmlformats.org/presentationml/2006/main" xmlns:r="http://schemas.openxmlformats.org/officeDocument/2006/relationships" preserve="1" type="twoObjAndObj">
+<p:sldLayout xmlns:a="http://schemas.openxmlformats.org/drawingml/2006/main" xmlns:r="http://schemas.openxmlformats.org/officeDocument/2006/relationships" xmlns:p="http://schemas.openxmlformats.org/presentationml/2006/main" type="twoObjAndObj" preserve="1">
   <p:cSld name="Title, 2 Content and Content">
     <p:spTree>
       <p:nvGrpSpPr>
@@ -2184,7 +2505,8 @@
           </a:prstGeom>
         </p:spPr>
         <p:txBody>
-          <a:bodyPr anchor="ctr" bIns="0" lIns="0" rIns="0" tIns="0" wrap="none"/>
+          <a:bodyPr wrap="none" lIns="0" tIns="0" rIns="0" bIns="0" anchor="ctr"/>
+          <a:lstStyle/>
           <a:p>
             <a:endParaRPr/>
           </a:p>
@@ -2210,7 +2532,8 @@
           </a:prstGeom>
         </p:spPr>
         <p:txBody>
-          <a:bodyPr bIns="0" lIns="0" rIns="0" tIns="0" wrap="none"/>
+          <a:bodyPr wrap="none" lIns="0" tIns="0" rIns="0" bIns="0"/>
+          <a:lstStyle/>
           <a:p>
             <a:endParaRPr/>
           </a:p>
@@ -2236,7 +2559,8 @@
           </a:prstGeom>
         </p:spPr>
         <p:txBody>
-          <a:bodyPr bIns="0" lIns="0" rIns="0" tIns="0" wrap="none"/>
+          <a:bodyPr wrap="none" lIns="0" tIns="0" rIns="0" bIns="0"/>
+          <a:lstStyle/>
           <a:p>
             <a:endParaRPr/>
           </a:p>
@@ -2262,7 +2586,8 @@
           </a:prstGeom>
         </p:spPr>
         <p:txBody>
-          <a:bodyPr bIns="0" lIns="0" rIns="0" tIns="0" wrap="none"/>
+          <a:bodyPr wrap="none" lIns="0" tIns="0" rIns="0" bIns="0"/>
+          <a:lstStyle/>
           <a:p>
             <a:endParaRPr/>
           </a:p>
@@ -2270,11 +2595,14 @@
       </p:sp>
     </p:spTree>
   </p:cSld>
+  <p:clrMapOvr>
+    <a:masterClrMapping/>
+  </p:clrMapOvr>
 </p:sldLayout>
 </file>
 
 <file path=ppt/slideLayouts/slideLayout8.xml><?xml version="1.0" encoding="utf-8"?>
-<p:sldLayout xmlns:a="http://schemas.openxmlformats.org/drawingml/2006/main" xmlns:p="http://schemas.openxmlformats.org/presentationml/2006/main" xmlns:r="http://schemas.openxmlformats.org/officeDocument/2006/relationships" preserve="1" type="objAndTwoObj">
+<p:sldLayout xmlns:a="http://schemas.openxmlformats.org/drawingml/2006/main" xmlns:r="http://schemas.openxmlformats.org/officeDocument/2006/relationships" xmlns:p="http://schemas.openxmlformats.org/presentationml/2006/main" type="objAndTwoObj" preserve="1">
   <p:cSld name="Title Content and 2 Content">
     <p:spTree>
       <p:nvGrpSpPr>
@@ -2310,7 +2638,8 @@
           </a:prstGeom>
         </p:spPr>
         <p:txBody>
-          <a:bodyPr anchor="ctr" bIns="0" lIns="0" rIns="0" tIns="0" wrap="none"/>
+          <a:bodyPr wrap="none" lIns="0" tIns="0" rIns="0" bIns="0" anchor="ctr"/>
+          <a:lstStyle/>
           <a:p>
             <a:endParaRPr/>
           </a:p>
@@ -2336,7 +2665,8 @@
           </a:prstGeom>
         </p:spPr>
         <p:txBody>
-          <a:bodyPr bIns="0" lIns="0" rIns="0" tIns="0" wrap="none"/>
+          <a:bodyPr wrap="none" lIns="0" tIns="0" rIns="0" bIns="0"/>
+          <a:lstStyle/>
           <a:p>
             <a:endParaRPr/>
           </a:p>
@@ -2362,7 +2692,8 @@
           </a:prstGeom>
         </p:spPr>
         <p:txBody>
-          <a:bodyPr bIns="0" lIns="0" rIns="0" tIns="0" wrap="none"/>
+          <a:bodyPr wrap="none" lIns="0" tIns="0" rIns="0" bIns="0"/>
+          <a:lstStyle/>
           <a:p>
             <a:endParaRPr/>
           </a:p>
@@ -2388,7 +2719,8 @@
           </a:prstGeom>
         </p:spPr>
         <p:txBody>
-          <a:bodyPr bIns="0" lIns="0" rIns="0" tIns="0" wrap="none"/>
+          <a:bodyPr wrap="none" lIns="0" tIns="0" rIns="0" bIns="0"/>
+          <a:lstStyle/>
           <a:p>
             <a:endParaRPr/>
           </a:p>
@@ -2396,11 +2728,14 @@
       </p:sp>
     </p:spTree>
   </p:cSld>
+  <p:clrMapOvr>
+    <a:masterClrMapping/>
+  </p:clrMapOvr>
 </p:sldLayout>
 </file>
 
 <file path=ppt/slideLayouts/slideLayout9.xml><?xml version="1.0" encoding="utf-8"?>
-<p:sldLayout xmlns:a="http://schemas.openxmlformats.org/drawingml/2006/main" xmlns:p="http://schemas.openxmlformats.org/presentationml/2006/main" xmlns:r="http://schemas.openxmlformats.org/officeDocument/2006/relationships" preserve="1" type="twoObjOverTx">
+<p:sldLayout xmlns:a="http://schemas.openxmlformats.org/drawingml/2006/main" xmlns:r="http://schemas.openxmlformats.org/officeDocument/2006/relationships" xmlns:p="http://schemas.openxmlformats.org/presentationml/2006/main" type="twoObjOverTx" preserve="1">
   <p:cSld name="Title, 2 Content over Content">
     <p:spTree>
       <p:nvGrpSpPr>
@@ -2436,7 +2771,8 @@
           </a:prstGeom>
         </p:spPr>
         <p:txBody>
-          <a:bodyPr anchor="ctr" bIns="0" lIns="0" rIns="0" tIns="0" wrap="none"/>
+          <a:bodyPr wrap="none" lIns="0" tIns="0" rIns="0" bIns="0" anchor="ctr"/>
+          <a:lstStyle/>
           <a:p>
             <a:endParaRPr/>
           </a:p>
@@ -2462,7 +2798,8 @@
           </a:prstGeom>
         </p:spPr>
         <p:txBody>
-          <a:bodyPr bIns="0" lIns="0" rIns="0" tIns="0" wrap="none"/>
+          <a:bodyPr wrap="none" lIns="0" tIns="0" rIns="0" bIns="0"/>
+          <a:lstStyle/>
           <a:p>
             <a:endParaRPr/>
           </a:p>
@@ -2488,7 +2825,8 @@
           </a:prstGeom>
         </p:spPr>
         <p:txBody>
-          <a:bodyPr bIns="0" lIns="0" rIns="0" tIns="0" wrap="none"/>
+          <a:bodyPr wrap="none" lIns="0" tIns="0" rIns="0" bIns="0"/>
+          <a:lstStyle/>
           <a:p>
             <a:endParaRPr/>
           </a:p>
@@ -2514,7 +2852,8 @@
           </a:prstGeom>
         </p:spPr>
         <p:txBody>
-          <a:bodyPr bIns="0" lIns="0" rIns="0" tIns="0" wrap="none"/>
+          <a:bodyPr wrap="none" lIns="0" tIns="0" rIns="0" bIns="0"/>
+          <a:lstStyle/>
           <a:p>
             <a:endParaRPr/>
           </a:p>
@@ -2522,17 +2861,21 @@
       </p:sp>
     </p:spTree>
   </p:cSld>
+  <p:clrMapOvr>
+    <a:masterClrMapping/>
+  </p:clrMapOvr>
 </p:sldLayout>
 </file>
 
 <file path=ppt/slideMasters/slideMaster1.xml><?xml version="1.0" encoding="utf-8"?>
-<p:sldMaster xmlns:a="http://schemas.openxmlformats.org/drawingml/2006/main" xmlns:p="http://schemas.openxmlformats.org/presentationml/2006/main" xmlns:r="http://schemas.openxmlformats.org/officeDocument/2006/relationships">
+<p:sldMaster xmlns:a="http://schemas.openxmlformats.org/drawingml/2006/main" xmlns:r="http://schemas.openxmlformats.org/officeDocument/2006/relationships" xmlns:p="http://schemas.openxmlformats.org/presentationml/2006/main">
   <p:cSld>
     <p:bg>
       <p:bgPr>
         <a:solidFill>
-          <a:srgbClr val="ffffff"/>
+          <a:srgbClr val="FFFFFF"/>
         </a:solidFill>
+        <a:effectLst/>
       </p:bgPr>
     </p:bg>
     <p:spTree>
@@ -2551,7 +2894,7 @@
       </p:grpSpPr>
       <p:sp>
         <p:nvSpPr>
-          <p:cNvPr id="0" name="PlaceHolder 1"/>
+          <p:cNvPr id="5" name="PlaceHolder 1"/>
           <p:cNvSpPr>
             <a:spLocks noGrp="1"/>
           </p:cNvSpPr>
@@ -2570,6 +2913,7 @@
         </p:spPr>
         <p:txBody>
           <a:bodyPr anchor="ctr"/>
+          <a:lstStyle/>
           <a:p>
             <a:pPr algn="ctr">
               <a:lnSpc>
@@ -2591,7 +2935,7 @@
       </p:sp>
       <p:sp>
         <p:nvSpPr>
-          <p:cNvPr id="1" name="PlaceHolder 2"/>
+          <p:cNvPr id="6" name="PlaceHolder 2"/>
           <p:cNvSpPr>
             <a:spLocks noGrp="1"/>
           </p:cNvSpPr>
@@ -2610,6 +2954,7 @@
         </p:spPr>
         <p:txBody>
           <a:bodyPr anchor="ctr"/>
+          <a:lstStyle/>
           <a:p>
             <a:pPr>
               <a:lnSpc>
@@ -2619,7 +2964,7 @@
             <a:r>
               <a:rPr lang="de-DE" sz="1200">
                 <a:solidFill>
-                  <a:srgbClr val="8b8b8b"/>
+                  <a:srgbClr val="8B8B8B"/>
                 </a:solidFill>
                 <a:latin typeface="Calibri"/>
               </a:rPr>
@@ -2650,6 +2995,7 @@
         </p:spPr>
         <p:txBody>
           <a:bodyPr anchor="ctr"/>
+          <a:lstStyle/>
           <a:p>
             <a:endParaRPr/>
           </a:p>
@@ -2676,6 +3022,7 @@
         </p:spPr>
         <p:txBody>
           <a:bodyPr anchor="ctr"/>
+          <a:lstStyle/>
           <a:p>
             <a:pPr algn="r">
               <a:lnSpc>
@@ -2685,11 +3032,11 @@
             <a:fld id="{D1259A92-4475-4F54-AE70-8604A09C6235}" type="slidenum">
               <a:rPr lang="de-DE" sz="1200">
                 <a:solidFill>
-                  <a:srgbClr val="8b8b8b"/>
-                </a:solidFill>
-                <a:latin typeface="Calibri"/>
-              </a:rPr>
-              <a:t>&lt;Nummer&gt;</a:t>
+                  <a:srgbClr val="8B8B8B"/>
+                </a:solidFill>
+                <a:latin typeface="Calibri"/>
+              </a:rPr>
+              <a:t>‹Nr.›</a:t>
             </a:fld>
             <a:endParaRPr/>
           </a:p>
@@ -2715,7 +3062,8 @@
           </a:prstGeom>
         </p:spPr>
         <p:txBody>
-          <a:bodyPr bIns="0" lIns="0" rIns="0" tIns="0" wrap="none"/>
+          <a:bodyPr wrap="none" lIns="0" tIns="0" rIns="0" bIns="0"/>
+          <a:lstStyle/>
           <a:p>
             <a:pPr>
               <a:buSzPct val="25000"/>
@@ -2804,32 +3152,38 @@
       </p:sp>
     </p:spTree>
   </p:cSld>
-  <p:clrMap accent1="accent1" accent2="accent2" accent3="accent3" accent4="accent4" accent5="accent5" accent6="accent6" bg1="lt1" bg2="lt2" folHlink="folHlink" hlink="hlink" tx1="dk1" tx2="dk2"/>
+  <p:clrMap bg1="lt1" tx1="dk1" bg2="lt2" tx2="dk2" accent1="accent1" accent2="accent2" accent3="accent3" accent4="accent4" accent5="accent5" accent6="accent6" hlink="hlink" folHlink="folHlink"/>
   <p:sldLayoutIdLst>
-    <p:sldLayoutId id="2147483649" r:id="rId2"/>
-    <p:sldLayoutId id="2147483650" r:id="rId3"/>
-    <p:sldLayoutId id="2147483651" r:id="rId4"/>
-    <p:sldLayoutId id="2147483652" r:id="rId5"/>
-    <p:sldLayoutId id="2147483653" r:id="rId6"/>
-    <p:sldLayoutId id="2147483654" r:id="rId7"/>
-    <p:sldLayoutId id="2147483655" r:id="rId8"/>
-    <p:sldLayoutId id="2147483656" r:id="rId9"/>
-    <p:sldLayoutId id="2147483657" r:id="rId10"/>
-    <p:sldLayoutId id="2147483658" r:id="rId11"/>
-    <p:sldLayoutId id="2147483659" r:id="rId12"/>
-    <p:sldLayoutId id="2147483660" r:id="rId13"/>
+    <p:sldLayoutId id="2147483649" r:id="rId1"/>
+    <p:sldLayoutId id="2147483650" r:id="rId2"/>
+    <p:sldLayoutId id="2147483651" r:id="rId3"/>
+    <p:sldLayoutId id="2147483652" r:id="rId4"/>
+    <p:sldLayoutId id="2147483653" r:id="rId5"/>
+    <p:sldLayoutId id="2147483654" r:id="rId6"/>
+    <p:sldLayoutId id="2147483655" r:id="rId7"/>
+    <p:sldLayoutId id="2147483656" r:id="rId8"/>
+    <p:sldLayoutId id="2147483657" r:id="rId9"/>
+    <p:sldLayoutId id="2147483658" r:id="rId10"/>
+    <p:sldLayoutId id="2147483659" r:id="rId11"/>
+    <p:sldLayoutId id="2147483660" r:id="rId12"/>
   </p:sldLayoutIdLst>
+  <p:txStyles>
+    <p:titleStyle/>
+    <p:bodyStyle/>
+    <p:otherStyle/>
+  </p:txStyles>
 </p:sldMaster>
 </file>
 
 <file path=ppt/slideMasters/slideMaster2.xml><?xml version="1.0" encoding="utf-8"?>
-<p:sldMaster xmlns:a="http://schemas.openxmlformats.org/drawingml/2006/main" xmlns:p="http://schemas.openxmlformats.org/presentationml/2006/main" xmlns:r="http://schemas.openxmlformats.org/officeDocument/2006/relationships">
+<p:sldMaster xmlns:a="http://schemas.openxmlformats.org/drawingml/2006/main" xmlns:r="http://schemas.openxmlformats.org/officeDocument/2006/relationships" xmlns:p="http://schemas.openxmlformats.org/presentationml/2006/main">
   <p:cSld>
     <p:bg>
       <p:bgPr>
         <a:solidFill>
-          <a:srgbClr val="ffffff"/>
+          <a:srgbClr val="FFFFFF"/>
         </a:solidFill>
+        <a:effectLst/>
       </p:bgPr>
     </p:bg>
     <p:spTree>
@@ -2867,6 +3221,7 @@
         </p:spPr>
         <p:txBody>
           <a:bodyPr anchor="ctr"/>
+          <a:lstStyle/>
           <a:p>
             <a:pPr>
               <a:lnSpc>
@@ -2907,6 +3262,7 @@
         </p:spPr>
         <p:txBody>
           <a:bodyPr/>
+          <a:lstStyle/>
           <a:p>
             <a:pPr>
               <a:buSzPct val="25000"/>
@@ -3131,6 +3487,7 @@
         </p:spPr>
         <p:txBody>
           <a:bodyPr anchor="ctr"/>
+          <a:lstStyle/>
           <a:p>
             <a:pPr>
               <a:lnSpc>
@@ -3140,7 +3497,7 @@
             <a:r>
               <a:rPr lang="de-DE" sz="1600">
                 <a:solidFill>
-                  <a:srgbClr val="8b8b8b"/>
+                  <a:srgbClr val="8B8B8B"/>
                 </a:solidFill>
                 <a:latin typeface="Calibri"/>
               </a:rPr>
@@ -3171,6 +3528,7 @@
         </p:spPr>
         <p:txBody>
           <a:bodyPr anchor="ctr"/>
+          <a:lstStyle/>
           <a:p>
             <a:endParaRPr/>
           </a:p>
@@ -3197,6 +3555,7 @@
         </p:spPr>
         <p:txBody>
           <a:bodyPr anchor="ctr"/>
+          <a:lstStyle/>
           <a:p>
             <a:pPr>
               <a:lnSpc>
@@ -3206,11 +3565,11 @@
             <a:fld id="{36DBF8BE-0576-4598-A578-DD5A1AB431A3}" type="slidenum">
               <a:rPr lang="de-DE" sz="1600">
                 <a:solidFill>
-                  <a:srgbClr val="8b8b8b"/>
-                </a:solidFill>
-                <a:latin typeface="Calibri"/>
-              </a:rPr>
-              <a:t>&lt;Nummer&gt;</a:t>
+                  <a:srgbClr val="8B8B8B"/>
+                </a:solidFill>
+                <a:latin typeface="Calibri"/>
+              </a:rPr>
+              <a:t>‹Nr.›</a:t>
             </a:fld>
             <a:endParaRPr/>
           </a:p>
@@ -3231,11 +3590,12 @@
             <a:avLst/>
           </a:prstGeom>
           <a:solidFill>
-            <a:srgbClr val="d9d9d9"/>
+            <a:srgbClr val="D9D9D9"/>
           </a:solidFill>
         </p:spPr>
         <p:txBody>
-          <a:bodyPr bIns="45000" lIns="90000" rIns="90000" tIns="45000"/>
+          <a:bodyPr lIns="90000" tIns="45000" rIns="90000" bIns="45000"/>
+          <a:lstStyle/>
           <a:p>
             <a:pPr>
               <a:lnSpc>
@@ -3274,12 +3634,12 @@
       </p:sp>
       <p:pic>
         <p:nvPicPr>
-          <p:cNvPr descr="" id="43" name="Picture 2"/>
+          <p:cNvPr id="43" name="Picture 2"/>
           <p:cNvPicPr/>
           <p:nvPr/>
         </p:nvPicPr>
         <p:blipFill>
-          <a:blip r:embed="rId2"/>
+          <a:blip r:embed="rId14"/>
           <a:stretch>
             <a:fillRect/>
           </a:stretch>
@@ -3296,26 +3656,31 @@
       </p:pic>
     </p:spTree>
   </p:cSld>
-  <p:clrMap accent1="accent1" accent2="accent2" accent3="accent3" accent4="accent4" accent5="accent5" accent6="accent6" bg1="lt1" bg2="lt2" folHlink="folHlink" hlink="hlink" tx1="dk1" tx2="dk2"/>
+  <p:clrMap bg1="lt1" tx1="dk1" bg2="lt2" tx2="dk2" accent1="accent1" accent2="accent2" accent3="accent3" accent4="accent4" accent5="accent5" accent6="accent6" hlink="hlink" folHlink="folHlink"/>
   <p:sldLayoutIdLst>
-    <p:sldLayoutId id="2147483662" r:id="rId3"/>
-    <p:sldLayoutId id="2147483663" r:id="rId4"/>
-    <p:sldLayoutId id="2147483664" r:id="rId5"/>
-    <p:sldLayoutId id="2147483665" r:id="rId6"/>
-    <p:sldLayoutId id="2147483666" r:id="rId7"/>
-    <p:sldLayoutId id="2147483667" r:id="rId8"/>
-    <p:sldLayoutId id="2147483668" r:id="rId9"/>
-    <p:sldLayoutId id="2147483669" r:id="rId10"/>
-    <p:sldLayoutId id="2147483670" r:id="rId11"/>
-    <p:sldLayoutId id="2147483671" r:id="rId12"/>
-    <p:sldLayoutId id="2147483672" r:id="rId13"/>
-    <p:sldLayoutId id="2147483673" r:id="rId14"/>
+    <p:sldLayoutId id="2147483662" r:id="rId1"/>
+    <p:sldLayoutId id="2147483663" r:id="rId2"/>
+    <p:sldLayoutId id="2147483664" r:id="rId3"/>
+    <p:sldLayoutId id="2147483665" r:id="rId4"/>
+    <p:sldLayoutId id="2147483666" r:id="rId5"/>
+    <p:sldLayoutId id="2147483667" r:id="rId6"/>
+    <p:sldLayoutId id="2147483668" r:id="rId7"/>
+    <p:sldLayoutId id="2147483669" r:id="rId8"/>
+    <p:sldLayoutId id="2147483670" r:id="rId9"/>
+    <p:sldLayoutId id="2147483671" r:id="rId10"/>
+    <p:sldLayoutId id="2147483672" r:id="rId11"/>
+    <p:sldLayoutId id="2147483673" r:id="rId12"/>
   </p:sldLayoutIdLst>
+  <p:txStyles>
+    <p:titleStyle/>
+    <p:bodyStyle/>
+    <p:otherStyle/>
+  </p:txStyles>
 </p:sldMaster>
 </file>
 
 <file path=ppt/slides/slide1.xml><?xml version="1.0" encoding="utf-8"?>
-<p:sld xmlns:a="http://schemas.openxmlformats.org/drawingml/2006/main" xmlns:p="http://schemas.openxmlformats.org/presentationml/2006/main" xmlns:r="http://schemas.openxmlformats.org/officeDocument/2006/relationships">
+<p:sld xmlns:a="http://schemas.openxmlformats.org/drawingml/2006/main" xmlns:r="http://schemas.openxmlformats.org/officeDocument/2006/relationships" xmlns:p="http://schemas.openxmlformats.org/presentationml/2006/main">
   <p:cSld>
     <p:spTree>
       <p:nvGrpSpPr>
@@ -3348,6 +3713,7 @@
         </p:spPr>
         <p:txBody>
           <a:bodyPr anchor="ctr"/>
+          <a:lstStyle/>
           <a:p>
             <a:r>
               <a:rPr lang="de-DE"/>
@@ -3374,6 +3740,7 @@
         </p:spPr>
         <p:txBody>
           <a:bodyPr anchor="ctr"/>
+          <a:lstStyle/>
           <a:p>
             <a:pPr>
               <a:lnSpc>
@@ -3383,7 +3750,7 @@
             <a:r>
               <a:rPr lang="de-DE" sz="1600">
                 <a:solidFill>
-                  <a:srgbClr val="8b8b8b"/>
+                  <a:srgbClr val="8B8B8B"/>
                 </a:solidFill>
                 <a:latin typeface="Calibri"/>
               </a:rPr>
@@ -3410,6 +3777,7 @@
         </p:spPr>
         <p:txBody>
           <a:bodyPr anchor="ctr"/>
+          <a:lstStyle/>
           <a:p>
             <a:pPr>
               <a:lnSpc>
@@ -3419,11 +3787,11 @@
             <a:fld id="{CC34C86A-EA59-4FCC-B0AD-CBFFBD8BA9EE}" type="slidenum">
               <a:rPr lang="de-DE" sz="1600">
                 <a:solidFill>
-                  <a:srgbClr val="8b8b8b"/>
-                </a:solidFill>
-                <a:latin typeface="Calibri"/>
-              </a:rPr>
-              <a:t>&lt;Nummer&gt;</a:t>
+                  <a:srgbClr val="8B8B8B"/>
+                </a:solidFill>
+                <a:latin typeface="Calibri"/>
+              </a:rPr>
+              <a:t>1</a:t>
             </a:fld>
             <a:endParaRPr/>
           </a:p>
@@ -3431,12 +3799,12 @@
       </p:sp>
       <p:pic>
         <p:nvPicPr>
-          <p:cNvPr descr="" id="84" name=""/>
+          <p:cNvPr id="84" name="Grafik 83"/>
           <p:cNvPicPr/>
           <p:nvPr/>
         </p:nvPicPr>
         <p:blipFill>
-          <a:blip r:embed="rId1"/>
+          <a:blip r:embed="rId2"/>
           <a:stretch>
             <a:fillRect/>
           </a:stretch>
@@ -3453,22 +3821,25 @@
       </p:pic>
     </p:spTree>
   </p:cSld>
+  <p:clrMapOvr>
+    <a:masterClrMapping/>
+  </p:clrMapOvr>
   <p:timing>
     <p:tnLst>
       <p:par>
-        <p:cTn dur="indefinite" id="1" nodeType="tmRoot" restart="never">
+        <p:cTn id="1" dur="indefinite" restart="never" nodeType="tmRoot">
           <p:childTnLst>
             <p:seq>
               <p:cTn id="2" nodeType="mainSeq"/>
               <p:prevCondLst>
-                <p:cond delay="0" evt="onPrev">
+                <p:cond evt="onPrev" delay="0">
                   <p:tgtEl>
                     <p:sldTgt/>
                   </p:tgtEl>
                 </p:cond>
               </p:prevCondLst>
               <p:nextCondLst>
-                <p:cond delay="0" evt="onNext">
+                <p:cond evt="onNext" delay="0">
                   <p:tgtEl>
                     <p:sldTgt/>
                   </p:tgtEl>
@@ -3484,7 +3855,7 @@
 </file>
 
 <file path=ppt/slides/slide10.xml><?xml version="1.0" encoding="utf-8"?>
-<p:sld xmlns:a="http://schemas.openxmlformats.org/drawingml/2006/main" xmlns:p="http://schemas.openxmlformats.org/presentationml/2006/main" xmlns:r="http://schemas.openxmlformats.org/officeDocument/2006/relationships">
+<p:sld xmlns:a="http://schemas.openxmlformats.org/drawingml/2006/main" xmlns:r="http://schemas.openxmlformats.org/officeDocument/2006/relationships" xmlns:p="http://schemas.openxmlformats.org/presentationml/2006/main">
   <p:cSld>
     <p:spTree>
       <p:nvGrpSpPr>
@@ -3509,7 +3880,7 @@
         <p:spPr>
           <a:xfrm>
             <a:off x="97200" y="864000"/>
-            <a:ext cx="4654800" cy="387360"/>
+            <a:ext cx="5554920" cy="387360"/>
           </a:xfrm>
           <a:prstGeom prst="rect">
             <a:avLst/>
@@ -3517,12 +3888,13 @@
         </p:spPr>
         <p:txBody>
           <a:bodyPr anchor="ctr"/>
-          <a:p>
-            <a:r>
-              <a:rPr lang="de-DE" sz="2800"/>
+          <a:lstStyle/>
+          <a:p>
+            <a:r>
+              <a:rPr lang="de-DE" sz="2800" dirty="0"/>
               <a:t>Observer Pattern: Variationen</a:t>
             </a:r>
-            <a:endParaRPr/>
+            <a:endParaRPr dirty="0"/>
           </a:p>
         </p:txBody>
       </p:sp>
@@ -3543,6 +3915,7 @@
         </p:spPr>
         <p:txBody>
           <a:bodyPr anchor="ctr"/>
+          <a:lstStyle/>
           <a:p>
             <a:pPr>
               <a:lnSpc>
@@ -3552,7 +3925,7 @@
             <a:r>
               <a:rPr lang="de-DE" sz="1600">
                 <a:solidFill>
-                  <a:srgbClr val="8b8b8b"/>
+                  <a:srgbClr val="8B8B8B"/>
                 </a:solidFill>
                 <a:latin typeface="Calibri"/>
               </a:rPr>
@@ -3579,6 +3952,7 @@
         </p:spPr>
         <p:txBody>
           <a:bodyPr anchor="ctr"/>
+          <a:lstStyle/>
           <a:p>
             <a:pPr>
               <a:lnSpc>
@@ -3588,11 +3962,11 @@
             <a:fld id="{7595A172-3F7A-4918-B81E-0F20DFF0E03F}" type="slidenum">
               <a:rPr lang="de-DE" sz="1600">
                 <a:solidFill>
-                  <a:srgbClr val="8b8b8b"/>
-                </a:solidFill>
-                <a:latin typeface="Calibri"/>
-              </a:rPr>
-              <a:t>&lt;Nummer&gt;</a:t>
+                  <a:srgbClr val="8B8B8B"/>
+                </a:solidFill>
+                <a:latin typeface="Calibri"/>
+              </a:rPr>
+              <a:t>10</a:t>
             </a:fld>
             <a:endParaRPr/>
           </a:p>
@@ -3614,7 +3988,8 @@
           </a:prstGeom>
         </p:spPr>
         <p:txBody>
-          <a:bodyPr bIns="45000" lIns="90000" rIns="90000" tIns="45000" wrap="none"/>
+          <a:bodyPr wrap="none" lIns="90000" tIns="45000" rIns="90000" bIns="45000"/>
+          <a:lstStyle/>
           <a:p>
             <a:r>
               <a:rPr lang="de-DE"/>
@@ -3626,29 +4001,7 @@
       </p:sp>
       <p:pic>
         <p:nvPicPr>
-          <p:cNvPr descr="" id="135" name=""/>
-          <p:cNvPicPr/>
-          <p:nvPr/>
-        </p:nvPicPr>
-        <p:blipFill>
-          <a:blip r:embed="rId1"/>
-          <a:stretch>
-            <a:fillRect/>
-          </a:stretch>
-        </p:blipFill>
-        <p:spPr>
-          <a:xfrm>
-            <a:off x="936360" y="3744000"/>
-            <a:ext cx="7127640" cy="1302120"/>
-          </a:xfrm>
-          <a:prstGeom prst="rect">
-            <a:avLst/>
-          </a:prstGeom>
-        </p:spPr>
-      </p:pic>
-      <p:pic>
-        <p:nvPicPr>
-          <p:cNvPr descr="" id="136" name=""/>
+          <p:cNvPr id="135" name="Grafik 134"/>
           <p:cNvPicPr/>
           <p:nvPr/>
         </p:nvPicPr>
@@ -3660,44 +4013,17 @@
         </p:blipFill>
         <p:spPr>
           <a:xfrm>
-            <a:off x="2734560" y="2232000"/>
-            <a:ext cx="1224000" cy="1224000"/>
+            <a:off x="936360" y="3744000"/>
+            <a:ext cx="7127640" cy="1302120"/>
           </a:xfrm>
           <a:prstGeom prst="rect">
             <a:avLst/>
           </a:prstGeom>
         </p:spPr>
       </p:pic>
-      <p:sp>
-        <p:nvSpPr>
-          <p:cNvPr id="137" name="CustomShape 5"/>
-          <p:cNvSpPr/>
-          <p:nvPr/>
-        </p:nvSpPr>
-        <p:spPr>
-          <a:xfrm>
-            <a:off x="3958560" y="2736000"/>
-            <a:ext cx="1440000" cy="216000"/>
-          </a:xfrm>
-          <a:prstGeom prst="rightArrow">
-            <a:avLst>
-              <a:gd fmla="val 17513" name="adj1"/>
-              <a:gd fmla="val 7547" name="adj2"/>
-            </a:avLst>
-          </a:prstGeom>
-          <a:solidFill>
-            <a:srgbClr val="729fcf"/>
-          </a:solidFill>
-          <a:ln>
-            <a:solidFill>
-              <a:srgbClr val="3465af"/>
-            </a:solidFill>
-          </a:ln>
-        </p:spPr>
-      </p:sp>
       <p:pic>
         <p:nvPicPr>
-          <p:cNvPr descr="" id="138" name=""/>
+          <p:cNvPr id="136" name="Grafik 135"/>
           <p:cNvPicPr/>
           <p:nvPr/>
         </p:nvPicPr>
@@ -3709,6 +4035,28 @@
         </p:blipFill>
         <p:spPr>
           <a:xfrm>
+            <a:off x="2734560" y="2232000"/>
+            <a:ext cx="1224000" cy="1224000"/>
+          </a:xfrm>
+          <a:prstGeom prst="rect">
+            <a:avLst/>
+          </a:prstGeom>
+        </p:spPr>
+      </p:pic>
+      <p:pic>
+        <p:nvPicPr>
+          <p:cNvPr id="138" name="Grafik 137"/>
+          <p:cNvPicPr/>
+          <p:nvPr/>
+        </p:nvPicPr>
+        <p:blipFill>
+          <a:blip r:embed="rId4"/>
+          <a:stretch>
+            <a:fillRect/>
+          </a:stretch>
+        </p:blipFill>
+        <p:spPr>
+          <a:xfrm>
             <a:off x="5398560" y="2518560"/>
             <a:ext cx="721440" cy="721440"/>
           </a:xfrm>
@@ -3725,7 +4073,7 @@
         </p:nvSpPr>
         <p:spPr>
           <a:xfrm>
-            <a:off x="4102560" y="2520000"/>
+            <a:off x="4102560" y="2437760"/>
             <a:ext cx="1029600" cy="346680"/>
           </a:xfrm>
           <a:prstGeom prst="rect">
@@ -3733,34 +4081,78 @@
           </a:prstGeom>
         </p:spPr>
         <p:txBody>
-          <a:bodyPr bIns="45000" lIns="90000" rIns="90000" tIns="45000" wrap="none"/>
-          <a:p>
-            <a:r>
-              <a:rPr lang="de-DE"/>
+          <a:bodyPr wrap="none" lIns="90000" tIns="45000" rIns="90000" bIns="45000"/>
+          <a:lstStyle/>
+          <a:p>
+            <a:r>
+              <a:rPr lang="de-DE" dirty="0"/>
               <a:t>update()</a:t>
             </a:r>
-            <a:endParaRPr/>
+            <a:endParaRPr dirty="0"/>
+          </a:p>
+        </p:txBody>
+      </p:sp>
+      <p:sp>
+        <p:nvSpPr>
+          <p:cNvPr id="2" name="Pfeil nach rechts 1"/>
+          <p:cNvSpPr/>
+          <p:nvPr/>
+        </p:nvSpPr>
+        <p:spPr>
+          <a:xfrm>
+            <a:off x="3945141" y="2784440"/>
+            <a:ext cx="1440000" cy="189680"/>
+          </a:xfrm>
+          <a:prstGeom prst="rightArrow">
+            <a:avLst/>
+          </a:prstGeom>
+        </p:spPr>
+        <p:style>
+          <a:lnRef idx="2">
+            <a:schemeClr val="accent1">
+              <a:shade val="50000"/>
+            </a:schemeClr>
+          </a:lnRef>
+          <a:fillRef idx="1">
+            <a:schemeClr val="accent1"/>
+          </a:fillRef>
+          <a:effectRef idx="0">
+            <a:schemeClr val="accent1"/>
+          </a:effectRef>
+          <a:fontRef idx="minor">
+            <a:schemeClr val="lt1"/>
+          </a:fontRef>
+        </p:style>
+        <p:txBody>
+          <a:bodyPr rtlCol="0" anchor="ctr"/>
+          <a:lstStyle/>
+          <a:p>
+            <a:pPr algn="ctr"/>
+            <a:endParaRPr lang="de-DE"/>
           </a:p>
         </p:txBody>
       </p:sp>
     </p:spTree>
   </p:cSld>
+  <p:clrMapOvr>
+    <a:masterClrMapping/>
+  </p:clrMapOvr>
   <p:timing>
     <p:tnLst>
       <p:par>
-        <p:cTn dur="indefinite" id="19" nodeType="tmRoot" restart="never">
+        <p:cTn id="1" dur="indefinite" restart="never" nodeType="tmRoot">
           <p:childTnLst>
             <p:seq>
-              <p:cTn id="20" nodeType="mainSeq"/>
+              <p:cTn id="2" nodeType="mainSeq"/>
               <p:prevCondLst>
-                <p:cond delay="0" evt="onPrev">
+                <p:cond evt="onPrev" delay="0">
                   <p:tgtEl>
                     <p:sldTgt/>
                   </p:tgtEl>
                 </p:cond>
               </p:prevCondLst>
               <p:nextCondLst>
-                <p:cond delay="0" evt="onNext">
+                <p:cond evt="onNext" delay="0">
                   <p:tgtEl>
                     <p:sldTgt/>
                   </p:tgtEl>
@@ -3776,7 +4168,7 @@
 </file>
 
 <file path=ppt/slides/slide11.xml><?xml version="1.0" encoding="utf-8"?>
-<p:sld xmlns:a="http://schemas.openxmlformats.org/drawingml/2006/main" xmlns:p="http://schemas.openxmlformats.org/presentationml/2006/main" xmlns:r="http://schemas.openxmlformats.org/officeDocument/2006/relationships">
+<p:sld xmlns:a="http://schemas.openxmlformats.org/drawingml/2006/main" xmlns:r="http://schemas.openxmlformats.org/officeDocument/2006/relationships" xmlns:p="http://schemas.openxmlformats.org/presentationml/2006/main">
   <p:cSld>
     <p:spTree>
       <p:nvGrpSpPr>
@@ -3809,6 +4201,7 @@
         </p:spPr>
         <p:txBody>
           <a:bodyPr anchor="ctr"/>
+          <a:lstStyle/>
           <a:p>
             <a:r>
               <a:rPr lang="de-DE" sz="2800"/>
@@ -3835,6 +4228,7 @@
         </p:spPr>
         <p:txBody>
           <a:bodyPr anchor="ctr"/>
+          <a:lstStyle/>
           <a:p>
             <a:pPr>
               <a:lnSpc>
@@ -3844,7 +4238,7 @@
             <a:r>
               <a:rPr lang="de-DE" sz="1600">
                 <a:solidFill>
-                  <a:srgbClr val="8b8b8b"/>
+                  <a:srgbClr val="8B8B8B"/>
                 </a:solidFill>
                 <a:latin typeface="Calibri"/>
               </a:rPr>
@@ -3871,6 +4265,7 @@
         </p:spPr>
         <p:txBody>
           <a:bodyPr anchor="ctr"/>
+          <a:lstStyle/>
           <a:p>
             <a:pPr>
               <a:lnSpc>
@@ -3880,11 +4275,11 @@
             <a:fld id="{CE378981-F167-48FD-B0DD-F175444FA684}" type="slidenum">
               <a:rPr lang="de-DE" sz="1600">
                 <a:solidFill>
-                  <a:srgbClr val="8b8b8b"/>
-                </a:solidFill>
-                <a:latin typeface="Calibri"/>
-              </a:rPr>
-              <a:t>&lt;Nummer&gt;</a:t>
+                  <a:srgbClr val="8B8B8B"/>
+                </a:solidFill>
+                <a:latin typeface="Calibri"/>
+              </a:rPr>
+              <a:t>11</a:t>
             </a:fld>
             <a:endParaRPr/>
           </a:p>
@@ -3906,7 +4301,8 @@
           </a:prstGeom>
         </p:spPr>
         <p:txBody>
-          <a:bodyPr bIns="45000" lIns="90000" rIns="90000" tIns="45000" wrap="none"/>
+          <a:bodyPr wrap="none" lIns="90000" tIns="45000" rIns="90000" bIns="45000"/>
+          <a:lstStyle/>
           <a:p>
             <a:r>
               <a:rPr lang="de-DE"/>
@@ -3918,56 +4314,7 @@
       </p:sp>
       <p:pic>
         <p:nvPicPr>
-          <p:cNvPr descr="" id="144" name=""/>
-          <p:cNvPicPr/>
-          <p:nvPr/>
-        </p:nvPicPr>
-        <p:blipFill>
-          <a:blip r:embed="rId1"/>
-          <a:stretch>
-            <a:fillRect/>
-          </a:stretch>
-        </p:blipFill>
-        <p:spPr>
-          <a:xfrm>
-            <a:off x="2734560" y="2232000"/>
-            <a:ext cx="1224000" cy="1224000"/>
-          </a:xfrm>
-          <a:prstGeom prst="rect">
-            <a:avLst/>
-          </a:prstGeom>
-        </p:spPr>
-      </p:pic>
-      <p:sp>
-        <p:nvSpPr>
-          <p:cNvPr id="145" name="CustomShape 5"/>
-          <p:cNvSpPr/>
-          <p:nvPr/>
-        </p:nvSpPr>
-        <p:spPr>
-          <a:xfrm>
-            <a:off x="3976560" y="2520000"/>
-            <a:ext cx="1440000" cy="216000"/>
-          </a:xfrm>
-          <a:prstGeom prst="rightArrow">
-            <a:avLst>
-              <a:gd fmla="val 17513" name="adj1"/>
-              <a:gd fmla="val 7547" name="adj2"/>
-            </a:avLst>
-          </a:prstGeom>
-          <a:solidFill>
-            <a:srgbClr val="729fcf"/>
-          </a:solidFill>
-          <a:ln>
-            <a:solidFill>
-              <a:srgbClr val="3465af"/>
-            </a:solidFill>
-          </a:ln>
-        </p:spPr>
-      </p:sp>
-      <p:pic>
-        <p:nvPicPr>
-          <p:cNvPr descr="" id="146" name=""/>
+          <p:cNvPr id="144" name="Grafik 143"/>
           <p:cNvPicPr/>
           <p:nvPr/>
         </p:nvPicPr>
@@ -3979,43 +4326,17 @@
         </p:blipFill>
         <p:spPr>
           <a:xfrm>
-            <a:off x="5416560" y="2590560"/>
-            <a:ext cx="721440" cy="721440"/>
+            <a:off x="2734560" y="2232000"/>
+            <a:ext cx="1224000" cy="1224000"/>
           </a:xfrm>
           <a:prstGeom prst="rect">
             <a:avLst/>
           </a:prstGeom>
         </p:spPr>
       </p:pic>
-      <p:sp>
-        <p:nvSpPr>
-          <p:cNvPr id="147" name="TextShape 6"/>
-          <p:cNvSpPr txBox="1"/>
-          <p:nvPr/>
-        </p:nvSpPr>
-        <p:spPr>
-          <a:xfrm>
-            <a:off x="4120560" y="2304000"/>
-            <a:ext cx="1029600" cy="346680"/>
-          </a:xfrm>
-          <a:prstGeom prst="rect">
-            <a:avLst/>
-          </a:prstGeom>
-        </p:spPr>
-        <p:txBody>
-          <a:bodyPr bIns="45000" lIns="90000" rIns="90000" tIns="45000" wrap="none"/>
-          <a:p>
-            <a:r>
-              <a:rPr lang="de-DE"/>
-              <a:t>update()</a:t>
-            </a:r>
-            <a:endParaRPr/>
-          </a:p>
-        </p:txBody>
-      </p:sp>
       <p:pic>
         <p:nvPicPr>
-          <p:cNvPr descr="" id="148" name=""/>
+          <p:cNvPr id="146" name="Grafik 145"/>
           <p:cNvPicPr/>
           <p:nvPr/>
         </p:nvPicPr>
@@ -4027,17 +4348,44 @@
         </p:blipFill>
         <p:spPr>
           <a:xfrm>
-            <a:off x="1008360" y="3744000"/>
-            <a:ext cx="6767640" cy="1164600"/>
+            <a:off x="5416560" y="2590560"/>
+            <a:ext cx="721440" cy="721440"/>
           </a:xfrm>
           <a:prstGeom prst="rect">
             <a:avLst/>
           </a:prstGeom>
         </p:spPr>
       </p:pic>
+      <p:sp>
+        <p:nvSpPr>
+          <p:cNvPr id="147" name="TextShape 6"/>
+          <p:cNvSpPr txBox="1"/>
+          <p:nvPr/>
+        </p:nvSpPr>
+        <p:spPr>
+          <a:xfrm>
+            <a:off x="4120560" y="2304000"/>
+            <a:ext cx="1029600" cy="346680"/>
+          </a:xfrm>
+          <a:prstGeom prst="rect">
+            <a:avLst/>
+          </a:prstGeom>
+        </p:spPr>
+        <p:txBody>
+          <a:bodyPr wrap="none" lIns="90000" tIns="45000" rIns="90000" bIns="45000"/>
+          <a:lstStyle/>
+          <a:p>
+            <a:r>
+              <a:rPr lang="de-DE"/>
+              <a:t>update()</a:t>
+            </a:r>
+            <a:endParaRPr/>
+          </a:p>
+        </p:txBody>
+      </p:sp>
       <p:pic>
         <p:nvPicPr>
-          <p:cNvPr descr="" id="149" name=""/>
+          <p:cNvPr id="148" name="Grafik 147"/>
           <p:cNvPicPr/>
           <p:nvPr/>
         </p:nvPicPr>
@@ -4049,6 +4397,28 @@
         </p:blipFill>
         <p:spPr>
           <a:xfrm>
+            <a:off x="1008360" y="3744000"/>
+            <a:ext cx="6767640" cy="1164600"/>
+          </a:xfrm>
+          <a:prstGeom prst="rect">
+            <a:avLst/>
+          </a:prstGeom>
+        </p:spPr>
+      </p:pic>
+      <p:pic>
+        <p:nvPicPr>
+          <p:cNvPr id="149" name="Grafik 148"/>
+          <p:cNvPicPr/>
+          <p:nvPr/>
+        </p:nvPicPr>
+        <p:blipFill>
+          <a:blip r:embed="rId5"/>
+          <a:stretch>
+            <a:fillRect/>
+          </a:stretch>
+        </p:blipFill>
+        <p:spPr>
+          <a:xfrm>
             <a:off x="4021560" y="2802960"/>
             <a:ext cx="1334880" cy="496080"/>
           </a:xfrm>
@@ -4073,7 +4443,8 @@
           </a:prstGeom>
         </p:spPr>
         <p:txBody>
-          <a:bodyPr bIns="45000" lIns="90000" rIns="90000" tIns="45000" wrap="none"/>
+          <a:bodyPr wrap="none" lIns="90000" tIns="45000" rIns="90000" bIns="45000"/>
+          <a:lstStyle/>
           <a:p>
             <a:r>
               <a:rPr lang="de-DE"/>
@@ -4083,24 +4454,67 @@
           </a:p>
         </p:txBody>
       </p:sp>
+      <p:sp>
+        <p:nvSpPr>
+          <p:cNvPr id="2" name="Pfeil nach rechts 1"/>
+          <p:cNvSpPr/>
+          <p:nvPr/>
+        </p:nvSpPr>
+        <p:spPr>
+          <a:xfrm>
+            <a:off x="3958560" y="2650680"/>
+            <a:ext cx="1458000" cy="152280"/>
+          </a:xfrm>
+          <a:prstGeom prst="rightArrow">
+            <a:avLst/>
+          </a:prstGeom>
+        </p:spPr>
+        <p:style>
+          <a:lnRef idx="2">
+            <a:schemeClr val="accent1">
+              <a:shade val="50000"/>
+            </a:schemeClr>
+          </a:lnRef>
+          <a:fillRef idx="1">
+            <a:schemeClr val="accent1"/>
+          </a:fillRef>
+          <a:effectRef idx="0">
+            <a:schemeClr val="accent1"/>
+          </a:effectRef>
+          <a:fontRef idx="minor">
+            <a:schemeClr val="lt1"/>
+          </a:fontRef>
+        </p:style>
+        <p:txBody>
+          <a:bodyPr rtlCol="0" anchor="ctr"/>
+          <a:lstStyle/>
+          <a:p>
+            <a:pPr algn="ctr"/>
+            <a:endParaRPr lang="de-DE"/>
+          </a:p>
+        </p:txBody>
+      </p:sp>
     </p:spTree>
   </p:cSld>
+  <p:clrMapOvr>
+    <a:masterClrMapping/>
+  </p:clrMapOvr>
   <p:timing>
     <p:tnLst>
       <p:par>
-        <p:cTn dur="indefinite" id="21" nodeType="tmRoot" restart="never">
+        <p:cTn id="1" dur="indefinite" restart="never" nodeType="tmRoot">
           <p:childTnLst>
             <p:seq>
-              <p:cTn id="22" nodeType="mainSeq"/>
+              <p:cTn id="2" nodeType="mainSeq"/>
               <p:prevCondLst>
-                <p:cond delay="0" evt="onPrev">
+                <p:cond evt="onPrev" delay="0">
                   <p:tgtEl>
                     <p:sldTgt/>
                   </p:tgtEl>
                 </p:cond>
               </p:prevCondLst>
               <p:nextCondLst>
-                <p:cond delay="0" evt="onNext">
+                <p:cond evt="onNext" delay="0">
                   <p:tgtEl>
                     <p:sldTgt/>
                   </p:tgtEl>
@@ -4116,7 +4530,7 @@
 </file>
 
 <file path=ppt/slides/slide12.xml><?xml version="1.0" encoding="utf-8"?>
-<p:sld xmlns:a="http://schemas.openxmlformats.org/drawingml/2006/main" xmlns:p="http://schemas.openxmlformats.org/presentationml/2006/main" xmlns:r="http://schemas.openxmlformats.org/officeDocument/2006/relationships">
+<p:sld xmlns:a="http://schemas.openxmlformats.org/drawingml/2006/main" xmlns:r="http://schemas.openxmlformats.org/officeDocument/2006/relationships" xmlns:p="http://schemas.openxmlformats.org/presentationml/2006/main">
   <p:cSld>
     <p:spTree>
       <p:nvGrpSpPr>
@@ -4149,6 +4563,7 @@
         </p:spPr>
         <p:txBody>
           <a:bodyPr anchor="ctr"/>
+          <a:lstStyle/>
           <a:p>
             <a:r>
               <a:rPr lang="de-DE" sz="2800"/>
@@ -4175,6 +4590,7 @@
         </p:spPr>
         <p:txBody>
           <a:bodyPr anchor="ctr"/>
+          <a:lstStyle/>
           <a:p>
             <a:pPr>
               <a:lnSpc>
@@ -4184,7 +4600,7 @@
             <a:r>
               <a:rPr lang="de-DE" sz="1600">
                 <a:solidFill>
-                  <a:srgbClr val="8b8b8b"/>
+                  <a:srgbClr val="8B8B8B"/>
                 </a:solidFill>
                 <a:latin typeface="Calibri"/>
               </a:rPr>
@@ -4211,6 +4627,7 @@
         </p:spPr>
         <p:txBody>
           <a:bodyPr anchor="ctr"/>
+          <a:lstStyle/>
           <a:p>
             <a:pPr>
               <a:lnSpc>
@@ -4220,11 +4637,11 @@
             <a:fld id="{60A2F893-8C79-4C5F-999F-2AE8D2D1CAA8}" type="slidenum">
               <a:rPr lang="de-DE" sz="1600">
                 <a:solidFill>
-                  <a:srgbClr val="8b8b8b"/>
-                </a:solidFill>
-                <a:latin typeface="Calibri"/>
-              </a:rPr>
-              <a:t>&lt;Nummer&gt;</a:t>
+                  <a:srgbClr val="8B8B8B"/>
+                </a:solidFill>
+                <a:latin typeface="Calibri"/>
+              </a:rPr>
+              <a:t>12</a:t>
             </a:fld>
             <a:endParaRPr/>
           </a:p>
@@ -4246,7 +4663,8 @@
           </a:prstGeom>
         </p:spPr>
         <p:txBody>
-          <a:bodyPr bIns="45000" lIns="90000" rIns="90000" tIns="45000" wrap="none"/>
+          <a:bodyPr wrap="none" lIns="90000" tIns="45000" rIns="90000" bIns="45000"/>
+          <a:lstStyle/>
           <a:p>
             <a:r>
               <a:rPr lang="de-DE"/>
@@ -4269,15 +4687,15 @@
           </a:xfrm>
           <a:prstGeom prst="smileyFace">
             <a:avLst>
-              <a:gd fmla="val 17520" name="adj"/>
+              <a:gd name="adj" fmla="val 17520"/>
             </a:avLst>
           </a:prstGeom>
           <a:solidFill>
-            <a:srgbClr val="ffcc99"/>
+            <a:srgbClr val="FFCC99"/>
           </a:solidFill>
           <a:ln>
             <a:solidFill>
-              <a:srgbClr val="3465af"/>
+              <a:srgbClr val="3465AF"/>
             </a:solidFill>
           </a:ln>
         </p:spPr>
@@ -4289,136 +4707,47 @@
           <p:nvPr/>
         </p:nvSpPr>
         <p:spPr>
-          <a:xfrm flipH="1" rot="10800000">
+          <a:xfrm rot="10800000" flipH="1">
             <a:off x="1728000" y="3527640"/>
             <a:ext cx="6336000" cy="2232000"/>
           </a:xfrm>
           <a:prstGeom prst="wedgeRoundRectCallout">
             <a:avLst>
-              <a:gd fmla="val 2350" name="adj1"/>
-              <a:gd fmla="val 24414" name="adj2"/>
+              <a:gd name="adj1" fmla="val 2350"/>
+              <a:gd name="adj2" fmla="val 24414"/>
             </a:avLst>
           </a:prstGeom>
           <a:solidFill>
-            <a:srgbClr val="99ccff"/>
+            <a:srgbClr val="99CCFF"/>
           </a:solidFill>
           <a:ln>
             <a:solidFill>
-              <a:srgbClr val="3465af"/>
+              <a:srgbClr val="3465AF"/>
             </a:solidFill>
           </a:ln>
         </p:spPr>
       </p:sp>
-      <p:sp>
-        <p:nvSpPr>
-          <p:cNvPr id="157" name="TextShape 7"/>
-          <p:cNvSpPr txBox="1"/>
-          <p:nvPr/>
-        </p:nvSpPr>
-        <p:spPr>
-          <a:xfrm>
-            <a:off x="1944000" y="3702600"/>
-            <a:ext cx="1034280" cy="401400"/>
-          </a:xfrm>
-          <a:prstGeom prst="rect">
-            <a:avLst/>
-          </a:prstGeom>
-        </p:spPr>
-        <p:txBody>
-          <a:bodyPr bIns="45000" lIns="90000" rIns="90000" tIns="45000" wrap="none"/>
-          <a:p>
-            <a:r>
-              <a:rPr lang="de-DE" sz="2200"/>
-              <a:t>Merke:</a:t>
-            </a:r>
-            <a:endParaRPr/>
-          </a:p>
-        </p:txBody>
-      </p:sp>
-      <p:sp>
-        <p:nvSpPr>
-          <p:cNvPr id="158" name="TextShape 8"/>
-          <p:cNvSpPr txBox="1"/>
-          <p:nvPr/>
-        </p:nvSpPr>
-        <p:spPr>
-          <a:xfrm>
-            <a:off x="1964520" y="4157640"/>
-            <a:ext cx="5795280" cy="1386360"/>
-          </a:xfrm>
-          <a:prstGeom prst="rect">
-            <a:avLst/>
-          </a:prstGeom>
-        </p:spPr>
-        <p:txBody>
-          <a:bodyPr bIns="45000" lIns="90000" rIns="90000" tIns="45000" wrap="none"/>
-          <a:p>
-            <a:r>
-              <a:rPr lang="de-DE"/>
-              <a:t>Weiß das Subjekt von den Anforderungen der Observer</a:t>
-            </a:r>
-            <a:endParaRPr/>
-          </a:p>
-          <a:p>
-            <a:r>
-              <a:rPr lang="de-DE"/>
-              <a:t>	</a:t>
-            </a:r>
-            <a:r>
-              <a:rPr lang="de-DE"/>
-              <a:t>→ </a:t>
-            </a:r>
-            <a:r>
-              <a:rPr b="1" lang="de-DE"/>
-              <a:t>Push-Modell</a:t>
-            </a:r>
-            <a:endParaRPr/>
-          </a:p>
-          <a:p>
-            <a:endParaRPr/>
-          </a:p>
-          <a:p>
-            <a:r>
-              <a:rPr lang="de-DE"/>
-              <a:t>Weiß das Subjekt nichts über die Observer</a:t>
-            </a:r>
-            <a:endParaRPr/>
-          </a:p>
-          <a:p>
-            <a:r>
-              <a:rPr lang="de-DE"/>
-              <a:t>	</a:t>
-            </a:r>
-            <a:r>
-              <a:rPr lang="de-DE"/>
-              <a:t>→ </a:t>
-            </a:r>
-            <a:r>
-              <a:rPr b="1" lang="de-DE"/>
-              <a:t>Pull-Modell </a:t>
-            </a:r>
-            <a:endParaRPr/>
-          </a:p>
-        </p:txBody>
-      </p:sp>
     </p:spTree>
   </p:cSld>
+  <p:clrMapOvr>
+    <a:masterClrMapping/>
+  </p:clrMapOvr>
   <p:timing>
     <p:tnLst>
       <p:par>
-        <p:cTn dur="indefinite" id="23" nodeType="tmRoot" restart="never">
+        <p:cTn id="1" dur="indefinite" restart="never" nodeType="tmRoot">
           <p:childTnLst>
             <p:seq>
-              <p:cTn id="24" nodeType="mainSeq"/>
+              <p:cTn id="2" nodeType="mainSeq"/>
               <p:prevCondLst>
-                <p:cond delay="0" evt="onPrev">
+                <p:cond evt="onPrev" delay="0">
                   <p:tgtEl>
                     <p:sldTgt/>
                   </p:tgtEl>
                 </p:cond>
               </p:prevCondLst>
               <p:nextCondLst>
-                <p:cond delay="0" evt="onNext">
+                <p:cond evt="onNext" delay="0">
                   <p:tgtEl>
                     <p:sldTgt/>
                   </p:tgtEl>
@@ -4434,7 +4763,7 @@
 </file>
 
 <file path=ppt/slides/slide13.xml><?xml version="1.0" encoding="utf-8"?>
-<p:sld xmlns:a="http://schemas.openxmlformats.org/drawingml/2006/main" xmlns:p="http://schemas.openxmlformats.org/presentationml/2006/main" xmlns:r="http://schemas.openxmlformats.org/officeDocument/2006/relationships">
+<p:sld xmlns:a="http://schemas.openxmlformats.org/drawingml/2006/main" xmlns:r="http://schemas.openxmlformats.org/officeDocument/2006/relationships" xmlns:p="http://schemas.openxmlformats.org/presentationml/2006/main">
   <p:cSld>
     <p:spTree>
       <p:nvGrpSpPr>
@@ -4467,6 +4796,7 @@
         </p:spPr>
         <p:txBody>
           <a:bodyPr anchor="ctr"/>
+          <a:lstStyle/>
           <a:p>
             <a:r>
               <a:rPr lang="de-DE" sz="2800"/>
@@ -4493,6 +4823,7 @@
         </p:spPr>
         <p:txBody>
           <a:bodyPr anchor="ctr"/>
+          <a:lstStyle/>
           <a:p>
             <a:pPr>
               <a:lnSpc>
@@ -4502,7 +4833,7 @@
             <a:r>
               <a:rPr lang="de-DE" sz="1600">
                 <a:solidFill>
-                  <a:srgbClr val="8b8b8b"/>
+                  <a:srgbClr val="8B8B8B"/>
                 </a:solidFill>
                 <a:latin typeface="Calibri"/>
               </a:rPr>
@@ -4529,6 +4860,7 @@
         </p:spPr>
         <p:txBody>
           <a:bodyPr anchor="ctr"/>
+          <a:lstStyle/>
           <a:p>
             <a:pPr>
               <a:lnSpc>
@@ -4538,11 +4870,11 @@
             <a:fld id="{84F36B80-351F-4A1D-BE44-B95E7FFB41D9}" type="slidenum">
               <a:rPr lang="de-DE" sz="1600">
                 <a:solidFill>
-                  <a:srgbClr val="8b8b8b"/>
-                </a:solidFill>
-                <a:latin typeface="Calibri"/>
-              </a:rPr>
-              <a:t>&lt;Nummer&gt;</a:t>
+                  <a:srgbClr val="8B8B8B"/>
+                </a:solidFill>
+                <a:latin typeface="Calibri"/>
+              </a:rPr>
+              <a:t>13</a:t>
             </a:fld>
             <a:endParaRPr/>
           </a:p>
@@ -4550,85 +4882,7 @@
       </p:sp>
       <p:pic>
         <p:nvPicPr>
-          <p:cNvPr descr="" id="162" name=""/>
-          <p:cNvPicPr/>
-          <p:nvPr/>
-        </p:nvPicPr>
-        <p:blipFill>
-          <a:blip r:embed="rId1"/>
-          <a:stretch>
-            <a:fillRect/>
-          </a:stretch>
-        </p:blipFill>
-        <p:spPr>
-          <a:xfrm>
-            <a:off x="504000" y="2160000"/>
-            <a:ext cx="7844760" cy="1856160"/>
-          </a:xfrm>
-          <a:prstGeom prst="rect">
-            <a:avLst/>
-          </a:prstGeom>
-        </p:spPr>
-      </p:pic>
-      <p:sp>
-        <p:nvSpPr>
-          <p:cNvPr id="163" name="TextShape 4"/>
-          <p:cNvSpPr txBox="1"/>
-          <p:nvPr/>
-        </p:nvSpPr>
-        <p:spPr>
-          <a:xfrm>
-            <a:off x="299160" y="1728000"/>
-            <a:ext cx="2004840" cy="360000"/>
-          </a:xfrm>
-          <a:prstGeom prst="rect">
-            <a:avLst/>
-          </a:prstGeom>
-        </p:spPr>
-        <p:txBody>
-          <a:bodyPr bIns="45000" lIns="90000" rIns="90000" tIns="45000" wrap="none"/>
-          <a:p>
-            <a:r>
-              <a:rPr lang="de-DE"/>
-              <a:t>Klassendiagramm</a:t>
-            </a:r>
-            <a:endParaRPr/>
-          </a:p>
-        </p:txBody>
-      </p:sp>
-      <p:sp>
-        <p:nvSpPr>
-          <p:cNvPr id="164" name="TextShape 5"/>
-          <p:cNvSpPr txBox="1"/>
-          <p:nvPr/>
-        </p:nvSpPr>
-        <p:spPr>
-          <a:xfrm>
-            <a:off x="310320" y="4194000"/>
-            <a:ext cx="5089680" cy="353880"/>
-          </a:xfrm>
-          <a:prstGeom prst="rect">
-            <a:avLst/>
-          </a:prstGeom>
-        </p:spPr>
-        <p:txBody>
-          <a:bodyPr bIns="45000" lIns="90000" rIns="90000" tIns="45000" wrap="none"/>
-          <a:p>
-            <a:r>
-              <a:rPr b="1" lang="de-DE"/>
-              <a:t>Übung</a:t>
-            </a:r>
-            <a:r>
-              <a:rPr lang="de-DE"/>
-              <a:t>: Klassendiagramm mit Observer Pattern!</a:t>
-            </a:r>
-            <a:endParaRPr/>
-          </a:p>
-        </p:txBody>
-      </p:sp>
-      <p:pic>
-        <p:nvPicPr>
-          <p:cNvPr descr="" id="165" name=""/>
+          <p:cNvPr id="162" name="Grafik 161"/>
           <p:cNvPicPr/>
           <p:nvPr/>
         </p:nvPicPr>
@@ -4640,6 +4894,86 @@
         </p:blipFill>
         <p:spPr>
           <a:xfrm>
+            <a:off x="504000" y="2160000"/>
+            <a:ext cx="7844760" cy="1856160"/>
+          </a:xfrm>
+          <a:prstGeom prst="rect">
+            <a:avLst/>
+          </a:prstGeom>
+        </p:spPr>
+      </p:pic>
+      <p:sp>
+        <p:nvSpPr>
+          <p:cNvPr id="163" name="TextShape 4"/>
+          <p:cNvSpPr txBox="1"/>
+          <p:nvPr/>
+        </p:nvSpPr>
+        <p:spPr>
+          <a:xfrm>
+            <a:off x="299160" y="1728000"/>
+            <a:ext cx="2004840" cy="360000"/>
+          </a:xfrm>
+          <a:prstGeom prst="rect">
+            <a:avLst/>
+          </a:prstGeom>
+        </p:spPr>
+        <p:txBody>
+          <a:bodyPr wrap="none" lIns="90000" tIns="45000" rIns="90000" bIns="45000"/>
+          <a:lstStyle/>
+          <a:p>
+            <a:r>
+              <a:rPr lang="de-DE"/>
+              <a:t>Klassendiagramm</a:t>
+            </a:r>
+            <a:endParaRPr/>
+          </a:p>
+        </p:txBody>
+      </p:sp>
+      <p:sp>
+        <p:nvSpPr>
+          <p:cNvPr id="164" name="TextShape 5"/>
+          <p:cNvSpPr txBox="1"/>
+          <p:nvPr/>
+        </p:nvSpPr>
+        <p:spPr>
+          <a:xfrm>
+            <a:off x="310320" y="4194000"/>
+            <a:ext cx="5089680" cy="353880"/>
+          </a:xfrm>
+          <a:prstGeom prst="rect">
+            <a:avLst/>
+          </a:prstGeom>
+        </p:spPr>
+        <p:txBody>
+          <a:bodyPr wrap="none" lIns="90000" tIns="45000" rIns="90000" bIns="45000"/>
+          <a:lstStyle/>
+          <a:p>
+            <a:r>
+              <a:rPr lang="de-DE" b="1"/>
+              <a:t>Übung</a:t>
+            </a:r>
+            <a:r>
+              <a:rPr lang="de-DE"/>
+              <a:t>: Klassendiagramm mit Observer Pattern!</a:t>
+            </a:r>
+            <a:endParaRPr/>
+          </a:p>
+        </p:txBody>
+      </p:sp>
+      <p:pic>
+        <p:nvPicPr>
+          <p:cNvPr id="165" name="Grafik 164"/>
+          <p:cNvPicPr/>
+          <p:nvPr/>
+        </p:nvPicPr>
+        <p:blipFill>
+          <a:blip r:embed="rId3"/>
+          <a:stretch>
+            <a:fillRect/>
+          </a:stretch>
+        </p:blipFill>
+        <p:spPr>
+          <a:xfrm>
             <a:off x="5378760" y="4410000"/>
             <a:ext cx="3333240" cy="1638000"/>
           </a:xfrm>
@@ -4650,22 +4984,25 @@
       </p:pic>
     </p:spTree>
   </p:cSld>
+  <p:clrMapOvr>
+    <a:masterClrMapping/>
+  </p:clrMapOvr>
   <p:timing>
     <p:tnLst>
       <p:par>
-        <p:cTn dur="indefinite" id="25" nodeType="tmRoot" restart="never">
+        <p:cTn id="1" dur="indefinite" restart="never" nodeType="tmRoot">
           <p:childTnLst>
             <p:seq>
-              <p:cTn id="26" nodeType="mainSeq"/>
+              <p:cTn id="2" nodeType="mainSeq"/>
               <p:prevCondLst>
-                <p:cond delay="0" evt="onPrev">
+                <p:cond evt="onPrev" delay="0">
                   <p:tgtEl>
                     <p:sldTgt/>
                   </p:tgtEl>
                 </p:cond>
               </p:prevCondLst>
               <p:nextCondLst>
-                <p:cond delay="0" evt="onNext">
+                <p:cond evt="onNext" delay="0">
                   <p:tgtEl>
                     <p:sldTgt/>
                   </p:tgtEl>
@@ -4681,7 +5018,7 @@
 </file>
 
 <file path=ppt/slides/slide14.xml><?xml version="1.0" encoding="utf-8"?>
-<p:sld xmlns:a="http://schemas.openxmlformats.org/drawingml/2006/main" xmlns:p="http://schemas.openxmlformats.org/presentationml/2006/main" xmlns:r="http://schemas.openxmlformats.org/officeDocument/2006/relationships">
+<p:sld xmlns:a="http://schemas.openxmlformats.org/drawingml/2006/main" xmlns:r="http://schemas.openxmlformats.org/officeDocument/2006/relationships" xmlns:p="http://schemas.openxmlformats.org/presentationml/2006/main">
   <p:cSld>
     <p:spTree>
       <p:nvGrpSpPr>
@@ -4714,6 +5051,7 @@
         </p:spPr>
         <p:txBody>
           <a:bodyPr anchor="ctr"/>
+          <a:lstStyle/>
           <a:p>
             <a:r>
               <a:rPr lang="de-DE" sz="2800"/>
@@ -4740,6 +5078,7 @@
         </p:spPr>
         <p:txBody>
           <a:bodyPr anchor="ctr"/>
+          <a:lstStyle/>
           <a:p>
             <a:pPr>
               <a:lnSpc>
@@ -4749,7 +5088,7 @@
             <a:r>
               <a:rPr lang="de-DE" sz="1600">
                 <a:solidFill>
-                  <a:srgbClr val="8b8b8b"/>
+                  <a:srgbClr val="8B8B8B"/>
                 </a:solidFill>
                 <a:latin typeface="Calibri"/>
               </a:rPr>
@@ -4776,6 +5115,7 @@
         </p:spPr>
         <p:txBody>
           <a:bodyPr anchor="ctr"/>
+          <a:lstStyle/>
           <a:p>
             <a:pPr>
               <a:lnSpc>
@@ -4785,11 +5125,11 @@
             <a:fld id="{8EAAA753-2172-40C8-A8CC-3B979F284315}" type="slidenum">
               <a:rPr lang="de-DE" sz="1600">
                 <a:solidFill>
-                  <a:srgbClr val="8b8b8b"/>
-                </a:solidFill>
-                <a:latin typeface="Calibri"/>
-              </a:rPr>
-              <a:t>&lt;Nummer&gt;</a:t>
+                  <a:srgbClr val="8B8B8B"/>
+                </a:solidFill>
+                <a:latin typeface="Calibri"/>
+              </a:rPr>
+              <a:t>14</a:t>
             </a:fld>
             <a:endParaRPr/>
           </a:p>
@@ -4797,12 +5137,12 @@
       </p:sp>
       <p:pic>
         <p:nvPicPr>
-          <p:cNvPr descr="" id="169" name=""/>
+          <p:cNvPr id="169" name="Grafik 168"/>
           <p:cNvPicPr/>
           <p:nvPr/>
         </p:nvPicPr>
         <p:blipFill>
-          <a:blip r:embed="rId1"/>
+          <a:blip r:embed="rId2"/>
           <a:stretch>
             <a:fillRect/>
           </a:stretch>
@@ -4833,10 +5173,11 @@
           </a:prstGeom>
         </p:spPr>
         <p:txBody>
-          <a:bodyPr bIns="45000" lIns="90000" rIns="90000" tIns="45000" wrap="none"/>
-          <a:p>
-            <a:r>
-              <a:rPr b="1" lang="de-DE"/>
+          <a:bodyPr wrap="none" lIns="90000" tIns="45000" rIns="90000" bIns="45000"/>
+          <a:lstStyle/>
+          <a:p>
+            <a:r>
+              <a:rPr lang="de-DE" b="1"/>
               <a:t>Übung</a:t>
             </a:r>
             <a:r>
@@ -4849,22 +5190,25 @@
       </p:sp>
     </p:spTree>
   </p:cSld>
+  <p:clrMapOvr>
+    <a:masterClrMapping/>
+  </p:clrMapOvr>
   <p:timing>
     <p:tnLst>
       <p:par>
-        <p:cTn dur="indefinite" id="27" nodeType="tmRoot" restart="never">
+        <p:cTn id="1" dur="indefinite" restart="never" nodeType="tmRoot">
           <p:childTnLst>
             <p:seq>
-              <p:cTn id="28" nodeType="mainSeq"/>
+              <p:cTn id="2" nodeType="mainSeq"/>
               <p:prevCondLst>
-                <p:cond delay="0" evt="onPrev">
+                <p:cond evt="onPrev" delay="0">
                   <p:tgtEl>
                     <p:sldTgt/>
                   </p:tgtEl>
                 </p:cond>
               </p:prevCondLst>
               <p:nextCondLst>
-                <p:cond delay="0" evt="onNext">
+                <p:cond evt="onNext" delay="0">
                   <p:tgtEl>
                     <p:sldTgt/>
                   </p:tgtEl>
@@ -4880,7 +5224,7 @@
 </file>
 
 <file path=ppt/slides/slide15.xml><?xml version="1.0" encoding="utf-8"?>
-<p:sld xmlns:a="http://schemas.openxmlformats.org/drawingml/2006/main" xmlns:p="http://schemas.openxmlformats.org/presentationml/2006/main" xmlns:r="http://schemas.openxmlformats.org/officeDocument/2006/relationships">
+<p:sld xmlns:a="http://schemas.openxmlformats.org/drawingml/2006/main" xmlns:r="http://schemas.openxmlformats.org/officeDocument/2006/relationships" xmlns:p="http://schemas.openxmlformats.org/presentationml/2006/main">
   <p:cSld>
     <p:spTree>
       <p:nvGrpSpPr>
@@ -4913,6 +5257,7 @@
         </p:spPr>
         <p:txBody>
           <a:bodyPr anchor="ctr"/>
+          <a:lstStyle/>
           <a:p>
             <a:r>
               <a:rPr lang="de-DE" sz="2800"/>
@@ -4939,6 +5284,7 @@
         </p:spPr>
         <p:txBody>
           <a:bodyPr anchor="ctr"/>
+          <a:lstStyle/>
           <a:p>
             <a:pPr>
               <a:lnSpc>
@@ -4948,7 +5294,7 @@
             <a:r>
               <a:rPr lang="de-DE" sz="1600">
                 <a:solidFill>
-                  <a:srgbClr val="8b8b8b"/>
+                  <a:srgbClr val="8B8B8B"/>
                 </a:solidFill>
                 <a:latin typeface="Calibri"/>
               </a:rPr>
@@ -4975,6 +5321,7 @@
         </p:spPr>
         <p:txBody>
           <a:bodyPr anchor="ctr"/>
+          <a:lstStyle/>
           <a:p>
             <a:pPr>
               <a:lnSpc>
@@ -4984,11 +5331,11 @@
             <a:fld id="{21F40B49-374C-4D19-BD73-B10567E2CF2B}" type="slidenum">
               <a:rPr lang="de-DE" sz="1600">
                 <a:solidFill>
-                  <a:srgbClr val="8b8b8b"/>
-                </a:solidFill>
-                <a:latin typeface="Calibri"/>
-              </a:rPr>
-              <a:t>&lt;Nummer&gt;</a:t>
+                  <a:srgbClr val="8B8B8B"/>
+                </a:solidFill>
+                <a:latin typeface="Calibri"/>
+              </a:rPr>
+              <a:t>15</a:t>
             </a:fld>
             <a:endParaRPr/>
           </a:p>
@@ -4996,101 +5343,7 @@
       </p:sp>
       <p:pic>
         <p:nvPicPr>
-          <p:cNvPr descr="" id="174" name=""/>
-          <p:cNvPicPr/>
-          <p:nvPr/>
-        </p:nvPicPr>
-        <p:blipFill>
-          <a:blip r:embed="rId1"/>
-          <a:stretch>
-            <a:fillRect/>
-          </a:stretch>
-        </p:blipFill>
-        <p:spPr>
-          <a:xfrm>
-            <a:off x="1113480" y="2058120"/>
-            <a:ext cx="402480" cy="402480"/>
-          </a:xfrm>
-          <a:prstGeom prst="rect">
-            <a:avLst/>
-          </a:prstGeom>
-        </p:spPr>
-      </p:pic>
-      <p:sp>
-        <p:nvSpPr>
-          <p:cNvPr id="175" name="TextShape 4"/>
-          <p:cNvSpPr txBox="1"/>
-          <p:nvPr/>
-        </p:nvSpPr>
-        <p:spPr>
-          <a:xfrm>
-            <a:off x="792000" y="1512000"/>
-            <a:ext cx="1533960" cy="546120"/>
-          </a:xfrm>
-          <a:prstGeom prst="rect">
-            <a:avLst/>
-          </a:prstGeom>
-        </p:spPr>
-        <p:txBody>
-          <a:bodyPr bIns="45000" lIns="90000" rIns="90000" tIns="45000" wrap="none"/>
-          <a:p>
-            <a:r>
-              <a:rPr lang="de-DE" sz="3200"/>
-              <a:t>Vorteile</a:t>
-            </a:r>
-            <a:endParaRPr/>
-          </a:p>
-        </p:txBody>
-      </p:sp>
-      <p:sp>
-        <p:nvSpPr>
-          <p:cNvPr id="176" name="TextShape 5"/>
-          <p:cNvSpPr txBox="1"/>
-          <p:nvPr/>
-        </p:nvSpPr>
-        <p:spPr>
-          <a:xfrm>
-            <a:off x="1587960" y="2130120"/>
-            <a:ext cx="2444040" cy="1371960"/>
-          </a:xfrm>
-          <a:prstGeom prst="rect">
-            <a:avLst/>
-          </a:prstGeom>
-        </p:spPr>
-        <p:txBody>
-          <a:bodyPr bIns="45000" lIns="90000" rIns="90000" tIns="45000" wrap="none"/>
-          <a:p>
-            <a:r>
-              <a:rPr lang="de-DE"/>
-              <a:t>Zustandskonsistenz</a:t>
-            </a:r>
-            <a:endParaRPr/>
-          </a:p>
-          <a:p>
-            <a:endParaRPr/>
-          </a:p>
-          <a:p>
-            <a:r>
-              <a:rPr lang="de-DE"/>
-              <a:t>Modularität</a:t>
-            </a:r>
-            <a:endParaRPr/>
-          </a:p>
-          <a:p>
-            <a:endParaRPr/>
-          </a:p>
-          <a:p>
-            <a:r>
-              <a:rPr lang="de-DE"/>
-              <a:t>Wiederverwendbarkeit</a:t>
-            </a:r>
-            <a:endParaRPr/>
-          </a:p>
-        </p:txBody>
-      </p:sp>
-      <p:pic>
-        <p:nvPicPr>
-          <p:cNvPr descr="" id="177" name=""/>
+          <p:cNvPr id="174" name="Grafik 173"/>
           <p:cNvPicPr/>
           <p:nvPr/>
         </p:nvPicPr>
@@ -5102,6 +5355,102 @@
         </p:blipFill>
         <p:spPr>
           <a:xfrm>
+            <a:off x="1113480" y="2058120"/>
+            <a:ext cx="402480" cy="402480"/>
+          </a:xfrm>
+          <a:prstGeom prst="rect">
+            <a:avLst/>
+          </a:prstGeom>
+        </p:spPr>
+      </p:pic>
+      <p:sp>
+        <p:nvSpPr>
+          <p:cNvPr id="175" name="TextShape 4"/>
+          <p:cNvSpPr txBox="1"/>
+          <p:nvPr/>
+        </p:nvSpPr>
+        <p:spPr>
+          <a:xfrm>
+            <a:off x="792000" y="1512000"/>
+            <a:ext cx="1533960" cy="546120"/>
+          </a:xfrm>
+          <a:prstGeom prst="rect">
+            <a:avLst/>
+          </a:prstGeom>
+        </p:spPr>
+        <p:txBody>
+          <a:bodyPr wrap="none" lIns="90000" tIns="45000" rIns="90000" bIns="45000"/>
+          <a:lstStyle/>
+          <a:p>
+            <a:r>
+              <a:rPr lang="de-DE" sz="3200"/>
+              <a:t>Vorteile</a:t>
+            </a:r>
+            <a:endParaRPr/>
+          </a:p>
+        </p:txBody>
+      </p:sp>
+      <p:sp>
+        <p:nvSpPr>
+          <p:cNvPr id="176" name="TextShape 5"/>
+          <p:cNvSpPr txBox="1"/>
+          <p:nvPr/>
+        </p:nvSpPr>
+        <p:spPr>
+          <a:xfrm>
+            <a:off x="1587960" y="2130120"/>
+            <a:ext cx="2444040" cy="1371960"/>
+          </a:xfrm>
+          <a:prstGeom prst="rect">
+            <a:avLst/>
+          </a:prstGeom>
+        </p:spPr>
+        <p:txBody>
+          <a:bodyPr wrap="none" lIns="90000" tIns="45000" rIns="90000" bIns="45000"/>
+          <a:lstStyle/>
+          <a:p>
+            <a:r>
+              <a:rPr lang="de-DE"/>
+              <a:t>Zustandskonsistenz</a:t>
+            </a:r>
+            <a:endParaRPr/>
+          </a:p>
+          <a:p>
+            <a:endParaRPr/>
+          </a:p>
+          <a:p>
+            <a:r>
+              <a:rPr lang="de-DE"/>
+              <a:t>Modularität</a:t>
+            </a:r>
+            <a:endParaRPr/>
+          </a:p>
+          <a:p>
+            <a:endParaRPr/>
+          </a:p>
+          <a:p>
+            <a:r>
+              <a:rPr lang="de-DE"/>
+              <a:t>Wiederverwendbarkeit</a:t>
+            </a:r>
+            <a:endParaRPr/>
+          </a:p>
+        </p:txBody>
+      </p:sp>
+      <p:pic>
+        <p:nvPicPr>
+          <p:cNvPr id="177" name="Grafik 176"/>
+          <p:cNvPicPr/>
+          <p:nvPr/>
+        </p:nvPicPr>
+        <p:blipFill>
+          <a:blip r:embed="rId2"/>
+          <a:stretch>
+            <a:fillRect/>
+          </a:stretch>
+        </p:blipFill>
+        <p:spPr>
+          <a:xfrm>
             <a:off x="1113480" y="2562120"/>
             <a:ext cx="402480" cy="402480"/>
           </a:xfrm>
@@ -5112,7 +5461,93 @@
       </p:pic>
       <p:pic>
         <p:nvPicPr>
-          <p:cNvPr descr="" id="178" name=""/>
+          <p:cNvPr id="178" name="Grafik 177"/>
+          <p:cNvPicPr/>
+          <p:nvPr/>
+        </p:nvPicPr>
+        <p:blipFill>
+          <a:blip r:embed="rId2"/>
+          <a:stretch>
+            <a:fillRect/>
+          </a:stretch>
+        </p:blipFill>
+        <p:spPr>
+          <a:xfrm>
+            <a:off x="1155960" y="3095640"/>
+            <a:ext cx="402480" cy="402480"/>
+          </a:xfrm>
+          <a:prstGeom prst="rect">
+            <a:avLst/>
+          </a:prstGeom>
+        </p:spPr>
+      </p:pic>
+      <p:sp>
+        <p:nvSpPr>
+          <p:cNvPr id="179" name="TextShape 6"/>
+          <p:cNvSpPr txBox="1"/>
+          <p:nvPr/>
+        </p:nvSpPr>
+        <p:spPr>
+          <a:xfrm>
+            <a:off x="1632960" y="4540680"/>
+            <a:ext cx="2831040" cy="859320"/>
+          </a:xfrm>
+          <a:prstGeom prst="rect">
+            <a:avLst/>
+          </a:prstGeom>
+        </p:spPr>
+        <p:txBody>
+          <a:bodyPr wrap="none" lIns="90000" tIns="45000" rIns="90000" bIns="45000"/>
+          <a:lstStyle/>
+          <a:p>
+            <a:r>
+              <a:rPr lang="de-DE"/>
+              <a:t>Aktualisierungszyklen</a:t>
+            </a:r>
+            <a:endParaRPr/>
+          </a:p>
+          <a:p>
+            <a:endParaRPr/>
+          </a:p>
+          <a:p>
+            <a:r>
+              <a:rPr lang="de-DE"/>
+              <a:t>Abmeldung vom Observer</a:t>
+            </a:r>
+            <a:endParaRPr/>
+          </a:p>
+        </p:txBody>
+      </p:sp>
+      <p:sp>
+        <p:nvSpPr>
+          <p:cNvPr id="180" name="TextShape 7"/>
+          <p:cNvSpPr txBox="1"/>
+          <p:nvPr/>
+        </p:nvSpPr>
+        <p:spPr>
+          <a:xfrm>
+            <a:off x="790200" y="3878640"/>
+            <a:ext cx="1873800" cy="546120"/>
+          </a:xfrm>
+          <a:prstGeom prst="rect">
+            <a:avLst/>
+          </a:prstGeom>
+        </p:spPr>
+        <p:txBody>
+          <a:bodyPr wrap="none" lIns="90000" tIns="45000" rIns="90000" bIns="45000"/>
+          <a:lstStyle/>
+          <a:p>
+            <a:r>
+              <a:rPr lang="de-DE" sz="3200"/>
+              <a:t>Nachteile</a:t>
+            </a:r>
+            <a:endParaRPr/>
+          </a:p>
+        </p:txBody>
+      </p:sp>
+      <p:pic>
+        <p:nvPicPr>
+          <p:cNvPr id="181" name="Grafik 180"/>
           <p:cNvPicPr/>
           <p:nvPr/>
         </p:nvPicPr>
@@ -5124,112 +5559,28 @@
         </p:blipFill>
         <p:spPr>
           <a:xfrm>
-            <a:off x="1155960" y="3095640"/>
-            <a:ext cx="402480" cy="402480"/>
+            <a:off x="1197360" y="4509360"/>
+            <a:ext cx="386640" cy="386640"/>
           </a:xfrm>
           <a:prstGeom prst="rect">
             <a:avLst/>
           </a:prstGeom>
         </p:spPr>
       </p:pic>
-      <p:sp>
-        <p:nvSpPr>
-          <p:cNvPr id="179" name="TextShape 6"/>
-          <p:cNvSpPr txBox="1"/>
-          <p:nvPr/>
-        </p:nvSpPr>
-        <p:spPr>
-          <a:xfrm>
-            <a:off x="1632960" y="4540680"/>
-            <a:ext cx="2831040" cy="859320"/>
-          </a:xfrm>
-          <a:prstGeom prst="rect">
-            <a:avLst/>
-          </a:prstGeom>
-        </p:spPr>
-        <p:txBody>
-          <a:bodyPr bIns="45000" lIns="90000" rIns="90000" tIns="45000" wrap="none"/>
-          <a:p>
-            <a:r>
-              <a:rPr lang="de-DE"/>
-              <a:t>Aktualisierungszyklen</a:t>
-            </a:r>
-            <a:endParaRPr/>
-          </a:p>
-          <a:p>
-            <a:endParaRPr/>
-          </a:p>
-          <a:p>
-            <a:r>
-              <a:rPr lang="de-DE"/>
-              <a:t>Abmeldung vom Observer</a:t>
-            </a:r>
-            <a:endParaRPr/>
-          </a:p>
-        </p:txBody>
-      </p:sp>
-      <p:sp>
-        <p:nvSpPr>
-          <p:cNvPr id="180" name="TextShape 7"/>
-          <p:cNvSpPr txBox="1"/>
-          <p:nvPr/>
-        </p:nvSpPr>
-        <p:spPr>
-          <a:xfrm>
-            <a:off x="790200" y="3878640"/>
-            <a:ext cx="1873800" cy="546120"/>
-          </a:xfrm>
-          <a:prstGeom prst="rect">
-            <a:avLst/>
-          </a:prstGeom>
-        </p:spPr>
-        <p:txBody>
-          <a:bodyPr bIns="45000" lIns="90000" rIns="90000" tIns="45000" wrap="none"/>
-          <a:p>
-            <a:r>
-              <a:rPr lang="de-DE" sz="3200"/>
-              <a:t>Nachteile</a:t>
-            </a:r>
-            <a:endParaRPr/>
-          </a:p>
-        </p:txBody>
-      </p:sp>
       <p:pic>
         <p:nvPicPr>
-          <p:cNvPr descr="" id="181" name=""/>
+          <p:cNvPr id="182" name="Grafik 181"/>
           <p:cNvPicPr/>
           <p:nvPr/>
         </p:nvPicPr>
         <p:blipFill>
-          <a:blip r:embed="rId4"/>
+          <a:blip r:embed="rId3"/>
           <a:stretch>
             <a:fillRect/>
           </a:stretch>
         </p:blipFill>
         <p:spPr>
           <a:xfrm>
-            <a:off x="1197360" y="4509360"/>
-            <a:ext cx="386640" cy="386640"/>
-          </a:xfrm>
-          <a:prstGeom prst="rect">
-            <a:avLst/>
-          </a:prstGeom>
-        </p:spPr>
-      </p:pic>
-      <p:pic>
-        <p:nvPicPr>
-          <p:cNvPr descr="" id="182" name=""/>
-          <p:cNvPicPr/>
-          <p:nvPr/>
-        </p:nvPicPr>
-        <p:blipFill>
-          <a:blip r:embed="rId5"/>
-          <a:stretch>
-            <a:fillRect/>
-          </a:stretch>
-        </p:blipFill>
-        <p:spPr>
-          <a:xfrm>
             <a:off x="1197360" y="5013360"/>
             <a:ext cx="386640" cy="386640"/>
           </a:xfrm>
@@ -5240,22 +5591,25 @@
       </p:pic>
     </p:spTree>
   </p:cSld>
+  <p:clrMapOvr>
+    <a:masterClrMapping/>
+  </p:clrMapOvr>
   <p:timing>
     <p:tnLst>
       <p:par>
-        <p:cTn dur="indefinite" id="29" nodeType="tmRoot" restart="never">
+        <p:cTn id="1" dur="indefinite" restart="never" nodeType="tmRoot">
           <p:childTnLst>
             <p:seq>
-              <p:cTn id="30" nodeType="mainSeq"/>
+              <p:cTn id="2" nodeType="mainSeq"/>
               <p:prevCondLst>
-                <p:cond delay="0" evt="onPrev">
+                <p:cond evt="onPrev" delay="0">
                   <p:tgtEl>
                     <p:sldTgt/>
                   </p:tgtEl>
                 </p:cond>
               </p:prevCondLst>
               <p:nextCondLst>
-                <p:cond delay="0" evt="onNext">
+                <p:cond evt="onNext" delay="0">
                   <p:tgtEl>
                     <p:sldTgt/>
                   </p:tgtEl>
@@ -5271,7 +5625,7 @@
 </file>
 
 <file path=ppt/slides/slide16.xml><?xml version="1.0" encoding="utf-8"?>
-<p:sld xmlns:a="http://schemas.openxmlformats.org/drawingml/2006/main" xmlns:p="http://schemas.openxmlformats.org/presentationml/2006/main" xmlns:r="http://schemas.openxmlformats.org/officeDocument/2006/relationships">
+<p:sld xmlns:a="http://schemas.openxmlformats.org/drawingml/2006/main" xmlns:r="http://schemas.openxmlformats.org/officeDocument/2006/relationships" xmlns:p="http://schemas.openxmlformats.org/presentationml/2006/main">
   <p:cSld>
     <p:spTree>
       <p:nvGrpSpPr>
@@ -5304,6 +5658,7 @@
         </p:spPr>
         <p:txBody>
           <a:bodyPr anchor="ctr"/>
+          <a:lstStyle/>
           <a:p>
             <a:pPr algn="ctr">
               <a:lnSpc>
@@ -5325,11 +5680,14 @@
       </p:sp>
     </p:spTree>
   </p:cSld>
+  <p:clrMapOvr>
+    <a:masterClrMapping/>
+  </p:clrMapOvr>
 </p:sld>
 </file>
 
 <file path=ppt/slides/slide17.xml><?xml version="1.0" encoding="utf-8"?>
-<p:sld xmlns:a="http://schemas.openxmlformats.org/drawingml/2006/main" xmlns:p="http://schemas.openxmlformats.org/presentationml/2006/main" xmlns:r="http://schemas.openxmlformats.org/officeDocument/2006/relationships">
+<p:sld xmlns:a="http://schemas.openxmlformats.org/drawingml/2006/main" xmlns:r="http://schemas.openxmlformats.org/officeDocument/2006/relationships" xmlns:p="http://schemas.openxmlformats.org/presentationml/2006/main">
   <p:cSld>
     <p:spTree>
       <p:nvGrpSpPr>
@@ -5362,6 +5720,7 @@
         </p:spPr>
         <p:txBody>
           <a:bodyPr anchor="ctr"/>
+          <a:lstStyle/>
           <a:p>
             <a:pPr>
               <a:lnSpc>
@@ -5398,6 +5757,7 @@
         </p:spPr>
         <p:txBody>
           <a:bodyPr/>
+          <a:lstStyle/>
           <a:p>
             <a:pPr>
               <a:lnSpc>
@@ -5531,6 +5891,7 @@
         </p:spPr>
         <p:txBody>
           <a:bodyPr anchor="ctr"/>
+          <a:lstStyle/>
           <a:p>
             <a:pPr>
               <a:lnSpc>
@@ -5540,7 +5901,7 @@
             <a:r>
               <a:rPr lang="de-DE" sz="1600">
                 <a:solidFill>
-                  <a:srgbClr val="8b8b8b"/>
+                  <a:srgbClr val="8B8B8B"/>
                 </a:solidFill>
                 <a:latin typeface="Calibri"/>
               </a:rPr>
@@ -5567,6 +5928,7 @@
         </p:spPr>
         <p:txBody>
           <a:bodyPr anchor="ctr"/>
+          <a:lstStyle/>
           <a:p>
             <a:pPr>
               <a:lnSpc>
@@ -5576,11 +5938,11 @@
             <a:fld id="{5BF6EBF9-0DA3-47BD-812C-46104C0B51C7}" type="slidenum">
               <a:rPr lang="de-DE" sz="1600">
                 <a:solidFill>
-                  <a:srgbClr val="8b8b8b"/>
-                </a:solidFill>
-                <a:latin typeface="Calibri"/>
-              </a:rPr>
-              <a:t>&lt;Nummer&gt;</a:t>
+                  <a:srgbClr val="8B8B8B"/>
+                </a:solidFill>
+                <a:latin typeface="Calibri"/>
+              </a:rPr>
+              <a:t>17</a:t>
             </a:fld>
             <a:endParaRPr/>
           </a:p>
@@ -5588,11 +5950,14 @@
       </p:sp>
     </p:spTree>
   </p:cSld>
+  <p:clrMapOvr>
+    <a:masterClrMapping/>
+  </p:clrMapOvr>
 </p:sld>
 </file>
 
 <file path=ppt/slides/slide18.xml><?xml version="1.0" encoding="utf-8"?>
-<p:sld xmlns:a="http://schemas.openxmlformats.org/drawingml/2006/main" xmlns:p="http://schemas.openxmlformats.org/presentationml/2006/main" xmlns:r="http://schemas.openxmlformats.org/officeDocument/2006/relationships">
+<p:sld xmlns:a="http://schemas.openxmlformats.org/drawingml/2006/main" xmlns:r="http://schemas.openxmlformats.org/officeDocument/2006/relationships" xmlns:p="http://schemas.openxmlformats.org/presentationml/2006/main">
   <p:cSld>
     <p:spTree>
       <p:nvGrpSpPr>
@@ -5625,6 +5990,7 @@
         </p:spPr>
         <p:txBody>
           <a:bodyPr anchor="ctr"/>
+          <a:lstStyle/>
           <a:p>
             <a:pPr>
               <a:lnSpc>
@@ -5661,6 +6027,7 @@
         </p:spPr>
         <p:txBody>
           <a:bodyPr/>
+          <a:lstStyle/>
           <a:p>
             <a:pPr>
               <a:lnSpc>
@@ -5772,6 +6139,7 @@
         </p:spPr>
         <p:txBody>
           <a:bodyPr anchor="ctr"/>
+          <a:lstStyle/>
           <a:p>
             <a:pPr>
               <a:lnSpc>
@@ -5781,7 +6149,7 @@
             <a:r>
               <a:rPr lang="de-DE" sz="1600">
                 <a:solidFill>
-                  <a:srgbClr val="8b8b8b"/>
+                  <a:srgbClr val="8B8B8B"/>
                 </a:solidFill>
                 <a:latin typeface="Calibri"/>
               </a:rPr>
@@ -5808,6 +6176,7 @@
         </p:spPr>
         <p:txBody>
           <a:bodyPr anchor="ctr"/>
+          <a:lstStyle/>
           <a:p>
             <a:pPr>
               <a:lnSpc>
@@ -5817,11 +6186,11 @@
             <a:fld id="{09D06BB2-807A-43F3-8624-347B9CF899EB}" type="slidenum">
               <a:rPr lang="de-DE" sz="1600">
                 <a:solidFill>
-                  <a:srgbClr val="8b8b8b"/>
-                </a:solidFill>
-                <a:latin typeface="Calibri"/>
-              </a:rPr>
-              <a:t>&lt;Nummer&gt;</a:t>
+                  <a:srgbClr val="8B8B8B"/>
+                </a:solidFill>
+                <a:latin typeface="Calibri"/>
+              </a:rPr>
+              <a:t>18</a:t>
             </a:fld>
             <a:endParaRPr/>
           </a:p>
@@ -5829,11 +6198,14 @@
       </p:sp>
     </p:spTree>
   </p:cSld>
+  <p:clrMapOvr>
+    <a:masterClrMapping/>
+  </p:clrMapOvr>
 </p:sld>
 </file>
 
 <file path=ppt/slides/slide19.xml><?xml version="1.0" encoding="utf-8"?>
-<p:sld xmlns:a="http://schemas.openxmlformats.org/drawingml/2006/main" xmlns:p="http://schemas.openxmlformats.org/presentationml/2006/main" xmlns:r="http://schemas.openxmlformats.org/officeDocument/2006/relationships">
+<p:sld xmlns:a="http://schemas.openxmlformats.org/drawingml/2006/main" xmlns:r="http://schemas.openxmlformats.org/officeDocument/2006/relationships" xmlns:p="http://schemas.openxmlformats.org/presentationml/2006/main">
   <p:cSld>
     <p:spTree>
       <p:nvGrpSpPr>
@@ -5866,6 +6238,7 @@
         </p:spPr>
         <p:txBody>
           <a:bodyPr anchor="ctr"/>
+          <a:lstStyle/>
           <a:p>
             <a:pPr>
               <a:lnSpc>
@@ -5902,6 +6275,7 @@
         </p:spPr>
         <p:txBody>
           <a:bodyPr/>
+          <a:lstStyle/>
           <a:p>
             <a:pPr>
               <a:lnSpc>
@@ -5948,6 +6322,7 @@
         </p:spPr>
         <p:txBody>
           <a:bodyPr anchor="ctr"/>
+          <a:lstStyle/>
           <a:p>
             <a:pPr>
               <a:lnSpc>
@@ -5957,7 +6332,7 @@
             <a:r>
               <a:rPr lang="de-DE" sz="1600">
                 <a:solidFill>
-                  <a:srgbClr val="8b8b8b"/>
+                  <a:srgbClr val="8B8B8B"/>
                 </a:solidFill>
                 <a:latin typeface="Calibri"/>
               </a:rPr>
@@ -5984,6 +6359,7 @@
         </p:spPr>
         <p:txBody>
           <a:bodyPr anchor="ctr"/>
+          <a:lstStyle/>
           <a:p>
             <a:pPr>
               <a:lnSpc>
@@ -5993,11 +6369,11 @@
             <a:fld id="{04E14C36-E89E-4AE3-B5E7-D8FE26CD0188}" type="slidenum">
               <a:rPr lang="de-DE" sz="1600">
                 <a:solidFill>
-                  <a:srgbClr val="8b8b8b"/>
-                </a:solidFill>
-                <a:latin typeface="Calibri"/>
-              </a:rPr>
-              <a:t>&lt;Nummer&gt;</a:t>
+                  <a:srgbClr val="8B8B8B"/>
+                </a:solidFill>
+                <a:latin typeface="Calibri"/>
+              </a:rPr>
+              <a:t>19</a:t>
             </a:fld>
             <a:endParaRPr/>
           </a:p>
@@ -6005,12 +6381,12 @@
       </p:sp>
       <p:pic>
         <p:nvPicPr>
-          <p:cNvPr descr="" id="196" name="Picture 2"/>
+          <p:cNvPr id="196" name="Picture 2"/>
           <p:cNvPicPr/>
           <p:nvPr/>
         </p:nvPicPr>
         <p:blipFill>
-          <a:blip r:embed="rId1"/>
+          <a:blip r:embed="rId2"/>
           <a:stretch>
             <a:fillRect/>
           </a:stretch>
@@ -6027,11 +6403,14 @@
       </p:pic>
     </p:spTree>
   </p:cSld>
+  <p:clrMapOvr>
+    <a:masterClrMapping/>
+  </p:clrMapOvr>
 </p:sld>
 </file>
 
 <file path=ppt/slides/slide2.xml><?xml version="1.0" encoding="utf-8"?>
-<p:sld xmlns:a="http://schemas.openxmlformats.org/drawingml/2006/main" xmlns:p="http://schemas.openxmlformats.org/presentationml/2006/main" xmlns:r="http://schemas.openxmlformats.org/officeDocument/2006/relationships">
+<p:sld xmlns:a="http://schemas.openxmlformats.org/drawingml/2006/main" xmlns:r="http://schemas.openxmlformats.org/officeDocument/2006/relationships" xmlns:p="http://schemas.openxmlformats.org/presentationml/2006/main">
   <p:cSld>
     <p:spTree>
       <p:nvGrpSpPr>
@@ -6064,6 +6443,7 @@
         </p:spPr>
         <p:txBody>
           <a:bodyPr anchor="ctr"/>
+          <a:lstStyle/>
           <a:p>
             <a:r>
               <a:rPr lang="de-DE" sz="2800"/>
@@ -6090,6 +6470,7 @@
         </p:spPr>
         <p:txBody>
           <a:bodyPr/>
+          <a:lstStyle/>
           <a:p>
             <a:pPr>
               <a:buSzPct val="25000"/>
@@ -6097,7 +6478,7 @@
               <a:buChar char=""/>
             </a:pPr>
             <a:r>
-              <a:rPr b="1" lang="de-DE" sz="2600" u="sng"/>
+              <a:rPr lang="de-DE" sz="2600" b="1" u="sng"/>
               <a:t>Agenda</a:t>
             </a:r>
             <a:endParaRPr/>
@@ -6181,6 +6562,7 @@
         </p:spPr>
         <p:txBody>
           <a:bodyPr anchor="ctr"/>
+          <a:lstStyle/>
           <a:p>
             <a:pPr>
               <a:lnSpc>
@@ -6190,7 +6572,7 @@
             <a:r>
               <a:rPr lang="de-DE" sz="1600">
                 <a:solidFill>
-                  <a:srgbClr val="8b8b8b"/>
+                  <a:srgbClr val="8B8B8B"/>
                 </a:solidFill>
                 <a:latin typeface="Calibri"/>
               </a:rPr>
@@ -6217,6 +6599,7 @@
         </p:spPr>
         <p:txBody>
           <a:bodyPr anchor="ctr"/>
+          <a:lstStyle/>
           <a:p>
             <a:pPr>
               <a:lnSpc>
@@ -6226,11 +6609,11 @@
             <a:fld id="{1686B254-990E-4EED-821A-C5E4DE00489E}" type="slidenum">
               <a:rPr lang="de-DE" sz="1600">
                 <a:solidFill>
-                  <a:srgbClr val="8b8b8b"/>
-                </a:solidFill>
-                <a:latin typeface="Calibri"/>
-              </a:rPr>
-              <a:t>&lt;Nummer&gt;</a:t>
+                  <a:srgbClr val="8B8B8B"/>
+                </a:solidFill>
+                <a:latin typeface="Calibri"/>
+              </a:rPr>
+              <a:t>2</a:t>
             </a:fld>
             <a:endParaRPr/>
           </a:p>
@@ -6238,22 +6621,25 @@
       </p:sp>
     </p:spTree>
   </p:cSld>
+  <p:clrMapOvr>
+    <a:masterClrMapping/>
+  </p:clrMapOvr>
   <p:timing>
     <p:tnLst>
       <p:par>
-        <p:cTn dur="indefinite" id="3" nodeType="tmRoot" restart="never">
+        <p:cTn id="1" dur="indefinite" restart="never" nodeType="tmRoot">
           <p:childTnLst>
             <p:seq>
-              <p:cTn id="4" nodeType="mainSeq"/>
+              <p:cTn id="2" nodeType="mainSeq"/>
               <p:prevCondLst>
-                <p:cond delay="0" evt="onPrev">
+                <p:cond evt="onPrev" delay="0">
                   <p:tgtEl>
                     <p:sldTgt/>
                   </p:tgtEl>
                 </p:cond>
               </p:prevCondLst>
               <p:nextCondLst>
-                <p:cond delay="0" evt="onNext">
+                <p:cond evt="onNext" delay="0">
                   <p:tgtEl>
                     <p:sldTgt/>
                   </p:tgtEl>
@@ -6269,7 +6655,7 @@
 </file>
 
 <file path=ppt/slides/slide20.xml><?xml version="1.0" encoding="utf-8"?>
-<p:sld xmlns:a="http://schemas.openxmlformats.org/drawingml/2006/main" xmlns:p="http://schemas.openxmlformats.org/presentationml/2006/main" xmlns:r="http://schemas.openxmlformats.org/officeDocument/2006/relationships">
+<p:sld xmlns:a="http://schemas.openxmlformats.org/drawingml/2006/main" xmlns:r="http://schemas.openxmlformats.org/officeDocument/2006/relationships" xmlns:p="http://schemas.openxmlformats.org/presentationml/2006/main">
   <p:cSld>
     <p:spTree>
       <p:nvGrpSpPr>
@@ -6302,6 +6688,7 @@
         </p:spPr>
         <p:txBody>
           <a:bodyPr anchor="ctr"/>
+          <a:lstStyle/>
           <a:p>
             <a:pPr>
               <a:lnSpc>
@@ -6338,6 +6725,7 @@
         </p:spPr>
         <p:txBody>
           <a:bodyPr anchor="ctr"/>
+          <a:lstStyle/>
           <a:p>
             <a:pPr>
               <a:lnSpc>
@@ -6347,7 +6735,7 @@
             <a:r>
               <a:rPr lang="de-DE" sz="1600">
                 <a:solidFill>
-                  <a:srgbClr val="8b8b8b"/>
+                  <a:srgbClr val="8B8B8B"/>
                 </a:solidFill>
                 <a:latin typeface="Calibri"/>
               </a:rPr>
@@ -6374,6 +6762,7 @@
         </p:spPr>
         <p:txBody>
           <a:bodyPr anchor="ctr"/>
+          <a:lstStyle/>
           <a:p>
             <a:pPr>
               <a:lnSpc>
@@ -6383,11 +6772,11 @@
             <a:fld id="{6F2656EA-CD87-45A7-96B4-7F8F23ECF7BA}" type="slidenum">
               <a:rPr lang="de-DE" sz="1600">
                 <a:solidFill>
-                  <a:srgbClr val="8b8b8b"/>
-                </a:solidFill>
-                <a:latin typeface="Calibri"/>
-              </a:rPr>
-              <a:t>&lt;Nummer&gt;</a:t>
+                  <a:srgbClr val="8B8B8B"/>
+                </a:solidFill>
+                <a:latin typeface="Calibri"/>
+              </a:rPr>
+              <a:t>20</a:t>
             </a:fld>
             <a:endParaRPr/>
           </a:p>
@@ -6410,6 +6799,7 @@
         </p:spPr>
         <p:txBody>
           <a:bodyPr/>
+          <a:lstStyle/>
           <a:p>
             <a:pPr algn="ctr">
               <a:lnSpc>
@@ -6444,7 +6834,7 @@
             <a:avLst/>
           </a:prstGeom>
           <a:solidFill>
-            <a:srgbClr val="d7e4bd"/>
+            <a:srgbClr val="D7E4BD"/>
           </a:solidFill>
           <a:ln w="12600">
             <a:solidFill>
@@ -6454,7 +6844,8 @@
           </a:ln>
         </p:spPr>
         <p:txBody>
-          <a:bodyPr bIns="45000" lIns="90000" rIns="90000" tIns="45000"/>
+          <a:bodyPr lIns="90000" tIns="45000" rIns="90000" bIns="45000"/>
+          <a:lstStyle/>
           <a:p>
             <a:pPr algn="ctr">
               <a:lnSpc>
@@ -6489,7 +6880,7 @@
             <a:avLst/>
           </a:prstGeom>
           <a:solidFill>
-            <a:srgbClr val="fac090"/>
+            <a:srgbClr val="FAC090"/>
           </a:solidFill>
           <a:ln w="12600">
             <a:solidFill>
@@ -6499,7 +6890,8 @@
           </a:ln>
         </p:spPr>
         <p:txBody>
-          <a:bodyPr bIns="45000" lIns="90000" rIns="90000" tIns="45000"/>
+          <a:bodyPr lIns="90000" tIns="45000" rIns="90000" bIns="45000"/>
+          <a:lstStyle/>
           <a:p>
             <a:pPr algn="ctr">
               <a:lnSpc>
@@ -6521,11 +6913,14 @@
       </p:sp>
     </p:spTree>
   </p:cSld>
+  <p:clrMapOvr>
+    <a:masterClrMapping/>
+  </p:clrMapOvr>
 </p:sld>
 </file>
 
 <file path=ppt/slides/slide21.xml><?xml version="1.0" encoding="utf-8"?>
-<p:sld xmlns:a="http://schemas.openxmlformats.org/drawingml/2006/main" xmlns:p="http://schemas.openxmlformats.org/presentationml/2006/main" xmlns:r="http://schemas.openxmlformats.org/officeDocument/2006/relationships">
+<p:sld xmlns:a="http://schemas.openxmlformats.org/drawingml/2006/main" xmlns:r="http://schemas.openxmlformats.org/officeDocument/2006/relationships" xmlns:p="http://schemas.openxmlformats.org/presentationml/2006/main">
   <p:cSld>
     <p:spTree>
       <p:nvGrpSpPr>
@@ -6558,6 +6953,7 @@
         </p:spPr>
         <p:txBody>
           <a:bodyPr anchor="ctr"/>
+          <a:lstStyle/>
           <a:p>
             <a:pPr>
               <a:lnSpc>
@@ -6594,6 +6990,7 @@
         </p:spPr>
         <p:txBody>
           <a:bodyPr anchor="ctr"/>
+          <a:lstStyle/>
           <a:p>
             <a:pPr>
               <a:lnSpc>
@@ -6603,7 +7000,7 @@
             <a:r>
               <a:rPr lang="de-DE" sz="1600">
                 <a:solidFill>
-                  <a:srgbClr val="8b8b8b"/>
+                  <a:srgbClr val="8B8B8B"/>
                 </a:solidFill>
                 <a:latin typeface="Calibri"/>
               </a:rPr>
@@ -6630,6 +7027,7 @@
         </p:spPr>
         <p:txBody>
           <a:bodyPr anchor="ctr"/>
+          <a:lstStyle/>
           <a:p>
             <a:pPr>
               <a:lnSpc>
@@ -6639,11 +7037,11 @@
             <a:fld id="{1F05ABD0-090A-4195-8BBF-545B13BA0E07}" type="slidenum">
               <a:rPr lang="de-DE" sz="1600">
                 <a:solidFill>
-                  <a:srgbClr val="8b8b8b"/>
-                </a:solidFill>
-                <a:latin typeface="Calibri"/>
-              </a:rPr>
-              <a:t>&lt;Nummer&gt;</a:t>
+                  <a:srgbClr val="8B8B8B"/>
+                </a:solidFill>
+                <a:latin typeface="Calibri"/>
+              </a:rPr>
+              <a:t>21</a:t>
             </a:fld>
             <a:endParaRPr/>
           </a:p>
@@ -6666,6 +7064,7 @@
         </p:spPr>
         <p:txBody>
           <a:bodyPr/>
+          <a:lstStyle/>
           <a:p>
             <a:pPr algn="ctr">
               <a:lnSpc>
@@ -6700,7 +7099,7 @@
             <a:avLst/>
           </a:prstGeom>
           <a:solidFill>
-            <a:srgbClr val="d7e4bd"/>
+            <a:srgbClr val="D7E4BD"/>
           </a:solidFill>
           <a:ln w="12600">
             <a:solidFill>
@@ -6710,7 +7109,8 @@
           </a:ln>
         </p:spPr>
         <p:txBody>
-          <a:bodyPr bIns="45000" lIns="90000" rIns="90000" tIns="45000"/>
+          <a:bodyPr lIns="90000" tIns="45000" rIns="90000" bIns="45000"/>
+          <a:lstStyle/>
           <a:p>
             <a:pPr algn="ctr">
               <a:lnSpc>
@@ -6745,7 +7145,7 @@
             <a:avLst/>
           </a:prstGeom>
           <a:solidFill>
-            <a:srgbClr val="fac090"/>
+            <a:srgbClr val="FAC090"/>
           </a:solidFill>
           <a:ln w="12600">
             <a:solidFill>
@@ -6755,7 +7155,8 @@
           </a:ln>
         </p:spPr>
         <p:txBody>
-          <a:bodyPr bIns="45000" lIns="90000" rIns="90000" tIns="45000"/>
+          <a:bodyPr lIns="90000" tIns="45000" rIns="90000" bIns="45000"/>
+          <a:lstStyle/>
           <a:p>
             <a:pPr algn="ctr">
               <a:lnSpc>
@@ -6777,11 +7178,14 @@
       </p:sp>
     </p:spTree>
   </p:cSld>
+  <p:clrMapOvr>
+    <a:masterClrMapping/>
+  </p:clrMapOvr>
 </p:sld>
 </file>
 
 <file path=ppt/slides/slide22.xml><?xml version="1.0" encoding="utf-8"?>
-<p:sld xmlns:a="http://schemas.openxmlformats.org/drawingml/2006/main" xmlns:p="http://schemas.openxmlformats.org/presentationml/2006/main" xmlns:r="http://schemas.openxmlformats.org/officeDocument/2006/relationships">
+<p:sld xmlns:a="http://schemas.openxmlformats.org/drawingml/2006/main" xmlns:r="http://schemas.openxmlformats.org/officeDocument/2006/relationships" xmlns:p="http://schemas.openxmlformats.org/presentationml/2006/main">
   <p:cSld>
     <p:spTree>
       <p:nvGrpSpPr>
@@ -6814,14 +7218,15 @@
         </p:spPr>
         <p:txBody>
           <a:bodyPr anchor="ctr"/>
-          <a:p>
-            <a:pPr>
-              <a:lnSpc>
-                <a:spcPct val="100000"/>
-              </a:lnSpc>
-            </a:pPr>
-            <a:r>
-              <a:rPr b="1" lang="de-DE" sz="4800">
+          <a:lstStyle/>
+          <a:p>
+            <a:pPr>
+              <a:lnSpc>
+                <a:spcPct val="100000"/>
+              </a:lnSpc>
+            </a:pPr>
+            <a:r>
+              <a:rPr lang="de-DE" sz="4800" b="1">
                 <a:solidFill>
                   <a:srgbClr val="000000"/>
                 </a:solidFill>
@@ -6850,6 +7255,7 @@
         </p:spPr>
         <p:txBody>
           <a:bodyPr anchor="ctr"/>
+          <a:lstStyle/>
           <a:p>
             <a:pPr>
               <a:lnSpc>
@@ -6859,7 +7265,7 @@
             <a:r>
               <a:rPr lang="de-DE" sz="1600">
                 <a:solidFill>
-                  <a:srgbClr val="8b8b8b"/>
+                  <a:srgbClr val="8B8B8B"/>
                 </a:solidFill>
                 <a:latin typeface="Calibri"/>
               </a:rPr>
@@ -6886,6 +7292,7 @@
         </p:spPr>
         <p:txBody>
           <a:bodyPr anchor="ctr"/>
+          <a:lstStyle/>
           <a:p>
             <a:pPr>
               <a:lnSpc>
@@ -6895,11 +7302,11 @@
             <a:fld id="{1735394D-B3A8-40E8-B0A3-3647B426799C}" type="slidenum">
               <a:rPr lang="de-DE" sz="1600">
                 <a:solidFill>
-                  <a:srgbClr val="8b8b8b"/>
-                </a:solidFill>
-                <a:latin typeface="Calibri"/>
-              </a:rPr>
-              <a:t>&lt;Nummer&gt;</a:t>
+                  <a:srgbClr val="8B8B8B"/>
+                </a:solidFill>
+                <a:latin typeface="Calibri"/>
+              </a:rPr>
+              <a:t>22</a:t>
             </a:fld>
             <a:endParaRPr/>
           </a:p>
@@ -6907,11 +7314,14 @@
       </p:sp>
     </p:spTree>
   </p:cSld>
+  <p:clrMapOvr>
+    <a:masterClrMapping/>
+  </p:clrMapOvr>
 </p:sld>
 </file>
 
 <file path=ppt/slides/slide23.xml><?xml version="1.0" encoding="utf-8"?>
-<p:sld xmlns:a="http://schemas.openxmlformats.org/drawingml/2006/main" xmlns:p="http://schemas.openxmlformats.org/presentationml/2006/main" xmlns:r="http://schemas.openxmlformats.org/officeDocument/2006/relationships">
+<p:sld xmlns:a="http://schemas.openxmlformats.org/drawingml/2006/main" xmlns:r="http://schemas.openxmlformats.org/officeDocument/2006/relationships" xmlns:p="http://schemas.openxmlformats.org/presentationml/2006/main">
   <p:cSld>
     <p:spTree>
       <p:nvGrpSpPr>
@@ -6944,6 +7354,7 @@
         </p:spPr>
         <p:txBody>
           <a:bodyPr anchor="ctr"/>
+          <a:lstStyle/>
           <a:p>
             <a:pPr>
               <a:lnSpc>
@@ -6980,6 +7391,7 @@
         </p:spPr>
         <p:txBody>
           <a:bodyPr/>
+          <a:lstStyle/>
           <a:p>
             <a:pPr>
               <a:lnSpc>
@@ -7102,6 +7514,7 @@
         </p:spPr>
         <p:txBody>
           <a:bodyPr anchor="ctr"/>
+          <a:lstStyle/>
           <a:p>
             <a:pPr>
               <a:lnSpc>
@@ -7111,7 +7524,7 @@
             <a:r>
               <a:rPr lang="de-DE" sz="1600">
                 <a:solidFill>
-                  <a:srgbClr val="8b8b8b"/>
+                  <a:srgbClr val="8B8B8B"/>
                 </a:solidFill>
                 <a:latin typeface="Calibri"/>
               </a:rPr>
@@ -7138,6 +7551,7 @@
         </p:spPr>
         <p:txBody>
           <a:bodyPr anchor="ctr"/>
+          <a:lstStyle/>
           <a:p>
             <a:pPr>
               <a:lnSpc>
@@ -7147,11 +7561,11 @@
             <a:fld id="{3049189B-5590-4E6C-B291-9016BC726BC6}" type="slidenum">
               <a:rPr lang="de-DE" sz="1600">
                 <a:solidFill>
-                  <a:srgbClr val="8b8b8b"/>
-                </a:solidFill>
-                <a:latin typeface="Calibri"/>
-              </a:rPr>
-              <a:t>&lt;Nummer&gt;</a:t>
+                  <a:srgbClr val="8B8B8B"/>
+                </a:solidFill>
+                <a:latin typeface="Calibri"/>
+              </a:rPr>
+              <a:t>23</a:t>
             </a:fld>
             <a:endParaRPr/>
           </a:p>
@@ -7159,11 +7573,14 @@
       </p:sp>
     </p:spTree>
   </p:cSld>
+  <p:clrMapOvr>
+    <a:masterClrMapping/>
+  </p:clrMapOvr>
 </p:sld>
 </file>
 
 <file path=ppt/slides/slide24.xml><?xml version="1.0" encoding="utf-8"?>
-<p:sld xmlns:a="http://schemas.openxmlformats.org/drawingml/2006/main" xmlns:p="http://schemas.openxmlformats.org/presentationml/2006/main" xmlns:r="http://schemas.openxmlformats.org/officeDocument/2006/relationships">
+<p:sld xmlns:a="http://schemas.openxmlformats.org/drawingml/2006/main" xmlns:r="http://schemas.openxmlformats.org/officeDocument/2006/relationships" xmlns:p="http://schemas.openxmlformats.org/presentationml/2006/main">
   <p:cSld>
     <p:spTree>
       <p:nvGrpSpPr>
@@ -7196,6 +7613,7 @@
         </p:spPr>
         <p:txBody>
           <a:bodyPr anchor="ctr"/>
+          <a:lstStyle/>
           <a:p>
             <a:pPr>
               <a:lnSpc>
@@ -7232,6 +7650,7 @@
         </p:spPr>
         <p:txBody>
           <a:bodyPr/>
+          <a:lstStyle/>
           <a:p>
             <a:pPr>
               <a:lnSpc>
@@ -7283,16 +7702,7 @@
                 </a:solidFill>
                 <a:latin typeface="Calibri"/>
               </a:rPr>
-              <a:t>…</a:t>
-            </a:r>
-            <a:r>
-              <a:rPr lang="de-DE" sz="3200">
-                <a:solidFill>
-                  <a:srgbClr val="000000"/>
-                </a:solidFill>
-                <a:latin typeface="Calibri"/>
-              </a:rPr>
-              <a:t>	</a:t>
+              <a:t>…	</a:t>
             </a:r>
             <a:endParaRPr/>
           </a:p>
@@ -7315,6 +7725,7 @@
         </p:spPr>
         <p:txBody>
           <a:bodyPr anchor="ctr"/>
+          <a:lstStyle/>
           <a:p>
             <a:pPr>
               <a:lnSpc>
@@ -7324,7 +7735,7 @@
             <a:r>
               <a:rPr lang="de-DE" sz="1600">
                 <a:solidFill>
-                  <a:srgbClr val="8b8b8b"/>
+                  <a:srgbClr val="8B8B8B"/>
                 </a:solidFill>
                 <a:latin typeface="Calibri"/>
               </a:rPr>
@@ -7351,6 +7762,7 @@
         </p:spPr>
         <p:txBody>
           <a:bodyPr anchor="ctr"/>
+          <a:lstStyle/>
           <a:p>
             <a:pPr>
               <a:lnSpc>
@@ -7360,11 +7772,11 @@
             <a:fld id="{D5405C42-3F5B-46F6-8BA4-065AC04B1C99}" type="slidenum">
               <a:rPr lang="de-DE" sz="1600">
                 <a:solidFill>
-                  <a:srgbClr val="8b8b8b"/>
-                </a:solidFill>
-                <a:latin typeface="Calibri"/>
-              </a:rPr>
-              <a:t>&lt;Nummer&gt;</a:t>
+                  <a:srgbClr val="8B8B8B"/>
+                </a:solidFill>
+                <a:latin typeface="Calibri"/>
+              </a:rPr>
+              <a:t>24</a:t>
             </a:fld>
             <a:endParaRPr/>
           </a:p>
@@ -7385,11 +7797,12 @@
             <a:avLst/>
           </a:prstGeom>
           <a:solidFill>
-            <a:srgbClr val="fac090"/>
+            <a:srgbClr val="FAC090"/>
           </a:solidFill>
         </p:spPr>
         <p:txBody>
-          <a:bodyPr bIns="45000" lIns="90000" rIns="90000" tIns="45000"/>
+          <a:bodyPr lIns="90000" tIns="45000" rIns="90000" bIns="45000"/>
+          <a:lstStyle/>
           <a:p>
             <a:pPr algn="ctr">
               <a:lnSpc>
@@ -7439,16 +7852,16 @@
           </a:xfrm>
           <a:prstGeom prst="rightArrow">
             <a:avLst>
-              <a:gd fmla="val 100000" name="adj1"/>
-              <a:gd fmla="val 95205" name="adj2"/>
+              <a:gd name="adj1" fmla="val 100000"/>
+              <a:gd name="adj2" fmla="val 95205"/>
             </a:avLst>
           </a:prstGeom>
           <a:solidFill>
-            <a:srgbClr val="4f81bd"/>
+            <a:srgbClr val="4F81BD"/>
           </a:solidFill>
           <a:ln w="25560">
             <a:solidFill>
-              <a:srgbClr val="3a5f8b"/>
+              <a:srgbClr val="3A5F8B"/>
             </a:solidFill>
             <a:round/>
           </a:ln>
@@ -7456,11 +7869,14 @@
       </p:sp>
     </p:spTree>
   </p:cSld>
+  <p:clrMapOvr>
+    <a:masterClrMapping/>
+  </p:clrMapOvr>
 </p:sld>
 </file>
 
 <file path=ppt/slides/slide25.xml><?xml version="1.0" encoding="utf-8"?>
-<p:sld xmlns:a="http://schemas.openxmlformats.org/drawingml/2006/main" xmlns:p="http://schemas.openxmlformats.org/presentationml/2006/main" xmlns:r="http://schemas.openxmlformats.org/officeDocument/2006/relationships">
+<p:sld xmlns:a="http://schemas.openxmlformats.org/drawingml/2006/main" xmlns:r="http://schemas.openxmlformats.org/officeDocument/2006/relationships" xmlns:p="http://schemas.openxmlformats.org/presentationml/2006/main">
   <p:cSld>
     <p:spTree>
       <p:nvGrpSpPr>
@@ -7493,6 +7909,7 @@
         </p:spPr>
         <p:txBody>
           <a:bodyPr anchor="ctr"/>
+          <a:lstStyle/>
           <a:p>
             <a:pPr>
               <a:lnSpc>
@@ -7529,6 +7946,7 @@
         </p:spPr>
         <p:txBody>
           <a:bodyPr anchor="ctr"/>
+          <a:lstStyle/>
           <a:p>
             <a:pPr>
               <a:lnSpc>
@@ -7538,7 +7956,7 @@
             <a:r>
               <a:rPr lang="de-DE" sz="1600">
                 <a:solidFill>
-                  <a:srgbClr val="8b8b8b"/>
+                  <a:srgbClr val="8B8B8B"/>
                 </a:solidFill>
                 <a:latin typeface="Calibri"/>
               </a:rPr>
@@ -7565,6 +7983,7 @@
         </p:spPr>
         <p:txBody>
           <a:bodyPr anchor="ctr"/>
+          <a:lstStyle/>
           <a:p>
             <a:pPr>
               <a:lnSpc>
@@ -7574,11 +7993,11 @@
             <a:fld id="{FE83568C-4FEF-4DA6-A42D-BC4C6E653439}" type="slidenum">
               <a:rPr lang="de-DE" sz="1600">
                 <a:solidFill>
-                  <a:srgbClr val="8b8b8b"/>
-                </a:solidFill>
-                <a:latin typeface="Calibri"/>
-              </a:rPr>
-              <a:t>&lt;Nummer&gt;</a:t>
+                  <a:srgbClr val="8B8B8B"/>
+                </a:solidFill>
+                <a:latin typeface="Calibri"/>
+              </a:rPr>
+              <a:t>25</a:t>
             </a:fld>
             <a:endParaRPr/>
           </a:p>
@@ -7601,6 +8020,7 @@
         </p:spPr>
         <p:txBody>
           <a:bodyPr/>
+          <a:lstStyle/>
           <a:p>
             <a:pPr algn="ctr">
               <a:lnSpc>
@@ -7633,12 +8053,12 @@
           </a:xfrm>
           <a:prstGeom prst="mathEqual">
             <a:avLst>
-              <a:gd fmla="val 23520" name="adj1"/>
-              <a:gd fmla="val 11760" name="adj2"/>
+              <a:gd name="adj1" fmla="val 23520"/>
+              <a:gd name="adj2" fmla="val 11760"/>
             </a:avLst>
           </a:prstGeom>
           <a:solidFill>
-            <a:srgbClr val="e46c0a"/>
+            <a:srgbClr val="E46C0A"/>
           </a:solidFill>
         </p:spPr>
       </p:sp>
@@ -7657,11 +8077,12 @@
             <a:avLst/>
           </a:prstGeom>
           <a:solidFill>
-            <a:srgbClr val="bfbfbf"/>
+            <a:srgbClr val="BFBFBF"/>
           </a:solidFill>
         </p:spPr>
         <p:txBody>
-          <a:bodyPr bIns="45000" lIns="90000" rIns="90000" tIns="45000"/>
+          <a:bodyPr lIns="90000" tIns="45000" rIns="90000" bIns="45000"/>
+          <a:lstStyle/>
           <a:p>
             <a:pPr>
               <a:lnSpc>
@@ -7696,11 +8117,12 @@
             <a:avLst/>
           </a:prstGeom>
           <a:solidFill>
-            <a:srgbClr val="bfbfbf"/>
+            <a:srgbClr val="BFBFBF"/>
           </a:solidFill>
         </p:spPr>
         <p:txBody>
-          <a:bodyPr bIns="45000" lIns="90000" rIns="90000" tIns="45000"/>
+          <a:bodyPr lIns="90000" tIns="45000" rIns="90000" bIns="45000"/>
+          <a:lstStyle/>
           <a:p>
             <a:pPr>
               <a:lnSpc>
@@ -7733,21 +8155,24 @@
           </a:xfrm>
           <a:prstGeom prst="mathPlus">
             <a:avLst>
-              <a:gd fmla="val 23520" name="adj1"/>
+              <a:gd name="adj1" fmla="val 23520"/>
             </a:avLst>
           </a:prstGeom>
           <a:solidFill>
-            <a:srgbClr val="e46c0a"/>
+            <a:srgbClr val="E46C0A"/>
           </a:solidFill>
         </p:spPr>
       </p:sp>
     </p:spTree>
   </p:cSld>
+  <p:clrMapOvr>
+    <a:masterClrMapping/>
+  </p:clrMapOvr>
 </p:sld>
 </file>
 
 <file path=ppt/slides/slide26.xml><?xml version="1.0" encoding="utf-8"?>
-<p:sld xmlns:a="http://schemas.openxmlformats.org/drawingml/2006/main" xmlns:p="http://schemas.openxmlformats.org/presentationml/2006/main" xmlns:r="http://schemas.openxmlformats.org/officeDocument/2006/relationships">
+<p:sld xmlns:a="http://schemas.openxmlformats.org/drawingml/2006/main" xmlns:r="http://schemas.openxmlformats.org/officeDocument/2006/relationships" xmlns:p="http://schemas.openxmlformats.org/presentationml/2006/main">
   <p:cSld>
     <p:spTree>
       <p:nvGrpSpPr>
@@ -7780,6 +8205,7 @@
         </p:spPr>
         <p:txBody>
           <a:bodyPr anchor="ctr"/>
+          <a:lstStyle/>
           <a:p>
             <a:pPr>
               <a:lnSpc>
@@ -7816,6 +8242,7 @@
         </p:spPr>
         <p:txBody>
           <a:bodyPr anchor="ctr"/>
+          <a:lstStyle/>
           <a:p>
             <a:pPr>
               <a:lnSpc>
@@ -7825,7 +8252,7 @@
             <a:r>
               <a:rPr lang="de-DE" sz="1600">
                 <a:solidFill>
-                  <a:srgbClr val="8b8b8b"/>
+                  <a:srgbClr val="8B8B8B"/>
                 </a:solidFill>
                 <a:latin typeface="Calibri"/>
               </a:rPr>
@@ -7852,6 +8279,7 @@
         </p:spPr>
         <p:txBody>
           <a:bodyPr anchor="ctr"/>
+          <a:lstStyle/>
           <a:p>
             <a:pPr>
               <a:lnSpc>
@@ -7861,11 +8289,11 @@
             <a:fld id="{4BC310C6-F138-4632-B594-16DDB9EA0F9A}" type="slidenum">
               <a:rPr lang="de-DE" sz="1600">
                 <a:solidFill>
-                  <a:srgbClr val="8b8b8b"/>
-                </a:solidFill>
-                <a:latin typeface="Calibri"/>
-              </a:rPr>
-              <a:t>&lt;Nummer&gt;</a:t>
+                  <a:srgbClr val="8B8B8B"/>
+                </a:solidFill>
+                <a:latin typeface="Calibri"/>
+              </a:rPr>
+              <a:t>26</a:t>
             </a:fld>
             <a:endParaRPr/>
           </a:p>
@@ -7873,12 +8301,12 @@
       </p:sp>
       <p:pic>
         <p:nvPicPr>
-          <p:cNvPr descr="" id="233" name="Picture 2"/>
+          <p:cNvPr id="233" name="Picture 2"/>
           <p:cNvPicPr/>
           <p:nvPr/>
         </p:nvPicPr>
         <p:blipFill>
-          <a:blip r:embed="rId1"/>
+          <a:blip r:embed="rId2"/>
           <a:stretch>
             <a:fillRect/>
           </a:stretch>
@@ -7895,11 +8323,14 @@
       </p:pic>
     </p:spTree>
   </p:cSld>
+  <p:clrMapOvr>
+    <a:masterClrMapping/>
+  </p:clrMapOvr>
 </p:sld>
 </file>
 
 <file path=ppt/slides/slide27.xml><?xml version="1.0" encoding="utf-8"?>
-<p:sld xmlns:a="http://schemas.openxmlformats.org/drawingml/2006/main" xmlns:p="http://schemas.openxmlformats.org/presentationml/2006/main" xmlns:r="http://schemas.openxmlformats.org/officeDocument/2006/relationships">
+<p:sld xmlns:a="http://schemas.openxmlformats.org/drawingml/2006/main" xmlns:r="http://schemas.openxmlformats.org/officeDocument/2006/relationships" xmlns:p="http://schemas.openxmlformats.org/presentationml/2006/main">
   <p:cSld>
     <p:spTree>
       <p:nvGrpSpPr>
@@ -7932,6 +8363,7 @@
         </p:spPr>
         <p:txBody>
           <a:bodyPr anchor="ctr"/>
+          <a:lstStyle/>
           <a:p>
             <a:pPr>
               <a:lnSpc>
@@ -7968,6 +8400,7 @@
         </p:spPr>
         <p:txBody>
           <a:bodyPr anchor="ctr"/>
+          <a:lstStyle/>
           <a:p>
             <a:pPr>
               <a:lnSpc>
@@ -7977,7 +8410,7 @@
             <a:r>
               <a:rPr lang="de-DE" sz="1600">
                 <a:solidFill>
-                  <a:srgbClr val="8b8b8b"/>
+                  <a:srgbClr val="8B8B8B"/>
                 </a:solidFill>
                 <a:latin typeface="Calibri"/>
               </a:rPr>
@@ -8004,6 +8437,7 @@
         </p:spPr>
         <p:txBody>
           <a:bodyPr anchor="ctr"/>
+          <a:lstStyle/>
           <a:p>
             <a:pPr>
               <a:lnSpc>
@@ -8013,11 +8447,11 @@
             <a:fld id="{B43A0541-EFE7-4CAD-ADF3-37B480DC0155}" type="slidenum">
               <a:rPr lang="de-DE" sz="1600">
                 <a:solidFill>
-                  <a:srgbClr val="8b8b8b"/>
-                </a:solidFill>
-                <a:latin typeface="Calibri"/>
-              </a:rPr>
-              <a:t>&lt;Nummer&gt;</a:t>
+                  <a:srgbClr val="8B8B8B"/>
+                </a:solidFill>
+                <a:latin typeface="Calibri"/>
+              </a:rPr>
+              <a:t>27</a:t>
             </a:fld>
             <a:endParaRPr/>
           </a:p>
@@ -8025,12 +8459,12 @@
       </p:sp>
       <p:pic>
         <p:nvPicPr>
-          <p:cNvPr descr="" id="237" name="Picture 2"/>
+          <p:cNvPr id="237" name="Picture 2"/>
           <p:cNvPicPr/>
           <p:nvPr/>
         </p:nvPicPr>
         <p:blipFill>
-          <a:blip r:embed="rId1"/>
+          <a:blip r:embed="rId2"/>
           <a:stretch>
             <a:fillRect/>
           </a:stretch>
@@ -8061,7 +8495,8 @@
           </a:prstGeom>
         </p:spPr>
         <p:txBody>
-          <a:bodyPr bIns="45000" lIns="90000" rIns="90000" tIns="45000" wrap="none"/>
+          <a:bodyPr wrap="none" lIns="90000" tIns="45000" rIns="90000" bIns="45000"/>
+          <a:lstStyle/>
           <a:p>
             <a:pPr>
               <a:lnSpc>
@@ -8083,11 +8518,14 @@
       </p:sp>
     </p:spTree>
   </p:cSld>
+  <p:clrMapOvr>
+    <a:masterClrMapping/>
+  </p:clrMapOvr>
 </p:sld>
 </file>
 
 <file path=ppt/slides/slide28.xml><?xml version="1.0" encoding="utf-8"?>
-<p:sld xmlns:a="http://schemas.openxmlformats.org/drawingml/2006/main" xmlns:p="http://schemas.openxmlformats.org/presentationml/2006/main" xmlns:r="http://schemas.openxmlformats.org/officeDocument/2006/relationships">
+<p:sld xmlns:a="http://schemas.openxmlformats.org/drawingml/2006/main" xmlns:r="http://schemas.openxmlformats.org/officeDocument/2006/relationships" xmlns:p="http://schemas.openxmlformats.org/presentationml/2006/main">
   <p:cSld>
     <p:spTree>
       <p:nvGrpSpPr>
@@ -8120,6 +8558,7 @@
         </p:spPr>
         <p:txBody>
           <a:bodyPr anchor="ctr"/>
+          <a:lstStyle/>
           <a:p>
             <a:pPr>
               <a:lnSpc>
@@ -8129,7 +8568,7 @@
             <a:r>
               <a:rPr lang="de-DE" sz="1600">
                 <a:solidFill>
-                  <a:srgbClr val="8b8b8b"/>
+                  <a:srgbClr val="8B8B8B"/>
                 </a:solidFill>
                 <a:latin typeface="Calibri"/>
               </a:rPr>
@@ -8156,6 +8595,7 @@
         </p:spPr>
         <p:txBody>
           <a:bodyPr anchor="ctr"/>
+          <a:lstStyle/>
           <a:p>
             <a:pPr>
               <a:lnSpc>
@@ -8165,11 +8605,11 @@
             <a:fld id="{F971CE67-969D-42EB-B2D7-5868D7C166CC}" type="slidenum">
               <a:rPr lang="de-DE" sz="1600">
                 <a:solidFill>
-                  <a:srgbClr val="8b8b8b"/>
-                </a:solidFill>
-                <a:latin typeface="Calibri"/>
-              </a:rPr>
-              <a:t>&lt;Nummer&gt;</a:t>
+                  <a:srgbClr val="8B8B8B"/>
+                </a:solidFill>
+                <a:latin typeface="Calibri"/>
+              </a:rPr>
+              <a:t>28</a:t>
             </a:fld>
             <a:endParaRPr/>
           </a:p>
@@ -8190,11 +8630,12 @@
             <a:avLst/>
           </a:prstGeom>
           <a:solidFill>
-            <a:srgbClr val="bfbfbf"/>
+            <a:srgbClr val="BFBFBF"/>
           </a:solidFill>
         </p:spPr>
         <p:txBody>
-          <a:bodyPr anchor="ctr" bIns="45000" lIns="90000" rIns="90000" tIns="45000"/>
+          <a:bodyPr lIns="90000" tIns="45000" rIns="90000" bIns="45000" anchor="ctr"/>
+          <a:lstStyle/>
           <a:p>
             <a:pPr algn="ctr">
               <a:lnSpc>
@@ -8229,7 +8670,7 @@
             <a:avLst/>
           </a:prstGeom>
           <a:solidFill>
-            <a:srgbClr val="ffffff"/>
+            <a:srgbClr val="FFFFFF"/>
           </a:solidFill>
           <a:ln w="25560">
             <a:solidFill>
@@ -8239,7 +8680,8 @@
           </a:ln>
         </p:spPr>
         <p:txBody>
-          <a:bodyPr anchor="ctr" bIns="45000" lIns="90000" rIns="90000" tIns="45000"/>
+          <a:bodyPr lIns="90000" tIns="45000" rIns="90000" bIns="45000" anchor="ctr"/>
+          <a:lstStyle/>
           <a:p>
             <a:pPr algn="ctr">
               <a:lnSpc>
@@ -8274,7 +8716,7 @@
             <a:avLst/>
           </a:prstGeom>
           <a:solidFill>
-            <a:srgbClr val="ffffff"/>
+            <a:srgbClr val="FFFFFF"/>
           </a:solidFill>
           <a:ln w="25560">
             <a:solidFill>
@@ -8284,7 +8726,8 @@
           </a:ln>
         </p:spPr>
         <p:txBody>
-          <a:bodyPr anchor="ctr" bIns="45000" lIns="90000" rIns="90000" tIns="45000"/>
+          <a:bodyPr lIns="90000" tIns="45000" rIns="90000" bIns="45000" anchor="ctr"/>
+          <a:lstStyle/>
           <a:p>
             <a:pPr algn="ctr">
               <a:lnSpc>
@@ -8319,7 +8762,7 @@
             <a:avLst/>
           </a:prstGeom>
           <a:solidFill>
-            <a:srgbClr val="ffffff"/>
+            <a:srgbClr val="FFFFFF"/>
           </a:solidFill>
           <a:ln w="25560">
             <a:solidFill>
@@ -8329,7 +8772,8 @@
           </a:ln>
         </p:spPr>
         <p:txBody>
-          <a:bodyPr anchor="ctr" bIns="45000" lIns="90000" rIns="90000" tIns="45000"/>
+          <a:bodyPr lIns="90000" tIns="45000" rIns="90000" bIns="45000" anchor="ctr"/>
+          <a:lstStyle/>
           <a:p>
             <a:pPr algn="ctr">
               <a:lnSpc>
@@ -8362,12 +8806,12 @@
           </a:xfrm>
           <a:prstGeom prst="rightArrow">
             <a:avLst>
-              <a:gd fmla="val 50000" name="adj1"/>
-              <a:gd fmla="val 50000" name="adj2"/>
+              <a:gd name="adj1" fmla="val 50000"/>
+              <a:gd name="adj2" fmla="val 50000"/>
             </a:avLst>
           </a:prstGeom>
           <a:solidFill>
-            <a:srgbClr val="bfbfbf"/>
+            <a:srgbClr val="BFBFBF"/>
           </a:solidFill>
         </p:spPr>
       </p:sp>
@@ -8384,12 +8828,12 @@
           </a:xfrm>
           <a:prstGeom prst="rightArrow">
             <a:avLst>
-              <a:gd fmla="val 50000" name="adj1"/>
-              <a:gd fmla="val 50000" name="adj2"/>
+              <a:gd name="adj1" fmla="val 50000"/>
+              <a:gd name="adj2" fmla="val 50000"/>
             </a:avLst>
           </a:prstGeom>
           <a:solidFill>
-            <a:srgbClr val="bfbfbf"/>
+            <a:srgbClr val="BFBFBF"/>
           </a:solidFill>
         </p:spPr>
       </p:sp>
@@ -8406,22 +8850,25 @@
           </a:xfrm>
           <a:prstGeom prst="rightArrow">
             <a:avLst>
-              <a:gd fmla="val 50000" name="adj1"/>
-              <a:gd fmla="val 50000" name="adj2"/>
+              <a:gd name="adj1" fmla="val 50000"/>
+              <a:gd name="adj2" fmla="val 50000"/>
             </a:avLst>
           </a:prstGeom>
           <a:solidFill>
-            <a:srgbClr val="bfbfbf"/>
+            <a:srgbClr val="BFBFBF"/>
           </a:solidFill>
         </p:spPr>
       </p:sp>
     </p:spTree>
   </p:cSld>
+  <p:clrMapOvr>
+    <a:masterClrMapping/>
+  </p:clrMapOvr>
 </p:sld>
 </file>
 
 <file path=ppt/slides/slide29.xml><?xml version="1.0" encoding="utf-8"?>
-<p:sld xmlns:a="http://schemas.openxmlformats.org/drawingml/2006/main" xmlns:p="http://schemas.openxmlformats.org/presentationml/2006/main" xmlns:r="http://schemas.openxmlformats.org/officeDocument/2006/relationships">
+<p:sld xmlns:a="http://schemas.openxmlformats.org/drawingml/2006/main" xmlns:r="http://schemas.openxmlformats.org/officeDocument/2006/relationships" xmlns:p="http://schemas.openxmlformats.org/presentationml/2006/main">
   <p:cSld>
     <p:spTree>
       <p:nvGrpSpPr>
@@ -8454,6 +8901,7 @@
         </p:spPr>
         <p:txBody>
           <a:bodyPr anchor="ctr"/>
+          <a:lstStyle/>
           <a:p>
             <a:pPr>
               <a:lnSpc>
@@ -8490,6 +8938,7 @@
         </p:spPr>
         <p:txBody>
           <a:bodyPr anchor="ctr"/>
+          <a:lstStyle/>
           <a:p>
             <a:pPr>
               <a:lnSpc>
@@ -8499,7 +8948,7 @@
             <a:r>
               <a:rPr lang="de-DE" sz="1600">
                 <a:solidFill>
-                  <a:srgbClr val="8b8b8b"/>
+                  <a:srgbClr val="8B8B8B"/>
                 </a:solidFill>
                 <a:latin typeface="Calibri"/>
               </a:rPr>
@@ -8526,6 +8975,7 @@
         </p:spPr>
         <p:txBody>
           <a:bodyPr anchor="ctr"/>
+          <a:lstStyle/>
           <a:p>
             <a:pPr>
               <a:lnSpc>
@@ -8535,11 +8985,11 @@
             <a:fld id="{31DB52C0-90FA-4D5E-8DC2-9602CDB956CB}" type="slidenum">
               <a:rPr lang="de-DE" sz="1600">
                 <a:solidFill>
-                  <a:srgbClr val="8b8b8b"/>
-                </a:solidFill>
-                <a:latin typeface="Calibri"/>
-              </a:rPr>
-              <a:t>&lt;Nummer&gt;</a:t>
+                  <a:srgbClr val="8B8B8B"/>
+                </a:solidFill>
+                <a:latin typeface="Calibri"/>
+              </a:rPr>
+              <a:t>29</a:t>
             </a:fld>
             <a:endParaRPr/>
           </a:p>
@@ -8561,15 +9011,16 @@
           </a:prstGeom>
         </p:spPr>
         <p:txBody>
-          <a:bodyPr bIns="45000" lIns="90000" rIns="90000" tIns="45000" wrap="none"/>
-          <a:p>
-            <a:pPr>
-              <a:lnSpc>
-                <a:spcPct val="100000"/>
-              </a:lnSpc>
-            </a:pPr>
-            <a:r>
-              <a:rPr b="1" lang="de-DE" sz="2400">
+          <a:bodyPr wrap="none" lIns="90000" tIns="45000" rIns="90000" bIns="45000"/>
+          <a:lstStyle/>
+          <a:p>
+            <a:pPr>
+              <a:lnSpc>
+                <a:spcPct val="100000"/>
+              </a:lnSpc>
+            </a:pPr>
+            <a:r>
+              <a:rPr lang="de-DE" sz="2400" b="1">
                 <a:solidFill>
                   <a:srgbClr val="000000"/>
                 </a:solidFill>
@@ -8596,11 +9047,11 @@
             <a:avLst/>
           </a:prstGeom>
           <a:solidFill>
-            <a:srgbClr val="4f81bd"/>
+            <a:srgbClr val="4F81BD"/>
           </a:solidFill>
           <a:ln w="25560">
             <a:solidFill>
-              <a:srgbClr val="3a5f8b"/>
+              <a:srgbClr val="3A5F8B"/>
             </a:solidFill>
             <a:round/>
           </a:ln>
@@ -8621,11 +9072,11 @@
             <a:avLst/>
           </a:prstGeom>
           <a:solidFill>
-            <a:srgbClr val="4f81bd"/>
+            <a:srgbClr val="4F81BD"/>
           </a:solidFill>
           <a:ln w="25560">
             <a:solidFill>
-              <a:srgbClr val="3a5f8b"/>
+              <a:srgbClr val="3A5F8B"/>
             </a:solidFill>
             <a:round/>
           </a:ln>
@@ -8647,7 +9098,8 @@
           </a:prstGeom>
         </p:spPr>
         <p:txBody>
-          <a:bodyPr bIns="45000" lIns="90000" rIns="90000" tIns="45000" wrap="none"/>
+          <a:bodyPr wrap="none" lIns="90000" tIns="45000" rIns="90000" bIns="45000"/>
+          <a:lstStyle/>
           <a:p>
             <a:pPr>
               <a:lnSpc>
@@ -8683,7 +9135,8 @@
           </a:prstGeom>
         </p:spPr>
         <p:txBody>
-          <a:bodyPr bIns="45000" lIns="90000" rIns="90000" tIns="45000" wrap="none"/>
+          <a:bodyPr wrap="none" lIns="90000" tIns="45000" rIns="90000" bIns="45000"/>
+          <a:lstStyle/>
           <a:p>
             <a:pPr>
               <a:lnSpc>
@@ -8705,11 +9158,14 @@
       </p:sp>
     </p:spTree>
   </p:cSld>
+  <p:clrMapOvr>
+    <a:masterClrMapping/>
+  </p:clrMapOvr>
 </p:sld>
 </file>
 
 <file path=ppt/slides/slide3.xml><?xml version="1.0" encoding="utf-8"?>
-<p:sld xmlns:a="http://schemas.openxmlformats.org/drawingml/2006/main" xmlns:p="http://schemas.openxmlformats.org/presentationml/2006/main" xmlns:r="http://schemas.openxmlformats.org/officeDocument/2006/relationships">
+<p:sld xmlns:a="http://schemas.openxmlformats.org/drawingml/2006/main" xmlns:r="http://schemas.openxmlformats.org/officeDocument/2006/relationships" xmlns:p="http://schemas.openxmlformats.org/presentationml/2006/main">
   <p:cSld>
     <p:spTree>
       <p:nvGrpSpPr>
@@ -8742,6 +9198,7 @@
         </p:spPr>
         <p:txBody>
           <a:bodyPr anchor="ctr"/>
+          <a:lstStyle/>
           <a:p>
             <a:r>
               <a:rPr lang="de-DE" sz="2800"/>
@@ -8768,6 +9225,7 @@
         </p:spPr>
         <p:txBody>
           <a:bodyPr anchor="ctr"/>
+          <a:lstStyle/>
           <a:p>
             <a:pPr>
               <a:lnSpc>
@@ -8777,7 +9235,7 @@
             <a:r>
               <a:rPr lang="de-DE" sz="1600">
                 <a:solidFill>
-                  <a:srgbClr val="8b8b8b"/>
+                  <a:srgbClr val="8B8B8B"/>
                 </a:solidFill>
                 <a:latin typeface="Calibri"/>
               </a:rPr>
@@ -8804,6 +9262,7 @@
         </p:spPr>
         <p:txBody>
           <a:bodyPr anchor="ctr"/>
+          <a:lstStyle/>
           <a:p>
             <a:pPr>
               <a:lnSpc>
@@ -8813,11 +9272,11 @@
             <a:fld id="{F9124818-769E-40FE-A0A8-AC7DA4B2399A}" type="slidenum">
               <a:rPr lang="de-DE" sz="1600">
                 <a:solidFill>
-                  <a:srgbClr val="8b8b8b"/>
-                </a:solidFill>
-                <a:latin typeface="Calibri"/>
-              </a:rPr>
-              <a:t>&lt;Nummer&gt;</a:t>
+                  <a:srgbClr val="8B8B8B"/>
+                </a:solidFill>
+                <a:latin typeface="Calibri"/>
+              </a:rPr>
+              <a:t>3</a:t>
             </a:fld>
             <a:endParaRPr/>
           </a:p>
@@ -8825,35 +9284,7 @@
       </p:sp>
       <p:pic>
         <p:nvPicPr>
-          <p:cNvPr descr="" id="92" name=""/>
-          <p:cNvPicPr/>
-          <p:nvPr/>
-        </p:nvPicPr>
-        <p:blipFill>
-          <a:blip r:embed="rId1"/>
-          <a:stretch>
-            <a:fillRect/>
-          </a:stretch>
-        </p:blipFill>
-        <p:spPr>
-          <a:xfrm>
-            <a:off x="1728000" y="3024000"/>
-            <a:ext cx="5391000" cy="2063520"/>
-          </a:xfrm>
-          <a:prstGeom prst="rect">
-            <a:avLst/>
-          </a:prstGeom>
-          <a:ln w="36000">
-            <a:solidFill>
-              <a:srgbClr val="000000"/>
-            </a:solidFill>
-            <a:round/>
-          </a:ln>
-        </p:spPr>
-      </p:pic>
-      <p:pic>
-        <p:nvPicPr>
-          <p:cNvPr descr="" id="93" name=""/>
+          <p:cNvPr id="92" name="Grafik 91"/>
           <p:cNvPicPr/>
           <p:nvPr/>
         </p:nvPicPr>
@@ -8865,6 +9296,33 @@
         </p:blipFill>
         <p:spPr>
           <a:xfrm>
+            <a:off x="1728000" y="3024000"/>
+            <a:ext cx="5391000" cy="2063520"/>
+          </a:xfrm>
+          <a:prstGeom prst="rect">
+            <a:avLst/>
+          </a:prstGeom>
+          <a:ln w="36000">
+            <a:solidFill>
+              <a:srgbClr val="000000"/>
+            </a:solidFill>
+            <a:round/>
+          </a:ln>
+        </p:spPr>
+      </p:pic>
+      <p:pic>
+        <p:nvPicPr>
+          <p:cNvPr id="7" name="Grafik 6"/>
+          <p:cNvPicPr/>
+          <p:nvPr/>
+        </p:nvPicPr>
+        <p:blipFill rotWithShape="1">
+          <a:blip r:embed="rId3"/>
+          <a:srcRect t="39851" b="39851"/>
+          <a:stretch/>
+        </p:blipFill>
+        <p:spPr>
+          <a:xfrm>
             <a:off x="6264000" y="971280"/>
             <a:ext cx="2664000" cy="540720"/>
           </a:xfrm>
@@ -8875,22 +9333,25 @@
       </p:pic>
     </p:spTree>
   </p:cSld>
+  <p:clrMapOvr>
+    <a:masterClrMapping/>
+  </p:clrMapOvr>
   <p:timing>
     <p:tnLst>
       <p:par>
-        <p:cTn dur="indefinite" id="5" nodeType="tmRoot" restart="never">
+        <p:cTn id="1" dur="indefinite" restart="never" nodeType="tmRoot">
           <p:childTnLst>
             <p:seq>
-              <p:cTn id="6" nodeType="mainSeq"/>
+              <p:cTn id="2" nodeType="mainSeq"/>
               <p:prevCondLst>
-                <p:cond delay="0" evt="onPrev">
+                <p:cond evt="onPrev" delay="0">
                   <p:tgtEl>
                     <p:sldTgt/>
                   </p:tgtEl>
                 </p:cond>
               </p:prevCondLst>
               <p:nextCondLst>
-                <p:cond delay="0" evt="onNext">
+                <p:cond evt="onNext" delay="0">
                   <p:tgtEl>
                     <p:sldTgt/>
                   </p:tgtEl>
@@ -8906,7 +9367,7 @@
 </file>
 
 <file path=ppt/slides/slide30.xml><?xml version="1.0" encoding="utf-8"?>
-<p:sld xmlns:a="http://schemas.openxmlformats.org/drawingml/2006/main" xmlns:p="http://schemas.openxmlformats.org/presentationml/2006/main" xmlns:r="http://schemas.openxmlformats.org/officeDocument/2006/relationships">
+<p:sld xmlns:a="http://schemas.openxmlformats.org/drawingml/2006/main" xmlns:r="http://schemas.openxmlformats.org/officeDocument/2006/relationships" xmlns:p="http://schemas.openxmlformats.org/presentationml/2006/main">
   <p:cSld>
     <p:spTree>
       <p:nvGrpSpPr>
@@ -8939,6 +9400,7 @@
         </p:spPr>
         <p:txBody>
           <a:bodyPr anchor="ctr"/>
+          <a:lstStyle/>
           <a:p>
             <a:pPr>
               <a:lnSpc>
@@ -8975,6 +9437,7 @@
         </p:spPr>
         <p:txBody>
           <a:bodyPr/>
+          <a:lstStyle/>
           <a:p>
             <a:pPr>
               <a:lnSpc>
@@ -9040,6 +9503,7 @@
         </p:spPr>
         <p:txBody>
           <a:bodyPr anchor="ctr"/>
+          <a:lstStyle/>
           <a:p>
             <a:pPr>
               <a:lnSpc>
@@ -9049,7 +9513,7 @@
             <a:r>
               <a:rPr lang="de-DE" sz="1600">
                 <a:solidFill>
-                  <a:srgbClr val="8b8b8b"/>
+                  <a:srgbClr val="8B8B8B"/>
                 </a:solidFill>
                 <a:latin typeface="Calibri"/>
               </a:rPr>
@@ -9076,6 +9540,7 @@
         </p:spPr>
         <p:txBody>
           <a:bodyPr anchor="ctr"/>
+          <a:lstStyle/>
           <a:p>
             <a:pPr>
               <a:lnSpc>
@@ -9085,11 +9550,11 @@
             <a:fld id="{8B5D2F4A-40F6-4C55-AB0E-AF6F754601A6}" type="slidenum">
               <a:rPr lang="de-DE" sz="1600">
                 <a:solidFill>
-                  <a:srgbClr val="8b8b8b"/>
-                </a:solidFill>
-                <a:latin typeface="Calibri"/>
-              </a:rPr>
-              <a:t>&lt;Nummer&gt;</a:t>
+                  <a:srgbClr val="8B8B8B"/>
+                </a:solidFill>
+                <a:latin typeface="Calibri"/>
+              </a:rPr>
+              <a:t>30</a:t>
             </a:fld>
             <a:endParaRPr/>
           </a:p>
@@ -9108,13 +9573,13 @@
           </a:xfrm>
           <a:prstGeom prst="bentUpArrow">
             <a:avLst>
-              <a:gd fmla="val 25000" name="adj1"/>
-              <a:gd fmla="val 25000" name="adj2"/>
-              <a:gd fmla="val 25000" name="adj3"/>
+              <a:gd name="adj1" fmla="val 25000"/>
+              <a:gd name="adj2" fmla="val 25000"/>
+              <a:gd name="adj3" fmla="val 25000"/>
             </a:avLst>
           </a:prstGeom>
           <a:solidFill>
-            <a:srgbClr val="bfbfbf"/>
+            <a:srgbClr val="BFBFBF"/>
           </a:solidFill>
         </p:spPr>
       </p:sp>
@@ -9134,7 +9599,8 @@
           </a:prstGeom>
         </p:spPr>
         <p:txBody>
-          <a:bodyPr bIns="45000" lIns="90000" rIns="90000" tIns="45000"/>
+          <a:bodyPr lIns="90000" tIns="45000" rIns="90000" bIns="45000"/>
+          <a:lstStyle/>
           <a:p>
             <a:pPr>
               <a:lnSpc>
@@ -9156,11 +9622,14 @@
       </p:sp>
     </p:spTree>
   </p:cSld>
+  <p:clrMapOvr>
+    <a:masterClrMapping/>
+  </p:clrMapOvr>
 </p:sld>
 </file>
 
 <file path=ppt/slides/slide31.xml><?xml version="1.0" encoding="utf-8"?>
-<p:sld xmlns:a="http://schemas.openxmlformats.org/drawingml/2006/main" xmlns:p="http://schemas.openxmlformats.org/presentationml/2006/main" xmlns:r="http://schemas.openxmlformats.org/officeDocument/2006/relationships">
+<p:sld xmlns:a="http://schemas.openxmlformats.org/drawingml/2006/main" xmlns:r="http://schemas.openxmlformats.org/officeDocument/2006/relationships" xmlns:p="http://schemas.openxmlformats.org/presentationml/2006/main">
   <p:cSld>
     <p:spTree>
       <p:nvGrpSpPr>
@@ -9193,6 +9662,7 @@
         </p:spPr>
         <p:txBody>
           <a:bodyPr anchor="ctr"/>
+          <a:lstStyle/>
           <a:p>
             <a:pPr>
               <a:lnSpc>
@@ -9229,6 +9699,7 @@
         </p:spPr>
         <p:txBody>
           <a:bodyPr/>
+          <a:lstStyle/>
           <a:p>
             <a:pPr>
               <a:lnSpc>
@@ -9318,6 +9789,7 @@
         </p:spPr>
         <p:txBody>
           <a:bodyPr anchor="ctr"/>
+          <a:lstStyle/>
           <a:p>
             <a:pPr>
               <a:lnSpc>
@@ -9327,7 +9799,7 @@
             <a:r>
               <a:rPr lang="de-DE" sz="1600">
                 <a:solidFill>
-                  <a:srgbClr val="8b8b8b"/>
+                  <a:srgbClr val="8B8B8B"/>
                 </a:solidFill>
                 <a:latin typeface="Calibri"/>
               </a:rPr>
@@ -9354,6 +9826,7 @@
         </p:spPr>
         <p:txBody>
           <a:bodyPr anchor="ctr"/>
+          <a:lstStyle/>
           <a:p>
             <a:pPr>
               <a:lnSpc>
@@ -9363,11 +9836,11 @@
             <a:fld id="{0B4B85BE-A9E3-4B9A-A3C7-49D240E1690F}" type="slidenum">
               <a:rPr lang="de-DE" sz="1600">
                 <a:solidFill>
-                  <a:srgbClr val="8b8b8b"/>
-                </a:solidFill>
-                <a:latin typeface="Calibri"/>
-              </a:rPr>
-              <a:t>&lt;Nummer&gt;</a:t>
+                  <a:srgbClr val="8B8B8B"/>
+                </a:solidFill>
+                <a:latin typeface="Calibri"/>
+              </a:rPr>
+              <a:t>31</a:t>
             </a:fld>
             <a:endParaRPr/>
           </a:p>
@@ -9386,13 +9859,13 @@
           </a:xfrm>
           <a:prstGeom prst="bentUpArrow">
             <a:avLst>
-              <a:gd fmla="val 25000" name="adj1"/>
-              <a:gd fmla="val 25000" name="adj2"/>
-              <a:gd fmla="val 25000" name="adj3"/>
+              <a:gd name="adj1" fmla="val 25000"/>
+              <a:gd name="adj2" fmla="val 25000"/>
+              <a:gd name="adj3" fmla="val 25000"/>
             </a:avLst>
           </a:prstGeom>
           <a:solidFill>
-            <a:srgbClr val="bfbfbf"/>
+            <a:srgbClr val="BFBFBF"/>
           </a:solidFill>
         </p:spPr>
       </p:sp>
@@ -9412,7 +9885,8 @@
           </a:prstGeom>
         </p:spPr>
         <p:txBody>
-          <a:bodyPr bIns="45000" lIns="90000" rIns="90000" tIns="45000"/>
+          <a:bodyPr lIns="90000" tIns="45000" rIns="90000" bIns="45000"/>
+          <a:lstStyle/>
           <a:p>
             <a:pPr>
               <a:lnSpc>
@@ -9434,11 +9908,14 @@
       </p:sp>
     </p:spTree>
   </p:cSld>
+  <p:clrMapOvr>
+    <a:masterClrMapping/>
+  </p:clrMapOvr>
 </p:sld>
 </file>
 
 <file path=ppt/slides/slide32.xml><?xml version="1.0" encoding="utf-8"?>
-<p:sld xmlns:a="http://schemas.openxmlformats.org/drawingml/2006/main" xmlns:p="http://schemas.openxmlformats.org/presentationml/2006/main" xmlns:r="http://schemas.openxmlformats.org/officeDocument/2006/relationships">
+<p:sld xmlns:a="http://schemas.openxmlformats.org/drawingml/2006/main" xmlns:r="http://schemas.openxmlformats.org/officeDocument/2006/relationships" xmlns:p="http://schemas.openxmlformats.org/presentationml/2006/main">
   <p:cSld>
     <p:spTree>
       <p:nvGrpSpPr>
@@ -9471,6 +9948,7 @@
         </p:spPr>
         <p:txBody>
           <a:bodyPr anchor="ctr"/>
+          <a:lstStyle/>
           <a:p>
             <a:pPr>
               <a:lnSpc>
@@ -9507,6 +9985,7 @@
         </p:spPr>
         <p:txBody>
           <a:bodyPr anchor="ctr"/>
+          <a:lstStyle/>
           <a:p>
             <a:pPr>
               <a:lnSpc>
@@ -9516,7 +9995,7 @@
             <a:r>
               <a:rPr lang="de-DE" sz="1600">
                 <a:solidFill>
-                  <a:srgbClr val="8b8b8b"/>
+                  <a:srgbClr val="8B8B8B"/>
                 </a:solidFill>
                 <a:latin typeface="Calibri"/>
               </a:rPr>
@@ -9543,6 +10022,7 @@
         </p:spPr>
         <p:txBody>
           <a:bodyPr anchor="ctr"/>
+          <a:lstStyle/>
           <a:p>
             <a:pPr>
               <a:lnSpc>
@@ -9552,11 +10032,11 @@
             <a:fld id="{2E54D542-C20F-4D6A-9B0B-1FA90E13E322}" type="slidenum">
               <a:rPr lang="de-DE" sz="1600">
                 <a:solidFill>
-                  <a:srgbClr val="8b8b8b"/>
-                </a:solidFill>
-                <a:latin typeface="Calibri"/>
-              </a:rPr>
-              <a:t>&lt;Nummer&gt;</a:t>
+                  <a:srgbClr val="8B8B8B"/>
+                </a:solidFill>
+                <a:latin typeface="Calibri"/>
+              </a:rPr>
+              <a:t>32</a:t>
             </a:fld>
             <a:endParaRPr/>
           </a:p>
@@ -9579,6 +10059,7 @@
         </p:spPr>
         <p:txBody>
           <a:bodyPr/>
+          <a:lstStyle/>
           <a:p>
             <a:pPr>
               <a:lnSpc>
@@ -9621,11 +10102,14 @@
       </p:sp>
     </p:spTree>
   </p:cSld>
+  <p:clrMapOvr>
+    <a:masterClrMapping/>
+  </p:clrMapOvr>
 </p:sld>
 </file>
 
 <file path=ppt/slides/slide33.xml><?xml version="1.0" encoding="utf-8"?>
-<p:sld xmlns:a="http://schemas.openxmlformats.org/drawingml/2006/main" xmlns:p="http://schemas.openxmlformats.org/presentationml/2006/main" xmlns:r="http://schemas.openxmlformats.org/officeDocument/2006/relationships">
+<p:sld xmlns:a="http://schemas.openxmlformats.org/drawingml/2006/main" xmlns:r="http://schemas.openxmlformats.org/officeDocument/2006/relationships" xmlns:p="http://schemas.openxmlformats.org/presentationml/2006/main">
   <p:cSld>
     <p:spTree>
       <p:nvGrpSpPr>
@@ -9658,6 +10142,7 @@
         </p:spPr>
         <p:txBody>
           <a:bodyPr anchor="ctr"/>
+          <a:lstStyle/>
           <a:p>
             <a:pPr>
               <a:lnSpc>
@@ -9694,6 +10179,7 @@
         </p:spPr>
         <p:txBody>
           <a:bodyPr anchor="ctr"/>
+          <a:lstStyle/>
           <a:p>
             <a:pPr>
               <a:lnSpc>
@@ -9703,7 +10189,7 @@
             <a:r>
               <a:rPr lang="de-DE" sz="1600">
                 <a:solidFill>
-                  <a:srgbClr val="8b8b8b"/>
+                  <a:srgbClr val="8B8B8B"/>
                 </a:solidFill>
                 <a:latin typeface="Calibri"/>
               </a:rPr>
@@ -9730,6 +10216,7 @@
         </p:spPr>
         <p:txBody>
           <a:bodyPr anchor="ctr"/>
+          <a:lstStyle/>
           <a:p>
             <a:pPr>
               <a:lnSpc>
@@ -9739,11 +10226,11 @@
             <a:fld id="{2A94FA5B-2CEA-4919-B063-C500FA7D10DC}" type="slidenum">
               <a:rPr lang="de-DE" sz="1600">
                 <a:solidFill>
-                  <a:srgbClr val="8b8b8b"/>
-                </a:solidFill>
-                <a:latin typeface="Calibri"/>
-              </a:rPr>
-              <a:t>&lt;Nummer&gt;</a:t>
+                  <a:srgbClr val="8B8B8B"/>
+                </a:solidFill>
+                <a:latin typeface="Calibri"/>
+              </a:rPr>
+              <a:t>33</a:t>
             </a:fld>
             <a:endParaRPr/>
           </a:p>
@@ -9751,12 +10238,12 @@
       </p:sp>
       <p:pic>
         <p:nvPicPr>
-          <p:cNvPr descr="" id="275" name="Picture 2"/>
+          <p:cNvPr id="275" name="Picture 2"/>
           <p:cNvPicPr/>
           <p:nvPr/>
         </p:nvPicPr>
         <p:blipFill>
-          <a:blip r:embed="rId1"/>
+          <a:blip r:embed="rId2"/>
           <a:stretch>
             <a:fillRect/>
           </a:stretch>
@@ -9773,11 +10260,14 @@
       </p:pic>
     </p:spTree>
   </p:cSld>
+  <p:clrMapOvr>
+    <a:masterClrMapping/>
+  </p:clrMapOvr>
 </p:sld>
 </file>
 
 <file path=ppt/slides/slide34.xml><?xml version="1.0" encoding="utf-8"?>
-<p:sld xmlns:a="http://schemas.openxmlformats.org/drawingml/2006/main" xmlns:p="http://schemas.openxmlformats.org/presentationml/2006/main" xmlns:r="http://schemas.openxmlformats.org/officeDocument/2006/relationships">
+<p:sld xmlns:a="http://schemas.openxmlformats.org/drawingml/2006/main" xmlns:r="http://schemas.openxmlformats.org/officeDocument/2006/relationships" xmlns:p="http://schemas.openxmlformats.org/presentationml/2006/main">
   <p:cSld>
     <p:spTree>
       <p:nvGrpSpPr>
@@ -9810,6 +10300,7 @@
         </p:spPr>
         <p:txBody>
           <a:bodyPr anchor="ctr"/>
+          <a:lstStyle/>
           <a:p>
             <a:pPr>
               <a:lnSpc>
@@ -9846,6 +10337,7 @@
         </p:spPr>
         <p:txBody>
           <a:bodyPr/>
+          <a:lstStyle/>
           <a:p>
             <a:pPr>
               <a:lnSpc>
@@ -9949,6 +10441,7 @@
         </p:spPr>
         <p:txBody>
           <a:bodyPr anchor="ctr"/>
+          <a:lstStyle/>
           <a:p>
             <a:pPr>
               <a:lnSpc>
@@ -9958,7 +10451,7 @@
             <a:r>
               <a:rPr lang="de-DE" sz="1600">
                 <a:solidFill>
-                  <a:srgbClr val="8b8b8b"/>
+                  <a:srgbClr val="8B8B8B"/>
                 </a:solidFill>
                 <a:latin typeface="Calibri"/>
               </a:rPr>
@@ -9985,6 +10478,7 @@
         </p:spPr>
         <p:txBody>
           <a:bodyPr anchor="ctr"/>
+          <a:lstStyle/>
           <a:p>
             <a:pPr>
               <a:lnSpc>
@@ -9994,11 +10488,11 @@
             <a:fld id="{8BB18506-72CE-4E72-BFE4-4D2212092534}" type="slidenum">
               <a:rPr lang="de-DE" sz="1600">
                 <a:solidFill>
-                  <a:srgbClr val="8b8b8b"/>
-                </a:solidFill>
-                <a:latin typeface="Calibri"/>
-              </a:rPr>
-              <a:t>&lt;Nummer&gt;</a:t>
+                  <a:srgbClr val="8B8B8B"/>
+                </a:solidFill>
+                <a:latin typeface="Calibri"/>
+              </a:rPr>
+              <a:t>34</a:t>
             </a:fld>
             <a:endParaRPr/>
           </a:p>
@@ -10006,11 +10500,14 @@
       </p:sp>
     </p:spTree>
   </p:cSld>
+  <p:clrMapOvr>
+    <a:masterClrMapping/>
+  </p:clrMapOvr>
 </p:sld>
 </file>
 
 <file path=ppt/slides/slide35.xml><?xml version="1.0" encoding="utf-8"?>
-<p:sld xmlns:a="http://schemas.openxmlformats.org/drawingml/2006/main" xmlns:p="http://schemas.openxmlformats.org/presentationml/2006/main" xmlns:r="http://schemas.openxmlformats.org/officeDocument/2006/relationships">
+<p:sld xmlns:a="http://schemas.openxmlformats.org/drawingml/2006/main" xmlns:r="http://schemas.openxmlformats.org/officeDocument/2006/relationships" xmlns:p="http://schemas.openxmlformats.org/presentationml/2006/main">
   <p:cSld>
     <p:spTree>
       <p:nvGrpSpPr>
@@ -10043,6 +10540,7 @@
         </p:spPr>
         <p:txBody>
           <a:bodyPr anchor="ctr"/>
+          <a:lstStyle/>
           <a:p>
             <a:pPr>
               <a:lnSpc>
@@ -10079,6 +10577,7 @@
         </p:spPr>
         <p:txBody>
           <a:bodyPr/>
+          <a:lstStyle/>
           <a:p>
             <a:pPr>
               <a:lnSpc>
@@ -10179,6 +10678,7 @@
         </p:spPr>
         <p:txBody>
           <a:bodyPr anchor="ctr"/>
+          <a:lstStyle/>
           <a:p>
             <a:pPr>
               <a:lnSpc>
@@ -10188,7 +10688,7 @@
             <a:r>
               <a:rPr lang="de-DE" sz="1600">
                 <a:solidFill>
-                  <a:srgbClr val="8b8b8b"/>
+                  <a:srgbClr val="8B8B8B"/>
                 </a:solidFill>
                 <a:latin typeface="Calibri"/>
               </a:rPr>
@@ -10215,6 +10715,7 @@
         </p:spPr>
         <p:txBody>
           <a:bodyPr anchor="ctr"/>
+          <a:lstStyle/>
           <a:p>
             <a:pPr>
               <a:lnSpc>
@@ -10224,11 +10725,11 @@
             <a:fld id="{CDB163F4-D675-43AB-A841-A58FB40537F4}" type="slidenum">
               <a:rPr lang="de-DE" sz="1600">
                 <a:solidFill>
-                  <a:srgbClr val="8b8b8b"/>
-                </a:solidFill>
-                <a:latin typeface="Calibri"/>
-              </a:rPr>
-              <a:t>&lt;Nummer&gt;</a:t>
+                  <a:srgbClr val="8B8B8B"/>
+                </a:solidFill>
+                <a:latin typeface="Calibri"/>
+              </a:rPr>
+              <a:t>35</a:t>
             </a:fld>
             <a:endParaRPr/>
           </a:p>
@@ -10249,11 +10750,12 @@
             <a:avLst/>
           </a:prstGeom>
           <a:solidFill>
-            <a:srgbClr val="fac090"/>
+            <a:srgbClr val="FAC090"/>
           </a:solidFill>
         </p:spPr>
         <p:txBody>
-          <a:bodyPr bIns="45000" lIns="90000" rIns="90000" tIns="45000" wrap="none"/>
+          <a:bodyPr wrap="none" lIns="90000" tIns="45000" rIns="90000" bIns="45000"/>
+          <a:lstStyle/>
           <a:p>
             <a:pPr>
               <a:lnSpc>
@@ -10286,16 +10788,16 @@
           </a:xfrm>
           <a:prstGeom prst="downArrow">
             <a:avLst>
-              <a:gd fmla="val 50000" name="adj1"/>
-              <a:gd fmla="val 50000" name="adj2"/>
+              <a:gd name="adj1" fmla="val 50000"/>
+              <a:gd name="adj2" fmla="val 50000"/>
             </a:avLst>
           </a:prstGeom>
           <a:solidFill>
-            <a:srgbClr val="4f81bd"/>
+            <a:srgbClr val="4F81BD"/>
           </a:solidFill>
           <a:ln w="25560">
             <a:solidFill>
-              <a:srgbClr val="3a5f8b"/>
+              <a:srgbClr val="3A5F8B"/>
             </a:solidFill>
             <a:round/>
           </a:ln>
@@ -10317,7 +10819,8 @@
           </a:prstGeom>
         </p:spPr>
         <p:txBody>
-          <a:bodyPr bIns="45000" lIns="90000" rIns="90000" tIns="45000"/>
+          <a:bodyPr lIns="90000" tIns="45000" rIns="90000" bIns="45000"/>
+          <a:lstStyle/>
           <a:p>
             <a:pPr>
               <a:lnSpc>
@@ -10327,7 +10830,7 @@
             <a:r>
               <a:rPr lang="de-DE">
                 <a:solidFill>
-                  <a:srgbClr val="ff0000"/>
+                  <a:srgbClr val="FF0000"/>
                 </a:solidFill>
                 <a:latin typeface="Calibri"/>
               </a:rPr>
@@ -10339,11 +10842,14 @@
       </p:sp>
     </p:spTree>
   </p:cSld>
+  <p:clrMapOvr>
+    <a:masterClrMapping/>
+  </p:clrMapOvr>
 </p:sld>
 </file>
 
 <file path=ppt/slides/slide36.xml><?xml version="1.0" encoding="utf-8"?>
-<p:sld xmlns:a="http://schemas.openxmlformats.org/drawingml/2006/main" xmlns:p="http://schemas.openxmlformats.org/presentationml/2006/main" xmlns:r="http://schemas.openxmlformats.org/officeDocument/2006/relationships">
+<p:sld xmlns:a="http://schemas.openxmlformats.org/drawingml/2006/main" xmlns:r="http://schemas.openxmlformats.org/officeDocument/2006/relationships" xmlns:p="http://schemas.openxmlformats.org/presentationml/2006/main">
   <p:cSld>
     <p:spTree>
       <p:nvGrpSpPr>
@@ -10376,6 +10882,7 @@
         </p:spPr>
         <p:txBody>
           <a:bodyPr anchor="ctr"/>
+          <a:lstStyle/>
           <a:p>
             <a:pPr>
               <a:lnSpc>
@@ -10412,6 +10919,7 @@
         </p:spPr>
         <p:txBody>
           <a:bodyPr anchor="ctr"/>
+          <a:lstStyle/>
           <a:p>
             <a:pPr>
               <a:lnSpc>
@@ -10421,7 +10929,7 @@
             <a:r>
               <a:rPr lang="de-DE" sz="1600">
                 <a:solidFill>
-                  <a:srgbClr val="8b8b8b"/>
+                  <a:srgbClr val="8B8B8B"/>
                 </a:solidFill>
                 <a:latin typeface="Calibri"/>
               </a:rPr>
@@ -10448,6 +10956,7 @@
         </p:spPr>
         <p:txBody>
           <a:bodyPr anchor="ctr"/>
+          <a:lstStyle/>
           <a:p>
             <a:pPr>
               <a:lnSpc>
@@ -10457,11 +10966,11 @@
             <a:fld id="{F8BEF3BE-B056-46E4-8900-3BB51CD66CF9}" type="slidenum">
               <a:rPr lang="de-DE" sz="1600">
                 <a:solidFill>
-                  <a:srgbClr val="8b8b8b"/>
-                </a:solidFill>
-                <a:latin typeface="Calibri"/>
-              </a:rPr>
-              <a:t>&lt;Nummer&gt;</a:t>
+                  <a:srgbClr val="8B8B8B"/>
+                </a:solidFill>
+                <a:latin typeface="Calibri"/>
+              </a:rPr>
+              <a:t>36</a:t>
             </a:fld>
             <a:endParaRPr/>
           </a:p>
@@ -10482,11 +10991,12 @@
             <a:avLst/>
           </a:prstGeom>
           <a:solidFill>
-            <a:srgbClr val="fac090"/>
+            <a:srgbClr val="FAC090"/>
           </a:solidFill>
         </p:spPr>
         <p:txBody>
           <a:bodyPr/>
+          <a:lstStyle/>
           <a:p>
             <a:pPr algn="ctr">
               <a:lnSpc>
@@ -10521,11 +11031,12 @@
             <a:avLst/>
           </a:prstGeom>
           <a:solidFill>
-            <a:srgbClr val="fac090"/>
+            <a:srgbClr val="FAC090"/>
           </a:solidFill>
         </p:spPr>
         <p:txBody>
           <a:bodyPr/>
+          <a:lstStyle/>
           <a:p>
             <a:pPr algn="ctr">
               <a:lnSpc>
@@ -10558,17 +11069,17 @@
           </a:xfrm>
           <a:prstGeom prst="leftUpArrow">
             <a:avLst>
-              <a:gd fmla="val 25000" name="adj1"/>
-              <a:gd fmla="val 25000" name="adj2"/>
-              <a:gd fmla="val 25000" name="adj3"/>
+              <a:gd name="adj1" fmla="val 25000"/>
+              <a:gd name="adj2" fmla="val 25000"/>
+              <a:gd name="adj3" fmla="val 25000"/>
             </a:avLst>
           </a:prstGeom>
           <a:solidFill>
-            <a:srgbClr val="4f81bd"/>
+            <a:srgbClr val="4F81BD"/>
           </a:solidFill>
           <a:ln w="25560">
             <a:solidFill>
-              <a:srgbClr val="3a5f8b"/>
+              <a:srgbClr val="3A5F8B"/>
             </a:solidFill>
             <a:round/>
           </a:ln>
@@ -10589,11 +11100,12 @@
             <a:avLst/>
           </a:prstGeom>
           <a:solidFill>
-            <a:srgbClr val="a6a6a6"/>
+            <a:srgbClr val="A6A6A6"/>
           </a:solidFill>
         </p:spPr>
         <p:txBody>
-          <a:bodyPr bIns="45000" lIns="90000" rIns="90000" tIns="45000"/>
+          <a:bodyPr lIns="90000" tIns="45000" rIns="90000" bIns="45000"/>
+          <a:lstStyle/>
           <a:p>
             <a:pPr algn="ctr">
               <a:lnSpc>
@@ -10628,11 +11140,11 @@
             <a:avLst/>
           </a:prstGeom>
           <a:solidFill>
-            <a:srgbClr val="a6a6a6"/>
+            <a:srgbClr val="A6A6A6"/>
           </a:solidFill>
           <a:ln w="25560">
             <a:solidFill>
-              <a:srgbClr val="3a5f8b"/>
+              <a:srgbClr val="3A5F8B"/>
             </a:solidFill>
             <a:round/>
           </a:ln>
@@ -10653,11 +11165,11 @@
             <a:avLst/>
           </a:prstGeom>
           <a:solidFill>
-            <a:srgbClr val="ff0000"/>
+            <a:srgbClr val="FF0000"/>
           </a:solidFill>
           <a:ln w="25560">
             <a:solidFill>
-              <a:srgbClr val="3a5f8b"/>
+              <a:srgbClr val="3A5F8B"/>
             </a:solidFill>
             <a:round/>
           </a:ln>
@@ -10678,11 +11190,11 @@
             <a:avLst/>
           </a:prstGeom>
           <a:solidFill>
-            <a:srgbClr val="00b050"/>
+            <a:srgbClr val="00B050"/>
           </a:solidFill>
           <a:ln w="25560">
             <a:solidFill>
-              <a:srgbClr val="3a5f8b"/>
+              <a:srgbClr val="3A5F8B"/>
             </a:solidFill>
             <a:round/>
           </a:ln>
@@ -10690,11 +11202,14 @@
       </p:sp>
     </p:spTree>
   </p:cSld>
+  <p:clrMapOvr>
+    <a:masterClrMapping/>
+  </p:clrMapOvr>
 </p:sld>
 </file>
 
 <file path=ppt/slides/slide37.xml><?xml version="1.0" encoding="utf-8"?>
-<p:sld xmlns:a="http://schemas.openxmlformats.org/drawingml/2006/main" xmlns:p="http://schemas.openxmlformats.org/presentationml/2006/main" xmlns:r="http://schemas.openxmlformats.org/officeDocument/2006/relationships">
+<p:sld xmlns:a="http://schemas.openxmlformats.org/drawingml/2006/main" xmlns:r="http://schemas.openxmlformats.org/officeDocument/2006/relationships" xmlns:p="http://schemas.openxmlformats.org/presentationml/2006/main">
   <p:cSld>
     <p:spTree>
       <p:nvGrpSpPr>
@@ -10727,6 +11242,7 @@
         </p:spPr>
         <p:txBody>
           <a:bodyPr anchor="ctr"/>
+          <a:lstStyle/>
           <a:p>
             <a:pPr>
               <a:lnSpc>
@@ -10763,6 +11279,7 @@
         </p:spPr>
         <p:txBody>
           <a:bodyPr anchor="ctr"/>
+          <a:lstStyle/>
           <a:p>
             <a:pPr>
               <a:lnSpc>
@@ -10772,7 +11289,7 @@
             <a:r>
               <a:rPr lang="de-DE" sz="1600">
                 <a:solidFill>
-                  <a:srgbClr val="8b8b8b"/>
+                  <a:srgbClr val="8B8B8B"/>
                 </a:solidFill>
                 <a:latin typeface="Calibri"/>
               </a:rPr>
@@ -10799,6 +11316,7 @@
         </p:spPr>
         <p:txBody>
           <a:bodyPr anchor="ctr"/>
+          <a:lstStyle/>
           <a:p>
             <a:pPr>
               <a:lnSpc>
@@ -10808,11 +11326,11 @@
             <a:fld id="{F07A901C-E79D-4374-8CAC-AFAF2D28B279}" type="slidenum">
               <a:rPr lang="de-DE" sz="1600">
                 <a:solidFill>
-                  <a:srgbClr val="8b8b8b"/>
-                </a:solidFill>
-                <a:latin typeface="Calibri"/>
-              </a:rPr>
-              <a:t>&lt;Nummer&gt;</a:t>
+                  <a:srgbClr val="8B8B8B"/>
+                </a:solidFill>
+                <a:latin typeface="Calibri"/>
+              </a:rPr>
+              <a:t>37</a:t>
             </a:fld>
             <a:endParaRPr/>
           </a:p>
@@ -10831,16 +11349,16 @@
           </a:xfrm>
           <a:prstGeom prst="rightArrow">
             <a:avLst>
-              <a:gd fmla="val 50000" name="adj1"/>
-              <a:gd fmla="val 50000" name="adj2"/>
+              <a:gd name="adj1" fmla="val 50000"/>
+              <a:gd name="adj2" fmla="val 50000"/>
             </a:avLst>
           </a:prstGeom>
           <a:solidFill>
-            <a:srgbClr val="4f81bd"/>
+            <a:srgbClr val="4F81BD"/>
           </a:solidFill>
           <a:ln w="25560">
             <a:solidFill>
-              <a:srgbClr val="3a5f8b"/>
+              <a:srgbClr val="3A5F8B"/>
             </a:solidFill>
             <a:round/>
           </a:ln>
@@ -10862,7 +11380,8 @@
           </a:prstGeom>
         </p:spPr>
         <p:txBody>
-          <a:bodyPr bIns="45000" lIns="90000" rIns="90000" tIns="45000"/>
+          <a:bodyPr lIns="90000" tIns="45000" rIns="90000" bIns="45000"/>
+          <a:lstStyle/>
           <a:p>
             <a:pPr>
               <a:lnSpc>
@@ -10895,12 +11414,12 @@
           </a:xfrm>
           <a:prstGeom prst="smileyFace">
             <a:avLst>
-              <a:gd fmla="val 4653" name="adj"/>
+              <a:gd name="adj" fmla="val 4653"/>
             </a:avLst>
           </a:prstGeom>
           <a:ln w="25560">
             <a:solidFill>
-              <a:srgbClr val="3a5f8b"/>
+              <a:srgbClr val="3A5F8B"/>
             </a:solidFill>
             <a:round/>
           </a:ln>
@@ -10908,11 +11427,14 @@
       </p:sp>
     </p:spTree>
   </p:cSld>
+  <p:clrMapOvr>
+    <a:masterClrMapping/>
+  </p:clrMapOvr>
 </p:sld>
 </file>
 
 <file path=ppt/slides/slide4.xml><?xml version="1.0" encoding="utf-8"?>
-<p:sld xmlns:a="http://schemas.openxmlformats.org/drawingml/2006/main" xmlns:p="http://schemas.openxmlformats.org/presentationml/2006/main" xmlns:r="http://schemas.openxmlformats.org/officeDocument/2006/relationships">
+<p:sld xmlns:a="http://schemas.openxmlformats.org/drawingml/2006/main" xmlns:r="http://schemas.openxmlformats.org/officeDocument/2006/relationships" xmlns:p="http://schemas.openxmlformats.org/presentationml/2006/main">
   <p:cSld>
     <p:spTree>
       <p:nvGrpSpPr>
@@ -10945,6 +11467,7 @@
         </p:spPr>
         <p:txBody>
           <a:bodyPr anchor="ctr"/>
+          <a:lstStyle/>
           <a:p>
             <a:r>
               <a:rPr lang="de-DE" sz="2800"/>
@@ -10971,6 +11494,7 @@
         </p:spPr>
         <p:txBody>
           <a:bodyPr anchor="ctr"/>
+          <a:lstStyle/>
           <a:p>
             <a:pPr>
               <a:lnSpc>
@@ -10980,7 +11504,7 @@
             <a:r>
               <a:rPr lang="de-DE" sz="1600">
                 <a:solidFill>
-                  <a:srgbClr val="8b8b8b"/>
+                  <a:srgbClr val="8B8B8B"/>
                 </a:solidFill>
                 <a:latin typeface="Calibri"/>
               </a:rPr>
@@ -11007,6 +11531,7 @@
         </p:spPr>
         <p:txBody>
           <a:bodyPr anchor="ctr"/>
+          <a:lstStyle/>
           <a:p>
             <a:pPr>
               <a:lnSpc>
@@ -11016,11 +11541,11 @@
             <a:fld id="{685BFE9D-A6E4-4554-AC77-44968CC1318B}" type="slidenum">
               <a:rPr lang="de-DE" sz="1600">
                 <a:solidFill>
-                  <a:srgbClr val="8b8b8b"/>
-                </a:solidFill>
-                <a:latin typeface="Calibri"/>
-              </a:rPr>
-              <a:t>&lt;Nummer&gt;</a:t>
+                  <a:srgbClr val="8B8B8B"/>
+                </a:solidFill>
+                <a:latin typeface="Calibri"/>
+              </a:rPr>
+              <a:t>4</a:t>
             </a:fld>
             <a:endParaRPr/>
           </a:p>
@@ -11028,61 +11553,7 @@
       </p:sp>
       <p:pic>
         <p:nvPicPr>
-          <p:cNvPr descr="" id="97" name=""/>
-          <p:cNvPicPr/>
-          <p:nvPr/>
-        </p:nvPicPr>
-        <p:blipFill>
-          <a:blip r:embed="rId1"/>
-          <a:stretch>
-            <a:fillRect/>
-          </a:stretch>
-        </p:blipFill>
-        <p:spPr>
-          <a:xfrm>
-            <a:off x="288000" y="2751840"/>
-            <a:ext cx="8453160" cy="2000160"/>
-          </a:xfrm>
-          <a:prstGeom prst="rect">
-            <a:avLst/>
-          </a:prstGeom>
-          <a:ln w="36000">
-            <a:solidFill>
-              <a:srgbClr val="000000"/>
-            </a:solidFill>
-            <a:round/>
-          </a:ln>
-        </p:spPr>
-      </p:pic>
-      <p:sp>
-        <p:nvSpPr>
-          <p:cNvPr id="98" name="TextShape 4"/>
-          <p:cNvSpPr txBox="1"/>
-          <p:nvPr/>
-        </p:nvSpPr>
-        <p:spPr>
-          <a:xfrm>
-            <a:off x="227160" y="2232000"/>
-            <a:ext cx="2004840" cy="346680"/>
-          </a:xfrm>
-          <a:prstGeom prst="rect">
-            <a:avLst/>
-          </a:prstGeom>
-        </p:spPr>
-        <p:txBody>
-          <a:bodyPr bIns="45000" lIns="90000" rIns="90000" tIns="45000" wrap="none"/>
-          <a:p>
-            <a:r>
-              <a:rPr lang="de-DE"/>
-              <a:t>Klassendiagramm</a:t>
-            </a:r>
-            <a:endParaRPr/>
-          </a:p>
-        </p:txBody>
-      </p:sp>
-      <p:pic>
-        <p:nvPicPr>
-          <p:cNvPr descr="" id="99" name=""/>
+          <p:cNvPr id="97" name="Grafik 96"/>
           <p:cNvPicPr/>
           <p:nvPr/>
         </p:nvPicPr>
@@ -11094,6 +11565,60 @@
         </p:blipFill>
         <p:spPr>
           <a:xfrm>
+            <a:off x="288000" y="2751840"/>
+            <a:ext cx="8453160" cy="2000160"/>
+          </a:xfrm>
+          <a:prstGeom prst="rect">
+            <a:avLst/>
+          </a:prstGeom>
+          <a:ln w="36000">
+            <a:solidFill>
+              <a:srgbClr val="000000"/>
+            </a:solidFill>
+            <a:round/>
+          </a:ln>
+        </p:spPr>
+      </p:pic>
+      <p:sp>
+        <p:nvSpPr>
+          <p:cNvPr id="98" name="TextShape 4"/>
+          <p:cNvSpPr txBox="1"/>
+          <p:nvPr/>
+        </p:nvSpPr>
+        <p:spPr>
+          <a:xfrm>
+            <a:off x="227160" y="2232000"/>
+            <a:ext cx="2004840" cy="346680"/>
+          </a:xfrm>
+          <a:prstGeom prst="rect">
+            <a:avLst/>
+          </a:prstGeom>
+        </p:spPr>
+        <p:txBody>
+          <a:bodyPr wrap="none" lIns="90000" tIns="45000" rIns="90000" bIns="45000"/>
+          <a:lstStyle/>
+          <a:p>
+            <a:r>
+              <a:rPr lang="de-DE"/>
+              <a:t>Klassendiagramm</a:t>
+            </a:r>
+            <a:endParaRPr/>
+          </a:p>
+        </p:txBody>
+      </p:sp>
+      <p:pic>
+        <p:nvPicPr>
+          <p:cNvPr id="8" name="Grafik 7"/>
+          <p:cNvPicPr/>
+          <p:nvPr/>
+        </p:nvPicPr>
+        <p:blipFill rotWithShape="1">
+          <a:blip r:embed="rId3"/>
+          <a:srcRect t="39851" b="39851"/>
+          <a:stretch/>
+        </p:blipFill>
+        <p:spPr>
+          <a:xfrm>
             <a:off x="6264000" y="971280"/>
             <a:ext cx="2664000" cy="540720"/>
           </a:xfrm>
@@ -11104,22 +11629,25 @@
       </p:pic>
     </p:spTree>
   </p:cSld>
+  <p:clrMapOvr>
+    <a:masterClrMapping/>
+  </p:clrMapOvr>
   <p:timing>
     <p:tnLst>
       <p:par>
-        <p:cTn dur="indefinite" id="7" nodeType="tmRoot" restart="never">
+        <p:cTn id="1" dur="indefinite" restart="never" nodeType="tmRoot">
           <p:childTnLst>
             <p:seq>
-              <p:cTn id="8" nodeType="mainSeq"/>
+              <p:cTn id="2" nodeType="mainSeq"/>
               <p:prevCondLst>
-                <p:cond delay="0" evt="onPrev">
+                <p:cond evt="onPrev" delay="0">
                   <p:tgtEl>
                     <p:sldTgt/>
                   </p:tgtEl>
                 </p:cond>
               </p:prevCondLst>
               <p:nextCondLst>
-                <p:cond delay="0" evt="onNext">
+                <p:cond evt="onNext" delay="0">
                   <p:tgtEl>
                     <p:sldTgt/>
                   </p:tgtEl>
@@ -11135,7 +11663,7 @@
 </file>
 
 <file path=ppt/slides/slide5.xml><?xml version="1.0" encoding="utf-8"?>
-<p:sld xmlns:a="http://schemas.openxmlformats.org/drawingml/2006/main" xmlns:p="http://schemas.openxmlformats.org/presentationml/2006/main" xmlns:r="http://schemas.openxmlformats.org/officeDocument/2006/relationships">
+<p:sld xmlns:a="http://schemas.openxmlformats.org/drawingml/2006/main" xmlns:r="http://schemas.openxmlformats.org/officeDocument/2006/relationships" xmlns:p="http://schemas.openxmlformats.org/presentationml/2006/main">
   <p:cSld>
     <p:spTree>
       <p:nvGrpSpPr>
@@ -11168,6 +11696,7 @@
         </p:spPr>
         <p:txBody>
           <a:bodyPr anchor="ctr"/>
+          <a:lstStyle/>
           <a:p>
             <a:r>
               <a:rPr lang="de-DE" sz="2800"/>
@@ -11194,6 +11723,7 @@
         </p:spPr>
         <p:txBody>
           <a:bodyPr anchor="ctr"/>
+          <a:lstStyle/>
           <a:p>
             <a:pPr>
               <a:lnSpc>
@@ -11203,7 +11733,7 @@
             <a:r>
               <a:rPr lang="de-DE" sz="1600">
                 <a:solidFill>
-                  <a:srgbClr val="8b8b8b"/>
+                  <a:srgbClr val="8B8B8B"/>
                 </a:solidFill>
                 <a:latin typeface="Calibri"/>
               </a:rPr>
@@ -11230,6 +11760,7 @@
         </p:spPr>
         <p:txBody>
           <a:bodyPr anchor="ctr"/>
+          <a:lstStyle/>
           <a:p>
             <a:pPr>
               <a:lnSpc>
@@ -11239,11 +11770,11 @@
             <a:fld id="{38046350-CD95-4D8F-8E9C-8A5B266B5FC3}" type="slidenum">
               <a:rPr lang="de-DE" sz="1600">
                 <a:solidFill>
-                  <a:srgbClr val="8b8b8b"/>
-                </a:solidFill>
-                <a:latin typeface="Calibri"/>
-              </a:rPr>
-              <a:t>&lt;Nummer&gt;</a:t>
+                  <a:srgbClr val="8B8B8B"/>
+                </a:solidFill>
+                <a:latin typeface="Calibri"/>
+              </a:rPr>
+              <a:t>5</a:t>
             </a:fld>
             <a:endParaRPr/>
           </a:p>
@@ -11265,7 +11796,8 @@
           </a:prstGeom>
         </p:spPr>
         <p:txBody>
-          <a:bodyPr bIns="45000" lIns="90000" rIns="90000" tIns="45000" wrap="none"/>
+          <a:bodyPr wrap="none" lIns="90000" tIns="45000" rIns="90000" bIns="45000"/>
+          <a:lstStyle/>
           <a:p>
             <a:r>
               <a:rPr lang="de-DE"/>
@@ -11277,18 +11809,66 @@
       </p:sp>
       <p:pic>
         <p:nvPicPr>
-          <p:cNvPr descr="" id="104" name=""/>
+          <p:cNvPr id="105" name="Grafik 104"/>
           <p:cNvPicPr/>
           <p:nvPr/>
         </p:nvPicPr>
         <p:blipFill>
-          <a:blip r:embed="rId1"/>
+          <a:blip r:embed="rId3"/>
           <a:stretch>
             <a:fillRect/>
           </a:stretch>
         </p:blipFill>
         <p:spPr>
           <a:xfrm>
+            <a:off x="1265760" y="2233440"/>
+            <a:ext cx="6582240" cy="2878560"/>
+          </a:xfrm>
+          <a:prstGeom prst="rect">
+            <a:avLst/>
+          </a:prstGeom>
+        </p:spPr>
+      </p:pic>
+      <p:sp>
+        <p:nvSpPr>
+          <p:cNvPr id="106" name="TextShape 5"/>
+          <p:cNvSpPr txBox="1"/>
+          <p:nvPr/>
+        </p:nvSpPr>
+        <p:spPr>
+          <a:xfrm>
+            <a:off x="1232640" y="5418720"/>
+            <a:ext cx="1863360" cy="485280"/>
+          </a:xfrm>
+          <a:prstGeom prst="rect">
+            <a:avLst/>
+          </a:prstGeom>
+        </p:spPr>
+        <p:txBody>
+          <a:bodyPr wrap="none" lIns="90000" tIns="45000" rIns="90000" bIns="45000"/>
+          <a:lstStyle/>
+          <a:p>
+            <a:r>
+              <a:rPr lang="de-DE" sz="2800"/>
+              <a:t>Nachteile?</a:t>
+            </a:r>
+            <a:endParaRPr/>
+          </a:p>
+        </p:txBody>
+      </p:sp>
+      <p:pic>
+        <p:nvPicPr>
+          <p:cNvPr id="9" name="Grafik 8"/>
+          <p:cNvPicPr/>
+          <p:nvPr/>
+        </p:nvPicPr>
+        <p:blipFill rotWithShape="1">
+          <a:blip r:embed="rId4"/>
+          <a:srcRect t="39851" b="39851"/>
+          <a:stretch/>
+        </p:blipFill>
+        <p:spPr>
+          <a:xfrm>
             <a:off x="6264000" y="971280"/>
             <a:ext cx="2664000" cy="540720"/>
           </a:xfrm>
@@ -11297,72 +11877,27 @@
           </a:prstGeom>
         </p:spPr>
       </p:pic>
-      <p:pic>
-        <p:nvPicPr>
-          <p:cNvPr descr="" id="105" name=""/>
-          <p:cNvPicPr/>
-          <p:nvPr/>
-        </p:nvPicPr>
-        <p:blipFill>
-          <a:blip r:embed="rId2"/>
-          <a:stretch>
-            <a:fillRect/>
-          </a:stretch>
-        </p:blipFill>
-        <p:spPr>
-          <a:xfrm>
-            <a:off x="1265760" y="2233440"/>
-            <a:ext cx="6582240" cy="2878560"/>
-          </a:xfrm>
-          <a:prstGeom prst="rect">
-            <a:avLst/>
-          </a:prstGeom>
-        </p:spPr>
-      </p:pic>
-      <p:sp>
-        <p:nvSpPr>
-          <p:cNvPr id="106" name="TextShape 5"/>
-          <p:cNvSpPr txBox="1"/>
-          <p:nvPr/>
-        </p:nvSpPr>
-        <p:spPr>
-          <a:xfrm>
-            <a:off x="1232640" y="5418720"/>
-            <a:ext cx="1863360" cy="485280"/>
-          </a:xfrm>
-          <a:prstGeom prst="rect">
-            <a:avLst/>
-          </a:prstGeom>
-        </p:spPr>
-        <p:txBody>
-          <a:bodyPr bIns="45000" lIns="90000" rIns="90000" tIns="45000" wrap="none"/>
-          <a:p>
-            <a:r>
-              <a:rPr lang="de-DE" sz="2800"/>
-              <a:t>Nachteile?</a:t>
-            </a:r>
-            <a:endParaRPr/>
-          </a:p>
-        </p:txBody>
-      </p:sp>
     </p:spTree>
   </p:cSld>
+  <p:clrMapOvr>
+    <a:masterClrMapping/>
+  </p:clrMapOvr>
   <p:timing>
     <p:tnLst>
       <p:par>
-        <p:cTn dur="indefinite" id="9" nodeType="tmRoot" restart="never">
+        <p:cTn id="1" dur="indefinite" restart="never" nodeType="tmRoot">
           <p:childTnLst>
             <p:seq>
-              <p:cTn id="10" nodeType="mainSeq"/>
+              <p:cTn id="2" nodeType="mainSeq"/>
               <p:prevCondLst>
-                <p:cond delay="0" evt="onPrev">
+                <p:cond evt="onPrev" delay="0">
                   <p:tgtEl>
                     <p:sldTgt/>
                   </p:tgtEl>
                 </p:cond>
               </p:prevCondLst>
               <p:nextCondLst>
-                <p:cond delay="0" evt="onNext">
+                <p:cond evt="onNext" delay="0">
                   <p:tgtEl>
                     <p:sldTgt/>
                   </p:tgtEl>
@@ -11378,7 +11913,7 @@
 </file>
 
 <file path=ppt/slides/slide6.xml><?xml version="1.0" encoding="utf-8"?>
-<p:sld xmlns:a="http://schemas.openxmlformats.org/drawingml/2006/main" xmlns:p="http://schemas.openxmlformats.org/presentationml/2006/main" xmlns:r="http://schemas.openxmlformats.org/officeDocument/2006/relationships">
+<p:sld xmlns:a="http://schemas.openxmlformats.org/drawingml/2006/main" xmlns:r="http://schemas.openxmlformats.org/officeDocument/2006/relationships" xmlns:p="http://schemas.openxmlformats.org/presentationml/2006/main">
   <p:cSld>
     <p:spTree>
       <p:nvGrpSpPr>
@@ -11411,6 +11946,7 @@
         </p:spPr>
         <p:txBody>
           <a:bodyPr anchor="ctr"/>
+          <a:lstStyle/>
           <a:p>
             <a:r>
               <a:rPr lang="de-DE" sz="2800"/>
@@ -11437,6 +11973,7 @@
         </p:spPr>
         <p:txBody>
           <a:bodyPr anchor="ctr"/>
+          <a:lstStyle/>
           <a:p>
             <a:pPr>
               <a:lnSpc>
@@ -11446,7 +11983,7 @@
             <a:r>
               <a:rPr lang="de-DE" sz="1600">
                 <a:solidFill>
-                  <a:srgbClr val="8b8b8b"/>
+                  <a:srgbClr val="8B8B8B"/>
                 </a:solidFill>
                 <a:latin typeface="Calibri"/>
               </a:rPr>
@@ -11473,6 +12010,7 @@
         </p:spPr>
         <p:txBody>
           <a:bodyPr anchor="ctr"/>
+          <a:lstStyle/>
           <a:p>
             <a:pPr>
               <a:lnSpc>
@@ -11482,11 +12020,11 @@
             <a:fld id="{9F3D8617-0C3D-4654-AC80-02E1AA7BA4D8}" type="slidenum">
               <a:rPr lang="de-DE" sz="1600">
                 <a:solidFill>
-                  <a:srgbClr val="8b8b8b"/>
-                </a:solidFill>
-                <a:latin typeface="Calibri"/>
-              </a:rPr>
-              <a:t>&lt;Nummer&gt;</a:t>
+                  <a:srgbClr val="8B8B8B"/>
+                </a:solidFill>
+                <a:latin typeface="Calibri"/>
+              </a:rPr>
+              <a:t>6</a:t>
             </a:fld>
             <a:endParaRPr/>
           </a:p>
@@ -11494,15 +12032,14 @@
       </p:sp>
       <p:pic>
         <p:nvPicPr>
-          <p:cNvPr descr="" id="110" name=""/>
+          <p:cNvPr id="110" name="Grafik 109"/>
           <p:cNvPicPr/>
           <p:nvPr/>
         </p:nvPicPr>
-        <p:blipFill>
-          <a:blip r:embed="rId1"/>
-          <a:stretch>
-            <a:fillRect/>
-          </a:stretch>
+        <p:blipFill rotWithShape="1">
+          <a:blip r:embed="rId2"/>
+          <a:srcRect t="39851" b="39851"/>
+          <a:stretch/>
         </p:blipFill>
         <p:spPr>
           <a:xfrm>
@@ -11530,7 +12067,8 @@
           </a:prstGeom>
         </p:spPr>
         <p:txBody>
-          <a:bodyPr bIns="0" lIns="0" rIns="0" tIns="0" wrap="none"/>
+          <a:bodyPr wrap="none" lIns="0" tIns="0" rIns="0" bIns="0"/>
+          <a:lstStyle/>
           <a:p>
             <a:r>
               <a:rPr lang="de-DE"/>
@@ -11548,11 +12086,7 @@
             </a:pPr>
             <a:r>
               <a:rPr lang="de-DE"/>
-              <a:t> </a:t>
-            </a:r>
-            <a:r>
-              <a:rPr lang="de-DE"/>
-              <a:t>Enge Verbindung zwischen FAZVerlag und Abonnenten</a:t>
+              <a:t> Enge Verbindung zwischen FAZVerlag und Abonnenten</a:t>
             </a:r>
             <a:endParaRPr/>
           </a:p>
@@ -11570,11 +12104,7 @@
             </a:pPr>
             <a:r>
               <a:rPr lang="de-DE"/>
-              <a:t> </a:t>
-            </a:r>
-            <a:r>
-              <a:rPr lang="de-DE"/>
-              <a:t>Erweiterbarkeit stark eingeschränkt!</a:t>
+              <a:t> Erweiterbarkeit stark eingeschränkt!</a:t>
             </a:r>
             <a:endParaRPr/>
           </a:p>
@@ -11592,11 +12122,7 @@
             </a:pPr>
             <a:r>
               <a:rPr lang="de-DE"/>
-              <a:t> </a:t>
-            </a:r>
-            <a:r>
-              <a:rPr lang="de-DE"/>
-              <a:t>Abonnement bestellen oder abbestellen während der Laufzeit nicht möglich!</a:t>
+              <a:t> Abonnement bestellen oder abbestellen während der Laufzeit nicht möglich!</a:t>
             </a:r>
             <a:endParaRPr/>
           </a:p>
@@ -11604,22 +12130,25 @@
       </p:sp>
     </p:spTree>
   </p:cSld>
+  <p:clrMapOvr>
+    <a:masterClrMapping/>
+  </p:clrMapOvr>
   <p:timing>
     <p:tnLst>
       <p:par>
-        <p:cTn dur="indefinite" id="11" nodeType="tmRoot" restart="never">
+        <p:cTn id="1" dur="indefinite" restart="never" nodeType="tmRoot">
           <p:childTnLst>
             <p:seq>
-              <p:cTn id="12" nodeType="mainSeq"/>
+              <p:cTn id="2" nodeType="mainSeq"/>
               <p:prevCondLst>
-                <p:cond delay="0" evt="onPrev">
+                <p:cond evt="onPrev" delay="0">
                   <p:tgtEl>
                     <p:sldTgt/>
                   </p:tgtEl>
                 </p:cond>
               </p:prevCondLst>
               <p:nextCondLst>
-                <p:cond delay="0" evt="onNext">
+                <p:cond evt="onNext" delay="0">
                   <p:tgtEl>
                     <p:sldTgt/>
                   </p:tgtEl>
@@ -11635,7 +12164,7 @@
 </file>
 
 <file path=ppt/slides/slide7.xml><?xml version="1.0" encoding="utf-8"?>
-<p:sld xmlns:a="http://schemas.openxmlformats.org/drawingml/2006/main" xmlns:p="http://schemas.openxmlformats.org/presentationml/2006/main" xmlns:r="http://schemas.openxmlformats.org/officeDocument/2006/relationships">
+<p:sld xmlns:a="http://schemas.openxmlformats.org/drawingml/2006/main" xmlns:r="http://schemas.openxmlformats.org/officeDocument/2006/relationships" xmlns:p="http://schemas.openxmlformats.org/presentationml/2006/main">
   <p:cSld>
     <p:spTree>
       <p:nvGrpSpPr>
@@ -11668,6 +12197,7 @@
         </p:spPr>
         <p:txBody>
           <a:bodyPr anchor="ctr"/>
+          <a:lstStyle/>
           <a:p>
             <a:r>
               <a:rPr lang="de-DE" sz="2800"/>
@@ -11694,6 +12224,7 @@
         </p:spPr>
         <p:txBody>
           <a:bodyPr anchor="ctr"/>
+          <a:lstStyle/>
           <a:p>
             <a:pPr>
               <a:lnSpc>
@@ -11703,7 +12234,7 @@
             <a:r>
               <a:rPr lang="de-DE" sz="1600">
                 <a:solidFill>
-                  <a:srgbClr val="8b8b8b"/>
+                  <a:srgbClr val="8B8B8B"/>
                 </a:solidFill>
                 <a:latin typeface="Calibri"/>
               </a:rPr>
@@ -11730,6 +12261,7 @@
         </p:spPr>
         <p:txBody>
           <a:bodyPr anchor="ctr"/>
+          <a:lstStyle/>
           <a:p>
             <a:pPr>
               <a:lnSpc>
@@ -11739,11 +12271,11 @@
             <a:fld id="{B1457C2D-A304-48BA-89E9-80195B0C62AE}" type="slidenum">
               <a:rPr lang="de-DE" sz="1600">
                 <a:solidFill>
-                  <a:srgbClr val="8b8b8b"/>
-                </a:solidFill>
-                <a:latin typeface="Calibri"/>
-              </a:rPr>
-              <a:t>&lt;Nummer&gt;</a:t>
+                  <a:srgbClr val="8B8B8B"/>
+                </a:solidFill>
+                <a:latin typeface="Calibri"/>
+              </a:rPr>
+              <a:t>7</a:t>
             </a:fld>
             <a:endParaRPr/>
           </a:p>
@@ -11757,71 +12289,70 @@
         </p:nvSpPr>
         <p:spPr>
           <a:xfrm>
-            <a:off x="504000" y="2133000"/>
-            <a:ext cx="7416000" cy="1137240"/>
-          </a:xfrm>
-          <a:prstGeom prst="rect">
-            <a:avLst/>
-          </a:prstGeom>
-        </p:spPr>
-        <p:txBody>
-          <a:bodyPr bIns="45000" lIns="90000" rIns="90000" tIns="45000" wrap="none"/>
-          <a:p>
-            <a:r>
-              <a:rPr lang="de-DE"/>
-              <a:t>„</a:t>
-            </a:r>
-            <a:r>
-              <a:rPr lang="de-DE"/>
-              <a:t>Definiere eine </a:t>
-            </a:r>
-            <a:r>
-              <a:rPr lang="de-DE"/>
-              <a:t>1-zu-n</a:t>
-            </a:r>
-            <a:r>
-              <a:rPr lang="de-DE"/>
-              <a:t>-Abhängigkeit zwischen Objekten, </a:t>
-            </a:r>
-            <a:endParaRPr/>
-          </a:p>
-          <a:p>
-            <a:r>
-              <a:rPr lang="de-DE"/>
+            <a:off x="683569" y="2133000"/>
+            <a:ext cx="6624736" cy="1198875"/>
+          </a:xfrm>
+          <a:prstGeom prst="rect">
+            <a:avLst/>
+          </a:prstGeom>
+        </p:spPr>
+        <p:txBody>
+          <a:bodyPr wrap="square" lIns="90000" tIns="45000" rIns="90000" bIns="45000">
+            <a:spAutoFit/>
+          </a:bodyPr>
+          <a:lstStyle/>
+          <a:p>
+            <a:r>
+              <a:rPr lang="de-DE" dirty="0"/>
+              <a:t>„Definiere eine 1-zu-n-Abhängigkeit zwischen Objekten, </a:t>
+            </a:r>
+            <a:endParaRPr dirty="0"/>
+          </a:p>
+          <a:p>
+            <a:r>
+              <a:rPr lang="de-DE" dirty="0"/>
               <a:t>so dass die </a:t>
             </a:r>
             <a:r>
-              <a:rPr b="1" lang="de-DE"/>
+              <a:rPr lang="de-DE" b="1" dirty="0"/>
               <a:t>Änderung des Zustands</a:t>
             </a:r>
             <a:r>
-              <a:rPr lang="de-DE"/>
+              <a:rPr lang="de-DE" dirty="0"/>
               <a:t> eines Objekts dazu führt,</a:t>
             </a:r>
-            <a:endParaRPr/>
-          </a:p>
-          <a:p>
-            <a:r>
-              <a:rPr lang="de-DE"/>
+            <a:endParaRPr dirty="0"/>
+          </a:p>
+          <a:p>
+            <a:r>
+              <a:rPr lang="de-DE" dirty="0"/>
               <a:t>das alle abhängigen </a:t>
             </a:r>
             <a:r>
-              <a:rPr b="1" lang="de-DE"/>
+              <a:rPr lang="de-DE" b="1" dirty="0"/>
               <a:t>Objekte benachrichtigt</a:t>
             </a:r>
             <a:r>
-              <a:rPr lang="de-DE"/>
+              <a:rPr lang="de-DE" dirty="0"/>
               <a:t> und automatisch </a:t>
             </a:r>
             <a:r>
-              <a:rPr b="1" lang="de-DE"/>
+              <a:rPr lang="de-DE" b="1" dirty="0"/>
               <a:t>aktualisiert</a:t>
             </a:r>
             <a:r>
-              <a:rPr lang="de-DE"/>
-              <a:t> werden.“ ([GoF], Seite 287)</a:t>
-            </a:r>
-            <a:endParaRPr/>
+              <a:rPr lang="de-DE" dirty="0"/>
+              <a:t> werden.“ ([</a:t>
+            </a:r>
+            <a:r>
+              <a:rPr lang="de-DE" dirty="0" err="1"/>
+              <a:t>GoF</a:t>
+            </a:r>
+            <a:r>
+              <a:rPr lang="de-DE" dirty="0"/>
+              <a:t>], Seite 287)</a:t>
+            </a:r>
+            <a:endParaRPr dirty="0"/>
           </a:p>
         </p:txBody>
       </p:sp>
@@ -11838,73 +12369,24 @@
           </a:xfrm>
           <a:prstGeom prst="pie">
             <a:avLst>
-              <a:gd fmla="val 6500" name="adj1"/>
-              <a:gd fmla="val 8600" name="adj2"/>
-              <a:gd fmla="val 4300" name="adj3"/>
+              <a:gd name="adj1" fmla="val 6500"/>
+              <a:gd name="adj2" fmla="val 8600"/>
+              <a:gd name="adj3" fmla="val 4300"/>
             </a:avLst>
           </a:prstGeom>
           <a:solidFill>
-            <a:srgbClr val="729fcf"/>
+            <a:srgbClr val="729FCF"/>
           </a:solidFill>
           <a:ln>
             <a:solidFill>
-              <a:srgbClr val="3465af"/>
+              <a:srgbClr val="3465AF"/>
             </a:solidFill>
           </a:ln>
         </p:spPr>
       </p:sp>
       <p:pic>
         <p:nvPicPr>
-          <p:cNvPr descr="" id="117" name=""/>
-          <p:cNvPicPr/>
-          <p:nvPr/>
-        </p:nvPicPr>
-        <p:blipFill>
-          <a:blip r:embed="rId1"/>
-          <a:stretch>
-            <a:fillRect/>
-          </a:stretch>
-        </p:blipFill>
-        <p:spPr>
-          <a:xfrm>
-            <a:off x="1008000" y="3888000"/>
-            <a:ext cx="1944000" cy="1944000"/>
-          </a:xfrm>
-          <a:prstGeom prst="rect">
-            <a:avLst/>
-          </a:prstGeom>
-        </p:spPr>
-      </p:pic>
-      <p:sp>
-        <p:nvSpPr>
-          <p:cNvPr id="118" name="CustomShape 6"/>
-          <p:cNvSpPr/>
-          <p:nvPr/>
-        </p:nvSpPr>
-        <p:spPr>
-          <a:xfrm>
-            <a:off x="2952000" y="4752000"/>
-            <a:ext cx="2520000" cy="216000"/>
-          </a:xfrm>
-          <a:prstGeom prst="rightArrow">
-            <a:avLst>
-              <a:gd fmla="val 19406" name="adj1"/>
-              <a:gd fmla="val 7403" name="adj2"/>
-            </a:avLst>
-          </a:prstGeom>
-          <a:solidFill>
-            <a:srgbClr val="729fcf"/>
-          </a:solidFill>
-          <a:ln>
-            <a:solidFill>
-              <a:srgbClr val="3465af"/>
-            </a:solidFill>
-          </a:ln>
-        </p:spPr>
-      </p:sp>
-      <p:pic>
-        <p:nvPicPr>
-          <p:cNvPr descr="" id="119" name=""/>
+          <p:cNvPr id="7" name="Grafik 6"/>
           <p:cNvPicPr/>
           <p:nvPr/>
         </p:nvPicPr>
@@ -11916,8 +12398,8 @@
         </p:blipFill>
         <p:spPr>
           <a:xfrm>
-            <a:off x="5256000" y="3528000"/>
-            <a:ext cx="780480" cy="780480"/>
+            <a:off x="1523880" y="4162607"/>
+            <a:ext cx="1224000" cy="1224000"/>
           </a:xfrm>
           <a:prstGeom prst="rect">
             <a:avLst/>
@@ -11926,7 +12408,7 @@
       </p:pic>
       <p:pic>
         <p:nvPicPr>
-          <p:cNvPr descr="" id="120" name=""/>
+          <p:cNvPr id="8" name="Grafik 7"/>
           <p:cNvPicPr/>
           <p:nvPr/>
         </p:nvPicPr>
@@ -11938,30 +12420,70 @@
         </p:blipFill>
         <p:spPr>
           <a:xfrm>
-            <a:off x="5267520" y="5472000"/>
-            <a:ext cx="780480" cy="780480"/>
+            <a:off x="5224106" y="3467000"/>
+            <a:ext cx="721440" cy="721440"/>
           </a:xfrm>
           <a:prstGeom prst="rect">
             <a:avLst/>
           </a:prstGeom>
         </p:spPr>
       </p:pic>
+      <p:sp>
+        <p:nvSpPr>
+          <p:cNvPr id="9" name="Pfeil nach rechts 8"/>
+          <p:cNvSpPr/>
+          <p:nvPr/>
+        </p:nvSpPr>
+        <p:spPr>
+          <a:xfrm>
+            <a:off x="2751437" y="4679767"/>
+            <a:ext cx="2666165" cy="189680"/>
+          </a:xfrm>
+          <a:prstGeom prst="rightArrow">
+            <a:avLst/>
+          </a:prstGeom>
+        </p:spPr>
+        <p:style>
+          <a:lnRef idx="2">
+            <a:schemeClr val="accent1">
+              <a:shade val="50000"/>
+            </a:schemeClr>
+          </a:lnRef>
+          <a:fillRef idx="1">
+            <a:schemeClr val="accent1"/>
+          </a:fillRef>
+          <a:effectRef idx="0">
+            <a:schemeClr val="accent1"/>
+          </a:effectRef>
+          <a:fontRef idx="minor">
+            <a:schemeClr val="lt1"/>
+          </a:fontRef>
+        </p:style>
+        <p:txBody>
+          <a:bodyPr rtlCol="0" anchor="ctr"/>
+          <a:lstStyle/>
+          <a:p>
+            <a:pPr algn="ctr"/>
+            <a:endParaRPr lang="de-DE"/>
+          </a:p>
+        </p:txBody>
+      </p:sp>
       <p:pic>
         <p:nvPicPr>
-          <p:cNvPr descr="" id="121" name=""/>
+          <p:cNvPr id="10" name="Grafik 9"/>
           <p:cNvPicPr/>
           <p:nvPr/>
         </p:nvPicPr>
         <p:blipFill>
-          <a:blip r:embed="rId4"/>
+          <a:blip r:embed="rId3"/>
           <a:stretch>
             <a:fillRect/>
           </a:stretch>
         </p:blipFill>
         <p:spPr>
           <a:xfrm>
-            <a:off x="6203520" y="4547520"/>
-            <a:ext cx="780480" cy="780480"/>
+            <a:off x="5224106" y="5301210"/>
+            <a:ext cx="721440" cy="721440"/>
           </a:xfrm>
           <a:prstGeom prst="rect">
             <a:avLst/>
@@ -11970,44 +12492,91 @@
       </p:pic>
       <p:pic>
         <p:nvPicPr>
-          <p:cNvPr descr="" id="122" name=""/>
+          <p:cNvPr id="11" name="Grafik 10"/>
           <p:cNvPicPr/>
           <p:nvPr/>
         </p:nvPicPr>
         <p:blipFill>
-          <a:blip r:embed="rId5"/>
+          <a:blip r:embed="rId3"/>
           <a:stretch>
             <a:fillRect/>
           </a:stretch>
         </p:blipFill>
         <p:spPr>
           <a:xfrm>
-            <a:off x="3744000" y="4161960"/>
-            <a:ext cx="662040" cy="662040"/>
+            <a:off x="6300192" y="4439720"/>
+            <a:ext cx="721440" cy="721440"/>
           </a:xfrm>
           <a:prstGeom prst="rect">
             <a:avLst/>
           </a:prstGeom>
         </p:spPr>
       </p:pic>
+      <p:sp>
+        <p:nvSpPr>
+          <p:cNvPr id="2" name="Pfeil nach links, rechts und oben 1"/>
+          <p:cNvSpPr/>
+          <p:nvPr/>
+        </p:nvSpPr>
+        <p:spPr>
+          <a:xfrm rot="5400000">
+            <a:off x="5271489" y="4380699"/>
+            <a:ext cx="1053206" cy="787816"/>
+          </a:xfrm>
+          <a:prstGeom prst="leftRightUpArrow">
+            <a:avLst>
+              <a:gd name="adj1" fmla="val 21898"/>
+              <a:gd name="adj2" fmla="val 21898"/>
+              <a:gd name="adj3" fmla="val 28101"/>
+            </a:avLst>
+          </a:prstGeom>
+        </p:spPr>
+        <p:style>
+          <a:lnRef idx="2">
+            <a:schemeClr val="accent1">
+              <a:shade val="50000"/>
+            </a:schemeClr>
+          </a:lnRef>
+          <a:fillRef idx="1">
+            <a:schemeClr val="accent1"/>
+          </a:fillRef>
+          <a:effectRef idx="0">
+            <a:schemeClr val="accent1"/>
+          </a:effectRef>
+          <a:fontRef idx="minor">
+            <a:schemeClr val="lt1"/>
+          </a:fontRef>
+        </p:style>
+        <p:txBody>
+          <a:bodyPr rtlCol="0" anchor="ctr"/>
+          <a:lstStyle/>
+          <a:p>
+            <a:pPr algn="ctr"/>
+            <a:endParaRPr lang="de-DE"/>
+          </a:p>
+        </p:txBody>
+      </p:sp>
     </p:spTree>
   </p:cSld>
+  <p:clrMapOvr>
+    <a:masterClrMapping/>
+  </p:clrMapOvr>
   <p:timing>
     <p:tnLst>
       <p:par>
-        <p:cTn dur="indefinite" id="13" nodeType="tmRoot" restart="never">
+        <p:cTn id="1" dur="indefinite" restart="never" nodeType="tmRoot">
           <p:childTnLst>
             <p:seq>
-              <p:cTn id="14" nodeType="mainSeq"/>
+              <p:cTn id="2" nodeType="mainSeq"/>
               <p:prevCondLst>
-                <p:cond delay="0" evt="onPrev">
+                <p:cond evt="onPrev" delay="0">
                   <p:tgtEl>
                     <p:sldTgt/>
                   </p:tgtEl>
                 </p:cond>
               </p:prevCondLst>
               <p:nextCondLst>
-                <p:cond delay="0" evt="onNext">
+                <p:cond evt="onNext" delay="0">
                   <p:tgtEl>
                     <p:sldTgt/>
                   </p:tgtEl>
@@ -12023,7 +12592,7 @@
 </file>
 
 <file path=ppt/slides/slide8.xml><?xml version="1.0" encoding="utf-8"?>
-<p:sld xmlns:a="http://schemas.openxmlformats.org/drawingml/2006/main" xmlns:p="http://schemas.openxmlformats.org/presentationml/2006/main" xmlns:r="http://schemas.openxmlformats.org/officeDocument/2006/relationships">
+<p:sld xmlns:a="http://schemas.openxmlformats.org/drawingml/2006/main" xmlns:r="http://schemas.openxmlformats.org/officeDocument/2006/relationships" xmlns:p="http://schemas.openxmlformats.org/presentationml/2006/main">
   <p:cSld>
     <p:spTree>
       <p:nvGrpSpPr>
@@ -12056,6 +12625,7 @@
         </p:spPr>
         <p:txBody>
           <a:bodyPr anchor="ctr"/>
+          <a:lstStyle/>
           <a:p>
             <a:r>
               <a:rPr lang="de-DE" sz="2800"/>
@@ -12082,6 +12652,7 @@
         </p:spPr>
         <p:txBody>
           <a:bodyPr anchor="ctr"/>
+          <a:lstStyle/>
           <a:p>
             <a:pPr>
               <a:lnSpc>
@@ -12091,7 +12662,7 @@
             <a:r>
               <a:rPr lang="de-DE" sz="1600">
                 <a:solidFill>
-                  <a:srgbClr val="8b8b8b"/>
+                  <a:srgbClr val="8B8B8B"/>
                 </a:solidFill>
                 <a:latin typeface="Calibri"/>
               </a:rPr>
@@ -12118,6 +12689,7 @@
         </p:spPr>
         <p:txBody>
           <a:bodyPr anchor="ctr"/>
+          <a:lstStyle/>
           <a:p>
             <a:pPr>
               <a:lnSpc>
@@ -12127,11 +12699,11 @@
             <a:fld id="{91F0D0F5-9823-4AF0-8315-52CCEC7B518F}" type="slidenum">
               <a:rPr lang="de-DE" sz="1600">
                 <a:solidFill>
-                  <a:srgbClr val="8b8b8b"/>
-                </a:solidFill>
-                <a:latin typeface="Calibri"/>
-              </a:rPr>
-              <a:t>&lt;Nummer&gt;</a:t>
+                  <a:srgbClr val="8B8B8B"/>
+                </a:solidFill>
+                <a:latin typeface="Calibri"/>
+              </a:rPr>
+              <a:t>8</a:t>
             </a:fld>
             <a:endParaRPr/>
           </a:p>
@@ -12139,12 +12711,12 @@
       </p:sp>
       <p:pic>
         <p:nvPicPr>
-          <p:cNvPr descr="" id="126" name=""/>
+          <p:cNvPr id="126" name="Grafik 125"/>
           <p:cNvPicPr/>
           <p:nvPr/>
         </p:nvPicPr>
         <p:blipFill>
-          <a:blip r:embed="rId1"/>
+          <a:blip r:embed="rId2"/>
           <a:stretch>
             <a:fillRect/>
           </a:stretch>
@@ -12161,22 +12733,25 @@
       </p:pic>
     </p:spTree>
   </p:cSld>
+  <p:clrMapOvr>
+    <a:masterClrMapping/>
+  </p:clrMapOvr>
   <p:timing>
     <p:tnLst>
       <p:par>
-        <p:cTn dur="indefinite" id="15" nodeType="tmRoot" restart="never">
+        <p:cTn id="1" dur="indefinite" restart="never" nodeType="tmRoot">
           <p:childTnLst>
             <p:seq>
-              <p:cTn id="16" nodeType="mainSeq"/>
+              <p:cTn id="2" nodeType="mainSeq"/>
               <p:prevCondLst>
-                <p:cond delay="0" evt="onPrev">
+                <p:cond evt="onPrev" delay="0">
                   <p:tgtEl>
                     <p:sldTgt/>
                   </p:tgtEl>
                 </p:cond>
               </p:prevCondLst>
               <p:nextCondLst>
-                <p:cond delay="0" evt="onNext">
+                <p:cond evt="onNext" delay="0">
                   <p:tgtEl>
                     <p:sldTgt/>
                   </p:tgtEl>
@@ -12192,7 +12767,7 @@
 </file>
 
 <file path=ppt/slides/slide9.xml><?xml version="1.0" encoding="utf-8"?>
-<p:sld xmlns:a="http://schemas.openxmlformats.org/drawingml/2006/main" xmlns:p="http://schemas.openxmlformats.org/presentationml/2006/main" xmlns:r="http://schemas.openxmlformats.org/officeDocument/2006/relationships">
+<p:sld xmlns:a="http://schemas.openxmlformats.org/drawingml/2006/main" xmlns:r="http://schemas.openxmlformats.org/officeDocument/2006/relationships" xmlns:p="http://schemas.openxmlformats.org/presentationml/2006/main">
   <p:cSld>
     <p:spTree>
       <p:nvGrpSpPr>
@@ -12225,6 +12800,7 @@
         </p:spPr>
         <p:txBody>
           <a:bodyPr anchor="ctr"/>
+          <a:lstStyle/>
           <a:p>
             <a:r>
               <a:rPr lang="de-DE" sz="2800"/>
@@ -12251,6 +12827,7 @@
         </p:spPr>
         <p:txBody>
           <a:bodyPr anchor="ctr"/>
+          <a:lstStyle/>
           <a:p>
             <a:pPr>
               <a:lnSpc>
@@ -12260,7 +12837,7 @@
             <a:r>
               <a:rPr lang="de-DE" sz="1600">
                 <a:solidFill>
-                  <a:srgbClr val="8b8b8b"/>
+                  <a:srgbClr val="8B8B8B"/>
                 </a:solidFill>
                 <a:latin typeface="Calibri"/>
               </a:rPr>
@@ -12287,6 +12864,7 @@
         </p:spPr>
         <p:txBody>
           <a:bodyPr anchor="ctr"/>
+          <a:lstStyle/>
           <a:p>
             <a:pPr>
               <a:lnSpc>
@@ -12296,11 +12874,11 @@
             <a:fld id="{0A9E1864-0A2D-4033-A64B-BB0B6E11151D}" type="slidenum">
               <a:rPr lang="de-DE" sz="1600">
                 <a:solidFill>
-                  <a:srgbClr val="8b8b8b"/>
-                </a:solidFill>
-                <a:latin typeface="Calibri"/>
-              </a:rPr>
-              <a:t>&lt;Nummer&gt;</a:t>
+                  <a:srgbClr val="8B8B8B"/>
+                </a:solidFill>
+                <a:latin typeface="Calibri"/>
+              </a:rPr>
+              <a:t>9</a:t>
             </a:fld>
             <a:endParaRPr/>
           </a:p>
@@ -12308,12 +12886,12 @@
       </p:sp>
       <p:pic>
         <p:nvPicPr>
-          <p:cNvPr descr="" id="130" name=""/>
+          <p:cNvPr id="130" name="Grafik 129"/>
           <p:cNvPicPr/>
           <p:nvPr/>
         </p:nvPicPr>
         <p:blipFill>
-          <a:blip r:embed="rId1"/>
+          <a:blip r:embed="rId2"/>
           <a:stretch>
             <a:fillRect/>
           </a:stretch>
@@ -12330,22 +12908,25 @@
       </p:pic>
     </p:spTree>
   </p:cSld>
+  <p:clrMapOvr>
+    <a:masterClrMapping/>
+  </p:clrMapOvr>
   <p:timing>
     <p:tnLst>
       <p:par>
-        <p:cTn dur="indefinite" id="17" nodeType="tmRoot" restart="never">
+        <p:cTn id="1" dur="indefinite" restart="never" nodeType="tmRoot">
           <p:childTnLst>
             <p:seq>
-              <p:cTn id="18" nodeType="mainSeq"/>
+              <p:cTn id="2" nodeType="mainSeq"/>
               <p:prevCondLst>
-                <p:cond delay="0" evt="onPrev">
+                <p:cond evt="onPrev" delay="0">
                   <p:tgtEl>
                     <p:sldTgt/>
                   </p:tgtEl>
                 </p:cond>
               </p:prevCondLst>
               <p:nextCondLst>
-                <p:cond delay="0" evt="onNext">
+                <p:cond evt="onNext" delay="0">
                   <p:tgtEl>
                     <p:sldTgt/>
                   </p:tgtEl>
@@ -12580,6 +13161,8 @@
       </a:bgFillStyleLst>
     </a:fmtScheme>
   </a:themeElements>
+  <a:objectDefaults/>
+  <a:extraClrSchemeLst/>
 </a:theme>
 </file>
 
@@ -12803,6 +13386,8 @@
       </a:bgFillStyleLst>
     </a:fmtScheme>
   </a:themeElements>
+  <a:objectDefaults/>
+  <a:extraClrSchemeLst/>
 </a:theme>
 </file>
 
@@ -13026,5 +13611,7 @@
       </a:bgFillStyleLst>
     </a:fmtScheme>
   </a:themeElements>
+  <a:objectDefaults/>
+  <a:extraClrSchemeLst/>
 </a:theme>
 </file>
--- a/Dokumentation/Praesentation/Praesentation.pptx
+++ b/Dokumentation/Praesentation/Praesentation.pptx
@@ -3716,10 +3716,10 @@
           <a:lstStyle/>
           <a:p>
             <a:r>
-              <a:rPr lang="de-DE"/>
+              <a:rPr lang="de-DE" sz="3200" dirty="0"/>
               <a:t>Observer Pattern</a:t>
             </a:r>
-            <a:endParaRPr/>
+            <a:endParaRPr sz="3200" dirty="0"/>
           </a:p>
         </p:txBody>
       </p:sp>
@@ -4013,7 +4013,7 @@
         </p:blipFill>
         <p:spPr>
           <a:xfrm>
-            <a:off x="936360" y="3744000"/>
+            <a:off x="949176" y="3012815"/>
             <a:ext cx="7127640" cy="1302120"/>
           </a:xfrm>
           <a:prstGeom prst="rect">
@@ -4035,7 +4035,7 @@
         </p:blipFill>
         <p:spPr>
           <a:xfrm>
-            <a:off x="2734560" y="2232000"/>
+            <a:off x="2734560" y="1554622"/>
             <a:ext cx="1224000" cy="1224000"/>
           </a:xfrm>
           <a:prstGeom prst="rect">
@@ -4057,7 +4057,7 @@
         </p:blipFill>
         <p:spPr>
           <a:xfrm>
-            <a:off x="5398560" y="2518560"/>
+            <a:off x="5398560" y="1841182"/>
             <a:ext cx="721440" cy="721440"/>
           </a:xfrm>
           <a:prstGeom prst="rect">
@@ -4073,7 +4073,7 @@
         </p:nvSpPr>
         <p:spPr>
           <a:xfrm>
-            <a:off x="4102560" y="2437760"/>
+            <a:off x="4102560" y="1760382"/>
             <a:ext cx="1029600" cy="346680"/>
           </a:xfrm>
           <a:prstGeom prst="rect">
@@ -4100,7 +4100,7 @@
         </p:nvSpPr>
         <p:spPr>
           <a:xfrm>
-            <a:off x="3945141" y="2784440"/>
+            <a:off x="3945141" y="2107062"/>
             <a:ext cx="1440000" cy="189680"/>
           </a:xfrm>
           <a:prstGeom prst="rightArrow">
@@ -4132,6 +4132,186 @@
           </a:p>
         </p:txBody>
       </p:sp>
+      <p:sp>
+        <p:nvSpPr>
+          <p:cNvPr id="3" name="Textfeld 2"/>
+          <p:cNvSpPr txBox="1"/>
+          <p:nvPr/>
+        </p:nvSpPr>
+        <p:spPr>
+          <a:xfrm>
+            <a:off x="949176" y="4509120"/>
+            <a:ext cx="7891849" cy="1077218"/>
+          </a:xfrm>
+          <a:prstGeom prst="rect">
+            <a:avLst/>
+          </a:prstGeom>
+          <a:noFill/>
+        </p:spPr>
+        <p:txBody>
+          <a:bodyPr wrap="square" rtlCol="0">
+            <a:spAutoFit/>
+          </a:bodyPr>
+          <a:lstStyle/>
+          <a:p>
+            <a:pPr>
+              <a:spcAft>
+                <a:spcPts val="600"/>
+              </a:spcAft>
+            </a:pPr>
+            <a:r>
+              <a:rPr lang="de-DE" dirty="0" smtClean="0"/>
+              <a:t>Observer benötigt keine Informationen über Subjekt -&gt; Starke Entkopplung</a:t>
+            </a:r>
+          </a:p>
+          <a:p>
+            <a:pPr>
+              <a:spcAft>
+                <a:spcPts val="600"/>
+              </a:spcAft>
+            </a:pPr>
+            <a:r>
+              <a:rPr lang="de-DE" dirty="0" smtClean="0"/>
+              <a:t>Nicht jeder Observer benötigt alle/die selben Parameter!</a:t>
+            </a:r>
+          </a:p>
+          <a:p>
+            <a:pPr>
+              <a:spcAft>
+                <a:spcPts val="600"/>
+              </a:spcAft>
+            </a:pPr>
+            <a:r>
+              <a:rPr lang="de-DE" dirty="0" smtClean="0"/>
+              <a:t>Bei Erweiterung müssen alle Observer angepasst werden</a:t>
+            </a:r>
+            <a:endParaRPr lang="de-DE" dirty="0"/>
+          </a:p>
+        </p:txBody>
+      </p:sp>
+      <p:pic>
+        <p:nvPicPr>
+          <p:cNvPr id="3074" name="Picture 2" descr="E:\Eigene Dateien\Dropbox\__Studium\6.Semester\Design Patterns\Design-Pattern-MVC_git\symbols\Menu_Ready.png"/>
+          <p:cNvPicPr>
+            <a:picLocks noChangeAspect="1" noChangeArrowheads="1"/>
+          </p:cNvPicPr>
+          <p:nvPr/>
+        </p:nvPicPr>
+        <p:blipFill>
+          <a:blip r:embed="rId5">
+            <a:extLst>
+              <a:ext uri="{28A0092B-C50C-407E-A947-70E740481C1C}">
+                <a14:useLocalDpi xmlns:a14="http://schemas.microsoft.com/office/drawing/2010/main" val="0"/>
+              </a:ext>
+            </a:extLst>
+          </a:blip>
+          <a:srcRect/>
+          <a:stretch>
+            <a:fillRect/>
+          </a:stretch>
+        </p:blipFill>
+        <p:spPr bwMode="auto">
+          <a:xfrm>
+            <a:off x="590550" y="4557712"/>
+            <a:ext cx="304800" cy="304800"/>
+          </a:xfrm>
+          <a:prstGeom prst="rect">
+            <a:avLst/>
+          </a:prstGeom>
+          <a:noFill/>
+          <a:extLst>
+            <a:ext uri="{909E8E84-426E-40DD-AFC4-6F175D3DCCD1}">
+              <a14:hiddenFill xmlns:a14="http://schemas.microsoft.com/office/drawing/2010/main">
+                <a:solidFill>
+                  <a:srgbClr val="FFFFFF"/>
+                </a:solidFill>
+              </a14:hiddenFill>
+            </a:ext>
+          </a:extLst>
+        </p:spPr>
+      </p:pic>
+      <p:pic>
+        <p:nvPicPr>
+          <p:cNvPr id="3075" name="Picture 3" descr="E:\Eigene Dateien\Dropbox\__Studium\6.Semester\Design Patterns\Design-Pattern-MVC_git\symbols\Menu_NotReady.png"/>
+          <p:cNvPicPr>
+            <a:picLocks noChangeAspect="1" noChangeArrowheads="1"/>
+          </p:cNvPicPr>
+          <p:nvPr/>
+        </p:nvPicPr>
+        <p:blipFill>
+          <a:blip r:embed="rId6">
+            <a:extLst>
+              <a:ext uri="{28A0092B-C50C-407E-A947-70E740481C1C}">
+                <a14:useLocalDpi xmlns:a14="http://schemas.microsoft.com/office/drawing/2010/main" val="0"/>
+              </a:ext>
+            </a:extLst>
+          </a:blip>
+          <a:srcRect/>
+          <a:stretch>
+            <a:fillRect/>
+          </a:stretch>
+        </p:blipFill>
+        <p:spPr bwMode="auto">
+          <a:xfrm>
+            <a:off x="590550" y="4876018"/>
+            <a:ext cx="343421" cy="343421"/>
+          </a:xfrm>
+          <a:prstGeom prst="rect">
+            <a:avLst/>
+          </a:prstGeom>
+          <a:noFill/>
+          <a:extLst>
+            <a:ext uri="{909E8E84-426E-40DD-AFC4-6F175D3DCCD1}">
+              <a14:hiddenFill xmlns:a14="http://schemas.microsoft.com/office/drawing/2010/main">
+                <a:solidFill>
+                  <a:srgbClr val="FFFFFF"/>
+                </a:solidFill>
+              </a14:hiddenFill>
+            </a:ext>
+          </a:extLst>
+        </p:spPr>
+      </p:pic>
+      <p:pic>
+        <p:nvPicPr>
+          <p:cNvPr id="15" name="Picture 3" descr="E:\Eigene Dateien\Dropbox\__Studium\6.Semester\Design Patterns\Design-Pattern-MVC_git\symbols\Menu_NotReady.png"/>
+          <p:cNvPicPr>
+            <a:picLocks noChangeAspect="1" noChangeArrowheads="1"/>
+          </p:cNvPicPr>
+          <p:nvPr/>
+        </p:nvPicPr>
+        <p:blipFill>
+          <a:blip r:embed="rId6">
+            <a:extLst>
+              <a:ext uri="{28A0092B-C50C-407E-A947-70E740481C1C}">
+                <a14:useLocalDpi xmlns:a14="http://schemas.microsoft.com/office/drawing/2010/main" val="0"/>
+              </a:ext>
+            </a:extLst>
+          </a:blip>
+          <a:srcRect/>
+          <a:stretch>
+            <a:fillRect/>
+          </a:stretch>
+        </p:blipFill>
+        <p:spPr bwMode="auto">
+          <a:xfrm>
+            <a:off x="571499" y="5200128"/>
+            <a:ext cx="343421" cy="343421"/>
+          </a:xfrm>
+          <a:prstGeom prst="rect">
+            <a:avLst/>
+          </a:prstGeom>
+          <a:noFill/>
+          <a:extLst>
+            <a:ext uri="{909E8E84-426E-40DD-AFC4-6F175D3DCCD1}">
+              <a14:hiddenFill xmlns:a14="http://schemas.microsoft.com/office/drawing/2010/main">
+                <a:solidFill>
+                  <a:srgbClr val="FFFFFF"/>
+                </a:solidFill>
+              </a14:hiddenFill>
+            </a:ext>
+          </a:extLst>
+        </p:spPr>
+      </p:pic>
     </p:spTree>
   </p:cSld>
   <p:clrMapOvr>
@@ -4193,7 +4373,7 @@
         <p:spPr>
           <a:xfrm>
             <a:off x="97200" y="864000"/>
-            <a:ext cx="4654800" cy="387360"/>
+            <a:ext cx="5319360" cy="387360"/>
           </a:xfrm>
           <a:prstGeom prst="rect">
             <a:avLst/>
@@ -4204,10 +4384,10 @@
           <a:lstStyle/>
           <a:p>
             <a:r>
-              <a:rPr lang="de-DE" sz="2800"/>
+              <a:rPr lang="de-DE" sz="2800" dirty="0"/>
               <a:t>Observer Pattern: Variationen</a:t>
             </a:r>
-            <a:endParaRPr/>
+            <a:endParaRPr dirty="0"/>
           </a:p>
         </p:txBody>
       </p:sp>
@@ -4326,7 +4506,7 @@
         </p:blipFill>
         <p:spPr>
           <a:xfrm>
-            <a:off x="2734560" y="2232000"/>
+            <a:off x="2734560" y="1529640"/>
             <a:ext cx="1224000" cy="1224000"/>
           </a:xfrm>
           <a:prstGeom prst="rect">
@@ -4348,7 +4528,7 @@
         </p:blipFill>
         <p:spPr>
           <a:xfrm>
-            <a:off x="5416560" y="2590560"/>
+            <a:off x="5416560" y="1888200"/>
             <a:ext cx="721440" cy="721440"/>
           </a:xfrm>
           <a:prstGeom prst="rect">
@@ -4364,7 +4544,7 @@
         </p:nvSpPr>
         <p:spPr>
           <a:xfrm>
-            <a:off x="4120560" y="2304000"/>
+            <a:off x="4120560" y="1601640"/>
             <a:ext cx="1029600" cy="346680"/>
           </a:xfrm>
           <a:prstGeom prst="rect">
@@ -4397,7 +4577,7 @@
         </p:blipFill>
         <p:spPr>
           <a:xfrm>
-            <a:off x="1008360" y="3744000"/>
+            <a:off x="1015258" y="3062724"/>
             <a:ext cx="6767640" cy="1164600"/>
           </a:xfrm>
           <a:prstGeom prst="rect">
@@ -4419,7 +4599,7 @@
         </p:blipFill>
         <p:spPr>
           <a:xfrm>
-            <a:off x="4021560" y="2802960"/>
+            <a:off x="4021560" y="2100600"/>
             <a:ext cx="1334880" cy="496080"/>
           </a:xfrm>
           <a:prstGeom prst="rect">
@@ -4435,7 +4615,7 @@
         </p:nvSpPr>
         <p:spPr>
           <a:xfrm>
-            <a:off x="4295880" y="2868840"/>
+            <a:off x="4295880" y="2166480"/>
             <a:ext cx="816120" cy="346680"/>
           </a:xfrm>
           <a:prstGeom prst="rect">
@@ -4462,7 +4642,7 @@
         </p:nvSpPr>
         <p:spPr>
           <a:xfrm>
-            <a:off x="3958560" y="2650680"/>
+            <a:off x="3958560" y="1948320"/>
             <a:ext cx="1458000" cy="152280"/>
           </a:xfrm>
           <a:prstGeom prst="rightArrow">
@@ -4494,6 +4674,186 @@
           </a:p>
         </p:txBody>
       </p:sp>
+      <p:sp>
+        <p:nvSpPr>
+          <p:cNvPr id="14" name="Textfeld 13"/>
+          <p:cNvSpPr txBox="1"/>
+          <p:nvPr/>
+        </p:nvSpPr>
+        <p:spPr>
+          <a:xfrm>
+            <a:off x="949176" y="4509120"/>
+            <a:ext cx="7891849" cy="1354217"/>
+          </a:xfrm>
+          <a:prstGeom prst="rect">
+            <a:avLst/>
+          </a:prstGeom>
+          <a:noFill/>
+        </p:spPr>
+        <p:txBody>
+          <a:bodyPr wrap="square" rtlCol="0">
+            <a:spAutoFit/>
+          </a:bodyPr>
+          <a:lstStyle/>
+          <a:p>
+            <a:pPr>
+              <a:spcAft>
+                <a:spcPts val="600"/>
+              </a:spcAft>
+            </a:pPr>
+            <a:r>
+              <a:rPr lang="de-DE" dirty="0" smtClean="0"/>
+              <a:t>Jeder Observer holt sich per Getter nur die benötigten Informationen.</a:t>
+            </a:r>
+          </a:p>
+          <a:p>
+            <a:pPr>
+              <a:spcAft>
+                <a:spcPts val="600"/>
+              </a:spcAft>
+            </a:pPr>
+            <a:r>
+              <a:rPr lang="de-DE" dirty="0" smtClean="0"/>
+              <a:t>Bei mehreren Subjekten: Eindeutig von welchem Subjekt!</a:t>
+            </a:r>
+          </a:p>
+          <a:p>
+            <a:pPr>
+              <a:spcAft>
+                <a:spcPts val="600"/>
+              </a:spcAft>
+            </a:pPr>
+            <a:r>
+              <a:rPr lang="de-DE" dirty="0" smtClean="0"/>
+              <a:t>Kann ineffizient werden, da Observer herausfinden muss was sich konkret verändert hat.</a:t>
+            </a:r>
+            <a:endParaRPr lang="de-DE" dirty="0"/>
+          </a:p>
+        </p:txBody>
+      </p:sp>
+      <p:pic>
+        <p:nvPicPr>
+          <p:cNvPr id="15" name="Picture 2" descr="E:\Eigene Dateien\Dropbox\__Studium\6.Semester\Design Patterns\Design-Pattern-MVC_git\symbols\Menu_Ready.png"/>
+          <p:cNvPicPr>
+            <a:picLocks noChangeAspect="1" noChangeArrowheads="1"/>
+          </p:cNvPicPr>
+          <p:nvPr/>
+        </p:nvPicPr>
+        <p:blipFill>
+          <a:blip r:embed="rId6">
+            <a:extLst>
+              <a:ext uri="{28A0092B-C50C-407E-A947-70E740481C1C}">
+                <a14:useLocalDpi xmlns:a14="http://schemas.microsoft.com/office/drawing/2010/main" val="0"/>
+              </a:ext>
+            </a:extLst>
+          </a:blip>
+          <a:srcRect/>
+          <a:stretch>
+            <a:fillRect/>
+          </a:stretch>
+        </p:blipFill>
+        <p:spPr bwMode="auto">
+          <a:xfrm>
+            <a:off x="590550" y="4557712"/>
+            <a:ext cx="304800" cy="304800"/>
+          </a:xfrm>
+          <a:prstGeom prst="rect">
+            <a:avLst/>
+          </a:prstGeom>
+          <a:noFill/>
+          <a:extLst>
+            <a:ext uri="{909E8E84-426E-40DD-AFC4-6F175D3DCCD1}">
+              <a14:hiddenFill xmlns:a14="http://schemas.microsoft.com/office/drawing/2010/main">
+                <a:solidFill>
+                  <a:srgbClr val="FFFFFF"/>
+                </a:solidFill>
+              </a14:hiddenFill>
+            </a:ext>
+          </a:extLst>
+        </p:spPr>
+      </p:pic>
+      <p:pic>
+        <p:nvPicPr>
+          <p:cNvPr id="17" name="Picture 3" descr="E:\Eigene Dateien\Dropbox\__Studium\6.Semester\Design Patterns\Design-Pattern-MVC_git\symbols\Menu_NotReady.png"/>
+          <p:cNvPicPr>
+            <a:picLocks noChangeAspect="1" noChangeArrowheads="1"/>
+          </p:cNvPicPr>
+          <p:nvPr/>
+        </p:nvPicPr>
+        <p:blipFill>
+          <a:blip r:embed="rId7">
+            <a:extLst>
+              <a:ext uri="{28A0092B-C50C-407E-A947-70E740481C1C}">
+                <a14:useLocalDpi xmlns:a14="http://schemas.microsoft.com/office/drawing/2010/main" val="0"/>
+              </a:ext>
+            </a:extLst>
+          </a:blip>
+          <a:srcRect/>
+          <a:stretch>
+            <a:fillRect/>
+          </a:stretch>
+        </p:blipFill>
+        <p:spPr bwMode="auto">
+          <a:xfrm>
+            <a:off x="571499" y="5200128"/>
+            <a:ext cx="343421" cy="343421"/>
+          </a:xfrm>
+          <a:prstGeom prst="rect">
+            <a:avLst/>
+          </a:prstGeom>
+          <a:noFill/>
+          <a:extLst>
+            <a:ext uri="{909E8E84-426E-40DD-AFC4-6F175D3DCCD1}">
+              <a14:hiddenFill xmlns:a14="http://schemas.microsoft.com/office/drawing/2010/main">
+                <a:solidFill>
+                  <a:srgbClr val="FFFFFF"/>
+                </a:solidFill>
+              </a14:hiddenFill>
+            </a:ext>
+          </a:extLst>
+        </p:spPr>
+      </p:pic>
+      <p:pic>
+        <p:nvPicPr>
+          <p:cNvPr id="18" name="Picture 2" descr="E:\Eigene Dateien\Dropbox\__Studium\6.Semester\Design Patterns\Design-Pattern-MVC_git\symbols\Menu_Ready.png"/>
+          <p:cNvPicPr>
+            <a:picLocks noChangeAspect="1" noChangeArrowheads="1"/>
+          </p:cNvPicPr>
+          <p:nvPr/>
+        </p:nvPicPr>
+        <p:blipFill>
+          <a:blip r:embed="rId6">
+            <a:extLst>
+              <a:ext uri="{28A0092B-C50C-407E-A947-70E740481C1C}">
+                <a14:useLocalDpi xmlns:a14="http://schemas.microsoft.com/office/drawing/2010/main" val="0"/>
+              </a:ext>
+            </a:extLst>
+          </a:blip>
+          <a:srcRect/>
+          <a:stretch>
+            <a:fillRect/>
+          </a:stretch>
+        </p:blipFill>
+        <p:spPr bwMode="auto">
+          <a:xfrm>
+            <a:off x="610120" y="4881428"/>
+            <a:ext cx="304800" cy="304800"/>
+          </a:xfrm>
+          <a:prstGeom prst="rect">
+            <a:avLst/>
+          </a:prstGeom>
+          <a:noFill/>
+          <a:extLst>
+            <a:ext uri="{909E8E84-426E-40DD-AFC4-6F175D3DCCD1}">
+              <a14:hiddenFill xmlns:a14="http://schemas.microsoft.com/office/drawing/2010/main">
+                <a:solidFill>
+                  <a:srgbClr val="FFFFFF"/>
+                </a:solidFill>
+              </a14:hiddenFill>
+            </a:ext>
+          </a:extLst>
+        </p:spPr>
+      </p:pic>
     </p:spTree>
   </p:cSld>
   <p:clrMapOvr>
@@ -4555,7 +4915,7 @@
         <p:spPr>
           <a:xfrm>
             <a:off x="97200" y="864000"/>
-            <a:ext cx="4654800" cy="387360"/>
+            <a:ext cx="5842952" cy="387360"/>
           </a:xfrm>
           <a:prstGeom prst="rect">
             <a:avLst/>
@@ -4566,10 +4926,10 @@
           <a:lstStyle/>
           <a:p>
             <a:r>
-              <a:rPr lang="de-DE" sz="2800"/>
+              <a:rPr lang="de-DE" sz="2800" dirty="0"/>
               <a:t>Observer Pattern: Variationen</a:t>
             </a:r>
-            <a:endParaRPr/>
+            <a:endParaRPr dirty="0"/>
           </a:p>
         </p:txBody>
       </p:sp>
@@ -4655,7 +5015,7 @@
         </p:nvSpPr>
         <p:spPr>
           <a:xfrm>
-            <a:off x="937440" y="1800000"/>
+            <a:off x="500116" y="1553000"/>
             <a:ext cx="2518560" cy="459360"/>
           </a:xfrm>
           <a:prstGeom prst="rect">
@@ -4667,38 +5027,12 @@
           <a:lstStyle/>
           <a:p>
             <a:r>
-              <a:rPr lang="de-DE"/>
+              <a:rPr lang="de-DE" sz="2000" dirty="0"/>
               <a:t>Pull oder Push?</a:t>
             </a:r>
-            <a:endParaRPr/>
-          </a:p>
-        </p:txBody>
-      </p:sp>
-      <p:sp>
-        <p:nvSpPr>
-          <p:cNvPr id="155" name="CustomShape 5"/>
-          <p:cNvSpPr/>
-          <p:nvPr/>
-        </p:nvSpPr>
-        <p:spPr>
-          <a:xfrm>
-            <a:off x="1872000" y="2664000"/>
-            <a:ext cx="720000" cy="720000"/>
-          </a:xfrm>
-          <a:prstGeom prst="smileyFace">
-            <a:avLst>
-              <a:gd name="adj" fmla="val 17520"/>
-            </a:avLst>
-          </a:prstGeom>
-          <a:solidFill>
-            <a:srgbClr val="FFCC99"/>
-          </a:solidFill>
-          <a:ln>
-            <a:solidFill>
-              <a:srgbClr val="3465AF"/>
-            </a:solidFill>
-          </a:ln>
-        </p:spPr>
+            <a:endParaRPr sz="2000" dirty="0"/>
+          </a:p>
+        </p:txBody>
       </p:sp>
       <p:sp>
         <p:nvSpPr>
@@ -4708,7 +5042,7 @@
         </p:nvSpPr>
         <p:spPr>
           <a:xfrm rot="10800000" flipH="1">
-            <a:off x="1728000" y="3527640"/>
+            <a:off x="1728000" y="3123958"/>
             <a:ext cx="6336000" cy="2232000"/>
           </a:xfrm>
           <a:prstGeom prst="wedgeRoundRectCallout">
@@ -4726,6 +5060,188 @@
             </a:solidFill>
           </a:ln>
         </p:spPr>
+      </p:sp>
+      <p:sp>
+        <p:nvSpPr>
+          <p:cNvPr id="2" name="Abgerundete rechteckige Legende 1"/>
+          <p:cNvSpPr/>
+          <p:nvPr/>
+        </p:nvSpPr>
+        <p:spPr>
+          <a:xfrm rot="10800000" flipH="1">
+            <a:off x="755576" y="2781924"/>
+            <a:ext cx="7416824" cy="2015228"/>
+          </a:xfrm>
+          <a:prstGeom prst="wedgeRoundRectCallout">
+            <a:avLst>
+              <a:gd name="adj1" fmla="val -33417"/>
+              <a:gd name="adj2" fmla="val 46785"/>
+              <a:gd name="adj3" fmla="val 16667"/>
+            </a:avLst>
+          </a:prstGeom>
+        </p:spPr>
+        <p:style>
+          <a:lnRef idx="1">
+            <a:schemeClr val="accent1"/>
+          </a:lnRef>
+          <a:fillRef idx="2">
+            <a:schemeClr val="accent1"/>
+          </a:fillRef>
+          <a:effectRef idx="1">
+            <a:schemeClr val="accent1"/>
+          </a:effectRef>
+          <a:fontRef idx="minor">
+            <a:schemeClr val="dk1"/>
+          </a:fontRef>
+        </p:style>
+        <p:txBody>
+          <a:bodyPr rtlCol="0" anchor="ctr"/>
+          <a:lstStyle/>
+          <a:p>
+            <a:pPr algn="ctr"/>
+            <a:endParaRPr lang="de-DE" dirty="0"/>
+          </a:p>
+        </p:txBody>
+      </p:sp>
+      <p:sp>
+        <p:nvSpPr>
+          <p:cNvPr id="3" name="Textfeld 2"/>
+          <p:cNvSpPr txBox="1"/>
+          <p:nvPr/>
+        </p:nvSpPr>
+        <p:spPr>
+          <a:xfrm>
+            <a:off x="913411" y="2914460"/>
+            <a:ext cx="7488832" cy="1585049"/>
+          </a:xfrm>
+          <a:prstGeom prst="rect">
+            <a:avLst/>
+          </a:prstGeom>
+          <a:noFill/>
+        </p:spPr>
+        <p:txBody>
+          <a:bodyPr wrap="square" rtlCol="0">
+            <a:spAutoFit/>
+          </a:bodyPr>
+          <a:lstStyle/>
+          <a:p>
+            <a:r>
+              <a:rPr lang="de-DE" sz="2000" u="sng" dirty="0" smtClean="0"/>
+              <a:t>Merke</a:t>
+            </a:r>
+            <a:r>
+              <a:rPr lang="de-DE" sz="2000" dirty="0" smtClean="0"/>
+              <a:t>:</a:t>
+            </a:r>
+          </a:p>
+          <a:p>
+            <a:r>
+              <a:rPr lang="de-DE" dirty="0" smtClean="0"/>
+              <a:t>Weiß das Subjekt…</a:t>
+            </a:r>
+          </a:p>
+          <a:p>
+            <a:endParaRPr lang="de-DE" dirty="0" smtClean="0"/>
+          </a:p>
+          <a:p>
+            <a:pPr>
+              <a:spcAft>
+                <a:spcPts val="600"/>
+              </a:spcAft>
+            </a:pPr>
+            <a:r>
+              <a:rPr lang="de-DE" dirty="0" smtClean="0"/>
+              <a:t>… von den Anforderungen der Observer 	 	Push-Modell</a:t>
+            </a:r>
+          </a:p>
+          <a:p>
+            <a:r>
+              <a:rPr lang="de-DE" dirty="0" smtClean="0"/>
+              <a:t>… nichts über die Observer 			Pull-Modell</a:t>
+            </a:r>
+            <a:endParaRPr lang="de-DE" dirty="0"/>
+          </a:p>
+        </p:txBody>
+      </p:sp>
+      <p:sp>
+        <p:nvSpPr>
+          <p:cNvPr id="4" name="Pfeil nach rechts 3"/>
+          <p:cNvSpPr/>
+          <p:nvPr/>
+        </p:nvSpPr>
+        <p:spPr>
+          <a:xfrm>
+            <a:off x="5579121" y="3830789"/>
+            <a:ext cx="360040" cy="206528"/>
+          </a:xfrm>
+          <a:prstGeom prst="rightArrow">
+            <a:avLst/>
+          </a:prstGeom>
+        </p:spPr>
+        <p:style>
+          <a:lnRef idx="2">
+            <a:schemeClr val="accent1">
+              <a:shade val="50000"/>
+            </a:schemeClr>
+          </a:lnRef>
+          <a:fillRef idx="1">
+            <a:schemeClr val="accent1"/>
+          </a:fillRef>
+          <a:effectRef idx="0">
+            <a:schemeClr val="accent1"/>
+          </a:effectRef>
+          <a:fontRef idx="minor">
+            <a:schemeClr val="lt1"/>
+          </a:fontRef>
+        </p:style>
+        <p:txBody>
+          <a:bodyPr rtlCol="0" anchor="ctr"/>
+          <a:lstStyle/>
+          <a:p>
+            <a:pPr algn="ctr"/>
+            <a:endParaRPr lang="de-DE"/>
+          </a:p>
+        </p:txBody>
+      </p:sp>
+      <p:sp>
+        <p:nvSpPr>
+          <p:cNvPr id="11" name="Pfeil nach rechts 10"/>
+          <p:cNvSpPr/>
+          <p:nvPr/>
+        </p:nvSpPr>
+        <p:spPr>
+          <a:xfrm>
+            <a:off x="5580112" y="4189717"/>
+            <a:ext cx="360040" cy="206528"/>
+          </a:xfrm>
+          <a:prstGeom prst="rightArrow">
+            <a:avLst/>
+          </a:prstGeom>
+        </p:spPr>
+        <p:style>
+          <a:lnRef idx="2">
+            <a:schemeClr val="accent1">
+              <a:shade val="50000"/>
+            </a:schemeClr>
+          </a:lnRef>
+          <a:fillRef idx="1">
+            <a:schemeClr val="accent1"/>
+          </a:fillRef>
+          <a:effectRef idx="0">
+            <a:schemeClr val="accent1"/>
+          </a:effectRef>
+          <a:fontRef idx="minor">
+            <a:schemeClr val="lt1"/>
+          </a:fontRef>
+        </p:style>
+        <p:txBody>
+          <a:bodyPr rtlCol="0" anchor="ctr"/>
+          <a:lstStyle/>
+          <a:p>
+            <a:pPr algn="ctr"/>
+            <a:endParaRPr lang="de-DE"/>
+          </a:p>
+        </p:txBody>
       </p:sp>
     </p:spTree>
   </p:cSld>
@@ -4779,190 +5295,151 @@
           <a:chExt cx="0" cy="0"/>
         </a:xfrm>
       </p:grpSpPr>
-      <p:sp>
-        <p:nvSpPr>
-          <p:cNvPr id="159" name="TextShape 1"/>
-          <p:cNvSpPr txBox="1"/>
-          <p:nvPr/>
-        </p:nvSpPr>
-        <p:spPr>
-          <a:xfrm>
-            <a:off x="97200" y="864000"/>
-            <a:ext cx="5230800" cy="387360"/>
-          </a:xfrm>
-          <a:prstGeom prst="rect">
-            <a:avLst/>
-          </a:prstGeom>
-        </p:spPr>
-        <p:txBody>
-          <a:bodyPr anchor="ctr"/>
-          <a:lstStyle/>
-          <a:p>
-            <a:r>
-              <a:rPr lang="de-DE" sz="2800"/>
-              <a:t>Observer Pattern: Übung/Beispiel</a:t>
-            </a:r>
-            <a:endParaRPr/>
-          </a:p>
-        </p:txBody>
-      </p:sp>
-      <p:sp>
-        <p:nvSpPr>
-          <p:cNvPr id="160" name="TextShape 2"/>
-          <p:cNvSpPr txBox="1"/>
-          <p:nvPr/>
-        </p:nvSpPr>
-        <p:spPr>
-          <a:xfrm>
-            <a:off x="457200" y="6356520"/>
-            <a:ext cx="2133360" cy="364680"/>
-          </a:xfrm>
-          <a:prstGeom prst="rect">
-            <a:avLst/>
-          </a:prstGeom>
-        </p:spPr>
-        <p:txBody>
-          <a:bodyPr anchor="ctr"/>
-          <a:lstStyle/>
-          <a:p>
-            <a:pPr>
-              <a:lnSpc>
-                <a:spcPct val="100000"/>
-              </a:lnSpc>
-            </a:pPr>
-            <a:r>
-              <a:rPr lang="de-DE" sz="1600">
-                <a:solidFill>
-                  <a:srgbClr val="8B8B8B"/>
-                </a:solidFill>
-                <a:latin typeface="Calibri"/>
-              </a:rPr>
-              <a:t>21.05.13</a:t>
-            </a:r>
-            <a:endParaRPr/>
-          </a:p>
-        </p:txBody>
-      </p:sp>
-      <p:sp>
-        <p:nvSpPr>
-          <p:cNvPr id="161" name="TextShape 3"/>
-          <p:cNvSpPr txBox="1"/>
-          <p:nvPr/>
-        </p:nvSpPr>
-        <p:spPr>
-          <a:xfrm>
-            <a:off x="6553080" y="6356520"/>
-            <a:ext cx="2133360" cy="364680"/>
-          </a:xfrm>
-          <a:prstGeom prst="rect">
-            <a:avLst/>
-          </a:prstGeom>
-        </p:spPr>
-        <p:txBody>
-          <a:bodyPr anchor="ctr"/>
-          <a:lstStyle/>
-          <a:p>
-            <a:pPr>
-              <a:lnSpc>
-                <a:spcPct val="100000"/>
-              </a:lnSpc>
-            </a:pPr>
-            <a:fld id="{84F36B80-351F-4A1D-BE44-B95E7FFB41D9}" type="slidenum">
-              <a:rPr lang="de-DE" sz="1600">
-                <a:solidFill>
-                  <a:srgbClr val="8B8B8B"/>
-                </a:solidFill>
-                <a:latin typeface="Calibri"/>
-              </a:rPr>
-              <a:t>13</a:t>
-            </a:fld>
-            <a:endParaRPr/>
-          </a:p>
-        </p:txBody>
-      </p:sp>
       <p:pic>
         <p:nvPicPr>
-          <p:cNvPr id="162" name="Grafik 161"/>
-          <p:cNvPicPr/>
+          <p:cNvPr id="9" name="Picture 2" descr="E:\Eigene Dateien\Dropbox\__Studium\6.Semester\Design Patterns\Observer Pattern\Observer Pattern.png"/>
+          <p:cNvPicPr>
+            <a:picLocks noChangeAspect="1" noChangeArrowheads="1"/>
+          </p:cNvPicPr>
           <p:nvPr/>
         </p:nvPicPr>
         <p:blipFill>
-          <a:blip r:embed="rId2"/>
+          <a:blip r:embed="rId2">
+            <a:extLst>
+              <a:ext uri="{28A0092B-C50C-407E-A947-70E740481C1C}">
+                <a14:useLocalDpi xmlns:a14="http://schemas.microsoft.com/office/drawing/2010/main" val="0"/>
+              </a:ext>
+            </a:extLst>
+          </a:blip>
+          <a:srcRect/>
           <a:stretch>
             <a:fillRect/>
           </a:stretch>
         </p:blipFill>
-        <p:spPr>
-          <a:xfrm>
-            <a:off x="504000" y="2160000"/>
-            <a:ext cx="7844760" cy="1856160"/>
-          </a:xfrm>
-          <a:prstGeom prst="rect">
-            <a:avLst/>
-          </a:prstGeom>
+        <p:spPr bwMode="auto">
+          <a:xfrm>
+            <a:off x="1797535" y="4149080"/>
+            <a:ext cx="4500128" cy="2144444"/>
+          </a:xfrm>
+          <a:prstGeom prst="rect">
+            <a:avLst/>
+          </a:prstGeom>
+          <a:noFill/>
+          <a:extLst>
+            <a:ext uri="{909E8E84-426E-40DD-AFC4-6F175D3DCCD1}">
+              <a14:hiddenFill xmlns:a14="http://schemas.microsoft.com/office/drawing/2010/main">
+                <a:solidFill>
+                  <a:srgbClr val="FFFFFF"/>
+                </a:solidFill>
+              </a14:hiddenFill>
+            </a:ext>
+          </a:extLst>
         </p:spPr>
       </p:pic>
       <p:sp>
         <p:nvSpPr>
-          <p:cNvPr id="163" name="TextShape 4"/>
+          <p:cNvPr id="159" name="TextShape 1"/>
           <p:cNvSpPr txBox="1"/>
           <p:nvPr/>
         </p:nvSpPr>
         <p:spPr>
           <a:xfrm>
-            <a:off x="299160" y="1728000"/>
-            <a:ext cx="2004840" cy="360000"/>
-          </a:xfrm>
-          <a:prstGeom prst="rect">
-            <a:avLst/>
-          </a:prstGeom>
-        </p:spPr>
-        <p:txBody>
-          <a:bodyPr wrap="none" lIns="90000" tIns="45000" rIns="90000" bIns="45000"/>
-          <a:lstStyle/>
-          <a:p>
-            <a:r>
-              <a:rPr lang="de-DE"/>
-              <a:t>Klassendiagramm</a:t>
-            </a:r>
-            <a:endParaRPr/>
-          </a:p>
-        </p:txBody>
-      </p:sp>
-      <p:sp>
-        <p:nvSpPr>
-          <p:cNvPr id="164" name="TextShape 5"/>
+            <a:off x="97199" y="864000"/>
+            <a:ext cx="6200463" cy="387360"/>
+          </a:xfrm>
+          <a:prstGeom prst="rect">
+            <a:avLst/>
+          </a:prstGeom>
+        </p:spPr>
+        <p:txBody>
+          <a:bodyPr anchor="ctr"/>
+          <a:lstStyle/>
+          <a:p>
+            <a:r>
+              <a:rPr lang="de-DE" sz="2800" dirty="0"/>
+              <a:t>Observer Pattern: Übung/Beispiel</a:t>
+            </a:r>
+            <a:endParaRPr dirty="0"/>
+          </a:p>
+        </p:txBody>
+      </p:sp>
+      <p:sp>
+        <p:nvSpPr>
+          <p:cNvPr id="160" name="TextShape 2"/>
           <p:cNvSpPr txBox="1"/>
           <p:nvPr/>
         </p:nvSpPr>
         <p:spPr>
           <a:xfrm>
-            <a:off x="310320" y="4194000"/>
-            <a:ext cx="5089680" cy="353880"/>
-          </a:xfrm>
-          <a:prstGeom prst="rect">
-            <a:avLst/>
-          </a:prstGeom>
-        </p:spPr>
-        <p:txBody>
-          <a:bodyPr wrap="none" lIns="90000" tIns="45000" rIns="90000" bIns="45000"/>
-          <a:lstStyle/>
-          <a:p>
-            <a:r>
-              <a:rPr lang="de-DE" b="1"/>
-              <a:t>Übung</a:t>
-            </a:r>
-            <a:r>
-              <a:rPr lang="de-DE"/>
-              <a:t>: Klassendiagramm mit Observer Pattern!</a:t>
-            </a:r>
+            <a:off x="457200" y="6356520"/>
+            <a:ext cx="2133360" cy="364680"/>
+          </a:xfrm>
+          <a:prstGeom prst="rect">
+            <a:avLst/>
+          </a:prstGeom>
+        </p:spPr>
+        <p:txBody>
+          <a:bodyPr anchor="ctr"/>
+          <a:lstStyle/>
+          <a:p>
+            <a:pPr>
+              <a:lnSpc>
+                <a:spcPct val="100000"/>
+              </a:lnSpc>
+            </a:pPr>
+            <a:r>
+              <a:rPr lang="de-DE" sz="1600">
+                <a:solidFill>
+                  <a:srgbClr val="8B8B8B"/>
+                </a:solidFill>
+                <a:latin typeface="Calibri"/>
+              </a:rPr>
+              <a:t>21.05.13</a:t>
+            </a:r>
+            <a:endParaRPr/>
+          </a:p>
+        </p:txBody>
+      </p:sp>
+      <p:sp>
+        <p:nvSpPr>
+          <p:cNvPr id="161" name="TextShape 3"/>
+          <p:cNvSpPr txBox="1"/>
+          <p:nvPr/>
+        </p:nvSpPr>
+        <p:spPr>
+          <a:xfrm>
+            <a:off x="6553080" y="6356520"/>
+            <a:ext cx="2133360" cy="364680"/>
+          </a:xfrm>
+          <a:prstGeom prst="rect">
+            <a:avLst/>
+          </a:prstGeom>
+        </p:spPr>
+        <p:txBody>
+          <a:bodyPr anchor="ctr"/>
+          <a:lstStyle/>
+          <a:p>
+            <a:pPr>
+              <a:lnSpc>
+                <a:spcPct val="100000"/>
+              </a:lnSpc>
+            </a:pPr>
+            <a:fld id="{84F36B80-351F-4A1D-BE44-B95E7FFB41D9}" type="slidenum">
+              <a:rPr lang="de-DE" sz="1600">
+                <a:solidFill>
+                  <a:srgbClr val="8B8B8B"/>
+                </a:solidFill>
+                <a:latin typeface="Calibri"/>
+              </a:rPr>
+              <a:t>13</a:t>
+            </a:fld>
             <a:endParaRPr/>
           </a:p>
         </p:txBody>
       </p:sp>
       <p:pic>
         <p:nvPicPr>
-          <p:cNvPr id="165" name="Grafik 164"/>
+          <p:cNvPr id="162" name="Grafik 161"/>
           <p:cNvPicPr/>
           <p:nvPr/>
         </p:nvPicPr>
@@ -4974,8 +5451,60 @@
         </p:blipFill>
         <p:spPr>
           <a:xfrm>
-            <a:off x="5378760" y="4410000"/>
-            <a:ext cx="3333240" cy="1638000"/>
+            <a:off x="504000" y="2160000"/>
+            <a:ext cx="7844760" cy="1856160"/>
+          </a:xfrm>
+          <a:prstGeom prst="rect">
+            <a:avLst/>
+          </a:prstGeom>
+        </p:spPr>
+      </p:pic>
+      <p:sp>
+        <p:nvSpPr>
+          <p:cNvPr id="164" name="TextShape 5"/>
+          <p:cNvSpPr txBox="1"/>
+          <p:nvPr/>
+        </p:nvSpPr>
+        <p:spPr>
+          <a:xfrm>
+            <a:off x="457200" y="1734120"/>
+            <a:ext cx="5089680" cy="353880"/>
+          </a:xfrm>
+          <a:prstGeom prst="rect">
+            <a:avLst/>
+          </a:prstGeom>
+        </p:spPr>
+        <p:txBody>
+          <a:bodyPr wrap="none" lIns="90000" tIns="45000" rIns="90000" bIns="45000"/>
+          <a:lstStyle/>
+          <a:p>
+            <a:r>
+              <a:rPr lang="de-DE" b="1" dirty="0"/>
+              <a:t>Übung</a:t>
+            </a:r>
+            <a:r>
+              <a:rPr lang="de-DE" dirty="0"/>
+              <a:t>: Klassendiagramm mit Observer Pattern!</a:t>
+            </a:r>
+            <a:endParaRPr dirty="0"/>
+          </a:p>
+        </p:txBody>
+      </p:sp>
+      <p:pic>
+        <p:nvPicPr>
+          <p:cNvPr id="11" name="Grafik 10"/>
+          <p:cNvPicPr/>
+          <p:nvPr/>
+        </p:nvPicPr>
+        <p:blipFill rotWithShape="1">
+          <a:blip r:embed="rId4"/>
+          <a:srcRect t="39851" b="39851"/>
+          <a:stretch/>
+        </p:blipFill>
+        <p:spPr>
+          <a:xfrm>
+            <a:off x="6264000" y="971280"/>
+            <a:ext cx="2664000" cy="540720"/>
           </a:xfrm>
           <a:prstGeom prst="rect">
             <a:avLst/>
@@ -5043,7 +5572,7 @@
         <p:spPr>
           <a:xfrm>
             <a:off x="97200" y="864000"/>
-            <a:ext cx="5230800" cy="387360"/>
+            <a:ext cx="5842952" cy="387360"/>
           </a:xfrm>
           <a:prstGeom prst="rect">
             <a:avLst/>
@@ -5054,10 +5583,10 @@
           <a:lstStyle/>
           <a:p>
             <a:r>
-              <a:rPr lang="de-DE" sz="2800"/>
+              <a:rPr lang="de-DE" sz="2800" dirty="0"/>
               <a:t>Observer Pattern: Übung/Beispiel</a:t>
             </a:r>
-            <a:endParaRPr/>
+            <a:endParaRPr dirty="0"/>
           </a:p>
         </p:txBody>
       </p:sp>
@@ -5188,6 +5717,27 @@
           </a:p>
         </p:txBody>
       </p:sp>
+      <p:pic>
+        <p:nvPicPr>
+          <p:cNvPr id="7" name="Grafik 6"/>
+          <p:cNvPicPr/>
+          <p:nvPr/>
+        </p:nvPicPr>
+        <p:blipFill rotWithShape="1">
+          <a:blip r:embed="rId3"/>
+          <a:srcRect t="39851" b="39851"/>
+          <a:stretch/>
+        </p:blipFill>
+        <p:spPr>
+          <a:xfrm>
+            <a:off x="6264000" y="971280"/>
+            <a:ext cx="2664000" cy="540720"/>
+          </a:xfrm>
+          <a:prstGeom prst="rect">
+            <a:avLst/>
+          </a:prstGeom>
+        </p:spPr>
+      </p:pic>
     </p:spTree>
   </p:cSld>
   <p:clrMapOvr>
@@ -6435,7 +6985,7 @@
         <p:spPr>
           <a:xfrm>
             <a:off x="97200" y="864000"/>
-            <a:ext cx="2782800" cy="387360"/>
+            <a:ext cx="4834840" cy="387360"/>
           </a:xfrm>
           <a:prstGeom prst="rect">
             <a:avLst/>
@@ -6446,10 +6996,10 @@
           <a:lstStyle/>
           <a:p>
             <a:r>
-              <a:rPr lang="de-DE" sz="2800"/>
+              <a:rPr lang="de-DE" sz="2800" dirty="0"/>
               <a:t>Observer Pattern</a:t>
             </a:r>
-            <a:endParaRPr/>
+            <a:endParaRPr dirty="0"/>
           </a:p>
         </p:txBody>
       </p:sp>
@@ -6461,7 +7011,7 @@
         </p:nvSpPr>
         <p:spPr>
           <a:xfrm>
-            <a:off x="122760" y="1694880"/>
+            <a:off x="323528" y="1700808"/>
             <a:ext cx="8229240" cy="4137120"/>
           </a:xfrm>
           <a:prstGeom prst="rect">
@@ -6474,74 +7024,92 @@
           <a:p>
             <a:pPr>
               <a:buSzPct val="25000"/>
-              <a:buFont typeface="StarSymbol"/>
-              <a:buChar char=""/>
-            </a:pPr>
-            <a:r>
-              <a:rPr lang="de-DE" sz="2600" b="1" u="sng"/>
+            </a:pPr>
+            <a:r>
+              <a:rPr lang="de-DE" sz="2600" b="1" u="sng" dirty="0" smtClean="0"/>
               <a:t>Agenda</a:t>
             </a:r>
-            <a:endParaRPr/>
-          </a:p>
-          <a:p>
-            <a:pPr lvl="1">
+          </a:p>
+          <a:p>
+            <a:pPr>
               <a:buSzPct val="25000"/>
-              <a:buFont typeface="StarSymbol"/>
-              <a:buChar char=""/>
-            </a:pPr>
-            <a:r>
-              <a:rPr lang="de-DE" sz="2600"/>
+            </a:pPr>
+            <a:endParaRPr dirty="0"/>
+          </a:p>
+          <a:p>
+            <a:pPr marL="914400" lvl="1" indent="-457200">
+              <a:spcAft>
+                <a:spcPts val="600"/>
+              </a:spcAft>
+              <a:buSzPct val="100000"/>
+              <a:buFont typeface="Arial" pitchFamily="34" charset="0"/>
+              <a:buChar char="•"/>
+            </a:pPr>
+            <a:r>
+              <a:rPr lang="de-DE" sz="2800" dirty="0"/>
               <a:t>Problem</a:t>
             </a:r>
-            <a:endParaRPr/>
-          </a:p>
-          <a:p>
-            <a:pPr lvl="1">
-              <a:buSzPct val="25000"/>
-              <a:buFont typeface="StarSymbol"/>
-              <a:buChar char=""/>
-            </a:pPr>
-            <a:r>
-              <a:rPr lang="de-DE" sz="2600"/>
+            <a:endParaRPr sz="2800" dirty="0"/>
+          </a:p>
+          <a:p>
+            <a:pPr marL="914400" lvl="1" indent="-457200">
+              <a:spcAft>
+                <a:spcPts val="600"/>
+              </a:spcAft>
+              <a:buSzPct val="100000"/>
+              <a:buFont typeface="Arial" pitchFamily="34" charset="0"/>
+              <a:buChar char="•"/>
+            </a:pPr>
+            <a:r>
+              <a:rPr lang="de-DE" sz="2800" dirty="0"/>
               <a:t>Lösung: Observer Pattern</a:t>
             </a:r>
-            <a:endParaRPr/>
-          </a:p>
-          <a:p>
-            <a:pPr lvl="1">
-              <a:buSzPct val="25000"/>
-              <a:buFont typeface="StarSymbol"/>
-              <a:buChar char=""/>
-            </a:pPr>
-            <a:r>
-              <a:rPr lang="de-DE" sz="2600"/>
+            <a:endParaRPr sz="2800" dirty="0"/>
+          </a:p>
+          <a:p>
+            <a:pPr marL="914400" lvl="1" indent="-457200">
+              <a:spcAft>
+                <a:spcPts val="600"/>
+              </a:spcAft>
+              <a:buSzPct val="100000"/>
+              <a:buFont typeface="Arial" pitchFamily="34" charset="0"/>
+              <a:buChar char="•"/>
+            </a:pPr>
+            <a:r>
+              <a:rPr lang="de-DE" sz="2800" dirty="0"/>
               <a:t>Variationen</a:t>
             </a:r>
-            <a:endParaRPr/>
-          </a:p>
-          <a:p>
-            <a:pPr lvl="1">
-              <a:buSzPct val="25000"/>
-              <a:buFont typeface="StarSymbol"/>
-              <a:buChar char=""/>
-            </a:pPr>
-            <a:r>
-              <a:rPr lang="de-DE" sz="2600"/>
+            <a:endParaRPr sz="2800" dirty="0"/>
+          </a:p>
+          <a:p>
+            <a:pPr marL="914400" lvl="1" indent="-457200">
+              <a:spcAft>
+                <a:spcPts val="600"/>
+              </a:spcAft>
+              <a:buSzPct val="100000"/>
+              <a:buFont typeface="Arial" pitchFamily="34" charset="0"/>
+              <a:buChar char="•"/>
+            </a:pPr>
+            <a:r>
+              <a:rPr lang="de-DE" sz="2800" dirty="0"/>
               <a:t>Übung/Beispiel</a:t>
             </a:r>
-            <a:endParaRPr/>
-          </a:p>
-          <a:p>
-            <a:pPr lvl="1">
-              <a:buSzPct val="25000"/>
-              <a:buFont typeface="StarSymbol"/>
-              <a:buChar char=""/>
-            </a:pPr>
-            <a:r>
-              <a:rPr lang="de-DE" sz="2600"/>
+            <a:endParaRPr sz="2800" dirty="0"/>
+          </a:p>
+          <a:p>
+            <a:pPr marL="914400" lvl="1" indent="-457200">
+              <a:spcAft>
+                <a:spcPts val="600"/>
+              </a:spcAft>
+              <a:buSzPct val="100000"/>
+              <a:buFont typeface="Arial" pitchFamily="34" charset="0"/>
+              <a:buChar char="•"/>
+            </a:pPr>
+            <a:r>
+              <a:rPr lang="de-DE" sz="2800" dirty="0"/>
               <a:t>Vor- und Nachteile</a:t>
             </a:r>
-            <a:endParaRPr/>
+            <a:endParaRPr sz="2800" dirty="0"/>
           </a:p>
         </p:txBody>
       </p:sp>
@@ -9284,51 +9852,64 @@
       </p:sp>
       <p:pic>
         <p:nvPicPr>
-          <p:cNvPr id="92" name="Grafik 91"/>
+          <p:cNvPr id="7" name="Grafik 6"/>
           <p:cNvPicPr/>
+          <p:nvPr/>
+        </p:nvPicPr>
+        <p:blipFill rotWithShape="1">
+          <a:blip r:embed="rId2"/>
+          <a:srcRect t="39851" b="39851"/>
+          <a:stretch/>
+        </p:blipFill>
+        <p:spPr>
+          <a:xfrm>
+            <a:off x="6264000" y="971280"/>
+            <a:ext cx="2664000" cy="540720"/>
+          </a:xfrm>
+          <a:prstGeom prst="rect">
+            <a:avLst/>
+          </a:prstGeom>
+        </p:spPr>
+      </p:pic>
+      <p:pic>
+        <p:nvPicPr>
+          <p:cNvPr id="1026" name="Picture 2" descr="E:\Eigene Dateien\Dropbox\__Studium\6.Semester\Design Patterns\Observer Pattern\FAZ_Problem.png"/>
+          <p:cNvPicPr>
+            <a:picLocks noChangeAspect="1" noChangeArrowheads="1"/>
+          </p:cNvPicPr>
           <p:nvPr/>
         </p:nvPicPr>
         <p:blipFill>
-          <a:blip r:embed="rId2"/>
+          <a:blip r:embed="rId3">
+            <a:extLst>
+              <a:ext uri="{28A0092B-C50C-407E-A947-70E740481C1C}">
+                <a14:useLocalDpi xmlns:a14="http://schemas.microsoft.com/office/drawing/2010/main" val="0"/>
+              </a:ext>
+            </a:extLst>
+          </a:blip>
+          <a:srcRect/>
           <a:stretch>
             <a:fillRect/>
           </a:stretch>
         </p:blipFill>
-        <p:spPr>
-          <a:xfrm>
-            <a:off x="1728000" y="3024000"/>
-            <a:ext cx="5391000" cy="2063520"/>
-          </a:xfrm>
-          <a:prstGeom prst="rect">
-            <a:avLst/>
-          </a:prstGeom>
-          <a:ln w="36000">
-            <a:solidFill>
-              <a:srgbClr val="000000"/>
-            </a:solidFill>
-            <a:round/>
-          </a:ln>
-        </p:spPr>
-      </p:pic>
-      <p:pic>
-        <p:nvPicPr>
-          <p:cNvPr id="7" name="Grafik 6"/>
-          <p:cNvPicPr/>
-          <p:nvPr/>
-        </p:nvPicPr>
-        <p:blipFill rotWithShape="1">
-          <a:blip r:embed="rId3"/>
-          <a:srcRect t="39851" b="39851"/>
-          <a:stretch/>
-        </p:blipFill>
-        <p:spPr>
-          <a:xfrm>
-            <a:off x="6264000" y="971280"/>
-            <a:ext cx="2664000" cy="540720"/>
-          </a:xfrm>
-          <a:prstGeom prst="rect">
-            <a:avLst/>
-          </a:prstGeom>
+        <p:spPr bwMode="auto">
+          <a:xfrm>
+            <a:off x="611560" y="2110200"/>
+            <a:ext cx="7135812" cy="3400425"/>
+          </a:xfrm>
+          <a:prstGeom prst="rect">
+            <a:avLst/>
+          </a:prstGeom>
+          <a:noFill/>
+          <a:extLst>
+            <a:ext uri="{909E8E84-426E-40DD-AFC4-6F175D3DCCD1}">
+              <a14:hiddenFill xmlns:a14="http://schemas.microsoft.com/office/drawing/2010/main">
+                <a:solidFill>
+                  <a:srgbClr val="FFFFFF"/>
+                </a:solidFill>
+              </a14:hiddenFill>
+            </a:ext>
+          </a:extLst>
         </p:spPr>
       </p:pic>
     </p:spTree>
@@ -12059,25 +12640,27 @@
         </p:nvSpPr>
         <p:spPr>
           <a:xfrm>
-            <a:off x="864000" y="2016000"/>
-            <a:ext cx="7272000" cy="2736000"/>
-          </a:xfrm>
-          <a:prstGeom prst="rect">
-            <a:avLst/>
-          </a:prstGeom>
-        </p:spPr>
-        <p:txBody>
-          <a:bodyPr wrap="none" lIns="0" tIns="0" rIns="0" bIns="0"/>
-          <a:lstStyle/>
-          <a:p>
-            <a:r>
-              <a:rPr lang="de-DE"/>
+            <a:off x="864000" y="2204864"/>
+            <a:ext cx="6732000" cy="2369880"/>
+          </a:xfrm>
+          <a:prstGeom prst="rect">
+            <a:avLst/>
+          </a:prstGeom>
+        </p:spPr>
+        <p:txBody>
+          <a:bodyPr wrap="square" lIns="0" tIns="0" rIns="0" bIns="0">
+            <a:spAutoFit/>
+          </a:bodyPr>
+          <a:lstStyle/>
+          <a:p>
+            <a:r>
+              <a:rPr lang="de-DE" sz="2800" dirty="0"/>
               <a:t>Nachteile:</a:t>
             </a:r>
-            <a:endParaRPr/>
-          </a:p>
-          <a:p>
-            <a:endParaRPr/>
+            <a:endParaRPr sz="2800" dirty="0"/>
+          </a:p>
+          <a:p>
+            <a:endParaRPr dirty="0"/>
           </a:p>
           <a:p>
             <a:pPr>
@@ -12085,17 +12668,37 @@
               <a:buAutoNum type="arabicParenR"/>
             </a:pPr>
             <a:r>
-              <a:rPr lang="de-DE"/>
-              <a:t> Enge Verbindung zwischen FAZVerlag und Abonnenten</a:t>
-            </a:r>
-            <a:endParaRPr/>
+              <a:rPr lang="de-DE" dirty="0"/>
+              <a:t> Enge Verbindung zwischen </a:t>
+            </a:r>
+            <a:r>
+              <a:rPr lang="de-DE" dirty="0" smtClean="0"/>
+              <a:t>„</a:t>
+            </a:r>
+            <a:r>
+              <a:rPr lang="de-DE" dirty="0" err="1" smtClean="0"/>
+              <a:t>FAZVerlag</a:t>
+            </a:r>
+            <a:r>
+              <a:rPr lang="de-DE" dirty="0" smtClean="0"/>
+              <a:t>“ </a:t>
+            </a:r>
+            <a:r>
+              <a:rPr lang="de-DE" dirty="0"/>
+              <a:t>und </a:t>
+            </a:r>
+            <a:r>
+              <a:rPr lang="de-DE" dirty="0" smtClean="0"/>
+              <a:t>„Abonnenten“</a:t>
+            </a:r>
+            <a:endParaRPr dirty="0"/>
           </a:p>
           <a:p>
             <a:pPr>
               <a:buFont typeface="Times New Roman"/>
               <a:buAutoNum type="arabicParenR"/>
             </a:pPr>
-            <a:endParaRPr/>
+            <a:endParaRPr dirty="0"/>
           </a:p>
           <a:p>
             <a:pPr>
@@ -12103,17 +12706,17 @@
               <a:buAutoNum type="arabicParenR"/>
             </a:pPr>
             <a:r>
-              <a:rPr lang="de-DE"/>
+              <a:rPr lang="de-DE" dirty="0"/>
               <a:t> Erweiterbarkeit stark eingeschränkt!</a:t>
             </a:r>
-            <a:endParaRPr/>
+            <a:endParaRPr dirty="0"/>
           </a:p>
           <a:p>
             <a:pPr>
               <a:buFont typeface="Times New Roman"/>
               <a:buAutoNum type="arabicParenR"/>
             </a:pPr>
-            <a:endParaRPr/>
+            <a:endParaRPr dirty="0"/>
           </a:p>
           <a:p>
             <a:pPr>
@@ -12121,10 +12724,10 @@
               <a:buAutoNum type="arabicParenR"/>
             </a:pPr>
             <a:r>
-              <a:rPr lang="de-DE"/>
+              <a:rPr lang="de-DE" dirty="0"/>
               <a:t> Abonnement bestellen oder abbestellen während der Laufzeit nicht möglich!</a:t>
             </a:r>
-            <a:endParaRPr/>
+            <a:endParaRPr dirty="0"/>
           </a:p>
         </p:txBody>
       </p:sp>
@@ -12556,6 +13159,47 @@
           </a:p>
         </p:txBody>
       </p:sp>
+      <p:pic>
+        <p:nvPicPr>
+          <p:cNvPr id="4098" name="Picture 2" descr="E:\Eigene Dateien\Dropbox\__Studium\6.Semester\Design Patterns\Design-Pattern-MVC_git\symbols\exclamationmark.png"/>
+          <p:cNvPicPr>
+            <a:picLocks noChangeAspect="1" noChangeArrowheads="1"/>
+          </p:cNvPicPr>
+          <p:nvPr/>
+        </p:nvPicPr>
+        <p:blipFill>
+          <a:blip r:embed="rId4" cstate="print">
+            <a:extLst>
+              <a:ext uri="{28A0092B-C50C-407E-A947-70E740481C1C}">
+                <a14:useLocalDpi xmlns:a14="http://schemas.microsoft.com/office/drawing/2010/main" val="0"/>
+              </a:ext>
+            </a:extLst>
+          </a:blip>
+          <a:srcRect/>
+          <a:stretch>
+            <a:fillRect/>
+          </a:stretch>
+        </p:blipFill>
+        <p:spPr bwMode="auto">
+          <a:xfrm>
+            <a:off x="3680952" y="4049797"/>
+            <a:ext cx="629970" cy="629970"/>
+          </a:xfrm>
+          <a:prstGeom prst="rect">
+            <a:avLst/>
+          </a:prstGeom>
+          <a:noFill/>
+          <a:extLst>
+            <a:ext uri="{909E8E84-426E-40DD-AFC4-6F175D3DCCD1}">
+              <a14:hiddenFill xmlns:a14="http://schemas.microsoft.com/office/drawing/2010/main">
+                <a:solidFill>
+                  <a:srgbClr val="FFFFFF"/>
+                </a:solidFill>
+              </a14:hiddenFill>
+            </a:ext>
+          </a:extLst>
+        </p:spPr>
+      </p:pic>
     </p:spTree>
   </p:cSld>
   <p:clrMapOvr>
@@ -12711,24 +13355,43 @@
       </p:sp>
       <p:pic>
         <p:nvPicPr>
-          <p:cNvPr id="126" name="Grafik 125"/>
-          <p:cNvPicPr/>
+          <p:cNvPr id="2050" name="Picture 2" descr="E:\Eigene Dateien\Dropbox\__Studium\6.Semester\Design Patterns\Observer Pattern\Observer Pattern.png"/>
+          <p:cNvPicPr>
+            <a:picLocks noChangeAspect="1" noChangeArrowheads="1"/>
+          </p:cNvPicPr>
           <p:nvPr/>
         </p:nvPicPr>
         <p:blipFill>
-          <a:blip r:embed="rId2"/>
+          <a:blip r:embed="rId2">
+            <a:extLst>
+              <a:ext uri="{28A0092B-C50C-407E-A947-70E740481C1C}">
+                <a14:useLocalDpi xmlns:a14="http://schemas.microsoft.com/office/drawing/2010/main" val="0"/>
+              </a:ext>
+            </a:extLst>
+          </a:blip>
+          <a:srcRect/>
           <a:stretch>
             <a:fillRect/>
           </a:stretch>
         </p:blipFill>
-        <p:spPr>
-          <a:xfrm>
-            <a:off x="1224000" y="2034000"/>
-            <a:ext cx="6410160" cy="3150000"/>
-          </a:xfrm>
-          <a:prstGeom prst="rect">
-            <a:avLst/>
-          </a:prstGeom>
+        <p:spPr bwMode="auto">
+          <a:xfrm>
+            <a:off x="529348" y="2132856"/>
+            <a:ext cx="7135812" cy="3400425"/>
+          </a:xfrm>
+          <a:prstGeom prst="rect">
+            <a:avLst/>
+          </a:prstGeom>
+          <a:noFill/>
+          <a:extLst>
+            <a:ext uri="{909E8E84-426E-40DD-AFC4-6F175D3DCCD1}">
+              <a14:hiddenFill xmlns:a14="http://schemas.microsoft.com/office/drawing/2010/main">
+                <a:solidFill>
+                  <a:srgbClr val="FFFFFF"/>
+                </a:solidFill>
+              </a14:hiddenFill>
+            </a:ext>
+          </a:extLst>
         </p:spPr>
       </p:pic>
     </p:spTree>

--- a/Dokumentation/Praesentation/Praesentation.pptx
+++ b/Dokumentation/Praesentation/Praesentation.pptx
@@ -6,7 +6,7 @@
     <p:sldMasterId id="2147483661" r:id="rId2"/>
   </p:sldMasterIdLst>
   <p:notesMasterIdLst>
-    <p:notesMasterId r:id="rId40"/>
+    <p:notesMasterId r:id="rId39"/>
   </p:notesMasterIdLst>
   <p:sldIdLst>
     <p:sldId id="256" r:id="rId3"/>
@@ -45,7 +45,6 @@
     <p:sldId id="289" r:id="rId36"/>
     <p:sldId id="290" r:id="rId37"/>
     <p:sldId id="291" r:id="rId38"/>
-    <p:sldId id="292" r:id="rId39"/>
   </p:sldIdLst>
   <p:sldSz cx="9144000" cy="6858000" type="screen4x3"/>
   <p:notesSz cx="7559675" cy="10691813"/>
@@ -535,6 +534,105 @@
 </p:notes>
 </file>
 
+<file path=ppt/notesSlides/notesSlide2.xml><?xml version="1.0" encoding="utf-8"?>
+<p:notes xmlns:a="http://schemas.openxmlformats.org/drawingml/2006/main" xmlns:r="http://schemas.openxmlformats.org/officeDocument/2006/relationships" xmlns:p="http://schemas.openxmlformats.org/presentationml/2006/main">
+  <p:cSld>
+    <p:spTree>
+      <p:nvGrpSpPr>
+        <p:cNvPr id="1" name=""/>
+        <p:cNvGrpSpPr/>
+        <p:nvPr/>
+      </p:nvGrpSpPr>
+      <p:grpSpPr>
+        <a:xfrm>
+          <a:off x="0" y="0"/>
+          <a:ext cx="0" cy="0"/>
+          <a:chOff x="0" y="0"/>
+          <a:chExt cx="0" cy="0"/>
+        </a:xfrm>
+      </p:grpSpPr>
+      <p:sp>
+        <p:nvSpPr>
+          <p:cNvPr id="2" name="Folienbildplatzhalter 1"/>
+          <p:cNvSpPr>
+            <a:spLocks noGrp="1" noRot="1" noChangeAspect="1"/>
+          </p:cNvSpPr>
+          <p:nvPr>
+            <p:ph type="sldImg"/>
+          </p:nvPr>
+        </p:nvSpPr>
+        <p:spPr>
+          <a:xfrm>
+            <a:off x="1106488" y="801688"/>
+            <a:ext cx="5346700" cy="4010025"/>
+          </a:xfrm>
+          <a:prstGeom prst="rect">
+            <a:avLst/>
+          </a:prstGeom>
+          <a:noFill/>
+          <a:ln w="12700">
+            <a:solidFill>
+              <a:prstClr val="black"/>
+            </a:solidFill>
+          </a:ln>
+        </p:spPr>
+      </p:sp>
+      <p:sp>
+        <p:nvSpPr>
+          <p:cNvPr id="3" name="Notizenplatzhalter 2"/>
+          <p:cNvSpPr>
+            <a:spLocks noGrp="1"/>
+          </p:cNvSpPr>
+          <p:nvPr>
+            <p:ph type="body" idx="1"/>
+          </p:nvPr>
+        </p:nvSpPr>
+        <p:spPr/>
+        <p:txBody>
+          <a:bodyPr/>
+          <a:lstStyle/>
+          <a:p>
+            <a:endParaRPr lang="de-DE"/>
+          </a:p>
+        </p:txBody>
+      </p:sp>
+      <p:sp>
+        <p:nvSpPr>
+          <p:cNvPr id="4" name="Foliennummernplatzhalter 3"/>
+          <p:cNvSpPr>
+            <a:spLocks noGrp="1"/>
+          </p:cNvSpPr>
+          <p:nvPr>
+            <p:ph type="sldNum" idx="10"/>
+          </p:nvPr>
+        </p:nvSpPr>
+        <p:spPr/>
+        <p:txBody>
+          <a:bodyPr/>
+          <a:lstStyle/>
+          <a:p>
+            <a:pPr algn="r"/>
+            <a:fld id="{5FC6DBA6-441F-43F4-8672-24CCE0860C29}" type="slidenum">
+              <a:rPr lang="de-DE" smtClean="0"/>
+              <a:t>17</a:t>
+            </a:fld>
+            <a:endParaRPr lang="de-DE"/>
+          </a:p>
+        </p:txBody>
+      </p:sp>
+    </p:spTree>
+    <p:extLst>
+      <p:ext uri="{BB962C8B-B14F-4D97-AF65-F5344CB8AC3E}">
+        <p14:creationId xmlns:p14="http://schemas.microsoft.com/office/powerpoint/2010/main" val="1397511555"/>
+      </p:ext>
+    </p:extLst>
+  </p:cSld>
+  <p:clrMapOvr>
+    <a:masterClrMapping/>
+  </p:clrMapOvr>
+</p:notes>
+</file>
+
 <file path=ppt/slideLayouts/slideLayout1.xml><?xml version="1.0" encoding="utf-8"?>
 <p:sldLayout xmlns:a="http://schemas.openxmlformats.org/drawingml/2006/main" xmlns:r="http://schemas.openxmlformats.org/officeDocument/2006/relationships" xmlns:p="http://schemas.openxmlformats.org/presentationml/2006/main" type="blank" preserve="1">
   <p:cSld name="Blank Slide">
@@ -557,6 +655,13 @@
   <p:clrMapOvr>
     <a:masterClrMapping/>
   </p:clrMapOvr>
+  <p:timing>
+    <p:tnLst>
+      <p:par>
+        <p:cTn id="1" dur="indefinite" restart="never" nodeType="tmRoot"/>
+      </p:par>
+    </p:tnLst>
+  </p:timing>
 </p:sldLayout>
 </file>
 
@@ -663,6 +768,13 @@
   <p:clrMapOvr>
     <a:masterClrMapping/>
   </p:clrMapOvr>
+  <p:timing>
+    <p:tnLst>
+      <p:par>
+        <p:cTn id="1" dur="indefinite" restart="never" nodeType="tmRoot"/>
+      </p:par>
+    </p:tnLst>
+  </p:timing>
 </p:sldLayout>
 </file>
 
@@ -823,6 +935,13 @@
   <p:clrMapOvr>
     <a:masterClrMapping/>
   </p:clrMapOvr>
+  <p:timing>
+    <p:tnLst>
+      <p:par>
+        <p:cTn id="1" dur="indefinite" restart="never" nodeType="tmRoot"/>
+      </p:par>
+    </p:tnLst>
+  </p:timing>
 </p:sldLayout>
 </file>
 
@@ -929,6 +1048,13 @@
   <p:clrMapOvr>
     <a:masterClrMapping/>
   </p:clrMapOvr>
+  <p:timing>
+    <p:tnLst>
+      <p:par>
+        <p:cTn id="1" dur="indefinite" restart="never" nodeType="tmRoot"/>
+      </p:par>
+    </p:tnLst>
+  </p:timing>
 </p:sldLayout>
 </file>
 
@@ -954,6 +1080,13 @@
   <p:clrMapOvr>
     <a:masterClrMapping/>
   </p:clrMapOvr>
+  <p:timing>
+    <p:tnLst>
+      <p:par>
+        <p:cTn id="1" dur="indefinite" restart="never" nodeType="tmRoot"/>
+      </p:par>
+    </p:tnLst>
+  </p:timing>
 </p:sldLayout>
 </file>
 
@@ -1034,6 +1167,13 @@
   <p:clrMapOvr>
     <a:masterClrMapping/>
   </p:clrMapOvr>
+  <p:timing>
+    <p:tnLst>
+      <p:par>
+        <p:cTn id="1" dur="indefinite" restart="never" nodeType="tmRoot"/>
+      </p:par>
+    </p:tnLst>
+  </p:timing>
 </p:sldLayout>
 </file>
 
@@ -1113,6 +1253,13 @@
   <p:clrMapOvr>
     <a:masterClrMapping/>
   </p:clrMapOvr>
+  <p:timing>
+    <p:tnLst>
+      <p:par>
+        <p:cTn id="1" dur="indefinite" restart="never" nodeType="tmRoot"/>
+      </p:par>
+    </p:tnLst>
+  </p:timing>
 </p:sldLayout>
 </file>
 
@@ -1219,6 +1366,13 @@
   <p:clrMapOvr>
     <a:masterClrMapping/>
   </p:clrMapOvr>
+  <p:timing>
+    <p:tnLst>
+      <p:par>
+        <p:cTn id="1" dur="indefinite" restart="never" nodeType="tmRoot"/>
+      </p:par>
+    </p:tnLst>
+  </p:timing>
 </p:sldLayout>
 </file>
 
@@ -1271,6 +1425,13 @@
   <p:clrMapOvr>
     <a:masterClrMapping/>
   </p:clrMapOvr>
+  <p:timing>
+    <p:tnLst>
+      <p:par>
+        <p:cTn id="1" dur="indefinite" restart="never" nodeType="tmRoot"/>
+      </p:par>
+    </p:tnLst>
+  </p:timing>
 </p:sldLayout>
 </file>
 
@@ -1324,6 +1485,13 @@
   <p:clrMapOvr>
     <a:masterClrMapping/>
   </p:clrMapOvr>
+  <p:timing>
+    <p:tnLst>
+      <p:par>
+        <p:cTn id="1" dur="indefinite" restart="never" nodeType="tmRoot"/>
+      </p:par>
+    </p:tnLst>
+  </p:timing>
 </p:sldLayout>
 </file>
 
@@ -1457,6 +1625,13 @@
   <p:clrMapOvr>
     <a:masterClrMapping/>
   </p:clrMapOvr>
+  <p:timing>
+    <p:tnLst>
+      <p:par>
+        <p:cTn id="1" dur="indefinite" restart="never" nodeType="tmRoot"/>
+      </p:par>
+    </p:tnLst>
+  </p:timing>
 </p:sldLayout>
 </file>
 
@@ -1537,6 +1712,13 @@
   <p:clrMapOvr>
     <a:masterClrMapping/>
   </p:clrMapOvr>
+  <p:timing>
+    <p:tnLst>
+      <p:par>
+        <p:cTn id="1" dur="indefinite" restart="never" nodeType="tmRoot"/>
+      </p:par>
+    </p:tnLst>
+  </p:timing>
 </p:sldLayout>
 </file>
 
@@ -1670,6 +1852,13 @@
   <p:clrMapOvr>
     <a:masterClrMapping/>
   </p:clrMapOvr>
+  <p:timing>
+    <p:tnLst>
+      <p:par>
+        <p:cTn id="1" dur="indefinite" restart="never" nodeType="tmRoot"/>
+      </p:par>
+    </p:tnLst>
+  </p:timing>
 </p:sldLayout>
 </file>
 
@@ -1803,6 +1992,13 @@
   <p:clrMapOvr>
     <a:masterClrMapping/>
   </p:clrMapOvr>
+  <p:timing>
+    <p:tnLst>
+      <p:par>
+        <p:cTn id="1" dur="indefinite" restart="never" nodeType="tmRoot"/>
+      </p:par>
+    </p:tnLst>
+  </p:timing>
 </p:sldLayout>
 </file>
 
@@ -1909,6 +2105,13 @@
   <p:clrMapOvr>
     <a:masterClrMapping/>
   </p:clrMapOvr>
+  <p:timing>
+    <p:tnLst>
+      <p:par>
+        <p:cTn id="1" dur="indefinite" restart="never" nodeType="tmRoot"/>
+      </p:par>
+    </p:tnLst>
+  </p:timing>
 </p:sldLayout>
 </file>
 
@@ -2069,6 +2272,13 @@
   <p:clrMapOvr>
     <a:masterClrMapping/>
   </p:clrMapOvr>
+  <p:timing>
+    <p:tnLst>
+      <p:par>
+        <p:cTn id="1" dur="indefinite" restart="never" nodeType="tmRoot"/>
+      </p:par>
+    </p:tnLst>
+  </p:timing>
 </p:sldLayout>
 </file>
 
@@ -2175,6 +2385,13 @@
   <p:clrMapOvr>
     <a:masterClrMapping/>
   </p:clrMapOvr>
+  <p:timing>
+    <p:tnLst>
+      <p:par>
+        <p:cTn id="1" dur="indefinite" restart="never" nodeType="tmRoot"/>
+      </p:par>
+    </p:tnLst>
+  </p:timing>
 </p:sldLayout>
 </file>
 
@@ -2254,6 +2471,13 @@
   <p:clrMapOvr>
     <a:masterClrMapping/>
   </p:clrMapOvr>
+  <p:timing>
+    <p:tnLst>
+      <p:par>
+        <p:cTn id="1" dur="indefinite" restart="never" nodeType="tmRoot"/>
+      </p:par>
+    </p:tnLst>
+  </p:timing>
 </p:sldLayout>
 </file>
 
@@ -2360,6 +2584,13 @@
   <p:clrMapOvr>
     <a:masterClrMapping/>
   </p:clrMapOvr>
+  <p:timing>
+    <p:tnLst>
+      <p:par>
+        <p:cTn id="1" dur="indefinite" restart="never" nodeType="tmRoot"/>
+      </p:par>
+    </p:tnLst>
+  </p:timing>
 </p:sldLayout>
 </file>
 
@@ -2412,6 +2643,13 @@
   <p:clrMapOvr>
     <a:masterClrMapping/>
   </p:clrMapOvr>
+  <p:timing>
+    <p:tnLst>
+      <p:par>
+        <p:cTn id="1" dur="indefinite" restart="never" nodeType="tmRoot"/>
+      </p:par>
+    </p:tnLst>
+  </p:timing>
 </p:sldLayout>
 </file>
 
@@ -2465,6 +2703,13 @@
   <p:clrMapOvr>
     <a:masterClrMapping/>
   </p:clrMapOvr>
+  <p:timing>
+    <p:tnLst>
+      <p:par>
+        <p:cTn id="1" dur="indefinite" restart="never" nodeType="tmRoot"/>
+      </p:par>
+    </p:tnLst>
+  </p:timing>
 </p:sldLayout>
 </file>
 
@@ -2598,6 +2843,13 @@
   <p:clrMapOvr>
     <a:masterClrMapping/>
   </p:clrMapOvr>
+  <p:timing>
+    <p:tnLst>
+      <p:par>
+        <p:cTn id="1" dur="indefinite" restart="never" nodeType="tmRoot"/>
+      </p:par>
+    </p:tnLst>
+  </p:timing>
 </p:sldLayout>
 </file>
 
@@ -2731,6 +2983,13 @@
   <p:clrMapOvr>
     <a:masterClrMapping/>
   </p:clrMapOvr>
+  <p:timing>
+    <p:tnLst>
+      <p:par>
+        <p:cTn id="1" dur="indefinite" restart="never" nodeType="tmRoot"/>
+      </p:par>
+    </p:tnLst>
+  </p:timing>
 </p:sldLayout>
 </file>
 
@@ -2864,6 +3123,13 @@
   <p:clrMapOvr>
     <a:masterClrMapping/>
   </p:clrMapOvr>
+  <p:timing>
+    <p:tnLst>
+      <p:par>
+        <p:cTn id="1" dur="indefinite" restart="never" nodeType="tmRoot"/>
+      </p:par>
+    </p:tnLst>
+  </p:timing>
 </p:sldLayout>
 </file>
 
@@ -3167,6 +3433,13 @@
     <p:sldLayoutId id="2147483659" r:id="rId11"/>
     <p:sldLayoutId id="2147483660" r:id="rId12"/>
   </p:sldLayoutIdLst>
+  <p:timing>
+    <p:tnLst>
+      <p:par>
+        <p:cTn id="1" dur="indefinite" restart="never" nodeType="tmRoot"/>
+      </p:par>
+    </p:tnLst>
+  </p:timing>
   <p:txStyles>
     <p:titleStyle/>
     <p:bodyStyle/>
@@ -3270,7 +3543,7 @@
               <a:buChar char=""/>
             </a:pPr>
             <a:r>
-              <a:rPr lang="de-DE" sz="3200">
+              <a:rPr lang="de-DE" sz="3200" dirty="0">
                 <a:solidFill>
                   <a:srgbClr val="000000"/>
                 </a:solidFill>
@@ -3278,7 +3551,7 @@
               </a:rPr>
               <a:t>Klicken Sie, um die Formate des Gliederungstextes zu bearbeiten</a:t>
             </a:r>
-            <a:endParaRPr/>
+            <a:endParaRPr dirty="0"/>
           </a:p>
           <a:p>
             <a:pPr lvl="1">
@@ -3287,7 +3560,7 @@
               <a:buChar char=""/>
             </a:pPr>
             <a:r>
-              <a:rPr lang="de-DE" sz="3200">
+              <a:rPr lang="de-DE" sz="3200" dirty="0">
                 <a:solidFill>
                   <a:srgbClr val="000000"/>
                 </a:solidFill>
@@ -3295,7 +3568,7 @@
               </a:rPr>
               <a:t>Zweite Gliederungsebene</a:t>
             </a:r>
-            <a:endParaRPr/>
+            <a:endParaRPr dirty="0"/>
           </a:p>
           <a:p>
             <a:pPr lvl="2">
@@ -3304,7 +3577,7 @@
               <a:buChar char=""/>
             </a:pPr>
             <a:r>
-              <a:rPr lang="de-DE" sz="3200">
+              <a:rPr lang="de-DE" sz="3200" dirty="0">
                 <a:solidFill>
                   <a:srgbClr val="000000"/>
                 </a:solidFill>
@@ -3312,7 +3585,7 @@
               </a:rPr>
               <a:t>Dritte Gliederungsebene</a:t>
             </a:r>
-            <a:endParaRPr/>
+            <a:endParaRPr dirty="0"/>
           </a:p>
           <a:p>
             <a:pPr lvl="3">
@@ -3321,7 +3594,7 @@
               <a:buChar char=""/>
             </a:pPr>
             <a:r>
-              <a:rPr lang="de-DE" sz="3200">
+              <a:rPr lang="de-DE" sz="3200" dirty="0">
                 <a:solidFill>
                   <a:srgbClr val="000000"/>
                 </a:solidFill>
@@ -3329,7 +3602,7 @@
               </a:rPr>
               <a:t>Vierte Gliederungsebene</a:t>
             </a:r>
-            <a:endParaRPr/>
+            <a:endParaRPr dirty="0"/>
           </a:p>
           <a:p>
             <a:pPr lvl="4">
@@ -3338,7 +3611,7 @@
               <a:buChar char=""/>
             </a:pPr>
             <a:r>
-              <a:rPr lang="de-DE" sz="3200">
+              <a:rPr lang="de-DE" sz="3200" dirty="0">
                 <a:solidFill>
                   <a:srgbClr val="000000"/>
                 </a:solidFill>
@@ -3346,7 +3619,7 @@
               </a:rPr>
               <a:t>Fünfte Gliederungsebene</a:t>
             </a:r>
-            <a:endParaRPr/>
+            <a:endParaRPr dirty="0"/>
           </a:p>
           <a:p>
             <a:pPr lvl="5">
@@ -3355,7 +3628,7 @@
               <a:buChar char=""/>
             </a:pPr>
             <a:r>
-              <a:rPr lang="de-DE" sz="3200">
+              <a:rPr lang="de-DE" sz="3200" dirty="0">
                 <a:solidFill>
                   <a:srgbClr val="000000"/>
                 </a:solidFill>
@@ -3363,7 +3636,7 @@
               </a:rPr>
               <a:t>Sechste Gliederungsebene</a:t>
             </a:r>
-            <a:endParaRPr/>
+            <a:endParaRPr dirty="0"/>
           </a:p>
           <a:p>
             <a:pPr>
@@ -3374,15 +3647,33 @@
               <a:buChar char="•"/>
             </a:pPr>
             <a:r>
-              <a:rPr lang="de-DE" sz="3200">
+              <a:rPr lang="de-DE" sz="3200" dirty="0">
                 <a:solidFill>
                   <a:srgbClr val="000000"/>
                 </a:solidFill>
                 <a:latin typeface="Calibri"/>
               </a:rPr>
-              <a:t>Siebente GliederungsebeneTextmasterformate durch Klicken bearbeiten</a:t>
-            </a:r>
-            <a:endParaRPr/>
+              <a:t>Siebente </a:t>
+            </a:r>
+            <a:r>
+              <a:rPr lang="de-DE" sz="3200" dirty="0" err="1">
+                <a:solidFill>
+                  <a:srgbClr val="000000"/>
+                </a:solidFill>
+                <a:latin typeface="Calibri"/>
+              </a:rPr>
+              <a:t>GliederungsebeneTextmasterformate</a:t>
+            </a:r>
+            <a:r>
+              <a:rPr lang="de-DE" sz="3200" dirty="0">
+                <a:solidFill>
+                  <a:srgbClr val="000000"/>
+                </a:solidFill>
+                <a:latin typeface="Calibri"/>
+              </a:rPr>
+              <a:t> durch Klicken bearbeiten</a:t>
+            </a:r>
+            <a:endParaRPr dirty="0"/>
           </a:p>
           <a:p>
             <a:pPr lvl="1">
@@ -3394,7 +3685,7 @@
               <a:buChar char=""/>
             </a:pPr>
             <a:r>
-              <a:rPr lang="de-DE" sz="2800">
+              <a:rPr lang="de-DE" sz="2800" dirty="0">
                 <a:solidFill>
                   <a:srgbClr val="000000"/>
                 </a:solidFill>
@@ -3402,7 +3693,7 @@
               </a:rPr>
               <a:t>Zweite Ebene</a:t>
             </a:r>
-            <a:endParaRPr/>
+            <a:endParaRPr dirty="0"/>
           </a:p>
           <a:p>
             <a:pPr lvl="2">
@@ -3414,7 +3705,7 @@
               <a:buChar char=""/>
             </a:pPr>
             <a:r>
-              <a:rPr lang="de-DE" sz="2400">
+              <a:rPr lang="de-DE" sz="2400" dirty="0">
                 <a:solidFill>
                   <a:srgbClr val="000000"/>
                 </a:solidFill>
@@ -3422,7 +3713,7 @@
               </a:rPr>
               <a:t>Dritte Ebene</a:t>
             </a:r>
-            <a:endParaRPr/>
+            <a:endParaRPr dirty="0"/>
           </a:p>
           <a:p>
             <a:pPr lvl="3">
@@ -3434,7 +3725,7 @@
               <a:buChar char=""/>
             </a:pPr>
             <a:r>
-              <a:rPr lang="de-DE" sz="2000">
+              <a:rPr lang="de-DE" sz="2000" dirty="0">
                 <a:solidFill>
                   <a:srgbClr val="000000"/>
                 </a:solidFill>
@@ -3442,7 +3733,7 @@
               </a:rPr>
               <a:t>Vierte Ebene</a:t>
             </a:r>
-            <a:endParaRPr/>
+            <a:endParaRPr dirty="0"/>
           </a:p>
           <a:p>
             <a:pPr lvl="4">
@@ -3454,7 +3745,7 @@
               <a:buChar char=""/>
             </a:pPr>
             <a:r>
-              <a:rPr lang="de-DE" sz="2000">
+              <a:rPr lang="de-DE" sz="2000" dirty="0">
                 <a:solidFill>
                   <a:srgbClr val="000000"/>
                 </a:solidFill>
@@ -3462,7 +3753,7 @@
               </a:rPr>
               <a:t>Fünfte Ebene</a:t>
             </a:r>
-            <a:endParaRPr/>
+            <a:endParaRPr dirty="0"/>
           </a:p>
         </p:txBody>
       </p:sp>
@@ -3528,9 +3819,13 @@
         </p:spPr>
         <p:txBody>
           <a:bodyPr anchor="ctr"/>
-          <a:lstStyle/>
-          <a:p>
-            <a:endParaRPr/>
+          <a:lstStyle>
+            <a:lvl1pPr algn="ctr">
+              <a:defRPr/>
+            </a:lvl1pPr>
+          </a:lstStyle>
+          <a:p>
+            <a:endParaRPr lang="de-DE" dirty="0"/>
           </a:p>
         </p:txBody>
       </p:sp>
@@ -3555,23 +3850,23 @@
         </p:spPr>
         <p:txBody>
           <a:bodyPr anchor="ctr"/>
-          <a:lstStyle/>
-          <a:p>
-            <a:pPr>
-              <a:lnSpc>
-                <a:spcPct val="100000"/>
-              </a:lnSpc>
-            </a:pPr>
+          <a:lstStyle>
+            <a:lvl1pPr algn="r">
+              <a:defRPr/>
+            </a:lvl1pPr>
+          </a:lstStyle>
+          <a:p>
             <a:fld id="{36DBF8BE-0576-4598-A578-DD5A1AB431A3}" type="slidenum">
-              <a:rPr lang="de-DE" sz="1600">
+              <a:rPr lang="de-DE" sz="1600" smtClean="0">
                 <a:solidFill>
                   <a:srgbClr val="8B8B8B"/>
                 </a:solidFill>
                 <a:latin typeface="Calibri"/>
               </a:rPr>
+              <a:pPr/>
               <a:t>‹Nr.›</a:t>
             </a:fld>
-            <a:endParaRPr/>
+            <a:endParaRPr lang="de-DE" dirty="0"/>
           </a:p>
         </p:txBody>
       </p:sp>
@@ -3671,6 +3966,13 @@
     <p:sldLayoutId id="2147483672" r:id="rId11"/>
     <p:sldLayoutId id="2147483673" r:id="rId12"/>
   </p:sldLayoutIdLst>
+  <p:timing>
+    <p:tnLst>
+      <p:par>
+        <p:cTn id="1" dur="indefinite" restart="never" nodeType="tmRoot"/>
+      </p:par>
+    </p:tnLst>
+  </p:timing>
   <p:txStyles>
     <p:titleStyle/>
     <p:bodyStyle/>
@@ -5060,188 +5362,6 @@
             </a:solidFill>
           </a:ln>
         </p:spPr>
-      </p:sp>
-      <p:sp>
-        <p:nvSpPr>
-          <p:cNvPr id="2" name="Abgerundete rechteckige Legende 1"/>
-          <p:cNvSpPr/>
-          <p:nvPr/>
-        </p:nvSpPr>
-        <p:spPr>
-          <a:xfrm rot="10800000" flipH="1">
-            <a:off x="755576" y="2781924"/>
-            <a:ext cx="7416824" cy="2015228"/>
-          </a:xfrm>
-          <a:prstGeom prst="wedgeRoundRectCallout">
-            <a:avLst>
-              <a:gd name="adj1" fmla="val -33417"/>
-              <a:gd name="adj2" fmla="val 46785"/>
-              <a:gd name="adj3" fmla="val 16667"/>
-            </a:avLst>
-          </a:prstGeom>
-        </p:spPr>
-        <p:style>
-          <a:lnRef idx="1">
-            <a:schemeClr val="accent1"/>
-          </a:lnRef>
-          <a:fillRef idx="2">
-            <a:schemeClr val="accent1"/>
-          </a:fillRef>
-          <a:effectRef idx="1">
-            <a:schemeClr val="accent1"/>
-          </a:effectRef>
-          <a:fontRef idx="minor">
-            <a:schemeClr val="dk1"/>
-          </a:fontRef>
-        </p:style>
-        <p:txBody>
-          <a:bodyPr rtlCol="0" anchor="ctr"/>
-          <a:lstStyle/>
-          <a:p>
-            <a:pPr algn="ctr"/>
-            <a:endParaRPr lang="de-DE" dirty="0"/>
-          </a:p>
-        </p:txBody>
-      </p:sp>
-      <p:sp>
-        <p:nvSpPr>
-          <p:cNvPr id="3" name="Textfeld 2"/>
-          <p:cNvSpPr txBox="1"/>
-          <p:nvPr/>
-        </p:nvSpPr>
-        <p:spPr>
-          <a:xfrm>
-            <a:off x="913411" y="2914460"/>
-            <a:ext cx="7488832" cy="1585049"/>
-          </a:xfrm>
-          <a:prstGeom prst="rect">
-            <a:avLst/>
-          </a:prstGeom>
-          <a:noFill/>
-        </p:spPr>
-        <p:txBody>
-          <a:bodyPr wrap="square" rtlCol="0">
-            <a:spAutoFit/>
-          </a:bodyPr>
-          <a:lstStyle/>
-          <a:p>
-            <a:r>
-              <a:rPr lang="de-DE" sz="2000" u="sng" dirty="0" smtClean="0"/>
-              <a:t>Merke</a:t>
-            </a:r>
-            <a:r>
-              <a:rPr lang="de-DE" sz="2000" dirty="0" smtClean="0"/>
-              <a:t>:</a:t>
-            </a:r>
-          </a:p>
-          <a:p>
-            <a:r>
-              <a:rPr lang="de-DE" dirty="0" smtClean="0"/>
-              <a:t>Weiß das Subjekt…</a:t>
-            </a:r>
-          </a:p>
-          <a:p>
-            <a:endParaRPr lang="de-DE" dirty="0" smtClean="0"/>
-          </a:p>
-          <a:p>
-            <a:pPr>
-              <a:spcAft>
-                <a:spcPts val="600"/>
-              </a:spcAft>
-            </a:pPr>
-            <a:r>
-              <a:rPr lang="de-DE" dirty="0" smtClean="0"/>
-              <a:t>… von den Anforderungen der Observer 	 	Push-Modell</a:t>
-            </a:r>
-          </a:p>
-          <a:p>
-            <a:r>
-              <a:rPr lang="de-DE" dirty="0" smtClean="0"/>
-              <a:t>… nichts über die Observer 			Pull-Modell</a:t>
-            </a:r>
-            <a:endParaRPr lang="de-DE" dirty="0"/>
-          </a:p>
-        </p:txBody>
-      </p:sp>
-      <p:sp>
-        <p:nvSpPr>
-          <p:cNvPr id="4" name="Pfeil nach rechts 3"/>
-          <p:cNvSpPr/>
-          <p:nvPr/>
-        </p:nvSpPr>
-        <p:spPr>
-          <a:xfrm>
-            <a:off x="5579121" y="3830789"/>
-            <a:ext cx="360040" cy="206528"/>
-          </a:xfrm>
-          <a:prstGeom prst="rightArrow">
-            <a:avLst/>
-          </a:prstGeom>
-        </p:spPr>
-        <p:style>
-          <a:lnRef idx="2">
-            <a:schemeClr val="accent1">
-              <a:shade val="50000"/>
-            </a:schemeClr>
-          </a:lnRef>
-          <a:fillRef idx="1">
-            <a:schemeClr val="accent1"/>
-          </a:fillRef>
-          <a:effectRef idx="0">
-            <a:schemeClr val="accent1"/>
-          </a:effectRef>
-          <a:fontRef idx="minor">
-            <a:schemeClr val="lt1"/>
-          </a:fontRef>
-        </p:style>
-        <p:txBody>
-          <a:bodyPr rtlCol="0" anchor="ctr"/>
-          <a:lstStyle/>
-          <a:p>
-            <a:pPr algn="ctr"/>
-            <a:endParaRPr lang="de-DE"/>
-          </a:p>
-        </p:txBody>
-      </p:sp>
-      <p:sp>
-        <p:nvSpPr>
-          <p:cNvPr id="11" name="Pfeil nach rechts 10"/>
-          <p:cNvSpPr/>
-          <p:nvPr/>
-        </p:nvSpPr>
-        <p:spPr>
-          <a:xfrm>
-            <a:off x="5580112" y="4189717"/>
-            <a:ext cx="360040" cy="206528"/>
-          </a:xfrm>
-          <a:prstGeom prst="rightArrow">
-            <a:avLst/>
-          </a:prstGeom>
-        </p:spPr>
-        <p:style>
-          <a:lnRef idx="2">
-            <a:schemeClr val="accent1">
-              <a:shade val="50000"/>
-            </a:schemeClr>
-          </a:lnRef>
-          <a:fillRef idx="1">
-            <a:schemeClr val="accent1"/>
-          </a:fillRef>
-          <a:effectRef idx="0">
-            <a:schemeClr val="accent1"/>
-          </a:effectRef>
-          <a:fontRef idx="minor">
-            <a:schemeClr val="lt1"/>
-          </a:fontRef>
-        </p:style>
-        <p:txBody>
-          <a:bodyPr rtlCol="0" anchor="ctr"/>
-          <a:lstStyle/>
-          <a:p>
-            <a:pPr algn="ctr"/>
-            <a:endParaRPr lang="de-DE"/>
-          </a:p>
-        </p:txBody>
       </p:sp>
     </p:spTree>
   </p:cSld>
@@ -6216,15 +6336,24 @@
               </a:lnSpc>
             </a:pPr>
             <a:r>
-              <a:rPr lang="de-DE" sz="4400">
+              <a:rPr lang="de-DE" sz="4400" dirty="0">
                 <a:solidFill>
                   <a:srgbClr val="000000"/>
                 </a:solidFill>
                 <a:latin typeface="Calibri"/>
               </a:rPr>
-              <a:t>Model-View-Presenter</a:t>
-            </a:r>
-            <a:endParaRPr/>
+              <a:t>Model-View-</a:t>
+            </a:r>
+            <a:r>
+              <a:rPr lang="de-DE" sz="4400" dirty="0" err="1">
+                <a:solidFill>
+                  <a:srgbClr val="000000"/>
+                </a:solidFill>
+                <a:latin typeface="Calibri"/>
+              </a:rPr>
+              <a:t>Presenter</a:t>
+            </a:r>
+            <a:endParaRPr dirty="0"/>
           </a:p>
         </p:txBody>
       </p:sp>
@@ -6317,15 +6446,15 @@
               <a:buChar char="•"/>
             </a:pPr>
             <a:r>
-              <a:rPr lang="de-DE" sz="3200">
+              <a:rPr lang="de-DE" sz="3200" dirty="0" smtClean="0">
                 <a:solidFill>
                   <a:srgbClr val="000000"/>
                 </a:solidFill>
                 <a:latin typeface="Calibri"/>
               </a:rPr>
-              <a:t>Einführung</a:t>
-            </a:r>
-            <a:endParaRPr/>
+              <a:t> Einführung</a:t>
+            </a:r>
+            <a:endParaRPr dirty="0"/>
           </a:p>
           <a:p>
             <a:pPr>
@@ -6336,15 +6465,24 @@
               <a:buChar char="•"/>
             </a:pPr>
             <a:r>
-              <a:rPr lang="de-DE" sz="3200">
+              <a:rPr lang="de-DE" sz="3200" dirty="0" smtClean="0">
                 <a:solidFill>
                   <a:srgbClr val="000000"/>
                 </a:solidFill>
                 <a:latin typeface="Calibri"/>
               </a:rPr>
-              <a:t>Aufbau einer MVP-Anwendung</a:t>
-            </a:r>
-            <a:endParaRPr/>
+              <a:t> Aufbau </a:t>
+            </a:r>
+            <a:r>
+              <a:rPr lang="de-DE" sz="3200" dirty="0">
+                <a:solidFill>
+                  <a:srgbClr val="000000"/>
+                </a:solidFill>
+                <a:latin typeface="Calibri"/>
+              </a:rPr>
+              <a:t>einer MVP-Anwendung</a:t>
+            </a:r>
+            <a:endParaRPr dirty="0"/>
           </a:p>
           <a:p>
             <a:pPr>
@@ -6355,15 +6493,24 @@
               <a:buChar char="•"/>
             </a:pPr>
             <a:r>
-              <a:rPr lang="de-DE" sz="3200">
+              <a:rPr lang="de-DE" sz="3200" dirty="0" smtClean="0">
                 <a:solidFill>
                   <a:srgbClr val="000000"/>
                 </a:solidFill>
                 <a:latin typeface="Calibri"/>
               </a:rPr>
-              <a:t>Konkrete Problemstellung</a:t>
-            </a:r>
-            <a:endParaRPr/>
+              <a:t> Konkrete </a:t>
+            </a:r>
+            <a:r>
+              <a:rPr lang="de-DE" sz="3200" dirty="0">
+                <a:solidFill>
+                  <a:srgbClr val="000000"/>
+                </a:solidFill>
+                <a:latin typeface="Calibri"/>
+              </a:rPr>
+              <a:t>Problemstellung</a:t>
+            </a:r>
+            <a:endParaRPr dirty="0"/>
           </a:p>
           <a:p>
             <a:pPr>
@@ -6374,15 +6521,24 @@
               <a:buChar char="•"/>
             </a:pPr>
             <a:r>
-              <a:rPr lang="de-DE" sz="3200">
+              <a:rPr lang="de-DE" sz="3200" dirty="0" smtClean="0">
                 <a:solidFill>
                   <a:srgbClr val="000000"/>
                 </a:solidFill>
                 <a:latin typeface="Calibri"/>
               </a:rPr>
-              <a:t>Mögliche Lösung</a:t>
-            </a:r>
-            <a:endParaRPr/>
+              <a:t> Mögliche </a:t>
+            </a:r>
+            <a:r>
+              <a:rPr lang="de-DE" sz="3200" dirty="0">
+                <a:solidFill>
+                  <a:srgbClr val="000000"/>
+                </a:solidFill>
+                <a:latin typeface="Calibri"/>
+              </a:rPr>
+              <a:t>Lösung</a:t>
+            </a:r>
+            <a:endParaRPr dirty="0"/>
           </a:p>
           <a:p>
             <a:pPr>
@@ -6393,15 +6549,24 @@
               <a:buChar char="•"/>
             </a:pPr>
             <a:r>
-              <a:rPr lang="de-DE" sz="3200">
+              <a:rPr lang="de-DE" sz="3200" dirty="0" smtClean="0">
                 <a:solidFill>
                   <a:srgbClr val="000000"/>
                 </a:solidFill>
                 <a:latin typeface="Calibri"/>
               </a:rPr>
-              <a:t>Vor und Nachteile</a:t>
-            </a:r>
-            <a:endParaRPr/>
+              <a:t> Vor </a:t>
+            </a:r>
+            <a:r>
+              <a:rPr lang="de-DE" sz="3200" dirty="0">
+                <a:solidFill>
+                  <a:srgbClr val="000000"/>
+                </a:solidFill>
+                <a:latin typeface="Calibri"/>
+              </a:rPr>
+              <a:t>und Nachteile</a:t>
+            </a:r>
+            <a:endParaRPr dirty="0"/>
           </a:p>
           <a:p>
             <a:pPr>
@@ -6412,15 +6577,15 @@
               <a:buChar char="•"/>
             </a:pPr>
             <a:r>
-              <a:rPr lang="de-DE" sz="3200">
+              <a:rPr lang="de-DE" sz="3200" dirty="0" smtClean="0">
                 <a:solidFill>
                   <a:srgbClr val="000000"/>
                 </a:solidFill>
                 <a:latin typeface="Calibri"/>
               </a:rPr>
-              <a:t>Fazit</a:t>
-            </a:r>
-            <a:endParaRPr/>
+              <a:t> Fazit</a:t>
+            </a:r>
+            <a:endParaRPr dirty="0"/>
           </a:p>
         </p:txBody>
       </p:sp>
@@ -6480,7 +6645,7 @@
           <a:bodyPr anchor="ctr"/>
           <a:lstStyle/>
           <a:p>
-            <a:pPr>
+            <a:pPr algn="r">
               <a:lnSpc>
                 <a:spcPct val="100000"/>
               </a:lnSpc>
@@ -6492,9 +6657,14 @@
                 </a:solidFill>
                 <a:latin typeface="Calibri"/>
               </a:rPr>
+              <a:pPr algn="r">
+                <a:lnSpc>
+                  <a:spcPct val="100000"/>
+                </a:lnSpc>
+              </a:pPr>
               <a:t>17</a:t>
             </a:fld>
-            <a:endParaRPr/>
+            <a:endParaRPr dirty="0"/>
           </a:p>
         </p:txBody>
       </p:sp>
@@ -6503,6 +6673,13 @@
   <p:clrMapOvr>
     <a:masterClrMapping/>
   </p:clrMapOvr>
+  <p:timing>
+    <p:tnLst>
+      <p:par>
+        <p:cTn id="1" dur="indefinite" restart="never" nodeType="tmRoot"/>
+      </p:par>
+    </p:tnLst>
+  </p:timing>
 </p:sld>
 </file>
 
@@ -6728,7 +6905,7 @@
           <a:bodyPr anchor="ctr"/>
           <a:lstStyle/>
           <a:p>
-            <a:pPr>
+            <a:pPr algn="r">
               <a:lnSpc>
                 <a:spcPct val="100000"/>
               </a:lnSpc>
@@ -6740,9 +6917,14 @@
                 </a:solidFill>
                 <a:latin typeface="Calibri"/>
               </a:rPr>
+              <a:pPr algn="r">
+                <a:lnSpc>
+                  <a:spcPct val="100000"/>
+                </a:lnSpc>
+              </a:pPr>
               <a:t>18</a:t>
             </a:fld>
-            <a:endParaRPr/>
+            <a:endParaRPr dirty="0"/>
           </a:p>
         </p:txBody>
       </p:sp>
@@ -6751,6 +6933,13 @@
   <p:clrMapOvr>
     <a:masterClrMapping/>
   </p:clrMapOvr>
+  <p:timing>
+    <p:tnLst>
+      <p:par>
+        <p:cTn id="1" dur="indefinite" restart="never" nodeType="tmRoot"/>
+      </p:par>
+    </p:tnLst>
+  </p:timing>
 </p:sld>
 </file>
 
@@ -6956,6 +7145,13 @@
   <p:clrMapOvr>
     <a:masterClrMapping/>
   </p:clrMapOvr>
+  <p:timing>
+    <p:tnLst>
+      <p:par>
+        <p:cTn id="1" dur="indefinite" restart="never" nodeType="tmRoot"/>
+      </p:par>
+    </p:tnLst>
+  </p:timing>
 </p:sld>
 </file>
 
@@ -7484,6 +7680,13 @@
   <p:clrMapOvr>
     <a:masterClrMapping/>
   </p:clrMapOvr>
+  <p:timing>
+    <p:tnLst>
+      <p:par>
+        <p:cTn id="1" dur="indefinite" restart="never" nodeType="tmRoot"/>
+      </p:par>
+    </p:tnLst>
+  </p:timing>
 </p:sld>
 </file>
 
@@ -7749,6 +7952,13 @@
   <p:clrMapOvr>
     <a:masterClrMapping/>
   </p:clrMapOvr>
+  <p:timing>
+    <p:tnLst>
+      <p:par>
+        <p:cTn id="1" dur="indefinite" restart="never" nodeType="tmRoot"/>
+      </p:par>
+    </p:tnLst>
+  </p:timing>
 </p:sld>
 </file>
 
@@ -7885,6 +8095,13 @@
   <p:clrMapOvr>
     <a:masterClrMapping/>
   </p:clrMapOvr>
+  <p:timing>
+    <p:tnLst>
+      <p:par>
+        <p:cTn id="1" dur="indefinite" restart="never" nodeType="tmRoot"/>
+      </p:par>
+    </p:tnLst>
+  </p:timing>
 </p:sld>
 </file>
 
@@ -8144,6 +8361,13 @@
   <p:clrMapOvr>
     <a:masterClrMapping/>
   </p:clrMapOvr>
+  <p:timing>
+    <p:tnLst>
+      <p:par>
+        <p:cTn id="1" dur="indefinite" restart="never" nodeType="tmRoot"/>
+      </p:par>
+    </p:tnLst>
+  </p:timing>
 </p:sld>
 </file>
 
@@ -8440,6 +8664,13 @@
   <p:clrMapOvr>
     <a:masterClrMapping/>
   </p:clrMapOvr>
+  <p:timing>
+    <p:tnLst>
+      <p:par>
+        <p:cTn id="1" dur="indefinite" restart="never" nodeType="tmRoot"/>
+      </p:par>
+    </p:tnLst>
+  </p:timing>
 </p:sld>
 </file>
 
@@ -8736,6 +8967,13 @@
   <p:clrMapOvr>
     <a:masterClrMapping/>
   </p:clrMapOvr>
+  <p:timing>
+    <p:tnLst>
+      <p:par>
+        <p:cTn id="1" dur="indefinite" restart="never" nodeType="tmRoot"/>
+      </p:par>
+    </p:tnLst>
+  </p:timing>
 </p:sld>
 </file>
 
@@ -11508,7 +11746,7 @@
               </a:lnSpc>
             </a:pPr>
             <a:r>
-              <a:rPr lang="de-DE" sz="1600">
+              <a:rPr lang="de-DE" sz="1600" dirty="0">
                 <a:solidFill>
                   <a:srgbClr val="8B8B8B"/>
                 </a:solidFill>
@@ -11516,7 +11754,7 @@
               </a:rPr>
               <a:t>21.05.13</a:t>
             </a:r>
-            <a:endParaRPr/>
+            <a:endParaRPr dirty="0"/>
           </a:p>
         </p:txBody>
       </p:sp>
@@ -11786,231 +12024,13 @@
   <p:clrMapOvr>
     <a:masterClrMapping/>
   </p:clrMapOvr>
-</p:sld>
-</file>
-
-<file path=ppt/slides/slide37.xml><?xml version="1.0" encoding="utf-8"?>
-<p:sld xmlns:a="http://schemas.openxmlformats.org/drawingml/2006/main" xmlns:r="http://schemas.openxmlformats.org/officeDocument/2006/relationships" xmlns:p="http://schemas.openxmlformats.org/presentationml/2006/main">
-  <p:cSld>
-    <p:spTree>
-      <p:nvGrpSpPr>
-        <p:cNvPr id="1" name=""/>
-        <p:cNvGrpSpPr/>
-        <p:nvPr/>
-      </p:nvGrpSpPr>
-      <p:grpSpPr>
-        <a:xfrm>
-          <a:off x="0" y="0"/>
-          <a:ext cx="0" cy="0"/>
-          <a:chOff x="0" y="0"/>
-          <a:chExt cx="0" cy="0"/>
-        </a:xfrm>
-      </p:grpSpPr>
-      <p:sp>
-        <p:nvSpPr>
-          <p:cNvPr id="297" name="TextShape 1"/>
-          <p:cNvSpPr txBox="1"/>
-          <p:nvPr/>
-        </p:nvSpPr>
-        <p:spPr>
-          <a:xfrm>
-            <a:off x="539640" y="1412640"/>
-            <a:ext cx="8229240" cy="935640"/>
-          </a:xfrm>
-          <a:prstGeom prst="rect">
-            <a:avLst/>
-          </a:prstGeom>
-        </p:spPr>
-        <p:txBody>
-          <a:bodyPr anchor="ctr"/>
-          <a:lstStyle/>
-          <a:p>
-            <a:pPr>
-              <a:lnSpc>
-                <a:spcPct val="100000"/>
-              </a:lnSpc>
-            </a:pPr>
-            <a:r>
-              <a:rPr lang="de-DE" sz="3200">
-                <a:solidFill>
-                  <a:srgbClr val="000000"/>
-                </a:solidFill>
-                <a:latin typeface="Calibri"/>
-              </a:rPr>
-              <a:t>Und jetzt können noch abschließende Fragen gestellt werden</a:t>
-            </a:r>
-            <a:endParaRPr/>
-          </a:p>
-        </p:txBody>
-      </p:sp>
-      <p:sp>
-        <p:nvSpPr>
-          <p:cNvPr id="298" name="TextShape 2"/>
-          <p:cNvSpPr txBox="1"/>
-          <p:nvPr/>
-        </p:nvSpPr>
-        <p:spPr>
-          <a:xfrm>
-            <a:off x="457200" y="6356520"/>
-            <a:ext cx="2133360" cy="364680"/>
-          </a:xfrm>
-          <a:prstGeom prst="rect">
-            <a:avLst/>
-          </a:prstGeom>
-        </p:spPr>
-        <p:txBody>
-          <a:bodyPr anchor="ctr"/>
-          <a:lstStyle/>
-          <a:p>
-            <a:pPr>
-              <a:lnSpc>
-                <a:spcPct val="100000"/>
-              </a:lnSpc>
-            </a:pPr>
-            <a:r>
-              <a:rPr lang="de-DE" sz="1600">
-                <a:solidFill>
-                  <a:srgbClr val="8B8B8B"/>
-                </a:solidFill>
-                <a:latin typeface="Calibri"/>
-              </a:rPr>
-              <a:t>21.05.13</a:t>
-            </a:r>
-            <a:endParaRPr/>
-          </a:p>
-        </p:txBody>
-      </p:sp>
-      <p:sp>
-        <p:nvSpPr>
-          <p:cNvPr id="299" name="TextShape 3"/>
-          <p:cNvSpPr txBox="1"/>
-          <p:nvPr/>
-        </p:nvSpPr>
-        <p:spPr>
-          <a:xfrm>
-            <a:off x="6553080" y="6356520"/>
-            <a:ext cx="2133360" cy="364680"/>
-          </a:xfrm>
-          <a:prstGeom prst="rect">
-            <a:avLst/>
-          </a:prstGeom>
-        </p:spPr>
-        <p:txBody>
-          <a:bodyPr anchor="ctr"/>
-          <a:lstStyle/>
-          <a:p>
-            <a:pPr>
-              <a:lnSpc>
-                <a:spcPct val="100000"/>
-              </a:lnSpc>
-            </a:pPr>
-            <a:fld id="{F07A901C-E79D-4374-8CAC-AFAF2D28B279}" type="slidenum">
-              <a:rPr lang="de-DE" sz="1600">
-                <a:solidFill>
-                  <a:srgbClr val="8B8B8B"/>
-                </a:solidFill>
-                <a:latin typeface="Calibri"/>
-              </a:rPr>
-              <a:t>37</a:t>
-            </a:fld>
-            <a:endParaRPr/>
-          </a:p>
-        </p:txBody>
-      </p:sp>
-      <p:sp>
-        <p:nvSpPr>
-          <p:cNvPr id="300" name="CustomShape 4"/>
-          <p:cNvSpPr/>
-          <p:nvPr/>
-        </p:nvSpPr>
-        <p:spPr>
-          <a:xfrm rot="5400000">
-            <a:off x="4230360" y="2547000"/>
-            <a:ext cx="755640" cy="863640"/>
-          </a:xfrm>
-          <a:prstGeom prst="rightArrow">
-            <a:avLst>
-              <a:gd name="adj1" fmla="val 50000"/>
-              <a:gd name="adj2" fmla="val 50000"/>
-            </a:avLst>
-          </a:prstGeom>
-          <a:solidFill>
-            <a:srgbClr val="4F81BD"/>
-          </a:solidFill>
-          <a:ln w="25560">
-            <a:solidFill>
-              <a:srgbClr val="3A5F8B"/>
-            </a:solidFill>
-            <a:round/>
-          </a:ln>
-        </p:spPr>
-      </p:sp>
-      <p:sp>
-        <p:nvSpPr>
-          <p:cNvPr id="301" name="CustomShape 5"/>
-          <p:cNvSpPr/>
-          <p:nvPr/>
-        </p:nvSpPr>
-        <p:spPr>
-          <a:xfrm>
-            <a:off x="2411640" y="3645000"/>
-            <a:ext cx="5184360" cy="639000"/>
-          </a:xfrm>
-          <a:prstGeom prst="rect">
-            <a:avLst/>
-          </a:prstGeom>
-        </p:spPr>
-        <p:txBody>
-          <a:bodyPr lIns="90000" tIns="45000" rIns="90000" bIns="45000"/>
-          <a:lstStyle/>
-          <a:p>
-            <a:pPr>
-              <a:lnSpc>
-                <a:spcPct val="100000"/>
-              </a:lnSpc>
-            </a:pPr>
-            <a:r>
-              <a:rPr lang="de-DE">
-                <a:solidFill>
-                  <a:srgbClr val="000000"/>
-                </a:solidFill>
-                <a:latin typeface="Calibri"/>
-              </a:rPr>
-              <a:t>Z. B. warum ich den blauen Pfeil als Autoform in Powerpoint so gerne mag</a:t>
-            </a:r>
-            <a:endParaRPr/>
-          </a:p>
-        </p:txBody>
-      </p:sp>
-      <p:sp>
-        <p:nvSpPr>
-          <p:cNvPr id="302" name="CustomShape 6"/>
-          <p:cNvSpPr/>
-          <p:nvPr/>
-        </p:nvSpPr>
-        <p:spPr>
-          <a:xfrm>
-            <a:off x="3420000" y="4365000"/>
-            <a:ext cx="2520000" cy="2016000"/>
-          </a:xfrm>
-          <a:prstGeom prst="smileyFace">
-            <a:avLst>
-              <a:gd name="adj" fmla="val 4653"/>
-            </a:avLst>
-          </a:prstGeom>
-          <a:ln w="25560">
-            <a:solidFill>
-              <a:srgbClr val="3A5F8B"/>
-            </a:solidFill>
-            <a:round/>
-          </a:ln>
-        </p:spPr>
-      </p:sp>
-    </p:spTree>
-  </p:cSld>
-  <p:clrMapOvr>
-    <a:masterClrMapping/>
-  </p:clrMapOvr>
+  <p:timing>
+    <p:tnLst>
+      <p:par>
+        <p:cTn id="1" dur="indefinite" restart="never" nodeType="tmRoot"/>
+      </p:par>
+    </p:tnLst>
+  </p:timing>
 </p:sld>
 </file>
 
@@ -12987,219 +13007,6 @@
           </a:ln>
         </p:spPr>
       </p:sp>
-      <p:pic>
-        <p:nvPicPr>
-          <p:cNvPr id="7" name="Grafik 6"/>
-          <p:cNvPicPr/>
-          <p:nvPr/>
-        </p:nvPicPr>
-        <p:blipFill>
-          <a:blip r:embed="rId2"/>
-          <a:stretch>
-            <a:fillRect/>
-          </a:stretch>
-        </p:blipFill>
-        <p:spPr>
-          <a:xfrm>
-            <a:off x="1523880" y="4162607"/>
-            <a:ext cx="1224000" cy="1224000"/>
-          </a:xfrm>
-          <a:prstGeom prst="rect">
-            <a:avLst/>
-          </a:prstGeom>
-        </p:spPr>
-      </p:pic>
-      <p:pic>
-        <p:nvPicPr>
-          <p:cNvPr id="8" name="Grafik 7"/>
-          <p:cNvPicPr/>
-          <p:nvPr/>
-        </p:nvPicPr>
-        <p:blipFill>
-          <a:blip r:embed="rId3"/>
-          <a:stretch>
-            <a:fillRect/>
-          </a:stretch>
-        </p:blipFill>
-        <p:spPr>
-          <a:xfrm>
-            <a:off x="5224106" y="3467000"/>
-            <a:ext cx="721440" cy="721440"/>
-          </a:xfrm>
-          <a:prstGeom prst="rect">
-            <a:avLst/>
-          </a:prstGeom>
-        </p:spPr>
-      </p:pic>
-      <p:sp>
-        <p:nvSpPr>
-          <p:cNvPr id="9" name="Pfeil nach rechts 8"/>
-          <p:cNvSpPr/>
-          <p:nvPr/>
-        </p:nvSpPr>
-        <p:spPr>
-          <a:xfrm>
-            <a:off x="2751437" y="4679767"/>
-            <a:ext cx="2666165" cy="189680"/>
-          </a:xfrm>
-          <a:prstGeom prst="rightArrow">
-            <a:avLst/>
-          </a:prstGeom>
-        </p:spPr>
-        <p:style>
-          <a:lnRef idx="2">
-            <a:schemeClr val="accent1">
-              <a:shade val="50000"/>
-            </a:schemeClr>
-          </a:lnRef>
-          <a:fillRef idx="1">
-            <a:schemeClr val="accent1"/>
-          </a:fillRef>
-          <a:effectRef idx="0">
-            <a:schemeClr val="accent1"/>
-          </a:effectRef>
-          <a:fontRef idx="minor">
-            <a:schemeClr val="lt1"/>
-          </a:fontRef>
-        </p:style>
-        <p:txBody>
-          <a:bodyPr rtlCol="0" anchor="ctr"/>
-          <a:lstStyle/>
-          <a:p>
-            <a:pPr algn="ctr"/>
-            <a:endParaRPr lang="de-DE"/>
-          </a:p>
-        </p:txBody>
-      </p:sp>
-      <p:pic>
-        <p:nvPicPr>
-          <p:cNvPr id="10" name="Grafik 9"/>
-          <p:cNvPicPr/>
-          <p:nvPr/>
-        </p:nvPicPr>
-        <p:blipFill>
-          <a:blip r:embed="rId3"/>
-          <a:stretch>
-            <a:fillRect/>
-          </a:stretch>
-        </p:blipFill>
-        <p:spPr>
-          <a:xfrm>
-            <a:off x="5224106" y="5301210"/>
-            <a:ext cx="721440" cy="721440"/>
-          </a:xfrm>
-          <a:prstGeom prst="rect">
-            <a:avLst/>
-          </a:prstGeom>
-        </p:spPr>
-      </p:pic>
-      <p:pic>
-        <p:nvPicPr>
-          <p:cNvPr id="11" name="Grafik 10"/>
-          <p:cNvPicPr/>
-          <p:nvPr/>
-        </p:nvPicPr>
-        <p:blipFill>
-          <a:blip r:embed="rId3"/>
-          <a:stretch>
-            <a:fillRect/>
-          </a:stretch>
-        </p:blipFill>
-        <p:spPr>
-          <a:xfrm>
-            <a:off x="6300192" y="4439720"/>
-            <a:ext cx="721440" cy="721440"/>
-          </a:xfrm>
-          <a:prstGeom prst="rect">
-            <a:avLst/>
-          </a:prstGeom>
-        </p:spPr>
-      </p:pic>
-      <p:sp>
-        <p:nvSpPr>
-          <p:cNvPr id="2" name="Pfeil nach links, rechts und oben 1"/>
-          <p:cNvSpPr/>
-          <p:nvPr/>
-        </p:nvSpPr>
-        <p:spPr>
-          <a:xfrm rot="5400000">
-            <a:off x="5271489" y="4380699"/>
-            <a:ext cx="1053206" cy="787816"/>
-          </a:xfrm>
-          <a:prstGeom prst="leftRightUpArrow">
-            <a:avLst>
-              <a:gd name="adj1" fmla="val 21898"/>
-              <a:gd name="adj2" fmla="val 21898"/>
-              <a:gd name="adj3" fmla="val 28101"/>
-            </a:avLst>
-          </a:prstGeom>
-        </p:spPr>
-        <p:style>
-          <a:lnRef idx="2">
-            <a:schemeClr val="accent1">
-              <a:shade val="50000"/>
-            </a:schemeClr>
-          </a:lnRef>
-          <a:fillRef idx="1">
-            <a:schemeClr val="accent1"/>
-          </a:fillRef>
-          <a:effectRef idx="0">
-            <a:schemeClr val="accent1"/>
-          </a:effectRef>
-          <a:fontRef idx="minor">
-            <a:schemeClr val="lt1"/>
-          </a:fontRef>
-        </p:style>
-        <p:txBody>
-          <a:bodyPr rtlCol="0" anchor="ctr"/>
-          <a:lstStyle/>
-          <a:p>
-            <a:pPr algn="ctr"/>
-            <a:endParaRPr lang="de-DE"/>
-          </a:p>
-        </p:txBody>
-      </p:sp>
-      <p:pic>
-        <p:nvPicPr>
-          <p:cNvPr id="4098" name="Picture 2" descr="E:\Eigene Dateien\Dropbox\__Studium\6.Semester\Design Patterns\Design-Pattern-MVC_git\symbols\exclamationmark.png"/>
-          <p:cNvPicPr>
-            <a:picLocks noChangeAspect="1" noChangeArrowheads="1"/>
-          </p:cNvPicPr>
-          <p:nvPr/>
-        </p:nvPicPr>
-        <p:blipFill>
-          <a:blip r:embed="rId4" cstate="print">
-            <a:extLst>
-              <a:ext uri="{28A0092B-C50C-407E-A947-70E740481C1C}">
-                <a14:useLocalDpi xmlns:a14="http://schemas.microsoft.com/office/drawing/2010/main" val="0"/>
-              </a:ext>
-            </a:extLst>
-          </a:blip>
-          <a:srcRect/>
-          <a:stretch>
-            <a:fillRect/>
-          </a:stretch>
-        </p:blipFill>
-        <p:spPr bwMode="auto">
-          <a:xfrm>
-            <a:off x="3680952" y="4049797"/>
-            <a:ext cx="629970" cy="629970"/>
-          </a:xfrm>
-          <a:prstGeom prst="rect">
-            <a:avLst/>
-          </a:prstGeom>
-          <a:noFill/>
-          <a:extLst>
-            <a:ext uri="{909E8E84-426E-40DD-AFC4-6F175D3DCCD1}">
-              <a14:hiddenFill xmlns:a14="http://schemas.microsoft.com/office/drawing/2010/main">
-                <a:solidFill>
-                  <a:srgbClr val="FFFFFF"/>
-                </a:solidFill>
-              </a14:hiddenFill>
-            </a:ext>
-          </a:extLst>
-        </p:spPr>
-      </p:pic>
     </p:spTree>
   </p:cSld>
   <p:clrMapOvr>
@@ -14049,7 +13856,25 @@
       </a:bgFillStyleLst>
     </a:fmtScheme>
   </a:themeElements>
-  <a:objectDefaults/>
+  <a:objectDefaults>
+    <a:txDef>
+      <a:spPr/>
+      <a:bodyPr anchor="ctr"/>
+      <a:lstStyle>
+        <a:defPPr algn="r">
+          <a:lnSpc>
+            <a:spcPct val="100000"/>
+          </a:lnSpc>
+          <a:defRPr sz="1600">
+            <a:solidFill>
+              <a:srgbClr val="8B8B8B"/>
+            </a:solidFill>
+            <a:latin typeface="Calibri"/>
+          </a:defRPr>
+        </a:defPPr>
+      </a:lstStyle>
+    </a:txDef>
+  </a:objectDefaults>
   <a:extraClrSchemeLst/>
 </a:theme>
 </file>
